--- a/src/assets/1091/ProjectManagement/CH05/05.pptx
+++ b/src/assets/1091/ProjectManagement/CH05/05.pptx
@@ -7,7 +7,7 @@
     <p:sldMasterId id="2147483965" r:id="rId3"/>
   </p:sldMasterIdLst>
   <p:notesMasterIdLst>
-    <p:notesMasterId r:id="rId84"/>
+    <p:notesMasterId r:id="rId91"/>
   </p:notesMasterIdLst>
   <p:sldIdLst>
     <p:sldId id="256" r:id="rId4"/>
@@ -53,43 +53,50 @@
     <p:sldId id="719" r:id="rId44"/>
     <p:sldId id="716" r:id="rId45"/>
     <p:sldId id="495" r:id="rId46"/>
-    <p:sldId id="703" r:id="rId47"/>
-    <p:sldId id="496" r:id="rId48"/>
-    <p:sldId id="497" r:id="rId49"/>
-    <p:sldId id="498" r:id="rId50"/>
-    <p:sldId id="735" r:id="rId51"/>
-    <p:sldId id="499" r:id="rId52"/>
-    <p:sldId id="736" r:id="rId53"/>
-    <p:sldId id="710" r:id="rId54"/>
-    <p:sldId id="500" r:id="rId55"/>
-    <p:sldId id="501" r:id="rId56"/>
-    <p:sldId id="502" r:id="rId57"/>
-    <p:sldId id="503" r:id="rId58"/>
-    <p:sldId id="706" r:id="rId59"/>
-    <p:sldId id="712" r:id="rId60"/>
-    <p:sldId id="711" r:id="rId61"/>
-    <p:sldId id="504" r:id="rId62"/>
-    <p:sldId id="505" r:id="rId63"/>
-    <p:sldId id="506" r:id="rId64"/>
-    <p:sldId id="507" r:id="rId65"/>
-    <p:sldId id="713" r:id="rId66"/>
-    <p:sldId id="707" r:id="rId67"/>
-    <p:sldId id="708" r:id="rId68"/>
-    <p:sldId id="709" r:id="rId69"/>
-    <p:sldId id="717" r:id="rId70"/>
-    <p:sldId id="508" r:id="rId71"/>
-    <p:sldId id="509" r:id="rId72"/>
-    <p:sldId id="510" r:id="rId73"/>
-    <p:sldId id="511" r:id="rId74"/>
-    <p:sldId id="512" r:id="rId75"/>
-    <p:sldId id="718" r:id="rId76"/>
-    <p:sldId id="513" r:id="rId77"/>
-    <p:sldId id="514" r:id="rId78"/>
-    <p:sldId id="723" r:id="rId79"/>
-    <p:sldId id="724" r:id="rId80"/>
-    <p:sldId id="268" r:id="rId81"/>
-    <p:sldId id="318" r:id="rId82"/>
-    <p:sldId id="725" r:id="rId83"/>
+    <p:sldId id="737" r:id="rId47"/>
+    <p:sldId id="738" r:id="rId48"/>
+    <p:sldId id="735" r:id="rId49"/>
+    <p:sldId id="739" r:id="rId50"/>
+    <p:sldId id="740" r:id="rId51"/>
+    <p:sldId id="703" r:id="rId52"/>
+    <p:sldId id="496" r:id="rId53"/>
+    <p:sldId id="497" r:id="rId54"/>
+    <p:sldId id="498" r:id="rId55"/>
+    <p:sldId id="499" r:id="rId56"/>
+    <p:sldId id="736" r:id="rId57"/>
+    <p:sldId id="710" r:id="rId58"/>
+    <p:sldId id="500" r:id="rId59"/>
+    <p:sldId id="501" r:id="rId60"/>
+    <p:sldId id="502" r:id="rId61"/>
+    <p:sldId id="503" r:id="rId62"/>
+    <p:sldId id="741" r:id="rId63"/>
+    <p:sldId id="742" r:id="rId64"/>
+    <p:sldId id="743" r:id="rId65"/>
+    <p:sldId id="711" r:id="rId66"/>
+    <p:sldId id="504" r:id="rId67"/>
+    <p:sldId id="505" r:id="rId68"/>
+    <p:sldId id="706" r:id="rId69"/>
+    <p:sldId id="712" r:id="rId70"/>
+    <p:sldId id="506" r:id="rId71"/>
+    <p:sldId id="507" r:id="rId72"/>
+    <p:sldId id="713" r:id="rId73"/>
+    <p:sldId id="707" r:id="rId74"/>
+    <p:sldId id="708" r:id="rId75"/>
+    <p:sldId id="709" r:id="rId76"/>
+    <p:sldId id="717" r:id="rId77"/>
+    <p:sldId id="508" r:id="rId78"/>
+    <p:sldId id="509" r:id="rId79"/>
+    <p:sldId id="510" r:id="rId80"/>
+    <p:sldId id="511" r:id="rId81"/>
+    <p:sldId id="512" r:id="rId82"/>
+    <p:sldId id="718" r:id="rId83"/>
+    <p:sldId id="513" r:id="rId84"/>
+    <p:sldId id="514" r:id="rId85"/>
+    <p:sldId id="723" r:id="rId86"/>
+    <p:sldId id="724" r:id="rId87"/>
+    <p:sldId id="268" r:id="rId88"/>
+    <p:sldId id="318" r:id="rId89"/>
+    <p:sldId id="725" r:id="rId90"/>
   </p:sldIdLst>
   <p:sldSz cx="12192000" cy="6858000"/>
   <p:notesSz cx="6858000" cy="9144000"/>
@@ -248,11 +255,15 @@
         <p14:section name="指導和管理專案執行" id="{A69AF75D-0067-4473-8AD1-B527E5402B1D}">
           <p14:sldIdLst>
             <p14:sldId id="495"/>
+            <p14:sldId id="737"/>
+            <p14:sldId id="738"/>
+            <p14:sldId id="735"/>
+            <p14:sldId id="739"/>
+            <p14:sldId id="740"/>
             <p14:sldId id="703"/>
             <p14:sldId id="496"/>
             <p14:sldId id="497"/>
             <p14:sldId id="498"/>
-            <p14:sldId id="735"/>
           </p14:sldIdLst>
         </p14:section>
         <p14:section name="管理專案知識" id="{448F633F-0AA4-4933-A473-3EBE10852BEA}">
@@ -268,11 +279,14 @@
         <p14:section name="監視和管制專案工作" id="{35A039CA-BAC3-4F6B-A045-37B23AF1E71F}">
           <p14:sldIdLst>
             <p14:sldId id="503"/>
-            <p14:sldId id="706"/>
-            <p14:sldId id="712"/>
+            <p14:sldId id="741"/>
+            <p14:sldId id="742"/>
+            <p14:sldId id="743"/>
             <p14:sldId id="711"/>
             <p14:sldId id="504"/>
             <p14:sldId id="505"/>
+            <p14:sldId id="706"/>
+            <p14:sldId id="712"/>
             <p14:sldId id="506"/>
           </p14:sldIdLst>
         </p14:section>
@@ -977,7 +991,7 @@
             <a:fld id="{E5C26C61-5F31-47C4-9082-97355FA63596}" type="slidenum">
               <a:rPr lang="en-US" altLang="zh-TW" smtClean="0"/>
               <a:pPr/>
-              <a:t>57</a:t>
+              <a:t>67</a:t>
             </a:fld>
             <a:endParaRPr lang="en-US" altLang="zh-TW"/>
           </a:p>
@@ -22148,7 +22162,9 @@
         </p:nvSpPr>
         <p:spPr/>
         <p:txBody>
-          <a:bodyPr/>
+          <a:bodyPr>
+            <a:normAutofit/>
+          </a:bodyPr>
           <a:lstStyle/>
           <a:p>
             <a:r>
@@ -22176,9 +22192,23 @@
           <a:p>
             <a:r>
               <a:rPr lang="zh-TW" altLang="en-US" dirty="0"/>
-              <a:t>專案經理在專案的角色猶如交響樂團指揮，專案團隊成員如同是樂團成員，專案管理計畫書如樂譜般，樂團指揮依據樂譜指揮團員彈奏出美麗的交響樂。</a:t>
+              <a:t>管理技術團隊與非技術團隊</a:t>
             </a:r>
             <a:endParaRPr lang="en-US" altLang="zh-TW" dirty="0"/>
+          </a:p>
+          <a:p>
+            <a:r>
+              <a:rPr lang="zh-TW" altLang="en-US" dirty="0"/>
+              <a:t>管理不在計畫中的工作、未參與的風險、未預見的挑戰</a:t>
+            </a:r>
+            <a:endParaRPr lang="en-US" altLang="zh-TW" dirty="0"/>
+          </a:p>
+          <a:p>
+            <a:pPr lvl="1"/>
+            <a:r>
+              <a:rPr lang="en-US" altLang="zh-TW" dirty="0"/>
+              <a:t>Up to project manager to determine the best path forward in face of the unexpected</a:t>
+            </a:r>
           </a:p>
           <a:p>
             <a:r>
@@ -22268,6 +22298,847 @@
       </p:grpSpPr>
       <p:sp>
         <p:nvSpPr>
+          <p:cNvPr id="2" name="標題 1">
+            <a:extLst>
+              <a:ext uri="{FF2B5EF4-FFF2-40B4-BE49-F238E27FC236}">
+                <a16:creationId xmlns:a16="http://schemas.microsoft.com/office/drawing/2014/main" id="{A365694C-FEFE-4070-AE34-5B85226252B4}"/>
+              </a:ext>
+            </a:extLst>
+          </p:cNvPr>
+          <p:cNvSpPr>
+            <a:spLocks noGrp="1"/>
+          </p:cNvSpPr>
+          <p:nvPr>
+            <p:ph type="title"/>
+          </p:nvPr>
+        </p:nvSpPr>
+        <p:spPr/>
+        <p:txBody>
+          <a:bodyPr/>
+          <a:lstStyle/>
+          <a:p>
+            <a:r>
+              <a:rPr lang="zh-TW" altLang="en-US" dirty="0"/>
+              <a:t>指導和管理專案執行涉及的活動</a:t>
+            </a:r>
+            <a:br>
+              <a:rPr lang="en-US" altLang="zh-TW" dirty="0"/>
+            </a:br>
+            <a:r>
+              <a:rPr lang="en-US" altLang="zh-TW" dirty="0"/>
+              <a:t>Direct and Manage Project Work Activities</a:t>
+            </a:r>
+            <a:endParaRPr lang="zh-TW" altLang="en-US" dirty="0"/>
+          </a:p>
+        </p:txBody>
+      </p:sp>
+      <p:sp>
+        <p:nvSpPr>
+          <p:cNvPr id="3" name="內容版面配置區 2">
+            <a:extLst>
+              <a:ext uri="{FF2B5EF4-FFF2-40B4-BE49-F238E27FC236}">
+                <a16:creationId xmlns:a16="http://schemas.microsoft.com/office/drawing/2014/main" id="{2992FD99-0AA2-43E6-9E10-33A7D8EF5C6F}"/>
+              </a:ext>
+            </a:extLst>
+          </p:cNvPr>
+          <p:cNvSpPr>
+            <a:spLocks noGrp="1"/>
+          </p:cNvSpPr>
+          <p:nvPr>
+            <p:ph idx="1"/>
+          </p:nvPr>
+        </p:nvSpPr>
+        <p:spPr/>
+        <p:txBody>
+          <a:bodyPr>
+            <a:normAutofit lnSpcReduction="10000"/>
+          </a:bodyPr>
+          <a:lstStyle/>
+          <a:p>
+            <a:r>
+              <a:rPr lang="en-US" altLang="zh-TW" dirty="0"/>
+              <a:t>Perform work to accomplish project objectives </a:t>
+            </a:r>
+          </a:p>
+          <a:p>
+            <a:pPr lvl="1"/>
+            <a:r>
+              <a:rPr lang="en-US" altLang="zh-TW" dirty="0"/>
+              <a:t>Project-specific and management-oriented tasks</a:t>
+            </a:r>
+          </a:p>
+          <a:p>
+            <a:r>
+              <a:rPr lang="en-US" altLang="zh-TW" dirty="0"/>
+              <a:t>Create project deliverables that align with project plans </a:t>
+            </a:r>
+          </a:p>
+          <a:p>
+            <a:pPr lvl="1"/>
+            <a:r>
+              <a:rPr lang="en-US" altLang="zh-TW" dirty="0"/>
+              <a:t>Does the final output match up with what was promised?</a:t>
+            </a:r>
+          </a:p>
+          <a:p>
+            <a:r>
+              <a:rPr lang="en-US" altLang="zh-TW" dirty="0"/>
+              <a:t>Obtain, manage and use resources</a:t>
+            </a:r>
+          </a:p>
+          <a:p>
+            <a:pPr lvl="1"/>
+            <a:r>
+              <a:rPr lang="en-US" altLang="zh-TW" dirty="0"/>
+              <a:t>Equipment, Facilities, Materials, Tools</a:t>
+            </a:r>
+          </a:p>
+          <a:p>
+            <a:r>
+              <a:rPr lang="en-US" altLang="zh-TW" dirty="0"/>
+              <a:t>Implement planned project work methods and standards</a:t>
+            </a:r>
+          </a:p>
+          <a:p>
+            <a:pPr lvl="1"/>
+            <a:r>
+              <a:rPr lang="en-US" altLang="zh-TW" dirty="0"/>
+              <a:t>Make an effective plan, carry it out and iterate as necessary</a:t>
+            </a:r>
+          </a:p>
+          <a:p>
+            <a:r>
+              <a:rPr lang="en-US" altLang="zh-TW" dirty="0"/>
+              <a:t>Generate work performance data and information</a:t>
+            </a:r>
+          </a:p>
+          <a:p>
+            <a:pPr lvl="1"/>
+            <a:r>
+              <a:rPr lang="en-US" altLang="zh-TW" dirty="0"/>
+              <a:t>Cost, Schedule, Technical, Quality, Forecasts</a:t>
+            </a:r>
+            <a:endParaRPr lang="zh-TW" altLang="en-US" dirty="0"/>
+          </a:p>
+        </p:txBody>
+      </p:sp>
+      <p:sp>
+        <p:nvSpPr>
+          <p:cNvPr id="4" name="投影片編號版面配置區 3">
+            <a:extLst>
+              <a:ext uri="{FF2B5EF4-FFF2-40B4-BE49-F238E27FC236}">
+                <a16:creationId xmlns:a16="http://schemas.microsoft.com/office/drawing/2014/main" id="{24F9DCAD-8EFE-412C-BB50-C71AE6FE2A7A}"/>
+              </a:ext>
+            </a:extLst>
+          </p:cNvPr>
+          <p:cNvSpPr>
+            <a:spLocks noGrp="1"/>
+          </p:cNvSpPr>
+          <p:nvPr>
+            <p:ph type="sldNum" sz="quarter" idx="12"/>
+          </p:nvPr>
+        </p:nvSpPr>
+        <p:spPr/>
+        <p:txBody>
+          <a:bodyPr/>
+          <a:lstStyle/>
+          <a:p>
+            <a:fld id="{06AFB70A-E524-49E4-8F5C-48BFBE4381EC}" type="slidenum">
+              <a:rPr lang="en-US" altLang="zh-TW" smtClean="0"/>
+              <a:pPr/>
+              <a:t>44</a:t>
+            </a:fld>
+            <a:endParaRPr lang="en-US" altLang="zh-TW"/>
+          </a:p>
+        </p:txBody>
+      </p:sp>
+    </p:spTree>
+    <p:extLst>
+      <p:ext uri="{BB962C8B-B14F-4D97-AF65-F5344CB8AC3E}">
+        <p14:creationId xmlns:p14="http://schemas.microsoft.com/office/powerpoint/2010/main" val="650884095"/>
+      </p:ext>
+    </p:extLst>
+  </p:cSld>
+  <p:clrMapOvr>
+    <a:masterClrMapping/>
+  </p:clrMapOvr>
+</p:sld>
+</file>
+
+<file path=ppt/slides/slide45.xml><?xml version="1.0" encoding="utf-8"?>
+<p:sld xmlns:a="http://schemas.openxmlformats.org/drawingml/2006/main" xmlns:r="http://schemas.openxmlformats.org/officeDocument/2006/relationships" xmlns:p="http://schemas.openxmlformats.org/presentationml/2006/main">
+  <p:cSld>
+    <p:spTree>
+      <p:nvGrpSpPr>
+        <p:cNvPr id="1" name=""/>
+        <p:cNvGrpSpPr/>
+        <p:nvPr/>
+      </p:nvGrpSpPr>
+      <p:grpSpPr>
+        <a:xfrm>
+          <a:off x="0" y="0"/>
+          <a:ext cx="0" cy="0"/>
+          <a:chOff x="0" y="0"/>
+          <a:chExt cx="0" cy="0"/>
+        </a:xfrm>
+      </p:grpSpPr>
+      <p:sp>
+        <p:nvSpPr>
+          <p:cNvPr id="2" name="標題 1">
+            <a:extLst>
+              <a:ext uri="{FF2B5EF4-FFF2-40B4-BE49-F238E27FC236}">
+                <a16:creationId xmlns:a16="http://schemas.microsoft.com/office/drawing/2014/main" id="{A365694C-FEFE-4070-AE34-5B85226252B4}"/>
+              </a:ext>
+            </a:extLst>
+          </p:cNvPr>
+          <p:cNvSpPr>
+            <a:spLocks noGrp="1"/>
+          </p:cNvSpPr>
+          <p:nvPr>
+            <p:ph type="title"/>
+          </p:nvPr>
+        </p:nvSpPr>
+        <p:spPr/>
+        <p:txBody>
+          <a:bodyPr/>
+          <a:lstStyle/>
+          <a:p>
+            <a:r>
+              <a:rPr lang="zh-TW" altLang="en-US" dirty="0"/>
+              <a:t>指導和管理專案執行涉及的活動（續）</a:t>
+            </a:r>
+            <a:br>
+              <a:rPr lang="en-US" altLang="zh-TW" dirty="0"/>
+            </a:br>
+            <a:r>
+              <a:rPr lang="en-US" altLang="zh-TW" dirty="0"/>
+              <a:t>Direct and Manage Project Work Activities</a:t>
+            </a:r>
+            <a:endParaRPr lang="zh-TW" altLang="en-US" dirty="0"/>
+          </a:p>
+        </p:txBody>
+      </p:sp>
+      <p:sp>
+        <p:nvSpPr>
+          <p:cNvPr id="3" name="內容版面配置區 2">
+            <a:extLst>
+              <a:ext uri="{FF2B5EF4-FFF2-40B4-BE49-F238E27FC236}">
+                <a16:creationId xmlns:a16="http://schemas.microsoft.com/office/drawing/2014/main" id="{2992FD99-0AA2-43E6-9E10-33A7D8EF5C6F}"/>
+              </a:ext>
+            </a:extLst>
+          </p:cNvPr>
+          <p:cNvSpPr>
+            <a:spLocks noGrp="1"/>
+          </p:cNvSpPr>
+          <p:nvPr>
+            <p:ph idx="1"/>
+          </p:nvPr>
+        </p:nvSpPr>
+        <p:spPr/>
+        <p:txBody>
+          <a:bodyPr>
+            <a:normAutofit/>
+          </a:bodyPr>
+          <a:lstStyle/>
+          <a:p>
+            <a:r>
+              <a:rPr lang="en-US" altLang="zh-TW" dirty="0"/>
+              <a:t>Issue change requests and implement approved changes</a:t>
+            </a:r>
+          </a:p>
+          <a:p>
+            <a:pPr lvl="1"/>
+            <a:r>
+              <a:rPr lang="en-US" altLang="zh-TW" dirty="0"/>
+              <a:t>PM may be involved in approval, but that is a separate process</a:t>
+            </a:r>
+          </a:p>
+          <a:p>
+            <a:r>
+              <a:rPr lang="en-US" altLang="zh-TW" dirty="0"/>
+              <a:t>Several activities tie closely to other processes:</a:t>
+            </a:r>
+          </a:p>
+          <a:p>
+            <a:pPr lvl="1"/>
+            <a:r>
+              <a:rPr lang="en-US" altLang="zh-TW" dirty="0"/>
+              <a:t>Manage sellers and suppliers</a:t>
+            </a:r>
+          </a:p>
+          <a:p>
+            <a:pPr lvl="1"/>
+            <a:r>
+              <a:rPr lang="en-US" altLang="zh-TW" dirty="0"/>
+              <a:t>Manage stakeholder engagement</a:t>
+            </a:r>
+          </a:p>
+          <a:p>
+            <a:pPr lvl="1"/>
+            <a:r>
+              <a:rPr lang="en-US" altLang="zh-TW" dirty="0"/>
+              <a:t>Collect and document lessons learned</a:t>
+            </a:r>
+          </a:p>
+          <a:p>
+            <a:pPr lvl="1"/>
+            <a:r>
+              <a:rPr lang="en-US" altLang="zh-TW" dirty="0"/>
+              <a:t>Implement process improvements</a:t>
+            </a:r>
+            <a:endParaRPr lang="zh-TW" altLang="en-US" dirty="0"/>
+          </a:p>
+        </p:txBody>
+      </p:sp>
+      <p:sp>
+        <p:nvSpPr>
+          <p:cNvPr id="4" name="投影片編號版面配置區 3">
+            <a:extLst>
+              <a:ext uri="{FF2B5EF4-FFF2-40B4-BE49-F238E27FC236}">
+                <a16:creationId xmlns:a16="http://schemas.microsoft.com/office/drawing/2014/main" id="{24F9DCAD-8EFE-412C-BB50-C71AE6FE2A7A}"/>
+              </a:ext>
+            </a:extLst>
+          </p:cNvPr>
+          <p:cNvSpPr>
+            <a:spLocks noGrp="1"/>
+          </p:cNvSpPr>
+          <p:nvPr>
+            <p:ph type="sldNum" sz="quarter" idx="12"/>
+          </p:nvPr>
+        </p:nvSpPr>
+        <p:spPr/>
+        <p:txBody>
+          <a:bodyPr/>
+          <a:lstStyle/>
+          <a:p>
+            <a:fld id="{06AFB70A-E524-49E4-8F5C-48BFBE4381EC}" type="slidenum">
+              <a:rPr lang="en-US" altLang="zh-TW" smtClean="0"/>
+              <a:pPr/>
+              <a:t>45</a:t>
+            </a:fld>
+            <a:endParaRPr lang="en-US" altLang="zh-TW"/>
+          </a:p>
+        </p:txBody>
+      </p:sp>
+    </p:spTree>
+    <p:extLst>
+      <p:ext uri="{BB962C8B-B14F-4D97-AF65-F5344CB8AC3E}">
+        <p14:creationId xmlns:p14="http://schemas.microsoft.com/office/powerpoint/2010/main" val="2383536911"/>
+      </p:ext>
+    </p:extLst>
+  </p:cSld>
+  <p:clrMapOvr>
+    <a:masterClrMapping/>
+  </p:clrMapOvr>
+</p:sld>
+</file>
+
+<file path=ppt/slides/slide46.xml><?xml version="1.0" encoding="utf-8"?>
+<p:sld xmlns:a="http://schemas.openxmlformats.org/drawingml/2006/main" xmlns:r="http://schemas.openxmlformats.org/officeDocument/2006/relationships" xmlns:p="http://schemas.openxmlformats.org/presentationml/2006/main">
+  <p:cSld>
+    <p:spTree>
+      <p:nvGrpSpPr>
+        <p:cNvPr id="1" name=""/>
+        <p:cNvGrpSpPr/>
+        <p:nvPr/>
+      </p:nvGrpSpPr>
+      <p:grpSpPr>
+        <a:xfrm>
+          <a:off x="0" y="0"/>
+          <a:ext cx="0" cy="0"/>
+          <a:chOff x="0" y="0"/>
+          <a:chExt cx="0" cy="0"/>
+        </a:xfrm>
+      </p:grpSpPr>
+      <p:sp>
+        <p:nvSpPr>
+          <p:cNvPr id="2" name="標題 1">
+            <a:extLst>
+              <a:ext uri="{FF2B5EF4-FFF2-40B4-BE49-F238E27FC236}">
+                <a16:creationId xmlns:a16="http://schemas.microsoft.com/office/drawing/2014/main" id="{F767D4F1-BFF0-48F6-8979-E977C83D7DD5}"/>
+              </a:ext>
+            </a:extLst>
+          </p:cNvPr>
+          <p:cNvSpPr>
+            <a:spLocks noGrp="1"/>
+          </p:cNvSpPr>
+          <p:nvPr>
+            <p:ph type="title"/>
+          </p:nvPr>
+        </p:nvSpPr>
+        <p:spPr/>
+        <p:txBody>
+          <a:bodyPr/>
+          <a:lstStyle/>
+          <a:p>
+            <a:r>
+              <a:rPr lang="en-US" altLang="zh-TW" dirty="0"/>
+              <a:t>The Role of Work Performance Data</a:t>
+            </a:r>
+            <a:br>
+              <a:rPr lang="en-US" altLang="zh-TW" dirty="0"/>
+            </a:br>
+            <a:r>
+              <a:rPr lang="zh-TW" altLang="en-US" dirty="0"/>
+              <a:t>工作績效資料</a:t>
+            </a:r>
+          </a:p>
+        </p:txBody>
+      </p:sp>
+      <p:sp>
+        <p:nvSpPr>
+          <p:cNvPr id="3" name="內容版面配置區 2">
+            <a:extLst>
+              <a:ext uri="{FF2B5EF4-FFF2-40B4-BE49-F238E27FC236}">
+                <a16:creationId xmlns:a16="http://schemas.microsoft.com/office/drawing/2014/main" id="{9F5DB52C-E0D8-4348-AD5A-2670A1BD8884}"/>
+              </a:ext>
+            </a:extLst>
+          </p:cNvPr>
+          <p:cNvSpPr>
+            <a:spLocks noGrp="1"/>
+          </p:cNvSpPr>
+          <p:nvPr>
+            <p:ph idx="1"/>
+          </p:nvPr>
+        </p:nvSpPr>
+        <p:spPr/>
+        <p:txBody>
+          <a:bodyPr>
+            <a:normAutofit/>
+          </a:bodyPr>
+          <a:lstStyle/>
+          <a:p>
+            <a:r>
+              <a:rPr lang="en-US" altLang="zh-TW" dirty="0"/>
+              <a:t>Generated and collected throughout the course of a project</a:t>
+            </a:r>
+          </a:p>
+          <a:p>
+            <a:pPr lvl="1"/>
+            <a:r>
+              <a:rPr lang="en-US" altLang="zh-TW" dirty="0"/>
+              <a:t>Current status of deliverables</a:t>
+            </a:r>
+          </a:p>
+          <a:p>
+            <a:pPr lvl="1"/>
+            <a:r>
+              <a:rPr lang="en-US" altLang="zh-TW" dirty="0"/>
+              <a:t>Details about project performance</a:t>
+            </a:r>
+          </a:p>
+          <a:p>
+            <a:pPr lvl="1"/>
+            <a:r>
+              <a:rPr lang="en-US" altLang="zh-TW" dirty="0"/>
+              <a:t>Data on effectiveness and efficiency of process</a:t>
+            </a:r>
+          </a:p>
+          <a:p>
+            <a:r>
+              <a:rPr lang="en-US" altLang="zh-TW" dirty="0"/>
+              <a:t>Actions taken based on this data fall under the Direct and Manage Project Work process</a:t>
+            </a:r>
+          </a:p>
+        </p:txBody>
+      </p:sp>
+      <p:sp>
+        <p:nvSpPr>
+          <p:cNvPr id="4" name="投影片編號版面配置區 3">
+            <a:extLst>
+              <a:ext uri="{FF2B5EF4-FFF2-40B4-BE49-F238E27FC236}">
+                <a16:creationId xmlns:a16="http://schemas.microsoft.com/office/drawing/2014/main" id="{DA6AB5FC-D773-4A29-B1C1-BA39815EBA9A}"/>
+              </a:ext>
+            </a:extLst>
+          </p:cNvPr>
+          <p:cNvSpPr>
+            <a:spLocks noGrp="1"/>
+          </p:cNvSpPr>
+          <p:nvPr>
+            <p:ph type="sldNum" sz="quarter" idx="12"/>
+          </p:nvPr>
+        </p:nvSpPr>
+        <p:spPr/>
+        <p:txBody>
+          <a:bodyPr/>
+          <a:lstStyle/>
+          <a:p>
+            <a:fld id="{06AFB70A-E524-49E4-8F5C-48BFBE4381EC}" type="slidenum">
+              <a:rPr lang="en-US" altLang="zh-TW" smtClean="0"/>
+              <a:pPr/>
+              <a:t>46</a:t>
+            </a:fld>
+            <a:endParaRPr lang="en-US" altLang="zh-TW"/>
+          </a:p>
+        </p:txBody>
+      </p:sp>
+    </p:spTree>
+    <p:extLst>
+      <p:ext uri="{BB962C8B-B14F-4D97-AF65-F5344CB8AC3E}">
+        <p14:creationId xmlns:p14="http://schemas.microsoft.com/office/powerpoint/2010/main" val="2012647297"/>
+      </p:ext>
+    </p:extLst>
+  </p:cSld>
+  <p:clrMapOvr>
+    <a:masterClrMapping/>
+  </p:clrMapOvr>
+</p:sld>
+</file>
+
+<file path=ppt/slides/slide47.xml><?xml version="1.0" encoding="utf-8"?>
+<p:sld xmlns:a="http://schemas.openxmlformats.org/drawingml/2006/main" xmlns:r="http://schemas.openxmlformats.org/officeDocument/2006/relationships" xmlns:p="http://schemas.openxmlformats.org/presentationml/2006/main">
+  <p:cSld>
+    <p:spTree>
+      <p:nvGrpSpPr>
+        <p:cNvPr id="1" name=""/>
+        <p:cNvGrpSpPr/>
+        <p:nvPr/>
+      </p:nvGrpSpPr>
+      <p:grpSpPr>
+        <a:xfrm>
+          <a:off x="0" y="0"/>
+          <a:ext cx="0" cy="0"/>
+          <a:chOff x="0" y="0"/>
+          <a:chExt cx="0" cy="0"/>
+        </a:xfrm>
+      </p:grpSpPr>
+      <p:sp>
+        <p:nvSpPr>
+          <p:cNvPr id="2" name="標題 1">
+            <a:extLst>
+              <a:ext uri="{FF2B5EF4-FFF2-40B4-BE49-F238E27FC236}">
+                <a16:creationId xmlns:a16="http://schemas.microsoft.com/office/drawing/2014/main" id="{F767D4F1-BFF0-48F6-8979-E977C83D7DD5}"/>
+              </a:ext>
+            </a:extLst>
+          </p:cNvPr>
+          <p:cNvSpPr>
+            <a:spLocks noGrp="1"/>
+          </p:cNvSpPr>
+          <p:nvPr>
+            <p:ph type="title"/>
+          </p:nvPr>
+        </p:nvSpPr>
+        <p:spPr/>
+        <p:txBody>
+          <a:bodyPr/>
+          <a:lstStyle/>
+          <a:p>
+            <a:r>
+              <a:rPr lang="en-US" altLang="zh-TW" dirty="0"/>
+              <a:t>The Role of Work Performance Data</a:t>
+            </a:r>
+            <a:br>
+              <a:rPr lang="en-US" altLang="zh-TW" dirty="0"/>
+            </a:br>
+            <a:r>
+              <a:rPr lang="zh-TW" altLang="en-US" dirty="0"/>
+              <a:t>工作績效資料（續）</a:t>
+            </a:r>
+          </a:p>
+        </p:txBody>
+      </p:sp>
+      <p:sp>
+        <p:nvSpPr>
+          <p:cNvPr id="3" name="內容版面配置區 2">
+            <a:extLst>
+              <a:ext uri="{FF2B5EF4-FFF2-40B4-BE49-F238E27FC236}">
+                <a16:creationId xmlns:a16="http://schemas.microsoft.com/office/drawing/2014/main" id="{9F5DB52C-E0D8-4348-AD5A-2670A1BD8884}"/>
+              </a:ext>
+            </a:extLst>
+          </p:cNvPr>
+          <p:cNvSpPr>
+            <a:spLocks noGrp="1"/>
+          </p:cNvSpPr>
+          <p:nvPr>
+            <p:ph idx="1"/>
+          </p:nvPr>
+        </p:nvSpPr>
+        <p:spPr/>
+        <p:txBody>
+          <a:bodyPr>
+            <a:normAutofit/>
+          </a:bodyPr>
+          <a:lstStyle/>
+          <a:p>
+            <a:r>
+              <a:rPr lang="zh-TW" altLang="en-US" dirty="0"/>
+              <a:t>比較工作績效資料和各項基準，採取下列措施：</a:t>
+            </a:r>
+            <a:endParaRPr lang="en-US" altLang="zh-TW" dirty="0"/>
+          </a:p>
+          <a:p>
+            <a:r>
+              <a:rPr lang="en-US" altLang="zh-TW" dirty="0"/>
+              <a:t>Corrective action </a:t>
+            </a:r>
+            <a:r>
+              <a:rPr lang="zh-TW" altLang="en-US" dirty="0"/>
+              <a:t>矯正已經發生的偏差</a:t>
+            </a:r>
+            <a:endParaRPr lang="en-US" altLang="zh-TW" dirty="0"/>
+          </a:p>
+          <a:p>
+            <a:pPr lvl="1"/>
+            <a:r>
+              <a:rPr lang="en-US" altLang="zh-TW" dirty="0"/>
+              <a:t>Realigns project work performance with project plans</a:t>
+            </a:r>
+          </a:p>
+          <a:p>
+            <a:r>
+              <a:rPr lang="en-US" altLang="zh-TW" dirty="0"/>
+              <a:t>Preventative action </a:t>
+            </a:r>
+            <a:r>
+              <a:rPr lang="zh-TW" altLang="en-US" dirty="0"/>
+              <a:t>避免未來發生偏差</a:t>
+            </a:r>
+            <a:endParaRPr lang="en-US" altLang="zh-TW" dirty="0"/>
+          </a:p>
+          <a:p>
+            <a:pPr lvl="1"/>
+            <a:r>
+              <a:rPr lang="en-US" altLang="zh-TW" dirty="0"/>
+              <a:t>Ensure future performance of project work is aligned with project plan</a:t>
+            </a:r>
+          </a:p>
+          <a:p>
+            <a:r>
+              <a:rPr lang="en-US" altLang="zh-TW" dirty="0"/>
+              <a:t>Defect repair </a:t>
+            </a:r>
+            <a:r>
+              <a:rPr lang="zh-TW" altLang="en-US" dirty="0"/>
+              <a:t>維修</a:t>
+            </a:r>
+            <a:endParaRPr lang="en-US" altLang="zh-TW" dirty="0"/>
+          </a:p>
+          <a:p>
+            <a:pPr lvl="1"/>
+            <a:r>
+              <a:rPr lang="en-US" altLang="zh-TW" dirty="0"/>
+              <a:t>Modifies a nonconforming product or product component </a:t>
+            </a:r>
+            <a:endParaRPr lang="zh-TW" altLang="en-US" dirty="0"/>
+          </a:p>
+        </p:txBody>
+      </p:sp>
+      <p:sp>
+        <p:nvSpPr>
+          <p:cNvPr id="4" name="投影片編號版面配置區 3">
+            <a:extLst>
+              <a:ext uri="{FF2B5EF4-FFF2-40B4-BE49-F238E27FC236}">
+                <a16:creationId xmlns:a16="http://schemas.microsoft.com/office/drawing/2014/main" id="{DA6AB5FC-D773-4A29-B1C1-BA39815EBA9A}"/>
+              </a:ext>
+            </a:extLst>
+          </p:cNvPr>
+          <p:cNvSpPr>
+            <a:spLocks noGrp="1"/>
+          </p:cNvSpPr>
+          <p:nvPr>
+            <p:ph type="sldNum" sz="quarter" idx="12"/>
+          </p:nvPr>
+        </p:nvSpPr>
+        <p:spPr/>
+        <p:txBody>
+          <a:bodyPr/>
+          <a:lstStyle/>
+          <a:p>
+            <a:fld id="{06AFB70A-E524-49E4-8F5C-48BFBE4381EC}" type="slidenum">
+              <a:rPr lang="en-US" altLang="zh-TW" smtClean="0"/>
+              <a:pPr/>
+              <a:t>47</a:t>
+            </a:fld>
+            <a:endParaRPr lang="en-US" altLang="zh-TW"/>
+          </a:p>
+        </p:txBody>
+      </p:sp>
+    </p:spTree>
+    <p:extLst>
+      <p:ext uri="{BB962C8B-B14F-4D97-AF65-F5344CB8AC3E}">
+        <p14:creationId xmlns:p14="http://schemas.microsoft.com/office/powerpoint/2010/main" val="2776348578"/>
+      </p:ext>
+    </p:extLst>
+  </p:cSld>
+  <p:clrMapOvr>
+    <a:masterClrMapping/>
+  </p:clrMapOvr>
+</p:sld>
+</file>
+
+<file path=ppt/slides/slide48.xml><?xml version="1.0" encoding="utf-8"?>
+<p:sld xmlns:a="http://schemas.openxmlformats.org/drawingml/2006/main" xmlns:r="http://schemas.openxmlformats.org/officeDocument/2006/relationships" xmlns:p="http://schemas.openxmlformats.org/presentationml/2006/main">
+  <p:cSld>
+    <p:spTree>
+      <p:nvGrpSpPr>
+        <p:cNvPr id="1" name=""/>
+        <p:cNvGrpSpPr/>
+        <p:nvPr/>
+      </p:nvGrpSpPr>
+      <p:grpSpPr>
+        <a:xfrm>
+          <a:off x="0" y="0"/>
+          <a:ext cx="0" cy="0"/>
+          <a:chOff x="0" y="0"/>
+          <a:chExt cx="0" cy="0"/>
+        </a:xfrm>
+      </p:grpSpPr>
+      <p:sp>
+        <p:nvSpPr>
+          <p:cNvPr id="2" name="標題 1">
+            <a:extLst>
+              <a:ext uri="{FF2B5EF4-FFF2-40B4-BE49-F238E27FC236}">
+                <a16:creationId xmlns:a16="http://schemas.microsoft.com/office/drawing/2014/main" id="{F767D4F1-BFF0-48F6-8979-E977C83D7DD5}"/>
+              </a:ext>
+            </a:extLst>
+          </p:cNvPr>
+          <p:cNvSpPr>
+            <a:spLocks noGrp="1"/>
+          </p:cNvSpPr>
+          <p:nvPr>
+            <p:ph type="title"/>
+          </p:nvPr>
+        </p:nvSpPr>
+        <p:spPr/>
+        <p:txBody>
+          <a:bodyPr/>
+          <a:lstStyle/>
+          <a:p>
+            <a:r>
+              <a:rPr lang="en-US" altLang="zh-TW" dirty="0"/>
+              <a:t>The Role of Work Performance Data</a:t>
+            </a:r>
+            <a:br>
+              <a:rPr lang="en-US" altLang="zh-TW" dirty="0"/>
+            </a:br>
+            <a:r>
+              <a:rPr lang="zh-TW" altLang="en-US" dirty="0"/>
+              <a:t>工作績效資料（續）</a:t>
+            </a:r>
+          </a:p>
+        </p:txBody>
+      </p:sp>
+      <p:sp>
+        <p:nvSpPr>
+          <p:cNvPr id="3" name="內容版面配置區 2">
+            <a:extLst>
+              <a:ext uri="{FF2B5EF4-FFF2-40B4-BE49-F238E27FC236}">
+                <a16:creationId xmlns:a16="http://schemas.microsoft.com/office/drawing/2014/main" id="{9F5DB52C-E0D8-4348-AD5A-2670A1BD8884}"/>
+              </a:ext>
+            </a:extLst>
+          </p:cNvPr>
+          <p:cNvSpPr>
+            <a:spLocks noGrp="1"/>
+          </p:cNvSpPr>
+          <p:nvPr>
+            <p:ph idx="1"/>
+          </p:nvPr>
+        </p:nvSpPr>
+        <p:spPr/>
+        <p:txBody>
+          <a:bodyPr>
+            <a:normAutofit/>
+          </a:bodyPr>
+          <a:lstStyle/>
+          <a:p>
+            <a:r>
+              <a:rPr lang="en-US" altLang="zh-TW" dirty="0"/>
+              <a:t>Decision to take action is not part of the Direct and Manage Project Work process</a:t>
+            </a:r>
+          </a:p>
+          <a:p>
+            <a:pPr lvl="1"/>
+            <a:r>
+              <a:rPr lang="en-US" altLang="zh-TW" dirty="0"/>
+              <a:t>Actions may be proposed or taken in this process</a:t>
+            </a:r>
+          </a:p>
+          <a:p>
+            <a:pPr lvl="1"/>
+            <a:r>
+              <a:rPr lang="en-US" altLang="zh-TW" dirty="0"/>
+              <a:t>Decisions on whether and which actions should be taken occur during the Perform Integrated Change Control process</a:t>
+            </a:r>
+          </a:p>
+          <a:p>
+            <a:pPr lvl="1"/>
+            <a:r>
+              <a:rPr lang="zh-TW" altLang="en-US" dirty="0"/>
+              <a:t>決策權在 </a:t>
+            </a:r>
+            <a:r>
+              <a:rPr lang="en-US" altLang="zh-TW" dirty="0"/>
+              <a:t>Integrated Change Control Process </a:t>
+            </a:r>
+          </a:p>
+          <a:p>
+            <a:pPr lvl="1"/>
+            <a:endParaRPr lang="zh-TW" altLang="en-US" dirty="0"/>
+          </a:p>
+        </p:txBody>
+      </p:sp>
+      <p:sp>
+        <p:nvSpPr>
+          <p:cNvPr id="4" name="投影片編號版面配置區 3">
+            <a:extLst>
+              <a:ext uri="{FF2B5EF4-FFF2-40B4-BE49-F238E27FC236}">
+                <a16:creationId xmlns:a16="http://schemas.microsoft.com/office/drawing/2014/main" id="{DA6AB5FC-D773-4A29-B1C1-BA39815EBA9A}"/>
+              </a:ext>
+            </a:extLst>
+          </p:cNvPr>
+          <p:cNvSpPr>
+            <a:spLocks noGrp="1"/>
+          </p:cNvSpPr>
+          <p:nvPr>
+            <p:ph type="sldNum" sz="quarter" idx="12"/>
+          </p:nvPr>
+        </p:nvSpPr>
+        <p:spPr/>
+        <p:txBody>
+          <a:bodyPr/>
+          <a:lstStyle/>
+          <a:p>
+            <a:fld id="{06AFB70A-E524-49E4-8F5C-48BFBE4381EC}" type="slidenum">
+              <a:rPr lang="en-US" altLang="zh-TW" smtClean="0"/>
+              <a:pPr/>
+              <a:t>48</a:t>
+            </a:fld>
+            <a:endParaRPr lang="en-US" altLang="zh-TW"/>
+          </a:p>
+        </p:txBody>
+      </p:sp>
+    </p:spTree>
+    <p:extLst>
+      <p:ext uri="{BB962C8B-B14F-4D97-AF65-F5344CB8AC3E}">
+        <p14:creationId xmlns:p14="http://schemas.microsoft.com/office/powerpoint/2010/main" val="268412217"/>
+      </p:ext>
+    </p:extLst>
+  </p:cSld>
+  <p:clrMapOvr>
+    <a:masterClrMapping/>
+  </p:clrMapOvr>
+</p:sld>
+</file>
+
+<file path=ppt/slides/slide49.xml><?xml version="1.0" encoding="utf-8"?>
+<p:sld xmlns:a="http://schemas.openxmlformats.org/drawingml/2006/main" xmlns:r="http://schemas.openxmlformats.org/officeDocument/2006/relationships" xmlns:p="http://schemas.openxmlformats.org/presentationml/2006/main">
+  <p:cSld>
+    <p:spTree>
+      <p:nvGrpSpPr>
+        <p:cNvPr id="1" name=""/>
+        <p:cNvGrpSpPr/>
+        <p:nvPr/>
+      </p:nvGrpSpPr>
+      <p:grpSpPr>
+        <a:xfrm>
+          <a:off x="0" y="0"/>
+          <a:ext cx="0" cy="0"/>
+          <a:chOff x="0" y="0"/>
+          <a:chExt cx="0" cy="0"/>
+        </a:xfrm>
+      </p:grpSpPr>
+      <p:sp>
+        <p:nvSpPr>
           <p:cNvPr id="4" name="投影片編號版面配置區 3">
             <a:extLst>
               <a:ext uri="{FF2B5EF4-FFF2-40B4-BE49-F238E27FC236}">
@@ -22290,7 +23161,7 @@
             <a:fld id="{06AFB70A-E524-49E4-8F5C-48BFBE4381EC}" type="slidenum">
               <a:rPr lang="en-US" altLang="zh-TW" smtClean="0"/>
               <a:pPr/>
-              <a:t>44</a:t>
+              <a:t>49</a:t>
             </a:fld>
             <a:endParaRPr lang="en-US" altLang="zh-TW"/>
           </a:p>
@@ -22339,1017 +23210,6 @@
 </p:sld>
 </file>
 
-<file path=ppt/slides/slide45.xml><?xml version="1.0" encoding="utf-8"?>
-<p:sld xmlns:a="http://schemas.openxmlformats.org/drawingml/2006/main" xmlns:r="http://schemas.openxmlformats.org/officeDocument/2006/relationships" xmlns:p="http://schemas.openxmlformats.org/presentationml/2006/main">
-  <p:cSld>
-    <p:spTree>
-      <p:nvGrpSpPr>
-        <p:cNvPr id="1" name=""/>
-        <p:cNvGrpSpPr/>
-        <p:nvPr/>
-      </p:nvGrpSpPr>
-      <p:grpSpPr>
-        <a:xfrm>
-          <a:off x="0" y="0"/>
-          <a:ext cx="0" cy="0"/>
-          <a:chOff x="0" y="0"/>
-          <a:chExt cx="0" cy="0"/>
-        </a:xfrm>
-      </p:grpSpPr>
-      <p:sp>
-        <p:nvSpPr>
-          <p:cNvPr id="2" name="標題 1">
-            <a:extLst>
-              <a:ext uri="{FF2B5EF4-FFF2-40B4-BE49-F238E27FC236}">
-                <a16:creationId xmlns:a16="http://schemas.microsoft.com/office/drawing/2014/main" id="{4F786165-0E62-4605-BA58-61A17F9DA0F3}"/>
-              </a:ext>
-            </a:extLst>
-          </p:cNvPr>
-          <p:cNvSpPr>
-            <a:spLocks noGrp="1"/>
-          </p:cNvSpPr>
-          <p:nvPr>
-            <p:ph type="title"/>
-          </p:nvPr>
-        </p:nvSpPr>
-        <p:spPr/>
-        <p:txBody>
-          <a:bodyPr/>
-          <a:lstStyle/>
-          <a:p>
-            <a:r>
-              <a:rPr lang="zh-TW" altLang="en-US" dirty="0"/>
-              <a:t>指導和管理專案工作：輸入</a:t>
-            </a:r>
-          </a:p>
-        </p:txBody>
-      </p:sp>
-      <p:sp>
-        <p:nvSpPr>
-          <p:cNvPr id="3" name="內容版面配置區 2">
-            <a:extLst>
-              <a:ext uri="{FF2B5EF4-FFF2-40B4-BE49-F238E27FC236}">
-                <a16:creationId xmlns:a16="http://schemas.microsoft.com/office/drawing/2014/main" id="{6CF8DBCA-F209-4D85-8304-0E77F7907EC7}"/>
-              </a:ext>
-            </a:extLst>
-          </p:cNvPr>
-          <p:cNvSpPr>
-            <a:spLocks noGrp="1"/>
-          </p:cNvSpPr>
-          <p:nvPr>
-            <p:ph idx="1"/>
-          </p:nvPr>
-        </p:nvSpPr>
-        <p:spPr/>
-        <p:txBody>
-          <a:bodyPr>
-            <a:normAutofit fontScale="92500" lnSpcReduction="10000"/>
-          </a:bodyPr>
-          <a:lstStyle/>
-          <a:p>
-            <a:r>
-              <a:rPr lang="zh-TW" altLang="en-US" dirty="0"/>
-              <a:t>專案管理計畫書：</a:t>
-            </a:r>
-            <a:endParaRPr lang="en-US" altLang="zh-TW" dirty="0"/>
-          </a:p>
-          <a:p>
-            <a:pPr lvl="1"/>
-            <a:r>
-              <a:rPr lang="zh-TW" altLang="en-US" dirty="0"/>
-              <a:t>專案管理計畫書中任一部分都可能是此過程之輸入。</a:t>
-            </a:r>
-            <a:endParaRPr lang="en-US" altLang="zh-TW" dirty="0"/>
-          </a:p>
-          <a:p>
-            <a:r>
-              <a:rPr lang="zh-TW" altLang="en-US" dirty="0"/>
-              <a:t>專案文件：</a:t>
-            </a:r>
-            <a:endParaRPr lang="en-US" altLang="zh-TW" dirty="0"/>
-          </a:p>
-          <a:p>
-            <a:pPr lvl="1"/>
-            <a:r>
-              <a:rPr lang="zh-TW" altLang="en-US" dirty="0"/>
-              <a:t>變更日誌、學習經驗檔案、里程碑清單、專案溝通資訊、專案時程、需求追溯矩陣、風險登記簿、和風險報告等。</a:t>
-            </a:r>
-          </a:p>
-          <a:p>
-            <a:r>
-              <a:rPr lang="zh-TW" altLang="en-US" dirty="0"/>
-              <a:t>奉准的變更請求：</a:t>
-            </a:r>
-            <a:endParaRPr lang="en-US" altLang="zh-TW" dirty="0"/>
-          </a:p>
-          <a:p>
-            <a:pPr lvl="1"/>
-            <a:r>
-              <a:rPr lang="zh-TW" altLang="en-US" dirty="0"/>
-              <a:t>批准的變更請求是執行整合變更管制過程的輸出。</a:t>
-            </a:r>
-            <a:r>
-              <a:rPr lang="en-US" altLang="zh-TW" dirty="0"/>
-              <a:t> </a:t>
-            </a:r>
-          </a:p>
-          <a:p>
-            <a:r>
-              <a:rPr lang="zh-TW" altLang="en-US" dirty="0"/>
-              <a:t>企業環境因素：</a:t>
-            </a:r>
-            <a:endParaRPr lang="en-US" altLang="zh-TW" dirty="0"/>
-          </a:p>
-          <a:p>
-            <a:pPr lvl="1"/>
-            <a:r>
-              <a:rPr lang="zh-TW" altLang="en-US" dirty="0"/>
-              <a:t>包含組織架構和組織文化、文化和管理實務、基礎建設、和利害關係人門檻等。</a:t>
-            </a:r>
-            <a:endParaRPr lang="en-US" altLang="zh-TW" dirty="0"/>
-          </a:p>
-          <a:p>
-            <a:r>
-              <a:rPr lang="zh-TW" altLang="en-US" dirty="0"/>
-              <a:t>組織流程資產：</a:t>
-            </a:r>
-            <a:endParaRPr lang="en-US" altLang="zh-TW" dirty="0"/>
-          </a:p>
-          <a:p>
-            <a:pPr lvl="1"/>
-            <a:r>
-              <a:rPr lang="zh-TW" altLang="en-US" dirty="0"/>
-              <a:t>包含組織政策、議題管理程序、績效衡量資料庫、和過去專案資訊。</a:t>
-            </a:r>
-            <a:endParaRPr lang="en-US" altLang="zh-TW" dirty="0"/>
-          </a:p>
-          <a:p>
-            <a:endParaRPr lang="zh-TW" altLang="en-US" dirty="0"/>
-          </a:p>
-        </p:txBody>
-      </p:sp>
-      <p:sp>
-        <p:nvSpPr>
-          <p:cNvPr id="4" name="投影片編號版面配置區 3">
-            <a:extLst>
-              <a:ext uri="{FF2B5EF4-FFF2-40B4-BE49-F238E27FC236}">
-                <a16:creationId xmlns:a16="http://schemas.microsoft.com/office/drawing/2014/main" id="{CD6E9DAE-A2ED-47AB-96D1-BF8FB85499C0}"/>
-              </a:ext>
-            </a:extLst>
-          </p:cNvPr>
-          <p:cNvSpPr>
-            <a:spLocks noGrp="1"/>
-          </p:cNvSpPr>
-          <p:nvPr>
-            <p:ph type="sldNum" sz="quarter" idx="12"/>
-          </p:nvPr>
-        </p:nvSpPr>
-        <p:spPr/>
-        <p:txBody>
-          <a:bodyPr/>
-          <a:lstStyle/>
-          <a:p>
-            <a:fld id="{06AFB70A-E524-49E4-8F5C-48BFBE4381EC}" type="slidenum">
-              <a:rPr lang="en-US" altLang="zh-TW" smtClean="0"/>
-              <a:pPr/>
-              <a:t>45</a:t>
-            </a:fld>
-            <a:endParaRPr lang="en-US" altLang="zh-TW"/>
-          </a:p>
-        </p:txBody>
-      </p:sp>
-    </p:spTree>
-    <p:extLst>
-      <p:ext uri="{BB962C8B-B14F-4D97-AF65-F5344CB8AC3E}">
-        <p14:creationId xmlns:p14="http://schemas.microsoft.com/office/powerpoint/2010/main" val="4152937869"/>
-      </p:ext>
-    </p:extLst>
-  </p:cSld>
-  <p:clrMapOvr>
-    <a:masterClrMapping/>
-  </p:clrMapOvr>
-</p:sld>
-</file>
-
-<file path=ppt/slides/slide46.xml><?xml version="1.0" encoding="utf-8"?>
-<p:sld xmlns:a="http://schemas.openxmlformats.org/drawingml/2006/main" xmlns:r="http://schemas.openxmlformats.org/officeDocument/2006/relationships" xmlns:p="http://schemas.openxmlformats.org/presentationml/2006/main">
-  <p:cSld>
-    <p:spTree>
-      <p:nvGrpSpPr>
-        <p:cNvPr id="1" name=""/>
-        <p:cNvGrpSpPr/>
-        <p:nvPr/>
-      </p:nvGrpSpPr>
-      <p:grpSpPr>
-        <a:xfrm>
-          <a:off x="0" y="0"/>
-          <a:ext cx="0" cy="0"/>
-          <a:chOff x="0" y="0"/>
-          <a:chExt cx="0" cy="0"/>
-        </a:xfrm>
-      </p:grpSpPr>
-      <p:sp>
-        <p:nvSpPr>
-          <p:cNvPr id="2" name="標題 1">
-            <a:extLst>
-              <a:ext uri="{FF2B5EF4-FFF2-40B4-BE49-F238E27FC236}">
-                <a16:creationId xmlns:a16="http://schemas.microsoft.com/office/drawing/2014/main" id="{603E729D-269F-4D05-BDD8-D6A2D302548E}"/>
-              </a:ext>
-            </a:extLst>
-          </p:cNvPr>
-          <p:cNvSpPr>
-            <a:spLocks noGrp="1"/>
-          </p:cNvSpPr>
-          <p:nvPr>
-            <p:ph type="title"/>
-          </p:nvPr>
-        </p:nvSpPr>
-        <p:spPr/>
-        <p:txBody>
-          <a:bodyPr/>
-          <a:lstStyle/>
-          <a:p>
-            <a:r>
-              <a:rPr lang="zh-TW" altLang="en-US" dirty="0"/>
-              <a:t>指導和管理專案工作：工具和技術</a:t>
-            </a:r>
-          </a:p>
-        </p:txBody>
-      </p:sp>
-      <p:sp>
-        <p:nvSpPr>
-          <p:cNvPr id="3" name="內容版面配置區 2">
-            <a:extLst>
-              <a:ext uri="{FF2B5EF4-FFF2-40B4-BE49-F238E27FC236}">
-                <a16:creationId xmlns:a16="http://schemas.microsoft.com/office/drawing/2014/main" id="{6BD3B45D-6595-47ED-9EF8-C1A8A390E7EC}"/>
-              </a:ext>
-            </a:extLst>
-          </p:cNvPr>
-          <p:cNvSpPr>
-            <a:spLocks noGrp="1"/>
-          </p:cNvSpPr>
-          <p:nvPr>
-            <p:ph idx="1"/>
-          </p:nvPr>
-        </p:nvSpPr>
-        <p:spPr/>
-        <p:txBody>
-          <a:bodyPr/>
-          <a:lstStyle/>
-          <a:p>
-            <a:r>
-              <a:rPr lang="zh-TW" altLang="en-US" dirty="0"/>
-              <a:t>專家判斷：</a:t>
-            </a:r>
-            <a:endParaRPr lang="en-US" altLang="zh-TW" dirty="0"/>
-          </a:p>
-          <a:p>
-            <a:pPr lvl="1"/>
-            <a:r>
-              <a:rPr lang="zh-TW" altLang="en-US" dirty="0"/>
-              <a:t>涉及主題的相關專業知識包括專案所屬產業領域的技術知識、成本和預算管理、法律和採購、法律和法規，以及組織治理等。</a:t>
-            </a:r>
-          </a:p>
-          <a:p>
-            <a:r>
-              <a:rPr lang="en-US" altLang="zh-TW" dirty="0"/>
-              <a:t>PMIS</a:t>
-            </a:r>
-            <a:r>
-              <a:rPr lang="zh-TW" altLang="en-US" dirty="0"/>
-              <a:t>：</a:t>
-            </a:r>
-            <a:endParaRPr lang="en-US" altLang="zh-TW" dirty="0"/>
-          </a:p>
-          <a:p>
-            <a:pPr lvl="1"/>
-            <a:r>
-              <a:rPr lang="en-US" altLang="zh-TW" dirty="0"/>
-              <a:t>PMIS</a:t>
-            </a:r>
-            <a:r>
-              <a:rPr lang="zh-TW" altLang="en-US" dirty="0"/>
-              <a:t>提供專案執行所需的一些軟體系統。</a:t>
-            </a:r>
-          </a:p>
-          <a:p>
-            <a:r>
-              <a:rPr lang="zh-TW" altLang="en-US" dirty="0"/>
-              <a:t>會議：</a:t>
-            </a:r>
-            <a:endParaRPr lang="en-US" altLang="zh-TW" dirty="0"/>
-          </a:p>
-          <a:p>
-            <a:pPr lvl="1"/>
-            <a:r>
-              <a:rPr lang="zh-TW" altLang="en-US" dirty="0"/>
-              <a:t>在指導和管理專案工作時，會議用於討論和解決專案的相關議題。</a:t>
-            </a:r>
-          </a:p>
-          <a:p>
-            <a:endParaRPr lang="zh-TW" altLang="en-US" dirty="0"/>
-          </a:p>
-        </p:txBody>
-      </p:sp>
-      <p:sp>
-        <p:nvSpPr>
-          <p:cNvPr id="4" name="投影片編號版面配置區 3">
-            <a:extLst>
-              <a:ext uri="{FF2B5EF4-FFF2-40B4-BE49-F238E27FC236}">
-                <a16:creationId xmlns:a16="http://schemas.microsoft.com/office/drawing/2014/main" id="{3BF02B2D-B73E-459C-91F4-A54ED0A6774F}"/>
-              </a:ext>
-            </a:extLst>
-          </p:cNvPr>
-          <p:cNvSpPr>
-            <a:spLocks noGrp="1"/>
-          </p:cNvSpPr>
-          <p:nvPr>
-            <p:ph type="sldNum" sz="quarter" idx="12"/>
-          </p:nvPr>
-        </p:nvSpPr>
-        <p:spPr/>
-        <p:txBody>
-          <a:bodyPr/>
-          <a:lstStyle/>
-          <a:p>
-            <a:fld id="{06AFB70A-E524-49E4-8F5C-48BFBE4381EC}" type="slidenum">
-              <a:rPr lang="en-US" altLang="zh-TW" smtClean="0"/>
-              <a:pPr/>
-              <a:t>46</a:t>
-            </a:fld>
-            <a:endParaRPr lang="en-US" altLang="zh-TW"/>
-          </a:p>
-        </p:txBody>
-      </p:sp>
-    </p:spTree>
-    <p:extLst>
-      <p:ext uri="{BB962C8B-B14F-4D97-AF65-F5344CB8AC3E}">
-        <p14:creationId xmlns:p14="http://schemas.microsoft.com/office/powerpoint/2010/main" val="289418741"/>
-      </p:ext>
-    </p:extLst>
-  </p:cSld>
-  <p:clrMapOvr>
-    <a:masterClrMapping/>
-  </p:clrMapOvr>
-</p:sld>
-</file>
-
-<file path=ppt/slides/slide47.xml><?xml version="1.0" encoding="utf-8"?>
-<p:sld xmlns:a="http://schemas.openxmlformats.org/drawingml/2006/main" xmlns:r="http://schemas.openxmlformats.org/officeDocument/2006/relationships" xmlns:p="http://schemas.openxmlformats.org/presentationml/2006/main">
-  <p:cSld>
-    <p:spTree>
-      <p:nvGrpSpPr>
-        <p:cNvPr id="1" name=""/>
-        <p:cNvGrpSpPr/>
-        <p:nvPr/>
-      </p:nvGrpSpPr>
-      <p:grpSpPr>
-        <a:xfrm>
-          <a:off x="0" y="0"/>
-          <a:ext cx="0" cy="0"/>
-          <a:chOff x="0" y="0"/>
-          <a:chExt cx="0" cy="0"/>
-        </a:xfrm>
-      </p:grpSpPr>
-      <p:sp>
-        <p:nvSpPr>
-          <p:cNvPr id="2" name="標題 1">
-            <a:extLst>
-              <a:ext uri="{FF2B5EF4-FFF2-40B4-BE49-F238E27FC236}">
-                <a16:creationId xmlns:a16="http://schemas.microsoft.com/office/drawing/2014/main" id="{9B50E68B-8597-48B8-806B-57DA07F6A7F4}"/>
-              </a:ext>
-            </a:extLst>
-          </p:cNvPr>
-          <p:cNvSpPr>
-            <a:spLocks noGrp="1"/>
-          </p:cNvSpPr>
-          <p:nvPr>
-            <p:ph type="title"/>
-          </p:nvPr>
-        </p:nvSpPr>
-        <p:spPr/>
-        <p:txBody>
-          <a:bodyPr/>
-          <a:lstStyle/>
-          <a:p>
-            <a:r>
-              <a:rPr lang="zh-TW" altLang="en-US" dirty="0"/>
-              <a:t>指導和管理專案工作：輸出</a:t>
-            </a:r>
-          </a:p>
-        </p:txBody>
-      </p:sp>
-      <p:sp>
-        <p:nvSpPr>
-          <p:cNvPr id="3" name="內容版面配置區 2">
-            <a:extLst>
-              <a:ext uri="{FF2B5EF4-FFF2-40B4-BE49-F238E27FC236}">
-                <a16:creationId xmlns:a16="http://schemas.microsoft.com/office/drawing/2014/main" id="{086B9DCE-0E7D-42AD-943E-4251B3FBBE4C}"/>
-              </a:ext>
-            </a:extLst>
-          </p:cNvPr>
-          <p:cNvSpPr>
-            <a:spLocks noGrp="1"/>
-          </p:cNvSpPr>
-          <p:nvPr>
-            <p:ph idx="1"/>
-          </p:nvPr>
-        </p:nvSpPr>
-        <p:spPr/>
-        <p:txBody>
-          <a:bodyPr>
-            <a:normAutofit fontScale="77500" lnSpcReduction="20000"/>
-          </a:bodyPr>
-          <a:lstStyle/>
-          <a:p>
-            <a:r>
-              <a:rPr lang="zh-TW" altLang="en-US" dirty="0"/>
-              <a:t>交付標的物：</a:t>
-            </a:r>
-            <a:r>
-              <a:rPr lang="en-US" altLang="zh-TW" dirty="0"/>
-              <a:t>Deliverables</a:t>
-            </a:r>
-          </a:p>
-          <a:p>
-            <a:pPr lvl="1"/>
-            <a:r>
-              <a:rPr lang="zh-TW" altLang="en-US" dirty="0"/>
-              <a:t>有形的產品、無形的服務、或一項成果的呈現。</a:t>
-            </a:r>
-          </a:p>
-          <a:p>
-            <a:r>
-              <a:rPr lang="zh-TW" altLang="en-US" dirty="0"/>
-              <a:t>工作績效資料：</a:t>
-            </a:r>
-            <a:r>
-              <a:rPr lang="en-US" altLang="zh-TW" dirty="0"/>
-              <a:t>Work Performance Data</a:t>
-            </a:r>
-          </a:p>
-          <a:p>
-            <a:pPr lvl="1"/>
-            <a:r>
-              <a:rPr lang="zh-TW" altLang="en-US" dirty="0"/>
-              <a:t>工作績效資料係工作完成程度的原始觀察和衡量。</a:t>
-            </a:r>
-          </a:p>
-          <a:p>
-            <a:r>
-              <a:rPr lang="zh-TW" altLang="en-US" dirty="0"/>
-              <a:t>問題日誌：</a:t>
-            </a:r>
-            <a:r>
-              <a:rPr lang="en-US" altLang="zh-TW" dirty="0"/>
-              <a:t>Issue Log</a:t>
-            </a:r>
-          </a:p>
-          <a:p>
-            <a:pPr lvl="1"/>
-            <a:r>
-              <a:rPr lang="zh-TW" altLang="en-US" dirty="0"/>
-              <a:t>初次建立問題日誌作為輸出</a:t>
-            </a:r>
-            <a:endParaRPr lang="en-US" altLang="zh-TW" dirty="0"/>
-          </a:p>
-          <a:p>
-            <a:pPr lvl="1"/>
-            <a:r>
-              <a:rPr lang="zh-TW" altLang="en-US" dirty="0"/>
-              <a:t>在後續整個專案生命週期中監視和管制活動的結果，隨時更新問題日誌。</a:t>
-            </a:r>
-          </a:p>
-          <a:p>
-            <a:r>
-              <a:rPr lang="zh-TW" altLang="en-US" dirty="0"/>
-              <a:t>變更請求：</a:t>
-            </a:r>
-            <a:r>
-              <a:rPr lang="en-US" altLang="zh-TW" dirty="0"/>
-              <a:t>Change Requests</a:t>
-            </a:r>
-          </a:p>
-          <a:p>
-            <a:pPr lvl="1"/>
-            <a:r>
-              <a:rPr lang="zh-TW" altLang="en-US" dirty="0"/>
-              <a:t>變更請求需經過「執行整合變更管制過程」進行審查。</a:t>
-            </a:r>
-            <a:endParaRPr lang="en-US" altLang="zh-TW" dirty="0"/>
-          </a:p>
-          <a:p>
-            <a:r>
-              <a:rPr lang="zh-TW" altLang="en-US" dirty="0"/>
-              <a:t>專案管理計畫書更新：</a:t>
-            </a:r>
-            <a:endParaRPr lang="en-US" altLang="zh-TW" dirty="0"/>
-          </a:p>
-          <a:p>
-            <a:pPr lvl="1"/>
-            <a:r>
-              <a:rPr lang="zh-TW" altLang="en-US" dirty="0"/>
-              <a:t>當變更需求被核准後，必須立即更新到專案管理計畫書和相關附屬計畫書中。</a:t>
-            </a:r>
-            <a:endParaRPr lang="en-US" altLang="zh-TW" dirty="0"/>
-          </a:p>
-          <a:p>
-            <a:r>
-              <a:rPr lang="zh-TW" altLang="en-US" dirty="0"/>
-              <a:t>專案文件更新：</a:t>
-            </a:r>
-            <a:endParaRPr lang="en-US" altLang="zh-TW" dirty="0"/>
-          </a:p>
-          <a:p>
-            <a:pPr lvl="1"/>
-            <a:r>
-              <a:rPr lang="zh-TW" altLang="en-US" dirty="0"/>
-              <a:t>任何奉准變更需求和工作績效資訊應立即更新到相關文件中。</a:t>
-            </a:r>
-            <a:endParaRPr lang="en-US" altLang="zh-TW" dirty="0"/>
-          </a:p>
-          <a:p>
-            <a:endParaRPr lang="zh-TW" altLang="en-US" dirty="0"/>
-          </a:p>
-        </p:txBody>
-      </p:sp>
-      <p:sp>
-        <p:nvSpPr>
-          <p:cNvPr id="4" name="投影片編號版面配置區 3">
-            <a:extLst>
-              <a:ext uri="{FF2B5EF4-FFF2-40B4-BE49-F238E27FC236}">
-                <a16:creationId xmlns:a16="http://schemas.microsoft.com/office/drawing/2014/main" id="{0CBFA7B4-B02F-49ED-8110-24D541674D07}"/>
-              </a:ext>
-            </a:extLst>
-          </p:cNvPr>
-          <p:cNvSpPr>
-            <a:spLocks noGrp="1"/>
-          </p:cNvSpPr>
-          <p:nvPr>
-            <p:ph type="sldNum" sz="quarter" idx="12"/>
-          </p:nvPr>
-        </p:nvSpPr>
-        <p:spPr/>
-        <p:txBody>
-          <a:bodyPr/>
-          <a:lstStyle/>
-          <a:p>
-            <a:fld id="{06AFB70A-E524-49E4-8F5C-48BFBE4381EC}" type="slidenum">
-              <a:rPr lang="en-US" altLang="zh-TW" smtClean="0"/>
-              <a:pPr/>
-              <a:t>47</a:t>
-            </a:fld>
-            <a:endParaRPr lang="en-US" altLang="zh-TW"/>
-          </a:p>
-        </p:txBody>
-      </p:sp>
-    </p:spTree>
-    <p:extLst>
-      <p:ext uri="{BB962C8B-B14F-4D97-AF65-F5344CB8AC3E}">
-        <p14:creationId xmlns:p14="http://schemas.microsoft.com/office/powerpoint/2010/main" val="2180682595"/>
-      </p:ext>
-    </p:extLst>
-  </p:cSld>
-  <p:clrMapOvr>
-    <a:masterClrMapping/>
-  </p:clrMapOvr>
-</p:sld>
-</file>
-
-<file path=ppt/slides/slide48.xml><?xml version="1.0" encoding="utf-8"?>
-<p:sld xmlns:a="http://schemas.openxmlformats.org/drawingml/2006/main" xmlns:r="http://schemas.openxmlformats.org/officeDocument/2006/relationships" xmlns:p="http://schemas.openxmlformats.org/presentationml/2006/main">
-  <p:cSld>
-    <p:spTree>
-      <p:nvGrpSpPr>
-        <p:cNvPr id="1" name=""/>
-        <p:cNvGrpSpPr/>
-        <p:nvPr/>
-      </p:nvGrpSpPr>
-      <p:grpSpPr>
-        <a:xfrm>
-          <a:off x="0" y="0"/>
-          <a:ext cx="0" cy="0"/>
-          <a:chOff x="0" y="0"/>
-          <a:chExt cx="0" cy="0"/>
-        </a:xfrm>
-      </p:grpSpPr>
-      <p:sp>
-        <p:nvSpPr>
-          <p:cNvPr id="2" name="標題 1">
-            <a:extLst>
-              <a:ext uri="{FF2B5EF4-FFF2-40B4-BE49-F238E27FC236}">
-                <a16:creationId xmlns:a16="http://schemas.microsoft.com/office/drawing/2014/main" id="{F767D4F1-BFF0-48F6-8979-E977C83D7DD5}"/>
-              </a:ext>
-            </a:extLst>
-          </p:cNvPr>
-          <p:cNvSpPr>
-            <a:spLocks noGrp="1"/>
-          </p:cNvSpPr>
-          <p:nvPr>
-            <p:ph type="title"/>
-          </p:nvPr>
-        </p:nvSpPr>
-        <p:spPr/>
-        <p:txBody>
-          <a:bodyPr/>
-          <a:lstStyle/>
-          <a:p>
-            <a:r>
-              <a:rPr lang="en-US" altLang="zh-TW" dirty="0"/>
-              <a:t>Role of Work Performance Data</a:t>
-            </a:r>
-            <a:br>
-              <a:rPr lang="en-US" altLang="zh-TW" dirty="0"/>
-            </a:br>
-            <a:r>
-              <a:rPr lang="zh-TW" altLang="en-US" dirty="0"/>
-              <a:t>工作績效資料</a:t>
-            </a:r>
-          </a:p>
-        </p:txBody>
-      </p:sp>
-      <p:sp>
-        <p:nvSpPr>
-          <p:cNvPr id="3" name="內容版面配置區 2">
-            <a:extLst>
-              <a:ext uri="{FF2B5EF4-FFF2-40B4-BE49-F238E27FC236}">
-                <a16:creationId xmlns:a16="http://schemas.microsoft.com/office/drawing/2014/main" id="{9F5DB52C-E0D8-4348-AD5A-2670A1BD8884}"/>
-              </a:ext>
-            </a:extLst>
-          </p:cNvPr>
-          <p:cNvSpPr>
-            <a:spLocks noGrp="1"/>
-          </p:cNvSpPr>
-          <p:nvPr>
-            <p:ph idx="1"/>
-          </p:nvPr>
-        </p:nvSpPr>
-        <p:spPr/>
-        <p:txBody>
-          <a:bodyPr>
-            <a:normAutofit lnSpcReduction="10000"/>
-          </a:bodyPr>
-          <a:lstStyle/>
-          <a:p>
-            <a:r>
-              <a:rPr lang="en-US" altLang="zh-TW" dirty="0"/>
-              <a:t>Generated and collected throughout the course of a project</a:t>
-            </a:r>
-          </a:p>
-          <a:p>
-            <a:pPr lvl="1"/>
-            <a:r>
-              <a:rPr lang="en-US" altLang="zh-TW" dirty="0"/>
-              <a:t>Current status of deliverables</a:t>
-            </a:r>
-          </a:p>
-          <a:p>
-            <a:pPr lvl="1"/>
-            <a:r>
-              <a:rPr lang="en-US" altLang="zh-TW" dirty="0"/>
-              <a:t>Details about project performance</a:t>
-            </a:r>
-          </a:p>
-          <a:p>
-            <a:pPr lvl="1"/>
-            <a:r>
-              <a:rPr lang="en-US" altLang="zh-TW" dirty="0"/>
-              <a:t>Data on effectiveness and efficiency of process</a:t>
-            </a:r>
-          </a:p>
-          <a:p>
-            <a:r>
-              <a:rPr lang="en-US" altLang="zh-TW" dirty="0"/>
-              <a:t>Corrective action</a:t>
-            </a:r>
-          </a:p>
-          <a:p>
-            <a:pPr lvl="1"/>
-            <a:r>
-              <a:rPr lang="en-US" altLang="zh-TW" dirty="0"/>
-              <a:t>Realigns project work performance with project plans</a:t>
-            </a:r>
-          </a:p>
-          <a:p>
-            <a:r>
-              <a:rPr lang="en-US" altLang="zh-TW" dirty="0"/>
-              <a:t>Preventative action</a:t>
-            </a:r>
-          </a:p>
-          <a:p>
-            <a:pPr lvl="1"/>
-            <a:r>
-              <a:rPr lang="en-US" altLang="zh-TW" dirty="0"/>
-              <a:t>Ensure future performance of project work is aligned with project plan</a:t>
-            </a:r>
-          </a:p>
-          <a:p>
-            <a:r>
-              <a:rPr lang="en-US" altLang="zh-TW" dirty="0"/>
-              <a:t>Defect repair</a:t>
-            </a:r>
-          </a:p>
-          <a:p>
-            <a:pPr lvl="1"/>
-            <a:r>
-              <a:rPr lang="en-US" altLang="zh-TW" dirty="0"/>
-              <a:t>Modifies a nonconforming product or product component </a:t>
-            </a:r>
-            <a:endParaRPr lang="zh-TW" altLang="en-US" dirty="0"/>
-          </a:p>
-        </p:txBody>
-      </p:sp>
-      <p:sp>
-        <p:nvSpPr>
-          <p:cNvPr id="4" name="投影片編號版面配置區 3">
-            <a:extLst>
-              <a:ext uri="{FF2B5EF4-FFF2-40B4-BE49-F238E27FC236}">
-                <a16:creationId xmlns:a16="http://schemas.microsoft.com/office/drawing/2014/main" id="{DA6AB5FC-D773-4A29-B1C1-BA39815EBA9A}"/>
-              </a:ext>
-            </a:extLst>
-          </p:cNvPr>
-          <p:cNvSpPr>
-            <a:spLocks noGrp="1"/>
-          </p:cNvSpPr>
-          <p:nvPr>
-            <p:ph type="sldNum" sz="quarter" idx="12"/>
-          </p:nvPr>
-        </p:nvSpPr>
-        <p:spPr/>
-        <p:txBody>
-          <a:bodyPr/>
-          <a:lstStyle/>
-          <a:p>
-            <a:fld id="{06AFB70A-E524-49E4-8F5C-48BFBE4381EC}" type="slidenum">
-              <a:rPr lang="en-US" altLang="zh-TW" smtClean="0"/>
-              <a:pPr/>
-              <a:t>48</a:t>
-            </a:fld>
-            <a:endParaRPr lang="en-US" altLang="zh-TW"/>
-          </a:p>
-        </p:txBody>
-      </p:sp>
-    </p:spTree>
-    <p:extLst>
-      <p:ext uri="{BB962C8B-B14F-4D97-AF65-F5344CB8AC3E}">
-        <p14:creationId xmlns:p14="http://schemas.microsoft.com/office/powerpoint/2010/main" val="2012647297"/>
-      </p:ext>
-    </p:extLst>
-  </p:cSld>
-  <p:clrMapOvr>
-    <a:masterClrMapping/>
-  </p:clrMapOvr>
-</p:sld>
-</file>
-
-<file path=ppt/slides/slide49.xml><?xml version="1.0" encoding="utf-8"?>
-<p:sld xmlns:a="http://schemas.openxmlformats.org/drawingml/2006/main" xmlns:r="http://schemas.openxmlformats.org/officeDocument/2006/relationships" xmlns:p="http://schemas.openxmlformats.org/presentationml/2006/main">
-  <p:cSld>
-    <p:spTree>
-      <p:nvGrpSpPr>
-        <p:cNvPr id="1" name=""/>
-        <p:cNvGrpSpPr/>
-        <p:nvPr/>
-      </p:nvGrpSpPr>
-      <p:grpSpPr>
-        <a:xfrm>
-          <a:off x="0" y="0"/>
-          <a:ext cx="0" cy="0"/>
-          <a:chOff x="0" y="0"/>
-          <a:chExt cx="0" cy="0"/>
-        </a:xfrm>
-      </p:grpSpPr>
-      <p:sp>
-        <p:nvSpPr>
-          <p:cNvPr id="2" name="標題 1">
-            <a:extLst>
-              <a:ext uri="{FF2B5EF4-FFF2-40B4-BE49-F238E27FC236}">
-                <a16:creationId xmlns:a16="http://schemas.microsoft.com/office/drawing/2014/main" id="{52DE0D9D-A6F2-4595-A7F4-8ED5A7870080}"/>
-              </a:ext>
-            </a:extLst>
-          </p:cNvPr>
-          <p:cNvSpPr>
-            <a:spLocks noGrp="1"/>
-          </p:cNvSpPr>
-          <p:nvPr>
-            <p:ph type="title"/>
-          </p:nvPr>
-        </p:nvSpPr>
-        <p:spPr/>
-        <p:txBody>
-          <a:bodyPr/>
-          <a:lstStyle/>
-          <a:p>
-            <a:r>
-              <a:rPr lang="zh-TW" altLang="en-US" dirty="0"/>
-              <a:t>管理專案知識</a:t>
-            </a:r>
-            <a:br>
-              <a:rPr lang="en-US" altLang="zh-TW" dirty="0"/>
-            </a:br>
-            <a:r>
-              <a:rPr lang="en-US" altLang="zh-TW" dirty="0"/>
-              <a:t>Manage Project Knowledge</a:t>
-            </a:r>
-            <a:endParaRPr lang="zh-TW" altLang="en-US" dirty="0"/>
-          </a:p>
-        </p:txBody>
-      </p:sp>
-      <p:sp>
-        <p:nvSpPr>
-          <p:cNvPr id="7" name="內容版面配置區 6">
-            <a:extLst>
-              <a:ext uri="{FF2B5EF4-FFF2-40B4-BE49-F238E27FC236}">
-                <a16:creationId xmlns:a16="http://schemas.microsoft.com/office/drawing/2014/main" id="{5DE2BA44-C84F-4994-BAF6-294CC97B3986}"/>
-              </a:ext>
-            </a:extLst>
-          </p:cNvPr>
-          <p:cNvSpPr>
-            <a:spLocks noGrp="1"/>
-          </p:cNvSpPr>
-          <p:nvPr>
-            <p:ph idx="1"/>
-          </p:nvPr>
-        </p:nvSpPr>
-        <p:spPr/>
-        <p:txBody>
-          <a:bodyPr>
-            <a:normAutofit/>
-          </a:bodyPr>
-          <a:lstStyle/>
-          <a:p>
-            <a:r>
-              <a:rPr lang="zh-TW" altLang="zh-TW" b="1" dirty="0"/>
-              <a:t>使用現有知識</a:t>
-            </a:r>
-            <a:r>
-              <a:rPr lang="zh-TW" altLang="zh-TW" dirty="0"/>
-              <a:t>和</a:t>
-            </a:r>
-            <a:r>
-              <a:rPr lang="zh-TW" altLang="zh-TW" b="1" dirty="0"/>
-              <a:t>創造</a:t>
-            </a:r>
-            <a:r>
-              <a:rPr lang="zh-TW" altLang="en-US" b="1" dirty="0"/>
-              <a:t>新</a:t>
-            </a:r>
-            <a:r>
-              <a:rPr lang="zh-TW" altLang="zh-TW" b="1" dirty="0"/>
-              <a:t>知識</a:t>
-            </a:r>
-            <a:r>
-              <a:rPr lang="zh-TW" altLang="zh-TW" dirty="0"/>
-              <a:t>，以達成專案目標和貢獻組織學習</a:t>
-            </a:r>
-            <a:endParaRPr lang="en-US" altLang="zh-TW" dirty="0"/>
-          </a:p>
-          <a:p>
-            <a:pPr lvl="1"/>
-            <a:r>
-              <a:rPr lang="zh-TW" altLang="zh-TW" dirty="0"/>
-              <a:t>利用先前建立的組織知識以創造或改善專案的成果，</a:t>
-            </a:r>
-            <a:endParaRPr lang="en-US" altLang="zh-TW" dirty="0"/>
-          </a:p>
-          <a:p>
-            <a:pPr lvl="1"/>
-            <a:r>
-              <a:rPr lang="zh-TW" altLang="zh-TW" dirty="0"/>
-              <a:t>這個專案所建立的知識可供未來組織營運和專案或階段所用。</a:t>
-            </a:r>
-            <a:endParaRPr lang="en-US" altLang="zh-TW" dirty="0"/>
-          </a:p>
-          <a:p>
-            <a:r>
-              <a:rPr lang="zh-TW" altLang="zh-TW" dirty="0"/>
-              <a:t>知識分為</a:t>
-            </a:r>
-            <a:endParaRPr lang="en-US" altLang="zh-TW" dirty="0"/>
-          </a:p>
-          <a:p>
-            <a:pPr lvl="1"/>
-            <a:r>
-              <a:rPr lang="zh-TW" altLang="zh-TW" dirty="0"/>
-              <a:t>顯性知識</a:t>
-            </a:r>
-            <a:r>
-              <a:rPr lang="zh-TW" altLang="en-US" dirty="0"/>
-              <a:t> </a:t>
-            </a:r>
-            <a:r>
-              <a:rPr lang="en-US" altLang="zh-TW" dirty="0"/>
-              <a:t>Explicit</a:t>
-            </a:r>
-          </a:p>
-          <a:p>
-            <a:pPr lvl="2"/>
-            <a:r>
-              <a:rPr lang="zh-TW" altLang="zh-TW" dirty="0"/>
-              <a:t>使用文字、圖片和數字編撰的知識</a:t>
-            </a:r>
-            <a:endParaRPr lang="en-US" altLang="zh-TW" dirty="0"/>
-          </a:p>
-          <a:p>
-            <a:pPr lvl="1"/>
-            <a:r>
-              <a:rPr lang="zh-TW" altLang="zh-TW" dirty="0"/>
-              <a:t>隱性知識</a:t>
-            </a:r>
-            <a:r>
-              <a:rPr lang="zh-TW" altLang="en-US" dirty="0"/>
-              <a:t> </a:t>
-            </a:r>
-            <a:r>
-              <a:rPr lang="en-US" altLang="zh-TW" dirty="0"/>
-              <a:t>Tacit</a:t>
-            </a:r>
-          </a:p>
-          <a:p>
-            <a:pPr lvl="2"/>
-            <a:r>
-              <a:rPr lang="zh-TW" altLang="zh-TW" dirty="0"/>
-              <a:t>個人的</a:t>
-            </a:r>
-            <a:r>
-              <a:rPr lang="en-US" altLang="zh-TW" dirty="0"/>
-              <a:t>/</a:t>
-            </a:r>
-            <a:r>
-              <a:rPr lang="zh-TW" altLang="zh-TW" dirty="0"/>
-              <a:t>難以表達的知識，如信仰</a:t>
-            </a:r>
-            <a:r>
-              <a:rPr lang="zh-TW" altLang="en-US" dirty="0"/>
-              <a:t>、</a:t>
-            </a:r>
-            <a:r>
-              <a:rPr lang="zh-TW" altLang="zh-TW" dirty="0"/>
-              <a:t>洞察力</a:t>
-            </a:r>
-            <a:r>
-              <a:rPr lang="zh-TW" altLang="en-US" dirty="0"/>
-              <a:t>、經驗、</a:t>
-            </a:r>
-            <a:r>
-              <a:rPr lang="en-US" altLang="zh-TW" dirty="0"/>
-              <a:t>know-how</a:t>
-            </a:r>
-          </a:p>
-          <a:p>
-            <a:r>
-              <a:rPr lang="en-US" altLang="zh-TW" dirty="0"/>
-              <a:t>Create an atmosphere of trust so that people are motivated to share their knowledge</a:t>
-            </a:r>
-          </a:p>
-          <a:p>
-            <a:endParaRPr lang="zh-TW" altLang="en-US" dirty="0"/>
-          </a:p>
-        </p:txBody>
-      </p:sp>
-      <p:sp>
-        <p:nvSpPr>
-          <p:cNvPr id="4" name="投影片編號版面配置區 3">
-            <a:extLst>
-              <a:ext uri="{FF2B5EF4-FFF2-40B4-BE49-F238E27FC236}">
-                <a16:creationId xmlns:a16="http://schemas.microsoft.com/office/drawing/2014/main" id="{FD09A7D5-C0EC-41F0-B616-84FE9E309C2B}"/>
-              </a:ext>
-            </a:extLst>
-          </p:cNvPr>
-          <p:cNvSpPr>
-            <a:spLocks noGrp="1"/>
-          </p:cNvSpPr>
-          <p:nvPr>
-            <p:ph type="sldNum" sz="quarter" idx="12"/>
-          </p:nvPr>
-        </p:nvSpPr>
-        <p:spPr/>
-        <p:txBody>
-          <a:bodyPr/>
-          <a:lstStyle/>
-          <a:p>
-            <a:fld id="{06AFB70A-E524-49E4-8F5C-48BFBE4381EC}" type="slidenum">
-              <a:rPr lang="en-US" altLang="zh-TW" smtClean="0"/>
-              <a:pPr/>
-              <a:t>49</a:t>
-            </a:fld>
-            <a:endParaRPr lang="en-US" altLang="zh-TW"/>
-          </a:p>
-        </p:txBody>
-      </p:sp>
-    </p:spTree>
-    <p:extLst>
-      <p:ext uri="{BB962C8B-B14F-4D97-AF65-F5344CB8AC3E}">
-        <p14:creationId xmlns:p14="http://schemas.microsoft.com/office/powerpoint/2010/main" val="2488797430"/>
-      </p:ext>
-    </p:extLst>
-  </p:cSld>
-  <p:clrMapOvr>
-    <a:masterClrMapping/>
-  </p:clrMapOvr>
-</p:sld>
-</file>
-
 <file path=ppt/slides/slide5.xml><?xml version="1.0" encoding="utf-8"?>
 <p:sld xmlns:a="http://schemas.openxmlformats.org/drawingml/2006/main" xmlns:r="http://schemas.openxmlformats.org/officeDocument/2006/relationships" xmlns:p="http://schemas.openxmlformats.org/presentationml/2006/main">
   <p:cSld>
@@ -23586,7 +23446,7 @@
           <p:cNvPr id="2" name="標題 1">
             <a:extLst>
               <a:ext uri="{FF2B5EF4-FFF2-40B4-BE49-F238E27FC236}">
-                <a16:creationId xmlns:a16="http://schemas.microsoft.com/office/drawing/2014/main" id="{5C000E97-DF6C-4CCC-B836-F95637D81DD3}"/>
+                <a16:creationId xmlns:a16="http://schemas.microsoft.com/office/drawing/2014/main" id="{4F786165-0E62-4605-BA58-61A17F9DA0F3}"/>
               </a:ext>
             </a:extLst>
           </p:cNvPr>
@@ -23603,15 +23463,8 @@
           <a:lstStyle/>
           <a:p>
             <a:r>
-              <a:rPr lang="en-US" altLang="zh-TW" dirty="0"/>
-              <a:t>Knowledge is Shared Through Communication</a:t>
-            </a:r>
-            <a:br>
-              <a:rPr lang="en-US" altLang="zh-TW" dirty="0"/>
-            </a:br>
-            <a:r>
-              <a:rPr lang="zh-TW" altLang="en-US" dirty="0"/>
-              <a:t>通訊</a:t>
+              <a:rPr lang="zh-TW" altLang="en-US" dirty="0"/>
+              <a:t>指導和管理專案工作：輸入</a:t>
             </a:r>
           </a:p>
         </p:txBody>
@@ -23621,7 +23474,7 @@
           <p:cNvPr id="3" name="內容版面配置區 2">
             <a:extLst>
               <a:ext uri="{FF2B5EF4-FFF2-40B4-BE49-F238E27FC236}">
-                <a16:creationId xmlns:a16="http://schemas.microsoft.com/office/drawing/2014/main" id="{E7508593-B021-467B-AF43-3658A5E500DE}"/>
+                <a16:creationId xmlns:a16="http://schemas.microsoft.com/office/drawing/2014/main" id="{6CF8DBCA-F209-4D85-8304-0E77F7907EC7}"/>
               </a:ext>
             </a:extLst>
           </p:cNvPr>
@@ -23634,16 +23487,14 @@
         </p:nvSpPr>
         <p:spPr/>
         <p:txBody>
-          <a:bodyPr/>
-          <a:lstStyle/>
-          <a:p>
-            <a:r>
-              <a:rPr lang="en-US" altLang="zh-TW" dirty="0"/>
-              <a:t>Push </a:t>
-            </a:r>
-            <a:r>
-              <a:rPr lang="zh-TW" altLang="en-US" dirty="0"/>
-              <a:t>推</a:t>
+          <a:bodyPr>
+            <a:normAutofit fontScale="92500" lnSpcReduction="10000"/>
+          </a:bodyPr>
+          <a:lstStyle/>
+          <a:p>
+            <a:r>
+              <a:rPr lang="zh-TW" altLang="en-US" dirty="0"/>
+              <a:t>專案管理計畫書：</a:t>
             </a:r>
             <a:endParaRPr lang="en-US" altLang="zh-TW" dirty="0"/>
           </a:p>
@@ -23651,37 +23502,28 @@
             <a:pPr lvl="1"/>
             <a:r>
               <a:rPr lang="zh-TW" altLang="en-US" dirty="0"/>
-              <a:t>主動推送文件，利用 </a:t>
-            </a:r>
-            <a:r>
-              <a:rPr lang="en-US" altLang="zh-TW" dirty="0"/>
-              <a:t>Email, </a:t>
-            </a:r>
-            <a:r>
-              <a:rPr lang="zh-TW" altLang="en-US" dirty="0"/>
-              <a:t>信件</a:t>
-            </a:r>
-            <a:r>
-              <a:rPr lang="en-US" altLang="zh-TW" dirty="0"/>
-              <a:t>, …</a:t>
-            </a:r>
-          </a:p>
-          <a:p>
-            <a:r>
-              <a:rPr lang="en-US" altLang="zh-TW" dirty="0"/>
-              <a:t>Pull </a:t>
-            </a:r>
-            <a:r>
-              <a:rPr lang="zh-TW" altLang="en-US" dirty="0"/>
-              <a:t>拉</a:t>
+              <a:t>專案管理計畫書中任一部分都可能是此過程之輸入。</a:t>
             </a:r>
             <a:endParaRPr lang="en-US" altLang="zh-TW" dirty="0"/>
           </a:p>
           <a:p>
+            <a:r>
+              <a:rPr lang="zh-TW" altLang="en-US" dirty="0"/>
+              <a:t>專案文件：</a:t>
+            </a:r>
+            <a:endParaRPr lang="en-US" altLang="zh-TW" dirty="0"/>
+          </a:p>
+          <a:p>
             <a:pPr lvl="1"/>
             <a:r>
               <a:rPr lang="zh-TW" altLang="en-US" dirty="0"/>
-              <a:t>有需要的人自己去找</a:t>
+              <a:t>變更日誌、學習經驗檔案、里程碑清單、專案溝通資訊、專案時程、需求追溯矩陣、風險登記簿、和風險報告等。</a:t>
+            </a:r>
+          </a:p>
+          <a:p>
+            <a:r>
+              <a:rPr lang="zh-TW" altLang="en-US" dirty="0"/>
+              <a:t>奉准的變更請求：</a:t>
             </a:r>
             <a:endParaRPr lang="en-US" altLang="zh-TW" dirty="0"/>
           </a:p>
@@ -23689,35 +23531,45 @@
             <a:pPr lvl="1"/>
             <a:r>
               <a:rPr lang="zh-TW" altLang="en-US" dirty="0"/>
-              <a:t>建立線上儲存區（</a:t>
-            </a:r>
-            <a:r>
-              <a:rPr lang="en-US" altLang="zh-TW" dirty="0"/>
-              <a:t>Online Repositories</a:t>
-            </a:r>
-            <a:r>
-              <a:rPr lang="zh-TW" altLang="en-US" dirty="0"/>
-              <a:t>）、參考文件、資料庫</a:t>
+              <a:t>批准的變更請求是執行整合變更管制過程的輸出。</a:t>
+            </a:r>
+            <a:r>
+              <a:rPr lang="en-US" altLang="zh-TW" dirty="0"/>
+              <a:t> </a:t>
+            </a:r>
+          </a:p>
+          <a:p>
+            <a:r>
+              <a:rPr lang="zh-TW" altLang="en-US" dirty="0"/>
+              <a:t>企業環境因素：</a:t>
             </a:r>
             <a:endParaRPr lang="en-US" altLang="zh-TW" dirty="0"/>
           </a:p>
           <a:p>
-            <a:r>
-              <a:rPr lang="en-US" altLang="zh-TW" dirty="0"/>
-              <a:t>Interactive </a:t>
-            </a:r>
-            <a:r>
-              <a:rPr lang="zh-TW" altLang="en-US" dirty="0"/>
-              <a:t>互動</a:t>
+            <a:pPr lvl="1"/>
+            <a:r>
+              <a:rPr lang="zh-TW" altLang="en-US" dirty="0"/>
+              <a:t>包含組織架構和組織文化、文化和管理實務、基礎建設、和利害關係人門檻等。</a:t>
             </a:r>
             <a:endParaRPr lang="en-US" altLang="zh-TW" dirty="0"/>
           </a:p>
           <a:p>
+            <a:r>
+              <a:rPr lang="zh-TW" altLang="en-US" dirty="0"/>
+              <a:t>組織流程資產：</a:t>
+            </a:r>
+            <a:endParaRPr lang="en-US" altLang="zh-TW" dirty="0"/>
+          </a:p>
+          <a:p>
             <a:pPr lvl="1"/>
             <a:r>
               <a:rPr lang="zh-TW" altLang="en-US" dirty="0"/>
-              <a:t>會議、電話、研討會</a:t>
-            </a:r>
+              <a:t>包含組織政策、議題管理程序、績效衡量資料庫、和過去專案資訊。</a:t>
+            </a:r>
+            <a:endParaRPr lang="en-US" altLang="zh-TW" dirty="0"/>
+          </a:p>
+          <a:p>
+            <a:endParaRPr lang="zh-TW" altLang="en-US" dirty="0"/>
           </a:p>
         </p:txBody>
       </p:sp>
@@ -23726,7 +23578,7 @@
           <p:cNvPr id="4" name="投影片編號版面配置區 3">
             <a:extLst>
               <a:ext uri="{FF2B5EF4-FFF2-40B4-BE49-F238E27FC236}">
-                <a16:creationId xmlns:a16="http://schemas.microsoft.com/office/drawing/2014/main" id="{58930913-528A-42E6-A453-491E3E6FB4D1}"/>
+                <a16:creationId xmlns:a16="http://schemas.microsoft.com/office/drawing/2014/main" id="{CD6E9DAE-A2ED-47AB-96D1-BF8FB85499C0}"/>
               </a:ext>
             </a:extLst>
           </p:cNvPr>
@@ -23754,7 +23606,7 @@
     </p:spTree>
     <p:extLst>
       <p:ext uri="{BB962C8B-B14F-4D97-AF65-F5344CB8AC3E}">
-        <p14:creationId xmlns:p14="http://schemas.microsoft.com/office/powerpoint/2010/main" val="1757307681"/>
+        <p14:creationId xmlns:p14="http://schemas.microsoft.com/office/powerpoint/2010/main" val="4152937869"/>
       </p:ext>
     </p:extLst>
   </p:cSld>
@@ -23783,6 +23635,885 @@
       </p:grpSpPr>
       <p:sp>
         <p:nvSpPr>
+          <p:cNvPr id="2" name="標題 1">
+            <a:extLst>
+              <a:ext uri="{FF2B5EF4-FFF2-40B4-BE49-F238E27FC236}">
+                <a16:creationId xmlns:a16="http://schemas.microsoft.com/office/drawing/2014/main" id="{603E729D-269F-4D05-BDD8-D6A2D302548E}"/>
+              </a:ext>
+            </a:extLst>
+          </p:cNvPr>
+          <p:cNvSpPr>
+            <a:spLocks noGrp="1"/>
+          </p:cNvSpPr>
+          <p:nvPr>
+            <p:ph type="title"/>
+          </p:nvPr>
+        </p:nvSpPr>
+        <p:spPr/>
+        <p:txBody>
+          <a:bodyPr/>
+          <a:lstStyle/>
+          <a:p>
+            <a:r>
+              <a:rPr lang="zh-TW" altLang="en-US" dirty="0"/>
+              <a:t>指導和管理專案工作：工具和技術</a:t>
+            </a:r>
+          </a:p>
+        </p:txBody>
+      </p:sp>
+      <p:sp>
+        <p:nvSpPr>
+          <p:cNvPr id="3" name="內容版面配置區 2">
+            <a:extLst>
+              <a:ext uri="{FF2B5EF4-FFF2-40B4-BE49-F238E27FC236}">
+                <a16:creationId xmlns:a16="http://schemas.microsoft.com/office/drawing/2014/main" id="{6BD3B45D-6595-47ED-9EF8-C1A8A390E7EC}"/>
+              </a:ext>
+            </a:extLst>
+          </p:cNvPr>
+          <p:cNvSpPr>
+            <a:spLocks noGrp="1"/>
+          </p:cNvSpPr>
+          <p:nvPr>
+            <p:ph idx="1"/>
+          </p:nvPr>
+        </p:nvSpPr>
+        <p:spPr/>
+        <p:txBody>
+          <a:bodyPr/>
+          <a:lstStyle/>
+          <a:p>
+            <a:r>
+              <a:rPr lang="zh-TW" altLang="en-US" dirty="0"/>
+              <a:t>專家判斷：</a:t>
+            </a:r>
+            <a:endParaRPr lang="en-US" altLang="zh-TW" dirty="0"/>
+          </a:p>
+          <a:p>
+            <a:pPr lvl="1"/>
+            <a:r>
+              <a:rPr lang="zh-TW" altLang="en-US" dirty="0"/>
+              <a:t>涉及主題的相關專業知識包括專案所屬產業領域的技術知識、成本和預算管理、法律和採購、法律和法規，以及組織治理等。</a:t>
+            </a:r>
+          </a:p>
+          <a:p>
+            <a:r>
+              <a:rPr lang="en-US" altLang="zh-TW" dirty="0"/>
+              <a:t>PMIS</a:t>
+            </a:r>
+            <a:r>
+              <a:rPr lang="zh-TW" altLang="en-US" dirty="0"/>
+              <a:t>：</a:t>
+            </a:r>
+            <a:endParaRPr lang="en-US" altLang="zh-TW" dirty="0"/>
+          </a:p>
+          <a:p>
+            <a:pPr lvl="1"/>
+            <a:r>
+              <a:rPr lang="en-US" altLang="zh-TW" dirty="0"/>
+              <a:t>PMIS</a:t>
+            </a:r>
+            <a:r>
+              <a:rPr lang="zh-TW" altLang="en-US" dirty="0"/>
+              <a:t>提供專案執行所需的一些軟體系統。</a:t>
+            </a:r>
+          </a:p>
+          <a:p>
+            <a:r>
+              <a:rPr lang="zh-TW" altLang="en-US" dirty="0"/>
+              <a:t>會議：</a:t>
+            </a:r>
+            <a:endParaRPr lang="en-US" altLang="zh-TW" dirty="0"/>
+          </a:p>
+          <a:p>
+            <a:pPr lvl="1"/>
+            <a:r>
+              <a:rPr lang="zh-TW" altLang="en-US" dirty="0"/>
+              <a:t>在指導和管理專案工作時，會議用於討論和解決專案的相關議題。</a:t>
+            </a:r>
+          </a:p>
+          <a:p>
+            <a:endParaRPr lang="zh-TW" altLang="en-US" dirty="0"/>
+          </a:p>
+        </p:txBody>
+      </p:sp>
+      <p:sp>
+        <p:nvSpPr>
+          <p:cNvPr id="4" name="投影片編號版面配置區 3">
+            <a:extLst>
+              <a:ext uri="{FF2B5EF4-FFF2-40B4-BE49-F238E27FC236}">
+                <a16:creationId xmlns:a16="http://schemas.microsoft.com/office/drawing/2014/main" id="{3BF02B2D-B73E-459C-91F4-A54ED0A6774F}"/>
+              </a:ext>
+            </a:extLst>
+          </p:cNvPr>
+          <p:cNvSpPr>
+            <a:spLocks noGrp="1"/>
+          </p:cNvSpPr>
+          <p:nvPr>
+            <p:ph type="sldNum" sz="quarter" idx="12"/>
+          </p:nvPr>
+        </p:nvSpPr>
+        <p:spPr/>
+        <p:txBody>
+          <a:bodyPr/>
+          <a:lstStyle/>
+          <a:p>
+            <a:fld id="{06AFB70A-E524-49E4-8F5C-48BFBE4381EC}" type="slidenum">
+              <a:rPr lang="en-US" altLang="zh-TW" smtClean="0"/>
+              <a:pPr/>
+              <a:t>51</a:t>
+            </a:fld>
+            <a:endParaRPr lang="en-US" altLang="zh-TW"/>
+          </a:p>
+        </p:txBody>
+      </p:sp>
+    </p:spTree>
+    <p:extLst>
+      <p:ext uri="{BB962C8B-B14F-4D97-AF65-F5344CB8AC3E}">
+        <p14:creationId xmlns:p14="http://schemas.microsoft.com/office/powerpoint/2010/main" val="289418741"/>
+      </p:ext>
+    </p:extLst>
+  </p:cSld>
+  <p:clrMapOvr>
+    <a:masterClrMapping/>
+  </p:clrMapOvr>
+</p:sld>
+</file>
+
+<file path=ppt/slides/slide52.xml><?xml version="1.0" encoding="utf-8"?>
+<p:sld xmlns:a="http://schemas.openxmlformats.org/drawingml/2006/main" xmlns:r="http://schemas.openxmlformats.org/officeDocument/2006/relationships" xmlns:p="http://schemas.openxmlformats.org/presentationml/2006/main">
+  <p:cSld>
+    <p:spTree>
+      <p:nvGrpSpPr>
+        <p:cNvPr id="1" name=""/>
+        <p:cNvGrpSpPr/>
+        <p:nvPr/>
+      </p:nvGrpSpPr>
+      <p:grpSpPr>
+        <a:xfrm>
+          <a:off x="0" y="0"/>
+          <a:ext cx="0" cy="0"/>
+          <a:chOff x="0" y="0"/>
+          <a:chExt cx="0" cy="0"/>
+        </a:xfrm>
+      </p:grpSpPr>
+      <p:sp>
+        <p:nvSpPr>
+          <p:cNvPr id="2" name="標題 1">
+            <a:extLst>
+              <a:ext uri="{FF2B5EF4-FFF2-40B4-BE49-F238E27FC236}">
+                <a16:creationId xmlns:a16="http://schemas.microsoft.com/office/drawing/2014/main" id="{9B50E68B-8597-48B8-806B-57DA07F6A7F4}"/>
+              </a:ext>
+            </a:extLst>
+          </p:cNvPr>
+          <p:cNvSpPr>
+            <a:spLocks noGrp="1"/>
+          </p:cNvSpPr>
+          <p:nvPr>
+            <p:ph type="title"/>
+          </p:nvPr>
+        </p:nvSpPr>
+        <p:spPr/>
+        <p:txBody>
+          <a:bodyPr/>
+          <a:lstStyle/>
+          <a:p>
+            <a:r>
+              <a:rPr lang="zh-TW" altLang="en-US" dirty="0"/>
+              <a:t>指導和管理專案工作：輸出</a:t>
+            </a:r>
+          </a:p>
+        </p:txBody>
+      </p:sp>
+      <p:sp>
+        <p:nvSpPr>
+          <p:cNvPr id="3" name="內容版面配置區 2">
+            <a:extLst>
+              <a:ext uri="{FF2B5EF4-FFF2-40B4-BE49-F238E27FC236}">
+                <a16:creationId xmlns:a16="http://schemas.microsoft.com/office/drawing/2014/main" id="{086B9DCE-0E7D-42AD-943E-4251B3FBBE4C}"/>
+              </a:ext>
+            </a:extLst>
+          </p:cNvPr>
+          <p:cNvSpPr>
+            <a:spLocks noGrp="1"/>
+          </p:cNvSpPr>
+          <p:nvPr>
+            <p:ph idx="1"/>
+          </p:nvPr>
+        </p:nvSpPr>
+        <p:spPr/>
+        <p:txBody>
+          <a:bodyPr>
+            <a:normAutofit fontScale="77500" lnSpcReduction="20000"/>
+          </a:bodyPr>
+          <a:lstStyle/>
+          <a:p>
+            <a:r>
+              <a:rPr lang="zh-TW" altLang="en-US" dirty="0"/>
+              <a:t>交付標的物：</a:t>
+            </a:r>
+            <a:r>
+              <a:rPr lang="en-US" altLang="zh-TW" dirty="0"/>
+              <a:t>Deliverables</a:t>
+            </a:r>
+          </a:p>
+          <a:p>
+            <a:pPr lvl="1"/>
+            <a:r>
+              <a:rPr lang="zh-TW" altLang="en-US" dirty="0"/>
+              <a:t>有形的產品、無形的服務、或一項成果的呈現。</a:t>
+            </a:r>
+          </a:p>
+          <a:p>
+            <a:r>
+              <a:rPr lang="zh-TW" altLang="en-US" dirty="0"/>
+              <a:t>工作績效資料：</a:t>
+            </a:r>
+            <a:r>
+              <a:rPr lang="en-US" altLang="zh-TW" dirty="0"/>
+              <a:t>Work Performance Data</a:t>
+            </a:r>
+          </a:p>
+          <a:p>
+            <a:pPr lvl="1"/>
+            <a:r>
+              <a:rPr lang="zh-TW" altLang="en-US" dirty="0"/>
+              <a:t>工作績效資料係工作完成程度的原始觀察和衡量。</a:t>
+            </a:r>
+          </a:p>
+          <a:p>
+            <a:r>
+              <a:rPr lang="zh-TW" altLang="en-US" dirty="0"/>
+              <a:t>問題日誌：</a:t>
+            </a:r>
+            <a:r>
+              <a:rPr lang="en-US" altLang="zh-TW" dirty="0"/>
+              <a:t>Issue Log</a:t>
+            </a:r>
+          </a:p>
+          <a:p>
+            <a:pPr lvl="1"/>
+            <a:r>
+              <a:rPr lang="zh-TW" altLang="en-US" dirty="0"/>
+              <a:t>初次建立問題日誌作為輸出</a:t>
+            </a:r>
+            <a:endParaRPr lang="en-US" altLang="zh-TW" dirty="0"/>
+          </a:p>
+          <a:p>
+            <a:pPr lvl="1"/>
+            <a:r>
+              <a:rPr lang="zh-TW" altLang="en-US" dirty="0"/>
+              <a:t>在後續整個專案生命週期中監視和管制活動的結果，隨時更新問題日誌。</a:t>
+            </a:r>
+          </a:p>
+          <a:p>
+            <a:r>
+              <a:rPr lang="zh-TW" altLang="en-US" dirty="0"/>
+              <a:t>變更請求：</a:t>
+            </a:r>
+            <a:r>
+              <a:rPr lang="en-US" altLang="zh-TW" dirty="0"/>
+              <a:t>Change Requests</a:t>
+            </a:r>
+          </a:p>
+          <a:p>
+            <a:pPr lvl="1"/>
+            <a:r>
+              <a:rPr lang="zh-TW" altLang="en-US" dirty="0"/>
+              <a:t>變更請求需經過「執行整合變更管制過程」進行審查。</a:t>
+            </a:r>
+            <a:endParaRPr lang="en-US" altLang="zh-TW" dirty="0"/>
+          </a:p>
+          <a:p>
+            <a:r>
+              <a:rPr lang="zh-TW" altLang="en-US" dirty="0"/>
+              <a:t>專案管理計畫書更新：</a:t>
+            </a:r>
+            <a:endParaRPr lang="en-US" altLang="zh-TW" dirty="0"/>
+          </a:p>
+          <a:p>
+            <a:pPr lvl="1"/>
+            <a:r>
+              <a:rPr lang="zh-TW" altLang="en-US" dirty="0"/>
+              <a:t>當變更需求被核准後，必須立即更新到專案管理計畫書和相關附屬計畫書中。</a:t>
+            </a:r>
+            <a:endParaRPr lang="en-US" altLang="zh-TW" dirty="0"/>
+          </a:p>
+          <a:p>
+            <a:r>
+              <a:rPr lang="zh-TW" altLang="en-US" dirty="0"/>
+              <a:t>專案文件更新：</a:t>
+            </a:r>
+            <a:endParaRPr lang="en-US" altLang="zh-TW" dirty="0"/>
+          </a:p>
+          <a:p>
+            <a:pPr lvl="1"/>
+            <a:r>
+              <a:rPr lang="zh-TW" altLang="en-US" dirty="0"/>
+              <a:t>任何奉准變更需求和工作績效資訊應立即更新到相關文件中。</a:t>
+            </a:r>
+            <a:endParaRPr lang="en-US" altLang="zh-TW" dirty="0"/>
+          </a:p>
+          <a:p>
+            <a:endParaRPr lang="zh-TW" altLang="en-US" dirty="0"/>
+          </a:p>
+        </p:txBody>
+      </p:sp>
+      <p:sp>
+        <p:nvSpPr>
+          <p:cNvPr id="4" name="投影片編號版面配置區 3">
+            <a:extLst>
+              <a:ext uri="{FF2B5EF4-FFF2-40B4-BE49-F238E27FC236}">
+                <a16:creationId xmlns:a16="http://schemas.microsoft.com/office/drawing/2014/main" id="{0CBFA7B4-B02F-49ED-8110-24D541674D07}"/>
+              </a:ext>
+            </a:extLst>
+          </p:cNvPr>
+          <p:cNvSpPr>
+            <a:spLocks noGrp="1"/>
+          </p:cNvSpPr>
+          <p:nvPr>
+            <p:ph type="sldNum" sz="quarter" idx="12"/>
+          </p:nvPr>
+        </p:nvSpPr>
+        <p:spPr/>
+        <p:txBody>
+          <a:bodyPr/>
+          <a:lstStyle/>
+          <a:p>
+            <a:fld id="{06AFB70A-E524-49E4-8F5C-48BFBE4381EC}" type="slidenum">
+              <a:rPr lang="en-US" altLang="zh-TW" smtClean="0"/>
+              <a:pPr/>
+              <a:t>52</a:t>
+            </a:fld>
+            <a:endParaRPr lang="en-US" altLang="zh-TW"/>
+          </a:p>
+        </p:txBody>
+      </p:sp>
+    </p:spTree>
+    <p:extLst>
+      <p:ext uri="{BB962C8B-B14F-4D97-AF65-F5344CB8AC3E}">
+        <p14:creationId xmlns:p14="http://schemas.microsoft.com/office/powerpoint/2010/main" val="2180682595"/>
+      </p:ext>
+    </p:extLst>
+  </p:cSld>
+  <p:clrMapOvr>
+    <a:masterClrMapping/>
+  </p:clrMapOvr>
+</p:sld>
+</file>
+
+<file path=ppt/slides/slide53.xml><?xml version="1.0" encoding="utf-8"?>
+<p:sld xmlns:a="http://schemas.openxmlformats.org/drawingml/2006/main" xmlns:r="http://schemas.openxmlformats.org/officeDocument/2006/relationships" xmlns:p="http://schemas.openxmlformats.org/presentationml/2006/main">
+  <p:cSld>
+    <p:spTree>
+      <p:nvGrpSpPr>
+        <p:cNvPr id="1" name=""/>
+        <p:cNvGrpSpPr/>
+        <p:nvPr/>
+      </p:nvGrpSpPr>
+      <p:grpSpPr>
+        <a:xfrm>
+          <a:off x="0" y="0"/>
+          <a:ext cx="0" cy="0"/>
+          <a:chOff x="0" y="0"/>
+          <a:chExt cx="0" cy="0"/>
+        </a:xfrm>
+      </p:grpSpPr>
+      <p:pic>
+        <p:nvPicPr>
+          <p:cNvPr id="5" name="圖片 4">
+            <a:extLst>
+              <a:ext uri="{FF2B5EF4-FFF2-40B4-BE49-F238E27FC236}">
+                <a16:creationId xmlns:a16="http://schemas.microsoft.com/office/drawing/2014/main" id="{E2D3A7F9-ACA1-4F72-9571-2F0A5DCBB0AE}"/>
+              </a:ext>
+            </a:extLst>
+          </p:cNvPr>
+          <p:cNvPicPr>
+            <a:picLocks noChangeAspect="1"/>
+          </p:cNvPicPr>
+          <p:nvPr/>
+        </p:nvPicPr>
+        <p:blipFill>
+          <a:blip r:embed="rId2"/>
+          <a:stretch>
+            <a:fillRect/>
+          </a:stretch>
+        </p:blipFill>
+        <p:spPr>
+          <a:xfrm>
+            <a:off x="8356593" y="2780928"/>
+            <a:ext cx="2923983" cy="2000896"/>
+          </a:xfrm>
+          <a:prstGeom prst="rect">
+            <a:avLst/>
+          </a:prstGeom>
+        </p:spPr>
+      </p:pic>
+      <p:sp>
+        <p:nvSpPr>
+          <p:cNvPr id="2" name="標題 1">
+            <a:extLst>
+              <a:ext uri="{FF2B5EF4-FFF2-40B4-BE49-F238E27FC236}">
+                <a16:creationId xmlns:a16="http://schemas.microsoft.com/office/drawing/2014/main" id="{52DE0D9D-A6F2-4595-A7F4-8ED5A7870080}"/>
+              </a:ext>
+            </a:extLst>
+          </p:cNvPr>
+          <p:cNvSpPr>
+            <a:spLocks noGrp="1"/>
+          </p:cNvSpPr>
+          <p:nvPr>
+            <p:ph type="title"/>
+          </p:nvPr>
+        </p:nvSpPr>
+        <p:spPr/>
+        <p:txBody>
+          <a:bodyPr/>
+          <a:lstStyle/>
+          <a:p>
+            <a:r>
+              <a:rPr lang="zh-TW" altLang="en-US" dirty="0"/>
+              <a:t>管理專案知識</a:t>
+            </a:r>
+            <a:br>
+              <a:rPr lang="en-US" altLang="zh-TW" dirty="0"/>
+            </a:br>
+            <a:r>
+              <a:rPr lang="en-US" altLang="zh-TW" dirty="0"/>
+              <a:t>Manage Project Knowledge</a:t>
+            </a:r>
+            <a:endParaRPr lang="zh-TW" altLang="en-US" dirty="0"/>
+          </a:p>
+        </p:txBody>
+      </p:sp>
+      <p:sp>
+        <p:nvSpPr>
+          <p:cNvPr id="7" name="內容版面配置區 6">
+            <a:extLst>
+              <a:ext uri="{FF2B5EF4-FFF2-40B4-BE49-F238E27FC236}">
+                <a16:creationId xmlns:a16="http://schemas.microsoft.com/office/drawing/2014/main" id="{5DE2BA44-C84F-4994-BAF6-294CC97B3986}"/>
+              </a:ext>
+            </a:extLst>
+          </p:cNvPr>
+          <p:cNvSpPr>
+            <a:spLocks noGrp="1"/>
+          </p:cNvSpPr>
+          <p:nvPr>
+            <p:ph idx="1"/>
+          </p:nvPr>
+        </p:nvSpPr>
+        <p:spPr/>
+        <p:txBody>
+          <a:bodyPr>
+            <a:normAutofit/>
+          </a:bodyPr>
+          <a:lstStyle/>
+          <a:p>
+            <a:r>
+              <a:rPr lang="zh-TW" altLang="zh-TW" b="1" dirty="0"/>
+              <a:t>使用現有知識</a:t>
+            </a:r>
+            <a:r>
+              <a:rPr lang="zh-TW" altLang="zh-TW" dirty="0"/>
+              <a:t>和</a:t>
+            </a:r>
+            <a:r>
+              <a:rPr lang="zh-TW" altLang="zh-TW" b="1" dirty="0"/>
+              <a:t>創造</a:t>
+            </a:r>
+            <a:r>
+              <a:rPr lang="zh-TW" altLang="en-US" b="1" dirty="0"/>
+              <a:t>新</a:t>
+            </a:r>
+            <a:r>
+              <a:rPr lang="zh-TW" altLang="zh-TW" b="1" dirty="0"/>
+              <a:t>知識</a:t>
+            </a:r>
+            <a:r>
+              <a:rPr lang="zh-TW" altLang="zh-TW" dirty="0"/>
+              <a:t>，以達成專案目標和貢獻組織學習</a:t>
+            </a:r>
+            <a:endParaRPr lang="en-US" altLang="zh-TW" dirty="0"/>
+          </a:p>
+          <a:p>
+            <a:pPr lvl="1"/>
+            <a:r>
+              <a:rPr lang="zh-TW" altLang="zh-TW" dirty="0"/>
+              <a:t>利用先前建立的組織知識以創造或改善專案的成果，</a:t>
+            </a:r>
+            <a:endParaRPr lang="en-US" altLang="zh-TW" dirty="0"/>
+          </a:p>
+          <a:p>
+            <a:pPr lvl="1"/>
+            <a:r>
+              <a:rPr lang="zh-TW" altLang="zh-TW" dirty="0"/>
+              <a:t>這個專案所建立的知識可供未來組織營運和專案或階段所用。</a:t>
+            </a:r>
+            <a:endParaRPr lang="en-US" altLang="zh-TW" dirty="0"/>
+          </a:p>
+          <a:p>
+            <a:r>
+              <a:rPr lang="zh-TW" altLang="zh-TW" dirty="0"/>
+              <a:t>知識分為</a:t>
+            </a:r>
+            <a:endParaRPr lang="en-US" altLang="zh-TW" dirty="0"/>
+          </a:p>
+          <a:p>
+            <a:pPr lvl="1"/>
+            <a:r>
+              <a:rPr lang="zh-TW" altLang="zh-TW" dirty="0"/>
+              <a:t>顯性知識</a:t>
+            </a:r>
+            <a:r>
+              <a:rPr lang="zh-TW" altLang="en-US" dirty="0"/>
+              <a:t> </a:t>
+            </a:r>
+            <a:r>
+              <a:rPr lang="en-US" altLang="zh-TW" dirty="0"/>
+              <a:t>Explicit</a:t>
+            </a:r>
+          </a:p>
+          <a:p>
+            <a:pPr lvl="2"/>
+            <a:r>
+              <a:rPr lang="zh-TW" altLang="zh-TW" dirty="0"/>
+              <a:t>使用文字、圖片和數字編撰的知識</a:t>
+            </a:r>
+            <a:endParaRPr lang="en-US" altLang="zh-TW" dirty="0"/>
+          </a:p>
+          <a:p>
+            <a:pPr lvl="1"/>
+            <a:r>
+              <a:rPr lang="zh-TW" altLang="zh-TW" dirty="0"/>
+              <a:t>隱性知識</a:t>
+            </a:r>
+            <a:r>
+              <a:rPr lang="zh-TW" altLang="en-US" dirty="0"/>
+              <a:t> </a:t>
+            </a:r>
+            <a:r>
+              <a:rPr lang="en-US" altLang="zh-TW" dirty="0"/>
+              <a:t>Tacit</a:t>
+            </a:r>
+          </a:p>
+          <a:p>
+            <a:pPr lvl="2"/>
+            <a:r>
+              <a:rPr lang="zh-TW" altLang="zh-TW" dirty="0"/>
+              <a:t>個人的</a:t>
+            </a:r>
+            <a:r>
+              <a:rPr lang="en-US" altLang="zh-TW" dirty="0"/>
+              <a:t>/</a:t>
+            </a:r>
+            <a:r>
+              <a:rPr lang="zh-TW" altLang="zh-TW" dirty="0"/>
+              <a:t>難以表達的知識，如信仰</a:t>
+            </a:r>
+            <a:r>
+              <a:rPr lang="zh-TW" altLang="en-US" dirty="0"/>
+              <a:t>、</a:t>
+            </a:r>
+            <a:r>
+              <a:rPr lang="zh-TW" altLang="zh-TW" dirty="0"/>
+              <a:t>洞察力</a:t>
+            </a:r>
+            <a:r>
+              <a:rPr lang="zh-TW" altLang="en-US" dirty="0"/>
+              <a:t>、經驗、</a:t>
+            </a:r>
+            <a:r>
+              <a:rPr lang="en-US" altLang="zh-TW" dirty="0"/>
+              <a:t>know-how</a:t>
+            </a:r>
+          </a:p>
+          <a:p>
+            <a:r>
+              <a:rPr lang="en-US" altLang="zh-TW" dirty="0"/>
+              <a:t>Create an atmosphere of trust so that people are motivated to share their knowledge</a:t>
+            </a:r>
+          </a:p>
+          <a:p>
+            <a:endParaRPr lang="zh-TW" altLang="en-US" dirty="0"/>
+          </a:p>
+        </p:txBody>
+      </p:sp>
+      <p:sp>
+        <p:nvSpPr>
+          <p:cNvPr id="4" name="投影片編號版面配置區 3">
+            <a:extLst>
+              <a:ext uri="{FF2B5EF4-FFF2-40B4-BE49-F238E27FC236}">
+                <a16:creationId xmlns:a16="http://schemas.microsoft.com/office/drawing/2014/main" id="{FD09A7D5-C0EC-41F0-B616-84FE9E309C2B}"/>
+              </a:ext>
+            </a:extLst>
+          </p:cNvPr>
+          <p:cNvSpPr>
+            <a:spLocks noGrp="1"/>
+          </p:cNvSpPr>
+          <p:nvPr>
+            <p:ph type="sldNum" sz="quarter" idx="12"/>
+          </p:nvPr>
+        </p:nvSpPr>
+        <p:spPr/>
+        <p:txBody>
+          <a:bodyPr/>
+          <a:lstStyle/>
+          <a:p>
+            <a:fld id="{06AFB70A-E524-49E4-8F5C-48BFBE4381EC}" type="slidenum">
+              <a:rPr lang="en-US" altLang="zh-TW" smtClean="0"/>
+              <a:pPr/>
+              <a:t>53</a:t>
+            </a:fld>
+            <a:endParaRPr lang="en-US" altLang="zh-TW"/>
+          </a:p>
+        </p:txBody>
+      </p:sp>
+    </p:spTree>
+    <p:extLst>
+      <p:ext uri="{BB962C8B-B14F-4D97-AF65-F5344CB8AC3E}">
+        <p14:creationId xmlns:p14="http://schemas.microsoft.com/office/powerpoint/2010/main" val="2488797430"/>
+      </p:ext>
+    </p:extLst>
+  </p:cSld>
+  <p:clrMapOvr>
+    <a:masterClrMapping/>
+  </p:clrMapOvr>
+</p:sld>
+</file>
+
+<file path=ppt/slides/slide54.xml><?xml version="1.0" encoding="utf-8"?>
+<p:sld xmlns:a="http://schemas.openxmlformats.org/drawingml/2006/main" xmlns:r="http://schemas.openxmlformats.org/officeDocument/2006/relationships" xmlns:p="http://schemas.openxmlformats.org/presentationml/2006/main">
+  <p:cSld>
+    <p:spTree>
+      <p:nvGrpSpPr>
+        <p:cNvPr id="1" name=""/>
+        <p:cNvGrpSpPr/>
+        <p:nvPr/>
+      </p:nvGrpSpPr>
+      <p:grpSpPr>
+        <a:xfrm>
+          <a:off x="0" y="0"/>
+          <a:ext cx="0" cy="0"/>
+          <a:chOff x="0" y="0"/>
+          <a:chExt cx="0" cy="0"/>
+        </a:xfrm>
+      </p:grpSpPr>
+      <p:sp>
+        <p:nvSpPr>
+          <p:cNvPr id="2" name="標題 1">
+            <a:extLst>
+              <a:ext uri="{FF2B5EF4-FFF2-40B4-BE49-F238E27FC236}">
+                <a16:creationId xmlns:a16="http://schemas.microsoft.com/office/drawing/2014/main" id="{5C000E97-DF6C-4CCC-B836-F95637D81DD3}"/>
+              </a:ext>
+            </a:extLst>
+          </p:cNvPr>
+          <p:cNvSpPr>
+            <a:spLocks noGrp="1"/>
+          </p:cNvSpPr>
+          <p:nvPr>
+            <p:ph type="title"/>
+          </p:nvPr>
+        </p:nvSpPr>
+        <p:spPr/>
+        <p:txBody>
+          <a:bodyPr/>
+          <a:lstStyle/>
+          <a:p>
+            <a:r>
+              <a:rPr lang="en-US" altLang="zh-TW" dirty="0"/>
+              <a:t>Knowledge is Shared Through Communication</a:t>
+            </a:r>
+            <a:br>
+              <a:rPr lang="en-US" altLang="zh-TW" dirty="0"/>
+            </a:br>
+            <a:r>
+              <a:rPr lang="zh-TW" altLang="en-US" dirty="0"/>
+              <a:t>藉由溝通分享知識</a:t>
+            </a:r>
+          </a:p>
+        </p:txBody>
+      </p:sp>
+      <p:sp>
+        <p:nvSpPr>
+          <p:cNvPr id="3" name="內容版面配置區 2">
+            <a:extLst>
+              <a:ext uri="{FF2B5EF4-FFF2-40B4-BE49-F238E27FC236}">
+                <a16:creationId xmlns:a16="http://schemas.microsoft.com/office/drawing/2014/main" id="{E7508593-B021-467B-AF43-3658A5E500DE}"/>
+              </a:ext>
+            </a:extLst>
+          </p:cNvPr>
+          <p:cNvSpPr>
+            <a:spLocks noGrp="1"/>
+          </p:cNvSpPr>
+          <p:nvPr>
+            <p:ph idx="1"/>
+          </p:nvPr>
+        </p:nvSpPr>
+        <p:spPr/>
+        <p:txBody>
+          <a:bodyPr/>
+          <a:lstStyle/>
+          <a:p>
+            <a:r>
+              <a:rPr lang="en-US" altLang="zh-TW" dirty="0"/>
+              <a:t>Push </a:t>
+            </a:r>
+            <a:r>
+              <a:rPr lang="zh-TW" altLang="en-US" dirty="0"/>
+              <a:t>推</a:t>
+            </a:r>
+            <a:endParaRPr lang="en-US" altLang="zh-TW" dirty="0"/>
+          </a:p>
+          <a:p>
+            <a:pPr lvl="1"/>
+            <a:r>
+              <a:rPr lang="zh-TW" altLang="en-US" dirty="0"/>
+              <a:t>主動推送文件，利用 </a:t>
+            </a:r>
+            <a:r>
+              <a:rPr lang="en-US" altLang="zh-TW" dirty="0"/>
+              <a:t>Email, </a:t>
+            </a:r>
+            <a:r>
+              <a:rPr lang="zh-TW" altLang="en-US" dirty="0"/>
+              <a:t>信件</a:t>
+            </a:r>
+            <a:r>
+              <a:rPr lang="en-US" altLang="zh-TW" dirty="0"/>
+              <a:t>, …</a:t>
+            </a:r>
+          </a:p>
+          <a:p>
+            <a:r>
+              <a:rPr lang="en-US" altLang="zh-TW" dirty="0"/>
+              <a:t>Pull </a:t>
+            </a:r>
+            <a:r>
+              <a:rPr lang="zh-TW" altLang="en-US" dirty="0"/>
+              <a:t>拉</a:t>
+            </a:r>
+            <a:endParaRPr lang="en-US" altLang="zh-TW" dirty="0"/>
+          </a:p>
+          <a:p>
+            <a:pPr lvl="1"/>
+            <a:r>
+              <a:rPr lang="zh-TW" altLang="en-US" dirty="0"/>
+              <a:t>有需要的人自己去找</a:t>
+            </a:r>
+            <a:endParaRPr lang="en-US" altLang="zh-TW" dirty="0"/>
+          </a:p>
+          <a:p>
+            <a:pPr lvl="1"/>
+            <a:r>
+              <a:rPr lang="zh-TW" altLang="en-US" dirty="0"/>
+              <a:t>建立線上儲存區（</a:t>
+            </a:r>
+            <a:r>
+              <a:rPr lang="en-US" altLang="zh-TW" dirty="0"/>
+              <a:t>Online Repositories</a:t>
+            </a:r>
+            <a:r>
+              <a:rPr lang="zh-TW" altLang="en-US" dirty="0"/>
+              <a:t>）、參考文件、資料庫</a:t>
+            </a:r>
+            <a:endParaRPr lang="en-US" altLang="zh-TW" dirty="0"/>
+          </a:p>
+          <a:p>
+            <a:r>
+              <a:rPr lang="en-US" altLang="zh-TW" dirty="0"/>
+              <a:t>Interactive </a:t>
+            </a:r>
+            <a:r>
+              <a:rPr lang="zh-TW" altLang="en-US" dirty="0"/>
+              <a:t>互動</a:t>
+            </a:r>
+            <a:endParaRPr lang="en-US" altLang="zh-TW" dirty="0"/>
+          </a:p>
+          <a:p>
+            <a:pPr lvl="1"/>
+            <a:r>
+              <a:rPr lang="zh-TW" altLang="en-US" dirty="0"/>
+              <a:t>會議、電話、研討會</a:t>
+            </a:r>
+            <a:endParaRPr lang="en-US" altLang="zh-TW" dirty="0"/>
+          </a:p>
+          <a:p>
+            <a:pPr lvl="1"/>
+            <a:r>
+              <a:rPr lang="zh-TW" altLang="en-US" dirty="0"/>
+              <a:t>創建新的知識</a:t>
+            </a:r>
+            <a:endParaRPr lang="en-US" altLang="zh-TW" dirty="0"/>
+          </a:p>
+          <a:p>
+            <a:pPr lvl="1"/>
+            <a:r>
+              <a:rPr lang="zh-TW" altLang="en-US" dirty="0"/>
+              <a:t>分享隱性知識</a:t>
+            </a:r>
+          </a:p>
+        </p:txBody>
+      </p:sp>
+      <p:sp>
+        <p:nvSpPr>
+          <p:cNvPr id="4" name="投影片編號版面配置區 3">
+            <a:extLst>
+              <a:ext uri="{FF2B5EF4-FFF2-40B4-BE49-F238E27FC236}">
+                <a16:creationId xmlns:a16="http://schemas.microsoft.com/office/drawing/2014/main" id="{58930913-528A-42E6-A453-491E3E6FB4D1}"/>
+              </a:ext>
+            </a:extLst>
+          </p:cNvPr>
+          <p:cNvSpPr>
+            <a:spLocks noGrp="1"/>
+          </p:cNvSpPr>
+          <p:nvPr>
+            <p:ph type="sldNum" sz="quarter" idx="12"/>
+          </p:nvPr>
+        </p:nvSpPr>
+        <p:spPr/>
+        <p:txBody>
+          <a:bodyPr/>
+          <a:lstStyle/>
+          <a:p>
+            <a:fld id="{06AFB70A-E524-49E4-8F5C-48BFBE4381EC}" type="slidenum">
+              <a:rPr lang="en-US" altLang="zh-TW" smtClean="0"/>
+              <a:pPr/>
+              <a:t>54</a:t>
+            </a:fld>
+            <a:endParaRPr lang="en-US" altLang="zh-TW"/>
+          </a:p>
+        </p:txBody>
+      </p:sp>
+    </p:spTree>
+    <p:extLst>
+      <p:ext uri="{BB962C8B-B14F-4D97-AF65-F5344CB8AC3E}">
+        <p14:creationId xmlns:p14="http://schemas.microsoft.com/office/powerpoint/2010/main" val="1757307681"/>
+      </p:ext>
+    </p:extLst>
+  </p:cSld>
+  <p:clrMapOvr>
+    <a:masterClrMapping/>
+  </p:clrMapOvr>
+</p:sld>
+</file>
+
+<file path=ppt/slides/slide55.xml><?xml version="1.0" encoding="utf-8"?>
+<p:sld xmlns:a="http://schemas.openxmlformats.org/drawingml/2006/main" xmlns:r="http://schemas.openxmlformats.org/officeDocument/2006/relationships" xmlns:p="http://schemas.openxmlformats.org/presentationml/2006/main">
+  <p:cSld>
+    <p:spTree>
+      <p:nvGrpSpPr>
+        <p:cNvPr id="1" name=""/>
+        <p:cNvGrpSpPr/>
+        <p:nvPr/>
+      </p:nvGrpSpPr>
+      <p:grpSpPr>
+        <a:xfrm>
+          <a:off x="0" y="0"/>
+          <a:ext cx="0" cy="0"/>
+          <a:chOff x="0" y="0"/>
+          <a:chExt cx="0" cy="0"/>
+        </a:xfrm>
+      </p:grpSpPr>
+      <p:sp>
+        <p:nvSpPr>
           <p:cNvPr id="4" name="投影片編號版面配置區 3">
             <a:extLst>
               <a:ext uri="{FF2B5EF4-FFF2-40B4-BE49-F238E27FC236}">
@@ -23805,7 +24536,7 @@
             <a:fld id="{06AFB70A-E524-49E4-8F5C-48BFBE4381EC}" type="slidenum">
               <a:rPr lang="en-US" altLang="zh-TW" smtClean="0"/>
               <a:pPr/>
-              <a:t>51</a:t>
+              <a:t>55</a:t>
             </a:fld>
             <a:endParaRPr lang="en-US" altLang="zh-TW"/>
           </a:p>
@@ -23854,654 +24585,6 @@
 </p:sld>
 </file>
 
-<file path=ppt/slides/slide52.xml><?xml version="1.0" encoding="utf-8"?>
-<p:sld xmlns:a="http://schemas.openxmlformats.org/drawingml/2006/main" xmlns:r="http://schemas.openxmlformats.org/officeDocument/2006/relationships" xmlns:p="http://schemas.openxmlformats.org/presentationml/2006/main">
-  <p:cSld>
-    <p:spTree>
-      <p:nvGrpSpPr>
-        <p:cNvPr id="1" name=""/>
-        <p:cNvGrpSpPr/>
-        <p:nvPr/>
-      </p:nvGrpSpPr>
-      <p:grpSpPr>
-        <a:xfrm>
-          <a:off x="0" y="0"/>
-          <a:ext cx="0" cy="0"/>
-          <a:chOff x="0" y="0"/>
-          <a:chExt cx="0" cy="0"/>
-        </a:xfrm>
-      </p:grpSpPr>
-      <p:sp>
-        <p:nvSpPr>
-          <p:cNvPr id="2" name="標題 1">
-            <a:extLst>
-              <a:ext uri="{FF2B5EF4-FFF2-40B4-BE49-F238E27FC236}">
-                <a16:creationId xmlns:a16="http://schemas.microsoft.com/office/drawing/2014/main" id="{C8A8DBD4-7AB9-4366-B56D-D100F2CF1189}"/>
-              </a:ext>
-            </a:extLst>
-          </p:cNvPr>
-          <p:cNvSpPr>
-            <a:spLocks noGrp="1"/>
-          </p:cNvSpPr>
-          <p:nvPr>
-            <p:ph type="title"/>
-          </p:nvPr>
-        </p:nvSpPr>
-        <p:spPr/>
-        <p:txBody>
-          <a:bodyPr/>
-          <a:lstStyle/>
-          <a:p>
-            <a:r>
-              <a:rPr lang="zh-TW" altLang="en-US" dirty="0"/>
-              <a:t>管理專案知識：輸入</a:t>
-            </a:r>
-          </a:p>
-        </p:txBody>
-      </p:sp>
-      <p:sp>
-        <p:nvSpPr>
-          <p:cNvPr id="7" name="內容版面配置區 6">
-            <a:extLst>
-              <a:ext uri="{FF2B5EF4-FFF2-40B4-BE49-F238E27FC236}">
-                <a16:creationId xmlns:a16="http://schemas.microsoft.com/office/drawing/2014/main" id="{95E9369C-1D66-4878-9720-E83494109A59}"/>
-              </a:ext>
-            </a:extLst>
-          </p:cNvPr>
-          <p:cNvSpPr>
-            <a:spLocks noGrp="1"/>
-          </p:cNvSpPr>
-          <p:nvPr>
-            <p:ph idx="1"/>
-          </p:nvPr>
-        </p:nvSpPr>
-        <p:spPr/>
-        <p:txBody>
-          <a:bodyPr/>
-          <a:lstStyle/>
-          <a:p>
-            <a:r>
-              <a:rPr lang="zh-TW" altLang="zh-TW" dirty="0"/>
-              <a:t>專案管理計畫書</a:t>
-            </a:r>
-          </a:p>
-          <a:p>
-            <a:r>
-              <a:rPr lang="zh-TW" altLang="zh-TW" dirty="0"/>
-              <a:t>專案文件</a:t>
-            </a:r>
-          </a:p>
-          <a:p>
-            <a:r>
-              <a:rPr lang="zh-TW" altLang="zh-TW" dirty="0"/>
-              <a:t>交付標的物</a:t>
-            </a:r>
-            <a:endParaRPr lang="en-US" altLang="zh-TW" dirty="0"/>
-          </a:p>
-          <a:p>
-            <a:r>
-              <a:rPr lang="zh-TW" altLang="zh-TW" dirty="0"/>
-              <a:t>企業環境因素</a:t>
-            </a:r>
-          </a:p>
-          <a:p>
-            <a:r>
-              <a:rPr lang="zh-TW" altLang="zh-TW" dirty="0"/>
-              <a:t>組織流程資產</a:t>
-            </a:r>
-            <a:endParaRPr lang="zh-TW" altLang="en-US" dirty="0"/>
-          </a:p>
-        </p:txBody>
-      </p:sp>
-      <p:sp>
-        <p:nvSpPr>
-          <p:cNvPr id="4" name="投影片編號版面配置區 3">
-            <a:extLst>
-              <a:ext uri="{FF2B5EF4-FFF2-40B4-BE49-F238E27FC236}">
-                <a16:creationId xmlns:a16="http://schemas.microsoft.com/office/drawing/2014/main" id="{F9A4A7CD-971A-4813-93A1-9CB31862BB2D}"/>
-              </a:ext>
-            </a:extLst>
-          </p:cNvPr>
-          <p:cNvSpPr>
-            <a:spLocks noGrp="1"/>
-          </p:cNvSpPr>
-          <p:nvPr>
-            <p:ph type="sldNum" sz="quarter" idx="12"/>
-          </p:nvPr>
-        </p:nvSpPr>
-        <p:spPr/>
-        <p:txBody>
-          <a:bodyPr/>
-          <a:lstStyle/>
-          <a:p>
-            <a:fld id="{06AFB70A-E524-49E4-8F5C-48BFBE4381EC}" type="slidenum">
-              <a:rPr lang="en-US" altLang="zh-TW" smtClean="0"/>
-              <a:pPr/>
-              <a:t>52</a:t>
-            </a:fld>
-            <a:endParaRPr lang="en-US" altLang="zh-TW"/>
-          </a:p>
-        </p:txBody>
-      </p:sp>
-    </p:spTree>
-    <p:extLst>
-      <p:ext uri="{BB962C8B-B14F-4D97-AF65-F5344CB8AC3E}">
-        <p14:creationId xmlns:p14="http://schemas.microsoft.com/office/powerpoint/2010/main" val="3714609163"/>
-      </p:ext>
-    </p:extLst>
-  </p:cSld>
-  <p:clrMapOvr>
-    <a:masterClrMapping/>
-  </p:clrMapOvr>
-</p:sld>
-</file>
-
-<file path=ppt/slides/slide53.xml><?xml version="1.0" encoding="utf-8"?>
-<p:sld xmlns:a="http://schemas.openxmlformats.org/drawingml/2006/main" xmlns:r="http://schemas.openxmlformats.org/officeDocument/2006/relationships" xmlns:p="http://schemas.openxmlformats.org/presentationml/2006/main">
-  <p:cSld>
-    <p:spTree>
-      <p:nvGrpSpPr>
-        <p:cNvPr id="1" name=""/>
-        <p:cNvGrpSpPr/>
-        <p:nvPr/>
-      </p:nvGrpSpPr>
-      <p:grpSpPr>
-        <a:xfrm>
-          <a:off x="0" y="0"/>
-          <a:ext cx="0" cy="0"/>
-          <a:chOff x="0" y="0"/>
-          <a:chExt cx="0" cy="0"/>
-        </a:xfrm>
-      </p:grpSpPr>
-      <p:sp>
-        <p:nvSpPr>
-          <p:cNvPr id="2" name="標題 1">
-            <a:extLst>
-              <a:ext uri="{FF2B5EF4-FFF2-40B4-BE49-F238E27FC236}">
-                <a16:creationId xmlns:a16="http://schemas.microsoft.com/office/drawing/2014/main" id="{9CB067C9-391D-4FED-AC50-8666DD0DF3F9}"/>
-              </a:ext>
-            </a:extLst>
-          </p:cNvPr>
-          <p:cNvSpPr>
-            <a:spLocks noGrp="1"/>
-          </p:cNvSpPr>
-          <p:nvPr>
-            <p:ph type="title"/>
-          </p:nvPr>
-        </p:nvSpPr>
-        <p:spPr/>
-        <p:txBody>
-          <a:bodyPr/>
-          <a:lstStyle/>
-          <a:p>
-            <a:r>
-              <a:rPr lang="zh-TW" altLang="en-US" dirty="0"/>
-              <a:t>管理專案知識：工具和技術</a:t>
-            </a:r>
-          </a:p>
-        </p:txBody>
-      </p:sp>
-      <p:sp>
-        <p:nvSpPr>
-          <p:cNvPr id="7" name="內容版面配置區 6">
-            <a:extLst>
-              <a:ext uri="{FF2B5EF4-FFF2-40B4-BE49-F238E27FC236}">
-                <a16:creationId xmlns:a16="http://schemas.microsoft.com/office/drawing/2014/main" id="{25317FA6-996C-49B8-8A10-96E24A7063BD}"/>
-              </a:ext>
-            </a:extLst>
-          </p:cNvPr>
-          <p:cNvSpPr>
-            <a:spLocks noGrp="1"/>
-          </p:cNvSpPr>
-          <p:nvPr>
-            <p:ph idx="1"/>
-          </p:nvPr>
-        </p:nvSpPr>
-        <p:spPr/>
-        <p:txBody>
-          <a:bodyPr>
-            <a:normAutofit fontScale="92500" lnSpcReduction="10000"/>
-          </a:bodyPr>
-          <a:lstStyle/>
-          <a:p>
-            <a:r>
-              <a:rPr lang="zh-TW" altLang="en-US" dirty="0"/>
-              <a:t>專家判斷</a:t>
-            </a:r>
-          </a:p>
-          <a:p>
-            <a:r>
-              <a:rPr lang="zh-TW" altLang="en-US" dirty="0"/>
-              <a:t>知識管理：</a:t>
-            </a:r>
-            <a:endParaRPr lang="en-US" altLang="zh-TW" dirty="0"/>
-          </a:p>
-          <a:p>
-            <a:pPr lvl="1"/>
-            <a:r>
-              <a:rPr lang="zh-TW" altLang="en-US" dirty="0"/>
-              <a:t>共同創造新知識、分享隱性知識、整合不同團隊成員的知識。</a:t>
-            </a:r>
-          </a:p>
-          <a:p>
-            <a:r>
-              <a:rPr lang="zh-TW" altLang="en-US" dirty="0"/>
-              <a:t>資訊管理：</a:t>
-            </a:r>
-            <a:endParaRPr lang="en-US" altLang="zh-TW" dirty="0"/>
-          </a:p>
-          <a:p>
-            <a:pPr lvl="1"/>
-            <a:r>
-              <a:rPr lang="zh-TW" altLang="en-US" dirty="0"/>
-              <a:t>創造</a:t>
-            </a:r>
-            <a:r>
-              <a:rPr lang="en-US" altLang="zh-TW" dirty="0"/>
-              <a:t>/</a:t>
-            </a:r>
-            <a:r>
-              <a:rPr lang="zh-TW" altLang="en-US" dirty="0"/>
-              <a:t>連接人們的資訊，有效分享簡單、明確、編纂的明確知識。</a:t>
-            </a:r>
-          </a:p>
-          <a:p>
-            <a:r>
-              <a:rPr lang="zh-TW" altLang="en-US" dirty="0"/>
-              <a:t>人際與團隊技能：</a:t>
-            </a:r>
-          </a:p>
-          <a:p>
-            <a:pPr lvl="1"/>
-            <a:r>
-              <a:rPr lang="zh-TW" altLang="en-US" dirty="0"/>
-              <a:t>主動傾聽</a:t>
-            </a:r>
-          </a:p>
-          <a:p>
-            <a:pPr lvl="1"/>
-            <a:r>
-              <a:rPr lang="zh-TW" altLang="en-US" dirty="0"/>
-              <a:t>引導力</a:t>
-            </a:r>
-          </a:p>
-          <a:p>
-            <a:pPr lvl="1"/>
-            <a:r>
-              <a:rPr lang="zh-TW" altLang="en-US" dirty="0"/>
-              <a:t>領導力</a:t>
-            </a:r>
-          </a:p>
-          <a:p>
-            <a:pPr lvl="1"/>
-            <a:r>
-              <a:rPr lang="zh-TW" altLang="en-US" dirty="0"/>
-              <a:t>網絡</a:t>
-            </a:r>
-          </a:p>
-          <a:p>
-            <a:pPr lvl="1"/>
-            <a:r>
-              <a:rPr lang="zh-TW" altLang="en-US" dirty="0"/>
-              <a:t>政治意識</a:t>
-            </a:r>
-          </a:p>
-        </p:txBody>
-      </p:sp>
-      <p:sp>
-        <p:nvSpPr>
-          <p:cNvPr id="4" name="投影片編號版面配置區 3">
-            <a:extLst>
-              <a:ext uri="{FF2B5EF4-FFF2-40B4-BE49-F238E27FC236}">
-                <a16:creationId xmlns:a16="http://schemas.microsoft.com/office/drawing/2014/main" id="{81DFE844-A889-4000-A2EB-EE7147FA6369}"/>
-              </a:ext>
-            </a:extLst>
-          </p:cNvPr>
-          <p:cNvSpPr>
-            <a:spLocks noGrp="1"/>
-          </p:cNvSpPr>
-          <p:nvPr>
-            <p:ph type="sldNum" sz="quarter" idx="12"/>
-          </p:nvPr>
-        </p:nvSpPr>
-        <p:spPr/>
-        <p:txBody>
-          <a:bodyPr/>
-          <a:lstStyle/>
-          <a:p>
-            <a:fld id="{06AFB70A-E524-49E4-8F5C-48BFBE4381EC}" type="slidenum">
-              <a:rPr lang="en-US" altLang="zh-TW" smtClean="0"/>
-              <a:pPr/>
-              <a:t>53</a:t>
-            </a:fld>
-            <a:endParaRPr lang="en-US" altLang="zh-TW"/>
-          </a:p>
-        </p:txBody>
-      </p:sp>
-    </p:spTree>
-    <p:extLst>
-      <p:ext uri="{BB962C8B-B14F-4D97-AF65-F5344CB8AC3E}">
-        <p14:creationId xmlns:p14="http://schemas.microsoft.com/office/powerpoint/2010/main" val="2512166050"/>
-      </p:ext>
-    </p:extLst>
-  </p:cSld>
-  <p:clrMapOvr>
-    <a:masterClrMapping/>
-  </p:clrMapOvr>
-</p:sld>
-</file>
-
-<file path=ppt/slides/slide54.xml><?xml version="1.0" encoding="utf-8"?>
-<p:sld xmlns:a="http://schemas.openxmlformats.org/drawingml/2006/main" xmlns:r="http://schemas.openxmlformats.org/officeDocument/2006/relationships" xmlns:p="http://schemas.openxmlformats.org/presentationml/2006/main">
-  <p:cSld>
-    <p:spTree>
-      <p:nvGrpSpPr>
-        <p:cNvPr id="1" name=""/>
-        <p:cNvGrpSpPr/>
-        <p:nvPr/>
-      </p:nvGrpSpPr>
-      <p:grpSpPr>
-        <a:xfrm>
-          <a:off x="0" y="0"/>
-          <a:ext cx="0" cy="0"/>
-          <a:chOff x="0" y="0"/>
-          <a:chExt cx="0" cy="0"/>
-        </a:xfrm>
-      </p:grpSpPr>
-      <p:sp>
-        <p:nvSpPr>
-          <p:cNvPr id="2" name="標題 1">
-            <a:extLst>
-              <a:ext uri="{FF2B5EF4-FFF2-40B4-BE49-F238E27FC236}">
-                <a16:creationId xmlns:a16="http://schemas.microsoft.com/office/drawing/2014/main" id="{8AC5EED3-383E-4F84-B873-903CC4D65C22}"/>
-              </a:ext>
-            </a:extLst>
-          </p:cNvPr>
-          <p:cNvSpPr>
-            <a:spLocks noGrp="1"/>
-          </p:cNvSpPr>
-          <p:nvPr>
-            <p:ph type="title"/>
-          </p:nvPr>
-        </p:nvSpPr>
-        <p:spPr/>
-        <p:txBody>
-          <a:bodyPr/>
-          <a:lstStyle/>
-          <a:p>
-            <a:r>
-              <a:rPr lang="zh-TW" altLang="en-US" dirty="0"/>
-              <a:t>管理專案知識：輸出</a:t>
-            </a:r>
-          </a:p>
-        </p:txBody>
-      </p:sp>
-      <p:sp>
-        <p:nvSpPr>
-          <p:cNvPr id="7" name="內容版面配置區 6">
-            <a:extLst>
-              <a:ext uri="{FF2B5EF4-FFF2-40B4-BE49-F238E27FC236}">
-                <a16:creationId xmlns:a16="http://schemas.microsoft.com/office/drawing/2014/main" id="{3632E42B-9FB8-48E1-93CA-0D98D4F77D63}"/>
-              </a:ext>
-            </a:extLst>
-          </p:cNvPr>
-          <p:cNvSpPr>
-            <a:spLocks noGrp="1"/>
-          </p:cNvSpPr>
-          <p:nvPr>
-            <p:ph idx="1"/>
-          </p:nvPr>
-        </p:nvSpPr>
-        <p:spPr/>
-        <p:txBody>
-          <a:bodyPr/>
-          <a:lstStyle/>
-          <a:p>
-            <a:r>
-              <a:rPr lang="zh-TW" altLang="en-US" dirty="0"/>
-              <a:t>經驗學習檔案：</a:t>
-            </a:r>
-            <a:endParaRPr lang="en-US" altLang="zh-TW" dirty="0"/>
-          </a:p>
-          <a:p>
-            <a:pPr lvl="1"/>
-            <a:r>
-              <a:rPr lang="zh-TW" altLang="en-US" dirty="0"/>
-              <a:t>經驗學習檔案是這個過程的輸入，也是這個過程的輸出。</a:t>
-            </a:r>
-          </a:p>
-          <a:p>
-            <a:r>
-              <a:rPr lang="zh-TW" altLang="en-US" dirty="0"/>
-              <a:t>專案管理計畫書更新</a:t>
-            </a:r>
-          </a:p>
-          <a:p>
-            <a:r>
-              <a:rPr lang="zh-TW" altLang="en-US" dirty="0"/>
-              <a:t>組織流程資產更新</a:t>
-            </a:r>
-          </a:p>
-          <a:p>
-            <a:endParaRPr lang="zh-TW" altLang="en-US" dirty="0"/>
-          </a:p>
-        </p:txBody>
-      </p:sp>
-      <p:sp>
-        <p:nvSpPr>
-          <p:cNvPr id="4" name="投影片編號版面配置區 3">
-            <a:extLst>
-              <a:ext uri="{FF2B5EF4-FFF2-40B4-BE49-F238E27FC236}">
-                <a16:creationId xmlns:a16="http://schemas.microsoft.com/office/drawing/2014/main" id="{DF763AC4-6BFA-4D26-A2D5-24ADDCF9AEA6}"/>
-              </a:ext>
-            </a:extLst>
-          </p:cNvPr>
-          <p:cNvSpPr>
-            <a:spLocks noGrp="1"/>
-          </p:cNvSpPr>
-          <p:nvPr>
-            <p:ph type="sldNum" sz="quarter" idx="12"/>
-          </p:nvPr>
-        </p:nvSpPr>
-        <p:spPr/>
-        <p:txBody>
-          <a:bodyPr/>
-          <a:lstStyle/>
-          <a:p>
-            <a:fld id="{06AFB70A-E524-49E4-8F5C-48BFBE4381EC}" type="slidenum">
-              <a:rPr lang="en-US" altLang="zh-TW" smtClean="0"/>
-              <a:pPr/>
-              <a:t>54</a:t>
-            </a:fld>
-            <a:endParaRPr lang="en-US" altLang="zh-TW"/>
-          </a:p>
-        </p:txBody>
-      </p:sp>
-    </p:spTree>
-    <p:extLst>
-      <p:ext uri="{BB962C8B-B14F-4D97-AF65-F5344CB8AC3E}">
-        <p14:creationId xmlns:p14="http://schemas.microsoft.com/office/powerpoint/2010/main" val="94978887"/>
-      </p:ext>
-    </p:extLst>
-  </p:cSld>
-  <p:clrMapOvr>
-    <a:masterClrMapping/>
-  </p:clrMapOvr>
-</p:sld>
-</file>
-
-<file path=ppt/slides/slide55.xml><?xml version="1.0" encoding="utf-8"?>
-<p:sld xmlns:a="http://schemas.openxmlformats.org/drawingml/2006/main" xmlns:r="http://schemas.openxmlformats.org/officeDocument/2006/relationships" xmlns:p="http://schemas.openxmlformats.org/presentationml/2006/main">
-  <p:cSld>
-    <p:spTree>
-      <p:nvGrpSpPr>
-        <p:cNvPr id="1" name=""/>
-        <p:cNvGrpSpPr/>
-        <p:nvPr/>
-      </p:nvGrpSpPr>
-      <p:grpSpPr>
-        <a:xfrm>
-          <a:off x="0" y="0"/>
-          <a:ext cx="0" cy="0"/>
-          <a:chOff x="0" y="0"/>
-          <a:chExt cx="0" cy="0"/>
-        </a:xfrm>
-      </p:grpSpPr>
-      <p:sp>
-        <p:nvSpPr>
-          <p:cNvPr id="2" name="標題 1">
-            <a:extLst>
-              <a:ext uri="{FF2B5EF4-FFF2-40B4-BE49-F238E27FC236}">
-                <a16:creationId xmlns:a16="http://schemas.microsoft.com/office/drawing/2014/main" id="{E4A61B12-6420-4B43-9BCD-4F3077B2FDA3}"/>
-              </a:ext>
-            </a:extLst>
-          </p:cNvPr>
-          <p:cNvSpPr>
-            <a:spLocks noGrp="1"/>
-          </p:cNvSpPr>
-          <p:nvPr>
-            <p:ph type="title"/>
-          </p:nvPr>
-        </p:nvSpPr>
-        <p:spPr/>
-        <p:txBody>
-          <a:bodyPr/>
-          <a:lstStyle/>
-          <a:p>
-            <a:r>
-              <a:rPr lang="zh-TW" altLang="en-US" dirty="0"/>
-              <a:t>監視和管制專案工作</a:t>
-            </a:r>
-            <a:br>
-              <a:rPr lang="en-US" altLang="zh-TW" dirty="0"/>
-            </a:br>
-            <a:r>
-              <a:rPr lang="en-US" altLang="zh-TW" dirty="0"/>
-              <a:t>Monitor and Control Project Work</a:t>
-            </a:r>
-            <a:endParaRPr lang="zh-TW" altLang="en-US" dirty="0"/>
-          </a:p>
-        </p:txBody>
-      </p:sp>
-      <p:sp>
-        <p:nvSpPr>
-          <p:cNvPr id="7" name="內容版面配置區 6">
-            <a:extLst>
-              <a:ext uri="{FF2B5EF4-FFF2-40B4-BE49-F238E27FC236}">
-                <a16:creationId xmlns:a16="http://schemas.microsoft.com/office/drawing/2014/main" id="{E7FEE70D-4669-44DD-BD59-25F4CA303206}"/>
-              </a:ext>
-            </a:extLst>
-          </p:cNvPr>
-          <p:cNvSpPr>
-            <a:spLocks noGrp="1"/>
-          </p:cNvSpPr>
-          <p:nvPr>
-            <p:ph idx="1"/>
-          </p:nvPr>
-        </p:nvSpPr>
-        <p:spPr/>
-        <p:txBody>
-          <a:bodyPr/>
-          <a:lstStyle/>
-          <a:p>
-            <a:r>
-              <a:rPr lang="zh-TW" altLang="zh-TW" dirty="0"/>
-              <a:t>規劃良善的計畫書並不保證就會成功地達成專案目標，因為規劃通常是在許多假設條件下所做的估計。</a:t>
-            </a:r>
-            <a:endParaRPr lang="en-US" altLang="zh-TW" dirty="0"/>
-          </a:p>
-          <a:p>
-            <a:r>
-              <a:rPr lang="zh-TW" altLang="zh-TW" dirty="0"/>
-              <a:t>持續變化的環境和不確定性因素常常會不預期地干擾和阻礙團隊，使其無法依規劃執行並達成專案目標。</a:t>
-            </a:r>
-            <a:endParaRPr lang="en-US" altLang="zh-TW" dirty="0"/>
-          </a:p>
-          <a:p>
-            <a:r>
-              <a:rPr lang="zh-TW" altLang="zh-TW" dirty="0"/>
-              <a:t>監視和管制（簡稱監控）專案工作是追蹤、審查、和報告整體進度，以滿足專案管理計畫書所設定的績效目標之過程。</a:t>
-            </a:r>
-            <a:endParaRPr lang="en-US" altLang="zh-TW" dirty="0"/>
-          </a:p>
-          <a:p>
-            <a:r>
-              <a:rPr lang="zh-TW" altLang="en-US" dirty="0"/>
-              <a:t>監控過程三步驟</a:t>
-            </a:r>
-            <a:endParaRPr lang="en-US" altLang="zh-TW" dirty="0"/>
-          </a:p>
-          <a:p>
-            <a:pPr lvl="1"/>
-            <a:r>
-              <a:rPr lang="zh-TW" altLang="en-US" dirty="0"/>
-              <a:t>衡量實際績效、將實際績效與基準作比較、採取管理行動以矯正差異</a:t>
-            </a:r>
-            <a:r>
-              <a:rPr lang="en-US" altLang="zh-TW" dirty="0"/>
-              <a:t>/</a:t>
-            </a:r>
-            <a:r>
-              <a:rPr lang="zh-TW" altLang="en-US" dirty="0"/>
-              <a:t>更改基準</a:t>
-            </a:r>
-            <a:endParaRPr lang="en-US" altLang="zh-TW" dirty="0"/>
-          </a:p>
-          <a:p>
-            <a:r>
-              <a:rPr lang="zh-TW" altLang="zh-TW" dirty="0"/>
-              <a:t>這個過程在整個專案持續進行，好處是讓利害關係人能夠了解專案現況、識別採取行動以處理績效議題、和可透過成本及時程預測專案完工時之最終工期和成本。</a:t>
-            </a:r>
-            <a:endParaRPr lang="en-US" altLang="zh-TW" dirty="0"/>
-          </a:p>
-          <a:p>
-            <a:endParaRPr lang="zh-TW" altLang="en-US" dirty="0"/>
-          </a:p>
-        </p:txBody>
-      </p:sp>
-      <p:sp>
-        <p:nvSpPr>
-          <p:cNvPr id="4" name="投影片編號版面配置區 3">
-            <a:extLst>
-              <a:ext uri="{FF2B5EF4-FFF2-40B4-BE49-F238E27FC236}">
-                <a16:creationId xmlns:a16="http://schemas.microsoft.com/office/drawing/2014/main" id="{DED5278A-30FD-45F7-A862-7157F16ED27D}"/>
-              </a:ext>
-            </a:extLst>
-          </p:cNvPr>
-          <p:cNvSpPr>
-            <a:spLocks noGrp="1"/>
-          </p:cNvSpPr>
-          <p:nvPr>
-            <p:ph type="sldNum" sz="quarter" idx="12"/>
-          </p:nvPr>
-        </p:nvSpPr>
-        <p:spPr/>
-        <p:txBody>
-          <a:bodyPr/>
-          <a:lstStyle/>
-          <a:p>
-            <a:fld id="{06AFB70A-E524-49E4-8F5C-48BFBE4381EC}" type="slidenum">
-              <a:rPr lang="en-US" altLang="zh-TW" smtClean="0"/>
-              <a:pPr/>
-              <a:t>55</a:t>
-            </a:fld>
-            <a:endParaRPr lang="en-US" altLang="zh-TW"/>
-          </a:p>
-        </p:txBody>
-      </p:sp>
-    </p:spTree>
-    <p:extLst>
-      <p:ext uri="{BB962C8B-B14F-4D97-AF65-F5344CB8AC3E}">
-        <p14:creationId xmlns:p14="http://schemas.microsoft.com/office/powerpoint/2010/main" val="2063542507"/>
-      </p:ext>
-    </p:extLst>
-  </p:cSld>
-  <p:clrMapOvr>
-    <a:masterClrMapping/>
-  </p:clrMapOvr>
-</p:sld>
-</file>
-
 <file path=ppt/slides/slide56.xml><?xml version="1.0" encoding="utf-8"?>
 <p:sld xmlns:a="http://schemas.openxmlformats.org/drawingml/2006/main" xmlns:r="http://schemas.openxmlformats.org/officeDocument/2006/relationships" xmlns:p="http://schemas.openxmlformats.org/presentationml/2006/main">
   <p:cSld>
@@ -24521,15 +24604,15 @@
       </p:grpSpPr>
       <p:sp>
         <p:nvSpPr>
-          <p:cNvPr id="70658" name="Rectangle 2">
+          <p:cNvPr id="2" name="標題 1">
             <a:extLst>
               <a:ext uri="{FF2B5EF4-FFF2-40B4-BE49-F238E27FC236}">
-                <a16:creationId xmlns:a16="http://schemas.microsoft.com/office/drawing/2014/main" id="{E418ADAD-0535-4BA0-B7F0-8ACC390F9B46}"/>
+                <a16:creationId xmlns:a16="http://schemas.microsoft.com/office/drawing/2014/main" id="{C8A8DBD4-7AB9-4366-B56D-D100F2CF1189}"/>
               </a:ext>
             </a:extLst>
           </p:cNvPr>
           <p:cNvSpPr>
-            <a:spLocks noGrp="1" noChangeArrowheads="1"/>
+            <a:spLocks noGrp="1"/>
           </p:cNvSpPr>
           <p:nvPr>
             <p:ph type="title"/>
@@ -24542,31 +24625,22 @@
           <a:p>
             <a:r>
               <a:rPr lang="zh-TW" altLang="en-US" dirty="0"/>
-              <a:t>管制圖（</a:t>
-            </a:r>
-            <a:r>
-              <a:rPr lang="en-US" altLang="zh-TW" dirty="0"/>
-              <a:t>Control Chart</a:t>
-            </a:r>
-            <a:r>
-              <a:rPr lang="zh-TW" altLang="en-US" dirty="0"/>
-              <a:t>）</a:t>
-            </a:r>
-            <a:endParaRPr lang="en-US" altLang="zh-TW" dirty="0"/>
-          </a:p>
-        </p:txBody>
-      </p:sp>
-      <p:sp>
-        <p:nvSpPr>
-          <p:cNvPr id="30723" name="Rectangle 3">
+              <a:t>管理專案知識：輸入</a:t>
+            </a:r>
+          </a:p>
+        </p:txBody>
+      </p:sp>
+      <p:sp>
+        <p:nvSpPr>
+          <p:cNvPr id="7" name="內容版面配置區 6">
             <a:extLst>
               <a:ext uri="{FF2B5EF4-FFF2-40B4-BE49-F238E27FC236}">
-                <a16:creationId xmlns:a16="http://schemas.microsoft.com/office/drawing/2014/main" id="{6684115C-44B5-4216-81ED-ECA6AFBBECF6}"/>
+                <a16:creationId xmlns:a16="http://schemas.microsoft.com/office/drawing/2014/main" id="{95E9369C-1D66-4878-9720-E83494109A59}"/>
               </a:ext>
             </a:extLst>
           </p:cNvPr>
           <p:cNvSpPr>
-            <a:spLocks noGrp="1" noChangeArrowheads="1"/>
+            <a:spLocks noGrp="1"/>
           </p:cNvSpPr>
           <p:nvPr>
             <p:ph idx="1"/>
@@ -24578,30 +24652,94 @@
           <a:lstStyle/>
           <a:p>
             <a:r>
-              <a:rPr lang="zh-TW" altLang="en-US" dirty="0"/>
-              <a:t>管制圖是用來管制專案執行的流程是否失控的一個圖形工具，以中線和上下控制界限所形成的區域，判斷流程是否穩定。</a:t>
-            </a:r>
-          </a:p>
-          <a:p>
-            <a:r>
-              <a:rPr lang="zh-TW" altLang="en-US" dirty="0"/>
-              <a:t>若連續七個樣本點（</a:t>
-            </a:r>
-            <a:r>
-              <a:rPr lang="en-US" altLang="zh-TW" dirty="0"/>
-              <a:t>Rule of Seven</a:t>
-            </a:r>
-            <a:r>
-              <a:rPr lang="zh-TW" altLang="en-US" dirty="0"/>
-              <a:t>）都落在中限的上方或下方，也代表流程出了問題，必須儘速解決 </a:t>
-            </a:r>
+              <a:rPr lang="zh-TW" altLang="zh-TW" dirty="0"/>
+              <a:t>專案管理計畫書</a:t>
+            </a:r>
+            <a:r>
+              <a:rPr lang="en-US" altLang="zh-TW" dirty="0"/>
+              <a:t> Project Management Plan</a:t>
+            </a:r>
+            <a:endParaRPr lang="zh-TW" altLang="zh-TW" dirty="0"/>
+          </a:p>
+          <a:p>
+            <a:r>
+              <a:rPr lang="zh-TW" altLang="zh-TW" dirty="0"/>
+              <a:t>專案文件</a:t>
+            </a:r>
+            <a:r>
+              <a:rPr lang="en-US" altLang="zh-TW" dirty="0"/>
+              <a:t> Project Documents</a:t>
+            </a:r>
+            <a:endParaRPr lang="zh-TW" altLang="zh-TW" dirty="0"/>
+          </a:p>
+          <a:p>
+            <a:r>
+              <a:rPr lang="zh-TW" altLang="zh-TW" dirty="0"/>
+              <a:t>交付標的物</a:t>
+            </a:r>
+            <a:r>
+              <a:rPr lang="en-US" altLang="zh-TW" dirty="0"/>
+              <a:t> Deliverables</a:t>
+            </a:r>
+          </a:p>
+          <a:p>
+            <a:r>
+              <a:rPr lang="zh-TW" altLang="zh-TW" dirty="0"/>
+              <a:t>企業環境因素</a:t>
+            </a:r>
+            <a:r>
+              <a:rPr lang="en-US" altLang="zh-TW" dirty="0"/>
+              <a:t> EEF</a:t>
+            </a:r>
+            <a:endParaRPr lang="zh-TW" altLang="zh-TW" dirty="0"/>
+          </a:p>
+          <a:p>
+            <a:r>
+              <a:rPr lang="zh-TW" altLang="zh-TW" dirty="0"/>
+              <a:t>組織流程資產</a:t>
+            </a:r>
+            <a:r>
+              <a:rPr lang="en-US" altLang="zh-TW" dirty="0"/>
+              <a:t> OPA</a:t>
+            </a:r>
+            <a:endParaRPr lang="zh-TW" altLang="en-US" dirty="0"/>
+          </a:p>
+        </p:txBody>
+      </p:sp>
+      <p:sp>
+        <p:nvSpPr>
+          <p:cNvPr id="4" name="投影片編號版面配置區 3">
+            <a:extLst>
+              <a:ext uri="{FF2B5EF4-FFF2-40B4-BE49-F238E27FC236}">
+                <a16:creationId xmlns:a16="http://schemas.microsoft.com/office/drawing/2014/main" id="{F9A4A7CD-971A-4813-93A1-9CB31862BB2D}"/>
+              </a:ext>
+            </a:extLst>
+          </p:cNvPr>
+          <p:cNvSpPr>
+            <a:spLocks noGrp="1"/>
+          </p:cNvSpPr>
+          <p:nvPr>
+            <p:ph type="sldNum" sz="quarter" idx="12"/>
+          </p:nvPr>
+        </p:nvSpPr>
+        <p:spPr/>
+        <p:txBody>
+          <a:bodyPr/>
+          <a:lstStyle/>
+          <a:p>
+            <a:fld id="{06AFB70A-E524-49E4-8F5C-48BFBE4381EC}" type="slidenum">
+              <a:rPr lang="en-US" altLang="zh-TW" smtClean="0"/>
+              <a:pPr/>
+              <a:t>56</a:t>
+            </a:fld>
+            <a:endParaRPr lang="en-US" altLang="zh-TW"/>
           </a:p>
         </p:txBody>
       </p:sp>
     </p:spTree>
     <p:extLst>
       <p:ext uri="{BB962C8B-B14F-4D97-AF65-F5344CB8AC3E}">
-        <p14:creationId xmlns:p14="http://schemas.microsoft.com/office/powerpoint/2010/main" val="2560049065"/>
+        <p14:creationId xmlns:p14="http://schemas.microsoft.com/office/powerpoint/2010/main" val="3714609163"/>
       </p:ext>
     </p:extLst>
   </p:cSld>
@@ -24630,6 +24768,1903 @@
       </p:grpSpPr>
       <p:sp>
         <p:nvSpPr>
+          <p:cNvPr id="2" name="標題 1">
+            <a:extLst>
+              <a:ext uri="{FF2B5EF4-FFF2-40B4-BE49-F238E27FC236}">
+                <a16:creationId xmlns:a16="http://schemas.microsoft.com/office/drawing/2014/main" id="{9CB067C9-391D-4FED-AC50-8666DD0DF3F9}"/>
+              </a:ext>
+            </a:extLst>
+          </p:cNvPr>
+          <p:cNvSpPr>
+            <a:spLocks noGrp="1"/>
+          </p:cNvSpPr>
+          <p:nvPr>
+            <p:ph type="title"/>
+          </p:nvPr>
+        </p:nvSpPr>
+        <p:spPr/>
+        <p:txBody>
+          <a:bodyPr/>
+          <a:lstStyle/>
+          <a:p>
+            <a:r>
+              <a:rPr lang="zh-TW" altLang="en-US" dirty="0"/>
+              <a:t>管理專案知識：工具和技術</a:t>
+            </a:r>
+          </a:p>
+        </p:txBody>
+      </p:sp>
+      <p:sp>
+        <p:nvSpPr>
+          <p:cNvPr id="7" name="內容版面配置區 6">
+            <a:extLst>
+              <a:ext uri="{FF2B5EF4-FFF2-40B4-BE49-F238E27FC236}">
+                <a16:creationId xmlns:a16="http://schemas.microsoft.com/office/drawing/2014/main" id="{25317FA6-996C-49B8-8A10-96E24A7063BD}"/>
+              </a:ext>
+            </a:extLst>
+          </p:cNvPr>
+          <p:cNvSpPr>
+            <a:spLocks noGrp="1"/>
+          </p:cNvSpPr>
+          <p:nvPr>
+            <p:ph idx="1"/>
+          </p:nvPr>
+        </p:nvSpPr>
+        <p:spPr/>
+        <p:txBody>
+          <a:bodyPr>
+            <a:normAutofit fontScale="92500" lnSpcReduction="10000"/>
+          </a:bodyPr>
+          <a:lstStyle/>
+          <a:p>
+            <a:r>
+              <a:rPr lang="zh-TW" altLang="en-US" dirty="0"/>
+              <a:t>專家判斷</a:t>
+            </a:r>
+          </a:p>
+          <a:p>
+            <a:r>
+              <a:rPr lang="zh-TW" altLang="en-US" dirty="0"/>
+              <a:t>知識管理：</a:t>
+            </a:r>
+            <a:endParaRPr lang="en-US" altLang="zh-TW" dirty="0"/>
+          </a:p>
+          <a:p>
+            <a:pPr lvl="1"/>
+            <a:r>
+              <a:rPr lang="zh-TW" altLang="en-US" dirty="0"/>
+              <a:t>共同創造新知識、分享隱性知識、整合不同團隊成員的知識。</a:t>
+            </a:r>
+          </a:p>
+          <a:p>
+            <a:r>
+              <a:rPr lang="zh-TW" altLang="en-US" dirty="0"/>
+              <a:t>資訊管理：</a:t>
+            </a:r>
+            <a:endParaRPr lang="en-US" altLang="zh-TW" dirty="0"/>
+          </a:p>
+          <a:p>
+            <a:pPr lvl="1"/>
+            <a:r>
+              <a:rPr lang="zh-TW" altLang="en-US" dirty="0"/>
+              <a:t>創造</a:t>
+            </a:r>
+            <a:r>
+              <a:rPr lang="en-US" altLang="zh-TW" dirty="0"/>
+              <a:t>/</a:t>
+            </a:r>
+            <a:r>
+              <a:rPr lang="zh-TW" altLang="en-US" dirty="0"/>
+              <a:t>連接人們的資訊，有效分享簡單、明確、編纂的明確知識。</a:t>
+            </a:r>
+          </a:p>
+          <a:p>
+            <a:r>
+              <a:rPr lang="zh-TW" altLang="en-US" dirty="0"/>
+              <a:t>人際與團隊技能：</a:t>
+            </a:r>
+          </a:p>
+          <a:p>
+            <a:pPr lvl="1"/>
+            <a:r>
+              <a:rPr lang="zh-TW" altLang="en-US" dirty="0"/>
+              <a:t>主動傾聽</a:t>
+            </a:r>
+          </a:p>
+          <a:p>
+            <a:pPr lvl="1"/>
+            <a:r>
+              <a:rPr lang="zh-TW" altLang="en-US" dirty="0"/>
+              <a:t>引導力</a:t>
+            </a:r>
+          </a:p>
+          <a:p>
+            <a:pPr lvl="1"/>
+            <a:r>
+              <a:rPr lang="zh-TW" altLang="en-US" dirty="0"/>
+              <a:t>領導力</a:t>
+            </a:r>
+          </a:p>
+          <a:p>
+            <a:pPr lvl="1"/>
+            <a:r>
+              <a:rPr lang="zh-TW" altLang="en-US" dirty="0"/>
+              <a:t>網絡</a:t>
+            </a:r>
+          </a:p>
+          <a:p>
+            <a:pPr lvl="1"/>
+            <a:r>
+              <a:rPr lang="zh-TW" altLang="en-US" dirty="0"/>
+              <a:t>政治意識</a:t>
+            </a:r>
+          </a:p>
+        </p:txBody>
+      </p:sp>
+      <p:sp>
+        <p:nvSpPr>
+          <p:cNvPr id="4" name="投影片編號版面配置區 3">
+            <a:extLst>
+              <a:ext uri="{FF2B5EF4-FFF2-40B4-BE49-F238E27FC236}">
+                <a16:creationId xmlns:a16="http://schemas.microsoft.com/office/drawing/2014/main" id="{81DFE844-A889-4000-A2EB-EE7147FA6369}"/>
+              </a:ext>
+            </a:extLst>
+          </p:cNvPr>
+          <p:cNvSpPr>
+            <a:spLocks noGrp="1"/>
+          </p:cNvSpPr>
+          <p:nvPr>
+            <p:ph type="sldNum" sz="quarter" idx="12"/>
+          </p:nvPr>
+        </p:nvSpPr>
+        <p:spPr/>
+        <p:txBody>
+          <a:bodyPr/>
+          <a:lstStyle/>
+          <a:p>
+            <a:fld id="{06AFB70A-E524-49E4-8F5C-48BFBE4381EC}" type="slidenum">
+              <a:rPr lang="en-US" altLang="zh-TW" smtClean="0"/>
+              <a:pPr/>
+              <a:t>57</a:t>
+            </a:fld>
+            <a:endParaRPr lang="en-US" altLang="zh-TW"/>
+          </a:p>
+        </p:txBody>
+      </p:sp>
+    </p:spTree>
+    <p:extLst>
+      <p:ext uri="{BB962C8B-B14F-4D97-AF65-F5344CB8AC3E}">
+        <p14:creationId xmlns:p14="http://schemas.microsoft.com/office/powerpoint/2010/main" val="2512166050"/>
+      </p:ext>
+    </p:extLst>
+  </p:cSld>
+  <p:clrMapOvr>
+    <a:masterClrMapping/>
+  </p:clrMapOvr>
+</p:sld>
+</file>
+
+<file path=ppt/slides/slide58.xml><?xml version="1.0" encoding="utf-8"?>
+<p:sld xmlns:a="http://schemas.openxmlformats.org/drawingml/2006/main" xmlns:r="http://schemas.openxmlformats.org/officeDocument/2006/relationships" xmlns:p="http://schemas.openxmlformats.org/presentationml/2006/main">
+  <p:cSld>
+    <p:spTree>
+      <p:nvGrpSpPr>
+        <p:cNvPr id="1" name=""/>
+        <p:cNvGrpSpPr/>
+        <p:nvPr/>
+      </p:nvGrpSpPr>
+      <p:grpSpPr>
+        <a:xfrm>
+          <a:off x="0" y="0"/>
+          <a:ext cx="0" cy="0"/>
+          <a:chOff x="0" y="0"/>
+          <a:chExt cx="0" cy="0"/>
+        </a:xfrm>
+      </p:grpSpPr>
+      <p:sp>
+        <p:nvSpPr>
+          <p:cNvPr id="2" name="標題 1">
+            <a:extLst>
+              <a:ext uri="{FF2B5EF4-FFF2-40B4-BE49-F238E27FC236}">
+                <a16:creationId xmlns:a16="http://schemas.microsoft.com/office/drawing/2014/main" id="{8AC5EED3-383E-4F84-B873-903CC4D65C22}"/>
+              </a:ext>
+            </a:extLst>
+          </p:cNvPr>
+          <p:cNvSpPr>
+            <a:spLocks noGrp="1"/>
+          </p:cNvSpPr>
+          <p:nvPr>
+            <p:ph type="title"/>
+          </p:nvPr>
+        </p:nvSpPr>
+        <p:spPr/>
+        <p:txBody>
+          <a:bodyPr/>
+          <a:lstStyle/>
+          <a:p>
+            <a:r>
+              <a:rPr lang="zh-TW" altLang="en-US" dirty="0"/>
+              <a:t>管理專案知識：輸出</a:t>
+            </a:r>
+          </a:p>
+        </p:txBody>
+      </p:sp>
+      <p:sp>
+        <p:nvSpPr>
+          <p:cNvPr id="7" name="內容版面配置區 6">
+            <a:extLst>
+              <a:ext uri="{FF2B5EF4-FFF2-40B4-BE49-F238E27FC236}">
+                <a16:creationId xmlns:a16="http://schemas.microsoft.com/office/drawing/2014/main" id="{3632E42B-9FB8-48E1-93CA-0D98D4F77D63}"/>
+              </a:ext>
+            </a:extLst>
+          </p:cNvPr>
+          <p:cNvSpPr>
+            <a:spLocks noGrp="1"/>
+          </p:cNvSpPr>
+          <p:nvPr>
+            <p:ph idx="1"/>
+          </p:nvPr>
+        </p:nvSpPr>
+        <p:spPr/>
+        <p:txBody>
+          <a:bodyPr/>
+          <a:lstStyle/>
+          <a:p>
+            <a:r>
+              <a:rPr lang="zh-TW" altLang="en-US" dirty="0"/>
+              <a:t>經驗學習檔案：</a:t>
+            </a:r>
+            <a:endParaRPr lang="en-US" altLang="zh-TW" dirty="0"/>
+          </a:p>
+          <a:p>
+            <a:pPr lvl="1"/>
+            <a:r>
+              <a:rPr lang="zh-TW" altLang="en-US" dirty="0"/>
+              <a:t>經驗學習檔案是這個過程的輸入，也是這個過程的輸出。</a:t>
+            </a:r>
+          </a:p>
+          <a:p>
+            <a:r>
+              <a:rPr lang="zh-TW" altLang="en-US" dirty="0"/>
+              <a:t>專案管理計畫書更新</a:t>
+            </a:r>
+          </a:p>
+          <a:p>
+            <a:r>
+              <a:rPr lang="zh-TW" altLang="en-US" dirty="0"/>
+              <a:t>組織流程資產更新</a:t>
+            </a:r>
+          </a:p>
+          <a:p>
+            <a:endParaRPr lang="zh-TW" altLang="en-US" dirty="0"/>
+          </a:p>
+        </p:txBody>
+      </p:sp>
+      <p:sp>
+        <p:nvSpPr>
+          <p:cNvPr id="4" name="投影片編號版面配置區 3">
+            <a:extLst>
+              <a:ext uri="{FF2B5EF4-FFF2-40B4-BE49-F238E27FC236}">
+                <a16:creationId xmlns:a16="http://schemas.microsoft.com/office/drawing/2014/main" id="{DF763AC4-6BFA-4D26-A2D5-24ADDCF9AEA6}"/>
+              </a:ext>
+            </a:extLst>
+          </p:cNvPr>
+          <p:cNvSpPr>
+            <a:spLocks noGrp="1"/>
+          </p:cNvSpPr>
+          <p:nvPr>
+            <p:ph type="sldNum" sz="quarter" idx="12"/>
+          </p:nvPr>
+        </p:nvSpPr>
+        <p:spPr/>
+        <p:txBody>
+          <a:bodyPr/>
+          <a:lstStyle/>
+          <a:p>
+            <a:fld id="{06AFB70A-E524-49E4-8F5C-48BFBE4381EC}" type="slidenum">
+              <a:rPr lang="en-US" altLang="zh-TW" smtClean="0"/>
+              <a:pPr/>
+              <a:t>58</a:t>
+            </a:fld>
+            <a:endParaRPr lang="en-US" altLang="zh-TW"/>
+          </a:p>
+        </p:txBody>
+      </p:sp>
+    </p:spTree>
+    <p:extLst>
+      <p:ext uri="{BB962C8B-B14F-4D97-AF65-F5344CB8AC3E}">
+        <p14:creationId xmlns:p14="http://schemas.microsoft.com/office/powerpoint/2010/main" val="94978887"/>
+      </p:ext>
+    </p:extLst>
+  </p:cSld>
+  <p:clrMapOvr>
+    <a:masterClrMapping/>
+  </p:clrMapOvr>
+</p:sld>
+</file>
+
+<file path=ppt/slides/slide59.xml><?xml version="1.0" encoding="utf-8"?>
+<p:sld xmlns:a="http://schemas.openxmlformats.org/drawingml/2006/main" xmlns:r="http://schemas.openxmlformats.org/officeDocument/2006/relationships" xmlns:p="http://schemas.openxmlformats.org/presentationml/2006/main">
+  <p:cSld>
+    <p:spTree>
+      <p:nvGrpSpPr>
+        <p:cNvPr id="1" name=""/>
+        <p:cNvGrpSpPr/>
+        <p:nvPr/>
+      </p:nvGrpSpPr>
+      <p:grpSpPr>
+        <a:xfrm>
+          <a:off x="0" y="0"/>
+          <a:ext cx="0" cy="0"/>
+          <a:chOff x="0" y="0"/>
+          <a:chExt cx="0" cy="0"/>
+        </a:xfrm>
+      </p:grpSpPr>
+      <p:sp>
+        <p:nvSpPr>
+          <p:cNvPr id="2" name="標題 1">
+            <a:extLst>
+              <a:ext uri="{FF2B5EF4-FFF2-40B4-BE49-F238E27FC236}">
+                <a16:creationId xmlns:a16="http://schemas.microsoft.com/office/drawing/2014/main" id="{E4A61B12-6420-4B43-9BCD-4F3077B2FDA3}"/>
+              </a:ext>
+            </a:extLst>
+          </p:cNvPr>
+          <p:cNvSpPr>
+            <a:spLocks noGrp="1"/>
+          </p:cNvSpPr>
+          <p:nvPr>
+            <p:ph type="title"/>
+          </p:nvPr>
+        </p:nvSpPr>
+        <p:spPr/>
+        <p:txBody>
+          <a:bodyPr/>
+          <a:lstStyle/>
+          <a:p>
+            <a:r>
+              <a:rPr lang="zh-TW" altLang="en-US" dirty="0"/>
+              <a:t>監視和管制專案工作</a:t>
+            </a:r>
+            <a:br>
+              <a:rPr lang="en-US" altLang="zh-TW" dirty="0"/>
+            </a:br>
+            <a:r>
+              <a:rPr lang="en-US" altLang="zh-TW" dirty="0"/>
+              <a:t>Monitor and Control Project Work</a:t>
+            </a:r>
+            <a:endParaRPr lang="zh-TW" altLang="en-US" dirty="0"/>
+          </a:p>
+        </p:txBody>
+      </p:sp>
+      <p:sp>
+        <p:nvSpPr>
+          <p:cNvPr id="7" name="內容版面配置區 6">
+            <a:extLst>
+              <a:ext uri="{FF2B5EF4-FFF2-40B4-BE49-F238E27FC236}">
+                <a16:creationId xmlns:a16="http://schemas.microsoft.com/office/drawing/2014/main" id="{E7FEE70D-4669-44DD-BD59-25F4CA303206}"/>
+              </a:ext>
+            </a:extLst>
+          </p:cNvPr>
+          <p:cNvSpPr>
+            <a:spLocks noGrp="1"/>
+          </p:cNvSpPr>
+          <p:nvPr>
+            <p:ph idx="1"/>
+          </p:nvPr>
+        </p:nvSpPr>
+        <p:spPr/>
+        <p:txBody>
+          <a:bodyPr/>
+          <a:lstStyle/>
+          <a:p>
+            <a:r>
+              <a:rPr lang="zh-TW" altLang="zh-TW" dirty="0"/>
+              <a:t>規劃良善的計畫書並不保證就會成功地達成專案目標，因為規劃通常是在許多假設條件下所做的估計。</a:t>
+            </a:r>
+            <a:endParaRPr lang="en-US" altLang="zh-TW" dirty="0"/>
+          </a:p>
+          <a:p>
+            <a:r>
+              <a:rPr lang="zh-TW" altLang="zh-TW" dirty="0"/>
+              <a:t>持續變化的環境和不確定性因素常常會不預期地干擾和阻礙團隊，使其無法依規劃執行並達成專案目標。</a:t>
+            </a:r>
+            <a:endParaRPr lang="en-US" altLang="zh-TW" dirty="0"/>
+          </a:p>
+          <a:p>
+            <a:r>
+              <a:rPr lang="zh-TW" altLang="zh-TW" dirty="0"/>
+              <a:t>監視和管制（簡稱監控）專案工作是追蹤、審查、和報告整體進度，以滿足專案管理計畫書所設定的績效目標之過程。</a:t>
+            </a:r>
+            <a:endParaRPr lang="en-US" altLang="zh-TW" dirty="0"/>
+          </a:p>
+          <a:p>
+            <a:endParaRPr lang="zh-TW" altLang="en-US" dirty="0"/>
+          </a:p>
+        </p:txBody>
+      </p:sp>
+      <p:sp>
+        <p:nvSpPr>
+          <p:cNvPr id="4" name="投影片編號版面配置區 3">
+            <a:extLst>
+              <a:ext uri="{FF2B5EF4-FFF2-40B4-BE49-F238E27FC236}">
+                <a16:creationId xmlns:a16="http://schemas.microsoft.com/office/drawing/2014/main" id="{DED5278A-30FD-45F7-A862-7157F16ED27D}"/>
+              </a:ext>
+            </a:extLst>
+          </p:cNvPr>
+          <p:cNvSpPr>
+            <a:spLocks noGrp="1"/>
+          </p:cNvSpPr>
+          <p:nvPr>
+            <p:ph type="sldNum" sz="quarter" idx="12"/>
+          </p:nvPr>
+        </p:nvSpPr>
+        <p:spPr/>
+        <p:txBody>
+          <a:bodyPr/>
+          <a:lstStyle/>
+          <a:p>
+            <a:fld id="{06AFB70A-E524-49E4-8F5C-48BFBE4381EC}" type="slidenum">
+              <a:rPr lang="en-US" altLang="zh-TW" smtClean="0"/>
+              <a:pPr/>
+              <a:t>59</a:t>
+            </a:fld>
+            <a:endParaRPr lang="en-US" altLang="zh-TW"/>
+          </a:p>
+        </p:txBody>
+      </p:sp>
+      <p:pic>
+        <p:nvPicPr>
+          <p:cNvPr id="5" name="圖片 4">
+            <a:extLst>
+              <a:ext uri="{FF2B5EF4-FFF2-40B4-BE49-F238E27FC236}">
+                <a16:creationId xmlns:a16="http://schemas.microsoft.com/office/drawing/2014/main" id="{24B01C59-358D-4553-BC89-14219D2ADA75}"/>
+              </a:ext>
+            </a:extLst>
+          </p:cNvPr>
+          <p:cNvPicPr>
+            <a:picLocks noChangeAspect="1"/>
+          </p:cNvPicPr>
+          <p:nvPr/>
+        </p:nvPicPr>
+        <p:blipFill>
+          <a:blip r:embed="rId2"/>
+          <a:stretch>
+            <a:fillRect/>
+          </a:stretch>
+        </p:blipFill>
+        <p:spPr>
+          <a:xfrm>
+            <a:off x="983432" y="4428935"/>
+            <a:ext cx="11208568" cy="1548216"/>
+          </a:xfrm>
+          <a:prstGeom prst="rect">
+            <a:avLst/>
+          </a:prstGeom>
+        </p:spPr>
+      </p:pic>
+    </p:spTree>
+    <p:extLst>
+      <p:ext uri="{BB962C8B-B14F-4D97-AF65-F5344CB8AC3E}">
+        <p14:creationId xmlns:p14="http://schemas.microsoft.com/office/powerpoint/2010/main" val="2063542507"/>
+      </p:ext>
+    </p:extLst>
+  </p:cSld>
+  <p:clrMapOvr>
+    <a:masterClrMapping/>
+  </p:clrMapOvr>
+</p:sld>
+</file>
+
+<file path=ppt/slides/slide6.xml><?xml version="1.0" encoding="utf-8"?>
+<p:sld xmlns:a="http://schemas.openxmlformats.org/drawingml/2006/main" xmlns:r="http://schemas.openxmlformats.org/officeDocument/2006/relationships" xmlns:p="http://schemas.openxmlformats.org/presentationml/2006/main">
+  <p:cSld>
+    <p:spTree>
+      <p:nvGrpSpPr>
+        <p:cNvPr id="1" name=""/>
+        <p:cNvGrpSpPr/>
+        <p:nvPr/>
+      </p:nvGrpSpPr>
+      <p:grpSpPr>
+        <a:xfrm>
+          <a:off x="0" y="0"/>
+          <a:ext cx="0" cy="0"/>
+          <a:chOff x="0" y="0"/>
+          <a:chExt cx="0" cy="0"/>
+        </a:xfrm>
+      </p:grpSpPr>
+      <p:sp>
+        <p:nvSpPr>
+          <p:cNvPr id="3" name="標題 2">
+            <a:extLst>
+              <a:ext uri="{FF2B5EF4-FFF2-40B4-BE49-F238E27FC236}">
+                <a16:creationId xmlns:a16="http://schemas.microsoft.com/office/drawing/2014/main" id="{703E913D-6FA6-4EE9-B5DD-684559D4B3EB}"/>
+              </a:ext>
+            </a:extLst>
+          </p:cNvPr>
+          <p:cNvSpPr>
+            <a:spLocks noGrp="1"/>
+          </p:cNvSpPr>
+          <p:nvPr>
+            <p:ph type="title"/>
+          </p:nvPr>
+        </p:nvSpPr>
+        <p:spPr/>
+        <p:txBody>
+          <a:bodyPr/>
+          <a:lstStyle/>
+          <a:p>
+            <a:r>
+              <a:rPr lang="zh-TW" altLang="en-US" dirty="0"/>
+              <a:t>專案整合管理的新興趨勢</a:t>
+            </a:r>
+            <a:endParaRPr lang="en-US" altLang="zh-TW" dirty="0"/>
+          </a:p>
+        </p:txBody>
+      </p:sp>
+      <p:sp>
+        <p:nvSpPr>
+          <p:cNvPr id="4" name="內容版面配置區 3">
+            <a:extLst>
+              <a:ext uri="{FF2B5EF4-FFF2-40B4-BE49-F238E27FC236}">
+                <a16:creationId xmlns:a16="http://schemas.microsoft.com/office/drawing/2014/main" id="{2B2588AD-06A1-4244-88D7-9B8EFB1E2257}"/>
+              </a:ext>
+            </a:extLst>
+          </p:cNvPr>
+          <p:cNvSpPr>
+            <a:spLocks noGrp="1"/>
+          </p:cNvSpPr>
+          <p:nvPr>
+            <p:ph idx="1"/>
+          </p:nvPr>
+        </p:nvSpPr>
+        <p:spPr/>
+        <p:txBody>
+          <a:bodyPr>
+            <a:normAutofit/>
+          </a:bodyPr>
+          <a:lstStyle/>
+          <a:p>
+            <a:r>
+              <a:rPr lang="zh-TW" altLang="en-US" dirty="0"/>
+              <a:t>使用自動化工具</a:t>
+            </a:r>
+            <a:endParaRPr lang="en-US" altLang="zh-TW" dirty="0"/>
+          </a:p>
+          <a:p>
+            <a:pPr lvl="1"/>
+            <a:r>
+              <a:rPr lang="zh-TW" altLang="en-US" dirty="0"/>
+              <a:t>專案管理資訊系統 </a:t>
+            </a:r>
+            <a:r>
+              <a:rPr lang="en-US" altLang="zh-TW" dirty="0"/>
+              <a:t>Project management information system (PMIS)</a:t>
+            </a:r>
+          </a:p>
+          <a:p>
+            <a:pPr lvl="1"/>
+            <a:r>
+              <a:rPr lang="zh-TW" altLang="en-US" dirty="0"/>
+              <a:t>處理大量資料</a:t>
+            </a:r>
+            <a:endParaRPr lang="en-US" altLang="zh-TW" dirty="0"/>
+          </a:p>
+          <a:p>
+            <a:pPr lvl="1"/>
+            <a:r>
+              <a:rPr lang="zh-TW" altLang="en-US" dirty="0"/>
+              <a:t>自動警示</a:t>
+            </a:r>
+            <a:endParaRPr lang="en-US" altLang="zh-TW" dirty="0"/>
+          </a:p>
+          <a:p>
+            <a:r>
+              <a:rPr lang="zh-TW" altLang="en-US" dirty="0"/>
+              <a:t>使用視覺管理工具</a:t>
+            </a:r>
+            <a:endParaRPr lang="en-US" altLang="zh-TW" dirty="0"/>
+          </a:p>
+          <a:p>
+            <a:pPr lvl="1"/>
+            <a:r>
+              <a:rPr lang="en-US" altLang="zh-TW" dirty="0"/>
+              <a:t>Burn-down chart</a:t>
+            </a:r>
+          </a:p>
+          <a:p>
+            <a:r>
+              <a:rPr lang="zh-TW" altLang="en-US" dirty="0"/>
+              <a:t>專案知識管理</a:t>
+            </a:r>
+            <a:endParaRPr lang="en-US" altLang="zh-TW" dirty="0"/>
+          </a:p>
+          <a:p>
+            <a:pPr lvl="1"/>
+            <a:r>
+              <a:rPr lang="zh-TW" altLang="en-US" dirty="0"/>
+              <a:t>知識管理系統 </a:t>
+            </a:r>
+            <a:r>
+              <a:rPr lang="en-US" altLang="zh-TW" dirty="0"/>
+              <a:t>Knowledge Management Systems</a:t>
+            </a:r>
+          </a:p>
+          <a:p>
+            <a:pPr lvl="1"/>
+            <a:r>
+              <a:rPr lang="zh-TW" altLang="en-US" dirty="0"/>
+              <a:t>專案成員共同參與</a:t>
+            </a:r>
+            <a:endParaRPr lang="en-US" altLang="zh-TW" dirty="0"/>
+          </a:p>
+        </p:txBody>
+      </p:sp>
+      <p:sp>
+        <p:nvSpPr>
+          <p:cNvPr id="2" name="投影片編號版面配置區 1">
+            <a:extLst>
+              <a:ext uri="{FF2B5EF4-FFF2-40B4-BE49-F238E27FC236}">
+                <a16:creationId xmlns:a16="http://schemas.microsoft.com/office/drawing/2014/main" id="{C1F5C00D-BC46-4B38-8069-5CDAF83E55CB}"/>
+              </a:ext>
+            </a:extLst>
+          </p:cNvPr>
+          <p:cNvSpPr>
+            <a:spLocks noGrp="1"/>
+          </p:cNvSpPr>
+          <p:nvPr>
+            <p:ph type="sldNum" sz="quarter" idx="12"/>
+          </p:nvPr>
+        </p:nvSpPr>
+        <p:spPr/>
+        <p:txBody>
+          <a:bodyPr/>
+          <a:lstStyle/>
+          <a:p>
+            <a:fld id="{F5266956-B1F5-4385-B837-32E585D3D944}" type="slidenum">
+              <a:rPr lang="en-US" altLang="zh-TW" smtClean="0"/>
+              <a:pPr/>
+              <a:t>6</a:t>
+            </a:fld>
+            <a:endParaRPr lang="en-US" altLang="zh-TW"/>
+          </a:p>
+        </p:txBody>
+      </p:sp>
+    </p:spTree>
+    <p:extLst>
+      <p:ext uri="{BB962C8B-B14F-4D97-AF65-F5344CB8AC3E}">
+        <p14:creationId xmlns:p14="http://schemas.microsoft.com/office/powerpoint/2010/main" val="76173723"/>
+      </p:ext>
+    </p:extLst>
+  </p:cSld>
+  <p:clrMapOvr>
+    <a:masterClrMapping/>
+  </p:clrMapOvr>
+</p:sld>
+</file>
+
+<file path=ppt/slides/slide60.xml><?xml version="1.0" encoding="utf-8"?>
+<p:sld xmlns:a="http://schemas.openxmlformats.org/drawingml/2006/main" xmlns:r="http://schemas.openxmlformats.org/officeDocument/2006/relationships" xmlns:p="http://schemas.openxmlformats.org/presentationml/2006/main">
+  <p:cSld>
+    <p:spTree>
+      <p:nvGrpSpPr>
+        <p:cNvPr id="1" name=""/>
+        <p:cNvGrpSpPr/>
+        <p:nvPr/>
+      </p:nvGrpSpPr>
+      <p:grpSpPr>
+        <a:xfrm>
+          <a:off x="0" y="0"/>
+          <a:ext cx="0" cy="0"/>
+          <a:chOff x="0" y="0"/>
+          <a:chExt cx="0" cy="0"/>
+        </a:xfrm>
+      </p:grpSpPr>
+      <p:sp>
+        <p:nvSpPr>
+          <p:cNvPr id="2" name="標題 1">
+            <a:extLst>
+              <a:ext uri="{FF2B5EF4-FFF2-40B4-BE49-F238E27FC236}">
+                <a16:creationId xmlns:a16="http://schemas.microsoft.com/office/drawing/2014/main" id="{E4A61B12-6420-4B43-9BCD-4F3077B2FDA3}"/>
+              </a:ext>
+            </a:extLst>
+          </p:cNvPr>
+          <p:cNvSpPr>
+            <a:spLocks noGrp="1"/>
+          </p:cNvSpPr>
+          <p:nvPr>
+            <p:ph type="title"/>
+          </p:nvPr>
+        </p:nvSpPr>
+        <p:spPr/>
+        <p:txBody>
+          <a:bodyPr/>
+          <a:lstStyle/>
+          <a:p>
+            <a:r>
+              <a:rPr lang="zh-TW" altLang="en-US" dirty="0"/>
+              <a:t>監視和管制專案工作（續）</a:t>
+            </a:r>
+            <a:br>
+              <a:rPr lang="en-US" altLang="zh-TW" dirty="0"/>
+            </a:br>
+            <a:r>
+              <a:rPr lang="en-US" altLang="zh-TW" dirty="0"/>
+              <a:t>Monitor and Control Project Work</a:t>
+            </a:r>
+            <a:endParaRPr lang="zh-TW" altLang="en-US" dirty="0"/>
+          </a:p>
+        </p:txBody>
+      </p:sp>
+      <p:sp>
+        <p:nvSpPr>
+          <p:cNvPr id="7" name="內容版面配置區 6">
+            <a:extLst>
+              <a:ext uri="{FF2B5EF4-FFF2-40B4-BE49-F238E27FC236}">
+                <a16:creationId xmlns:a16="http://schemas.microsoft.com/office/drawing/2014/main" id="{E7FEE70D-4669-44DD-BD59-25F4CA303206}"/>
+              </a:ext>
+            </a:extLst>
+          </p:cNvPr>
+          <p:cNvSpPr>
+            <a:spLocks noGrp="1"/>
+          </p:cNvSpPr>
+          <p:nvPr>
+            <p:ph idx="1"/>
+          </p:nvPr>
+        </p:nvSpPr>
+        <p:spPr/>
+        <p:txBody>
+          <a:bodyPr/>
+          <a:lstStyle/>
+          <a:p>
+            <a:r>
+              <a:rPr lang="zh-TW" altLang="en-US" dirty="0"/>
+              <a:t>監控過程三步驟</a:t>
+            </a:r>
+            <a:endParaRPr lang="en-US" altLang="zh-TW" dirty="0"/>
+          </a:p>
+          <a:p>
+            <a:pPr lvl="1"/>
+            <a:r>
+              <a:rPr lang="zh-TW" altLang="en-US" dirty="0"/>
+              <a:t>衡量實際績效</a:t>
+            </a:r>
+            <a:endParaRPr lang="en-US" altLang="zh-TW" dirty="0"/>
+          </a:p>
+          <a:p>
+            <a:pPr lvl="1"/>
+            <a:r>
+              <a:rPr lang="zh-TW" altLang="en-US" dirty="0"/>
+              <a:t>將實際績效與基準作比較</a:t>
+            </a:r>
+            <a:endParaRPr lang="en-US" altLang="zh-TW" dirty="0"/>
+          </a:p>
+          <a:p>
+            <a:pPr lvl="1"/>
+            <a:r>
+              <a:rPr lang="zh-TW" altLang="en-US" dirty="0"/>
+              <a:t>採取管理行動以矯正差異</a:t>
+            </a:r>
+            <a:r>
+              <a:rPr lang="en-US" altLang="zh-TW" dirty="0"/>
+              <a:t>/</a:t>
+            </a:r>
+            <a:r>
+              <a:rPr lang="zh-TW" altLang="en-US" dirty="0"/>
+              <a:t>更改基準</a:t>
+            </a:r>
+            <a:endParaRPr lang="en-US" altLang="zh-TW" dirty="0"/>
+          </a:p>
+          <a:p>
+            <a:r>
+              <a:rPr lang="zh-TW" altLang="en-US" dirty="0"/>
+              <a:t>監控過程</a:t>
+            </a:r>
+            <a:r>
+              <a:rPr lang="zh-TW" altLang="zh-TW" dirty="0"/>
+              <a:t>在整個專案持續進行</a:t>
+            </a:r>
+            <a:r>
+              <a:rPr lang="zh-TW" altLang="en-US" dirty="0"/>
+              <a:t>，</a:t>
+            </a:r>
+            <a:r>
+              <a:rPr lang="zh-TW" altLang="zh-TW" dirty="0"/>
+              <a:t>利害關係人</a:t>
+            </a:r>
+            <a:r>
+              <a:rPr lang="zh-TW" altLang="en-US" dirty="0"/>
+              <a:t>藉此</a:t>
+            </a:r>
+            <a:endParaRPr lang="en-US" altLang="zh-TW" dirty="0"/>
+          </a:p>
+          <a:p>
+            <a:pPr lvl="1"/>
+            <a:r>
+              <a:rPr lang="zh-TW" altLang="zh-TW" dirty="0"/>
+              <a:t>了解專案現況</a:t>
+            </a:r>
+            <a:endParaRPr lang="en-US" altLang="zh-TW" dirty="0"/>
+          </a:p>
+          <a:p>
+            <a:pPr lvl="1"/>
+            <a:r>
+              <a:rPr lang="zh-TW" altLang="zh-TW" dirty="0"/>
+              <a:t>識別採取行動以處理績效議題</a:t>
+            </a:r>
+            <a:endParaRPr lang="en-US" altLang="zh-TW" dirty="0"/>
+          </a:p>
+          <a:p>
+            <a:pPr lvl="1"/>
+            <a:r>
+              <a:rPr lang="zh-TW" altLang="zh-TW" dirty="0"/>
+              <a:t>透過成本及時程預測專案完工時之最終工期和成本</a:t>
+            </a:r>
+            <a:endParaRPr lang="en-US" altLang="zh-TW" dirty="0"/>
+          </a:p>
+          <a:p>
+            <a:endParaRPr lang="zh-TW" altLang="en-US" dirty="0"/>
+          </a:p>
+        </p:txBody>
+      </p:sp>
+      <p:sp>
+        <p:nvSpPr>
+          <p:cNvPr id="4" name="投影片編號版面配置區 3">
+            <a:extLst>
+              <a:ext uri="{FF2B5EF4-FFF2-40B4-BE49-F238E27FC236}">
+                <a16:creationId xmlns:a16="http://schemas.microsoft.com/office/drawing/2014/main" id="{DED5278A-30FD-45F7-A862-7157F16ED27D}"/>
+              </a:ext>
+            </a:extLst>
+          </p:cNvPr>
+          <p:cNvSpPr>
+            <a:spLocks noGrp="1"/>
+          </p:cNvSpPr>
+          <p:nvPr>
+            <p:ph type="sldNum" sz="quarter" idx="12"/>
+          </p:nvPr>
+        </p:nvSpPr>
+        <p:spPr/>
+        <p:txBody>
+          <a:bodyPr/>
+          <a:lstStyle/>
+          <a:p>
+            <a:fld id="{06AFB70A-E524-49E4-8F5C-48BFBE4381EC}" type="slidenum">
+              <a:rPr lang="en-US" altLang="zh-TW" smtClean="0"/>
+              <a:pPr/>
+              <a:t>60</a:t>
+            </a:fld>
+            <a:endParaRPr lang="en-US" altLang="zh-TW"/>
+          </a:p>
+        </p:txBody>
+      </p:sp>
+    </p:spTree>
+    <p:extLst>
+      <p:ext uri="{BB962C8B-B14F-4D97-AF65-F5344CB8AC3E}">
+        <p14:creationId xmlns:p14="http://schemas.microsoft.com/office/powerpoint/2010/main" val="4206092271"/>
+      </p:ext>
+    </p:extLst>
+  </p:cSld>
+  <p:clrMapOvr>
+    <a:masterClrMapping/>
+  </p:clrMapOvr>
+</p:sld>
+</file>
+
+<file path=ppt/slides/slide61.xml><?xml version="1.0" encoding="utf-8"?>
+<p:sld xmlns:a="http://schemas.openxmlformats.org/drawingml/2006/main" xmlns:r="http://schemas.openxmlformats.org/officeDocument/2006/relationships" xmlns:p="http://schemas.openxmlformats.org/presentationml/2006/main">
+  <p:cSld>
+    <p:spTree>
+      <p:nvGrpSpPr>
+        <p:cNvPr id="1" name=""/>
+        <p:cNvGrpSpPr/>
+        <p:nvPr/>
+      </p:nvGrpSpPr>
+      <p:grpSpPr>
+        <a:xfrm>
+          <a:off x="0" y="0"/>
+          <a:ext cx="0" cy="0"/>
+          <a:chOff x="0" y="0"/>
+          <a:chExt cx="0" cy="0"/>
+        </a:xfrm>
+      </p:grpSpPr>
+      <p:sp>
+        <p:nvSpPr>
+          <p:cNvPr id="2" name="標題 1">
+            <a:extLst>
+              <a:ext uri="{FF2B5EF4-FFF2-40B4-BE49-F238E27FC236}">
+                <a16:creationId xmlns:a16="http://schemas.microsoft.com/office/drawing/2014/main" id="{E4A61B12-6420-4B43-9BCD-4F3077B2FDA3}"/>
+              </a:ext>
+            </a:extLst>
+          </p:cNvPr>
+          <p:cNvSpPr>
+            <a:spLocks noGrp="1"/>
+          </p:cNvSpPr>
+          <p:nvPr>
+            <p:ph type="title"/>
+          </p:nvPr>
+        </p:nvSpPr>
+        <p:spPr/>
+        <p:txBody>
+          <a:bodyPr/>
+          <a:lstStyle/>
+          <a:p>
+            <a:r>
+              <a:rPr lang="zh-TW" altLang="en-US" dirty="0"/>
+              <a:t>監視和管制專案工作（續）</a:t>
+            </a:r>
+            <a:br>
+              <a:rPr lang="en-US" altLang="zh-TW" dirty="0"/>
+            </a:br>
+            <a:r>
+              <a:rPr lang="en-US" altLang="zh-TW" dirty="0"/>
+              <a:t>Monitor and Control Project Work</a:t>
+            </a:r>
+            <a:endParaRPr lang="zh-TW" altLang="en-US" dirty="0"/>
+          </a:p>
+        </p:txBody>
+      </p:sp>
+      <p:sp>
+        <p:nvSpPr>
+          <p:cNvPr id="7" name="內容版面配置區 6">
+            <a:extLst>
+              <a:ext uri="{FF2B5EF4-FFF2-40B4-BE49-F238E27FC236}">
+                <a16:creationId xmlns:a16="http://schemas.microsoft.com/office/drawing/2014/main" id="{E7FEE70D-4669-44DD-BD59-25F4CA303206}"/>
+              </a:ext>
+            </a:extLst>
+          </p:cNvPr>
+          <p:cNvSpPr>
+            <a:spLocks noGrp="1"/>
+          </p:cNvSpPr>
+          <p:nvPr>
+            <p:ph idx="1"/>
+          </p:nvPr>
+        </p:nvSpPr>
+        <p:spPr/>
+        <p:txBody>
+          <a:bodyPr>
+            <a:normAutofit/>
+          </a:bodyPr>
+          <a:lstStyle/>
+          <a:p>
+            <a:r>
+              <a:rPr lang="en-US" altLang="zh-TW" dirty="0"/>
+              <a:t>Identify new risks and analyze, track and monitor all known risks </a:t>
+            </a:r>
+            <a:r>
+              <a:rPr lang="zh-TW" altLang="en-US" dirty="0"/>
+              <a:t>識別風險</a:t>
+            </a:r>
+            <a:endParaRPr lang="en-US" altLang="zh-TW" dirty="0"/>
+          </a:p>
+          <a:p>
+            <a:pPr lvl="1"/>
+            <a:r>
+              <a:rPr lang="en-US" altLang="zh-TW" dirty="0"/>
+              <a:t>Fully identified? </a:t>
+            </a:r>
+            <a:r>
+              <a:rPr lang="zh-TW" altLang="en-US" dirty="0"/>
+              <a:t>可能會出什麼差錯</a:t>
+            </a:r>
+            <a:endParaRPr lang="en-US" altLang="zh-TW" dirty="0"/>
+          </a:p>
+          <a:p>
+            <a:pPr lvl="1"/>
+            <a:r>
+              <a:rPr lang="en-US" altLang="zh-TW" dirty="0"/>
+              <a:t>Status known? </a:t>
+            </a:r>
+            <a:r>
+              <a:rPr lang="zh-TW" altLang="en-US" dirty="0"/>
+              <a:t>風險變高了？變低了？</a:t>
+            </a:r>
+            <a:endParaRPr lang="en-US" altLang="zh-TW" dirty="0"/>
+          </a:p>
+          <a:p>
+            <a:pPr lvl="1"/>
+            <a:r>
+              <a:rPr lang="en-US" altLang="zh-TW" dirty="0"/>
+              <a:t>Responses in place? </a:t>
+            </a:r>
+            <a:r>
+              <a:rPr lang="zh-TW" altLang="en-US" dirty="0"/>
+              <a:t>有沒有應變措施</a:t>
+            </a:r>
+            <a:endParaRPr lang="en-US" altLang="zh-TW" dirty="0"/>
+          </a:p>
+          <a:p>
+            <a:r>
+              <a:rPr lang="en-US" altLang="zh-TW" dirty="0"/>
+              <a:t>Maintain accurate base of information about project’s end deliverables</a:t>
+            </a:r>
+          </a:p>
+          <a:p>
+            <a:pPr lvl="1"/>
+            <a:r>
+              <a:rPr lang="en-US" altLang="zh-TW" dirty="0"/>
+              <a:t>Are we building what we </a:t>
+            </a:r>
+            <a:r>
+              <a:rPr lang="en-US" altLang="zh-TW" b="1" dirty="0"/>
+              <a:t>think</a:t>
+            </a:r>
+            <a:r>
+              <a:rPr lang="en-US" altLang="zh-TW" dirty="0"/>
+              <a:t> we’re building? </a:t>
+            </a:r>
+          </a:p>
+          <a:p>
+            <a:pPr lvl="1"/>
+            <a:r>
+              <a:rPr lang="en-US" altLang="zh-TW" dirty="0"/>
+              <a:t>Are we building what we’re </a:t>
+            </a:r>
+            <a:r>
+              <a:rPr lang="en-US" altLang="zh-TW" b="1" dirty="0"/>
+              <a:t>supposed</a:t>
+            </a:r>
+            <a:r>
+              <a:rPr lang="en-US" altLang="zh-TW" dirty="0"/>
+              <a:t> to build?</a:t>
+            </a:r>
+          </a:p>
+          <a:p>
+            <a:r>
+              <a:rPr lang="en-US" altLang="zh-TW" dirty="0"/>
+              <a:t>Support forecasting and progress measurement reporting</a:t>
+            </a:r>
+          </a:p>
+          <a:p>
+            <a:pPr lvl="1"/>
+            <a:r>
+              <a:rPr lang="en-US" altLang="zh-TW" dirty="0"/>
+              <a:t>Collect valuable data</a:t>
+            </a:r>
+          </a:p>
+          <a:p>
+            <a:pPr lvl="1"/>
+            <a:r>
+              <a:rPr lang="en-US" altLang="zh-TW" dirty="0"/>
+              <a:t>Provide information and context</a:t>
+            </a:r>
+            <a:endParaRPr lang="zh-TW" altLang="en-US" dirty="0"/>
+          </a:p>
+        </p:txBody>
+      </p:sp>
+      <p:sp>
+        <p:nvSpPr>
+          <p:cNvPr id="4" name="投影片編號版面配置區 3">
+            <a:extLst>
+              <a:ext uri="{FF2B5EF4-FFF2-40B4-BE49-F238E27FC236}">
+                <a16:creationId xmlns:a16="http://schemas.microsoft.com/office/drawing/2014/main" id="{DED5278A-30FD-45F7-A862-7157F16ED27D}"/>
+              </a:ext>
+            </a:extLst>
+          </p:cNvPr>
+          <p:cNvSpPr>
+            <a:spLocks noGrp="1"/>
+          </p:cNvSpPr>
+          <p:nvPr>
+            <p:ph type="sldNum" sz="quarter" idx="12"/>
+          </p:nvPr>
+        </p:nvSpPr>
+        <p:spPr/>
+        <p:txBody>
+          <a:bodyPr/>
+          <a:lstStyle/>
+          <a:p>
+            <a:fld id="{06AFB70A-E524-49E4-8F5C-48BFBE4381EC}" type="slidenum">
+              <a:rPr lang="en-US" altLang="zh-TW" smtClean="0"/>
+              <a:pPr/>
+              <a:t>61</a:t>
+            </a:fld>
+            <a:endParaRPr lang="en-US" altLang="zh-TW"/>
+          </a:p>
+        </p:txBody>
+      </p:sp>
+    </p:spTree>
+    <p:extLst>
+      <p:ext uri="{BB962C8B-B14F-4D97-AF65-F5344CB8AC3E}">
+        <p14:creationId xmlns:p14="http://schemas.microsoft.com/office/powerpoint/2010/main" val="295526090"/>
+      </p:ext>
+    </p:extLst>
+  </p:cSld>
+  <p:clrMapOvr>
+    <a:masterClrMapping/>
+  </p:clrMapOvr>
+</p:sld>
+</file>
+
+<file path=ppt/slides/slide62.xml><?xml version="1.0" encoding="utf-8"?>
+<p:sld xmlns:a="http://schemas.openxmlformats.org/drawingml/2006/main" xmlns:r="http://schemas.openxmlformats.org/officeDocument/2006/relationships" xmlns:p="http://schemas.openxmlformats.org/presentationml/2006/main">
+  <p:cSld>
+    <p:spTree>
+      <p:nvGrpSpPr>
+        <p:cNvPr id="1" name=""/>
+        <p:cNvGrpSpPr/>
+        <p:nvPr/>
+      </p:nvGrpSpPr>
+      <p:grpSpPr>
+        <a:xfrm>
+          <a:off x="0" y="0"/>
+          <a:ext cx="0" cy="0"/>
+          <a:chOff x="0" y="0"/>
+          <a:chExt cx="0" cy="0"/>
+        </a:xfrm>
+      </p:grpSpPr>
+      <p:sp>
+        <p:nvSpPr>
+          <p:cNvPr id="2" name="標題 1">
+            <a:extLst>
+              <a:ext uri="{FF2B5EF4-FFF2-40B4-BE49-F238E27FC236}">
+                <a16:creationId xmlns:a16="http://schemas.microsoft.com/office/drawing/2014/main" id="{E4A61B12-6420-4B43-9BCD-4F3077B2FDA3}"/>
+              </a:ext>
+            </a:extLst>
+          </p:cNvPr>
+          <p:cNvSpPr>
+            <a:spLocks noGrp="1"/>
+          </p:cNvSpPr>
+          <p:nvPr>
+            <p:ph type="title"/>
+          </p:nvPr>
+        </p:nvSpPr>
+        <p:spPr/>
+        <p:txBody>
+          <a:bodyPr/>
+          <a:lstStyle/>
+          <a:p>
+            <a:r>
+              <a:rPr lang="zh-TW" altLang="en-US" dirty="0"/>
+              <a:t>監視和管制專案工作（續）</a:t>
+            </a:r>
+            <a:br>
+              <a:rPr lang="en-US" altLang="zh-TW" dirty="0"/>
+            </a:br>
+            <a:r>
+              <a:rPr lang="en-US" altLang="zh-TW" dirty="0"/>
+              <a:t>Monitor and Control Project Work</a:t>
+            </a:r>
+            <a:endParaRPr lang="zh-TW" altLang="en-US" dirty="0"/>
+          </a:p>
+        </p:txBody>
+      </p:sp>
+      <p:sp>
+        <p:nvSpPr>
+          <p:cNvPr id="7" name="內容版面配置區 6">
+            <a:extLst>
+              <a:ext uri="{FF2B5EF4-FFF2-40B4-BE49-F238E27FC236}">
+                <a16:creationId xmlns:a16="http://schemas.microsoft.com/office/drawing/2014/main" id="{E7FEE70D-4669-44DD-BD59-25F4CA303206}"/>
+              </a:ext>
+            </a:extLst>
+          </p:cNvPr>
+          <p:cNvSpPr>
+            <a:spLocks noGrp="1"/>
+          </p:cNvSpPr>
+          <p:nvPr>
+            <p:ph idx="1"/>
+          </p:nvPr>
+        </p:nvSpPr>
+        <p:spPr/>
+        <p:txBody>
+          <a:bodyPr/>
+          <a:lstStyle/>
+          <a:p>
+            <a:r>
+              <a:rPr lang="en-US" altLang="zh-TW" dirty="0"/>
+              <a:t>Oversee approved change implementation</a:t>
+            </a:r>
+          </a:p>
+          <a:p>
+            <a:pPr lvl="1"/>
+            <a:r>
+              <a:rPr lang="en-US" altLang="zh-TW" dirty="0"/>
+              <a:t>Changes made by Direct &amp; Manage Project Work</a:t>
+            </a:r>
+          </a:p>
+          <a:p>
+            <a:pPr lvl="1"/>
+            <a:r>
+              <a:rPr lang="en-US" altLang="zh-TW" dirty="0"/>
+              <a:t>Changes approved by Perform Integrated Change Control</a:t>
+            </a:r>
+          </a:p>
+          <a:p>
+            <a:r>
+              <a:rPr lang="en-US" altLang="zh-TW" dirty="0"/>
+              <a:t>Report project progress and status to stakeholders</a:t>
+            </a:r>
+          </a:p>
+          <a:p>
+            <a:pPr lvl="1"/>
+            <a:r>
+              <a:rPr lang="en-US" altLang="zh-TW" dirty="0"/>
+              <a:t>Also provide project status info to program management, when applicable</a:t>
+            </a:r>
+            <a:endParaRPr lang="zh-TW" altLang="en-US" dirty="0"/>
+          </a:p>
+        </p:txBody>
+      </p:sp>
+      <p:sp>
+        <p:nvSpPr>
+          <p:cNvPr id="4" name="投影片編號版面配置區 3">
+            <a:extLst>
+              <a:ext uri="{FF2B5EF4-FFF2-40B4-BE49-F238E27FC236}">
+                <a16:creationId xmlns:a16="http://schemas.microsoft.com/office/drawing/2014/main" id="{DED5278A-30FD-45F7-A862-7157F16ED27D}"/>
+              </a:ext>
+            </a:extLst>
+          </p:cNvPr>
+          <p:cNvSpPr>
+            <a:spLocks noGrp="1"/>
+          </p:cNvSpPr>
+          <p:nvPr>
+            <p:ph type="sldNum" sz="quarter" idx="12"/>
+          </p:nvPr>
+        </p:nvSpPr>
+        <p:spPr/>
+        <p:txBody>
+          <a:bodyPr/>
+          <a:lstStyle/>
+          <a:p>
+            <a:fld id="{06AFB70A-E524-49E4-8F5C-48BFBE4381EC}" type="slidenum">
+              <a:rPr lang="en-US" altLang="zh-TW" smtClean="0"/>
+              <a:pPr/>
+              <a:t>62</a:t>
+            </a:fld>
+            <a:endParaRPr lang="en-US" altLang="zh-TW"/>
+          </a:p>
+        </p:txBody>
+      </p:sp>
+    </p:spTree>
+    <p:extLst>
+      <p:ext uri="{BB962C8B-B14F-4D97-AF65-F5344CB8AC3E}">
+        <p14:creationId xmlns:p14="http://schemas.microsoft.com/office/powerpoint/2010/main" val="353569203"/>
+      </p:ext>
+    </p:extLst>
+  </p:cSld>
+  <p:clrMapOvr>
+    <a:masterClrMapping/>
+  </p:clrMapOvr>
+</p:sld>
+</file>
+
+<file path=ppt/slides/slide63.xml><?xml version="1.0" encoding="utf-8"?>
+<p:sld xmlns:a="http://schemas.openxmlformats.org/drawingml/2006/main" xmlns:r="http://schemas.openxmlformats.org/officeDocument/2006/relationships" xmlns:p="http://schemas.openxmlformats.org/presentationml/2006/main">
+  <p:cSld>
+    <p:spTree>
+      <p:nvGrpSpPr>
+        <p:cNvPr id="1" name=""/>
+        <p:cNvGrpSpPr/>
+        <p:nvPr/>
+      </p:nvGrpSpPr>
+      <p:grpSpPr>
+        <a:xfrm>
+          <a:off x="0" y="0"/>
+          <a:ext cx="0" cy="0"/>
+          <a:chOff x="0" y="0"/>
+          <a:chExt cx="0" cy="0"/>
+        </a:xfrm>
+      </p:grpSpPr>
+      <p:sp>
+        <p:nvSpPr>
+          <p:cNvPr id="4" name="投影片編號版面配置區 3">
+            <a:extLst>
+              <a:ext uri="{FF2B5EF4-FFF2-40B4-BE49-F238E27FC236}">
+                <a16:creationId xmlns:a16="http://schemas.microsoft.com/office/drawing/2014/main" id="{7E1F5F13-EE44-46ED-9D91-8E030D765359}"/>
+              </a:ext>
+            </a:extLst>
+          </p:cNvPr>
+          <p:cNvSpPr>
+            <a:spLocks noGrp="1"/>
+          </p:cNvSpPr>
+          <p:nvPr>
+            <p:ph type="sldNum" sz="quarter" idx="12"/>
+          </p:nvPr>
+        </p:nvSpPr>
+        <p:spPr/>
+        <p:txBody>
+          <a:bodyPr/>
+          <a:lstStyle/>
+          <a:p>
+            <a:fld id="{06AFB70A-E524-49E4-8F5C-48BFBE4381EC}" type="slidenum">
+              <a:rPr lang="en-US" altLang="zh-TW" smtClean="0"/>
+              <a:pPr/>
+              <a:t>63</a:t>
+            </a:fld>
+            <a:endParaRPr lang="en-US" altLang="zh-TW"/>
+          </a:p>
+        </p:txBody>
+      </p:sp>
+      <p:pic>
+        <p:nvPicPr>
+          <p:cNvPr id="5" name="圖片 4">
+            <a:extLst>
+              <a:ext uri="{FF2B5EF4-FFF2-40B4-BE49-F238E27FC236}">
+                <a16:creationId xmlns:a16="http://schemas.microsoft.com/office/drawing/2014/main" id="{9BFAC800-EA01-4C36-83BD-B6737DEF0716}"/>
+              </a:ext>
+            </a:extLst>
+          </p:cNvPr>
+          <p:cNvPicPr>
+            <a:picLocks noChangeAspect="1"/>
+          </p:cNvPicPr>
+          <p:nvPr/>
+        </p:nvPicPr>
+        <p:blipFill>
+          <a:blip r:embed="rId2"/>
+          <a:stretch>
+            <a:fillRect/>
+          </a:stretch>
+        </p:blipFill>
+        <p:spPr>
+          <a:xfrm>
+            <a:off x="0" y="38130"/>
+            <a:ext cx="12192000" cy="6781740"/>
+          </a:xfrm>
+          <a:prstGeom prst="rect">
+            <a:avLst/>
+          </a:prstGeom>
+        </p:spPr>
+      </p:pic>
+    </p:spTree>
+    <p:extLst>
+      <p:ext uri="{BB962C8B-B14F-4D97-AF65-F5344CB8AC3E}">
+        <p14:creationId xmlns:p14="http://schemas.microsoft.com/office/powerpoint/2010/main" val="1114071955"/>
+      </p:ext>
+    </p:extLst>
+  </p:cSld>
+  <p:clrMapOvr>
+    <a:masterClrMapping/>
+  </p:clrMapOvr>
+</p:sld>
+</file>
+
+<file path=ppt/slides/slide64.xml><?xml version="1.0" encoding="utf-8"?>
+<p:sld xmlns:a="http://schemas.openxmlformats.org/drawingml/2006/main" xmlns:r="http://schemas.openxmlformats.org/officeDocument/2006/relationships" xmlns:p="http://schemas.openxmlformats.org/presentationml/2006/main">
+  <p:cSld>
+    <p:spTree>
+      <p:nvGrpSpPr>
+        <p:cNvPr id="1" name=""/>
+        <p:cNvGrpSpPr/>
+        <p:nvPr/>
+      </p:nvGrpSpPr>
+      <p:grpSpPr>
+        <a:xfrm>
+          <a:off x="0" y="0"/>
+          <a:ext cx="0" cy="0"/>
+          <a:chOff x="0" y="0"/>
+          <a:chExt cx="0" cy="0"/>
+        </a:xfrm>
+      </p:grpSpPr>
+      <p:sp>
+        <p:nvSpPr>
+          <p:cNvPr id="2" name="標題 1">
+            <a:extLst>
+              <a:ext uri="{FF2B5EF4-FFF2-40B4-BE49-F238E27FC236}">
+                <a16:creationId xmlns:a16="http://schemas.microsoft.com/office/drawing/2014/main" id="{0209386D-E3F4-449B-9F82-353A700D2071}"/>
+              </a:ext>
+            </a:extLst>
+          </p:cNvPr>
+          <p:cNvSpPr>
+            <a:spLocks noGrp="1"/>
+          </p:cNvSpPr>
+          <p:nvPr>
+            <p:ph type="title"/>
+          </p:nvPr>
+        </p:nvSpPr>
+        <p:spPr/>
+        <p:txBody>
+          <a:bodyPr/>
+          <a:lstStyle/>
+          <a:p>
+            <a:r>
+              <a:rPr lang="zh-TW" altLang="en-US" dirty="0"/>
+              <a:t>監視和管制專案工作：輸入</a:t>
+            </a:r>
+          </a:p>
+        </p:txBody>
+      </p:sp>
+      <p:sp>
+        <p:nvSpPr>
+          <p:cNvPr id="7" name="內容版面配置區 6">
+            <a:extLst>
+              <a:ext uri="{FF2B5EF4-FFF2-40B4-BE49-F238E27FC236}">
+                <a16:creationId xmlns:a16="http://schemas.microsoft.com/office/drawing/2014/main" id="{8A25A86C-C432-4558-95BD-07DF02ABBEDC}"/>
+              </a:ext>
+            </a:extLst>
+          </p:cNvPr>
+          <p:cNvSpPr>
+            <a:spLocks noGrp="1"/>
+          </p:cNvSpPr>
+          <p:nvPr>
+            <p:ph idx="1"/>
+          </p:nvPr>
+        </p:nvSpPr>
+        <p:spPr/>
+        <p:txBody>
+          <a:bodyPr/>
+          <a:lstStyle/>
+          <a:p>
+            <a:r>
+              <a:rPr lang="zh-TW" altLang="zh-TW" dirty="0"/>
+              <a:t>專案管理計畫書：</a:t>
+            </a:r>
+            <a:endParaRPr lang="en-US" altLang="zh-TW" dirty="0"/>
+          </a:p>
+          <a:p>
+            <a:pPr lvl="1"/>
+            <a:r>
+              <a:rPr lang="zh-TW" altLang="zh-TW" dirty="0"/>
+              <a:t>專案管理計畫書之所有組成部分都是此過程之輸入。</a:t>
+            </a:r>
+          </a:p>
+          <a:p>
+            <a:r>
+              <a:rPr lang="zh-TW" altLang="zh-TW" dirty="0"/>
+              <a:t>專案文件</a:t>
+            </a:r>
+          </a:p>
+          <a:p>
+            <a:r>
+              <a:rPr lang="zh-TW" altLang="zh-TW" dirty="0"/>
+              <a:t>工作績效資訊：</a:t>
+            </a:r>
+            <a:endParaRPr lang="en-US" altLang="zh-TW" dirty="0"/>
+          </a:p>
+          <a:p>
+            <a:pPr lvl="1"/>
+            <a:r>
+              <a:rPr lang="zh-TW" altLang="zh-TW" dirty="0"/>
+              <a:t>工作績效資料在專案執行中蒐集並傳遞給管制過程。</a:t>
+            </a:r>
+            <a:endParaRPr lang="en-US" altLang="zh-TW" dirty="0"/>
+          </a:p>
+          <a:p>
+            <a:r>
+              <a:rPr lang="zh-TW" altLang="zh-TW" dirty="0"/>
+              <a:t>採購協議：</a:t>
+            </a:r>
+            <a:endParaRPr lang="en-US" altLang="zh-TW" dirty="0"/>
+          </a:p>
+          <a:p>
+            <a:pPr lvl="1"/>
+            <a:r>
+              <a:rPr lang="zh-TW" altLang="zh-TW" dirty="0"/>
+              <a:t>採購協議包括條款和條件，並可能包含買方（指專案執行組織）指定的有關賣方要執行或提供的其他事項。</a:t>
+            </a:r>
+            <a:endParaRPr lang="en-US" altLang="zh-TW" dirty="0"/>
+          </a:p>
+          <a:p>
+            <a:r>
+              <a:rPr lang="zh-TW" altLang="zh-TW" dirty="0"/>
+              <a:t>企業環境因素</a:t>
+            </a:r>
+          </a:p>
+          <a:p>
+            <a:r>
+              <a:rPr lang="zh-TW" altLang="zh-TW" dirty="0"/>
+              <a:t>組織流程資產</a:t>
+            </a:r>
+          </a:p>
+          <a:p>
+            <a:endParaRPr lang="zh-TW" altLang="en-US" dirty="0"/>
+          </a:p>
+        </p:txBody>
+      </p:sp>
+      <p:sp>
+        <p:nvSpPr>
+          <p:cNvPr id="4" name="投影片編號版面配置區 3">
+            <a:extLst>
+              <a:ext uri="{FF2B5EF4-FFF2-40B4-BE49-F238E27FC236}">
+                <a16:creationId xmlns:a16="http://schemas.microsoft.com/office/drawing/2014/main" id="{DC71AC95-5F38-4ADF-88A6-54EE6B4D9E2A}"/>
+              </a:ext>
+            </a:extLst>
+          </p:cNvPr>
+          <p:cNvSpPr>
+            <a:spLocks noGrp="1"/>
+          </p:cNvSpPr>
+          <p:nvPr>
+            <p:ph type="sldNum" sz="quarter" idx="12"/>
+          </p:nvPr>
+        </p:nvSpPr>
+        <p:spPr/>
+        <p:txBody>
+          <a:bodyPr/>
+          <a:lstStyle/>
+          <a:p>
+            <a:fld id="{06AFB70A-E524-49E4-8F5C-48BFBE4381EC}" type="slidenum">
+              <a:rPr lang="en-US" altLang="zh-TW" smtClean="0"/>
+              <a:pPr/>
+              <a:t>64</a:t>
+            </a:fld>
+            <a:endParaRPr lang="en-US" altLang="zh-TW"/>
+          </a:p>
+        </p:txBody>
+      </p:sp>
+    </p:spTree>
+    <p:extLst>
+      <p:ext uri="{BB962C8B-B14F-4D97-AF65-F5344CB8AC3E}">
+        <p14:creationId xmlns:p14="http://schemas.microsoft.com/office/powerpoint/2010/main" val="1034180357"/>
+      </p:ext>
+    </p:extLst>
+  </p:cSld>
+  <p:clrMapOvr>
+    <a:masterClrMapping/>
+  </p:clrMapOvr>
+</p:sld>
+</file>
+
+<file path=ppt/slides/slide65.xml><?xml version="1.0" encoding="utf-8"?>
+<p:sld xmlns:a="http://schemas.openxmlformats.org/drawingml/2006/main" xmlns:r="http://schemas.openxmlformats.org/officeDocument/2006/relationships" xmlns:p="http://schemas.openxmlformats.org/presentationml/2006/main">
+  <p:cSld>
+    <p:spTree>
+      <p:nvGrpSpPr>
+        <p:cNvPr id="1" name=""/>
+        <p:cNvGrpSpPr/>
+        <p:nvPr/>
+      </p:nvGrpSpPr>
+      <p:grpSpPr>
+        <a:xfrm>
+          <a:off x="0" y="0"/>
+          <a:ext cx="0" cy="0"/>
+          <a:chOff x="0" y="0"/>
+          <a:chExt cx="0" cy="0"/>
+        </a:xfrm>
+      </p:grpSpPr>
+      <p:sp>
+        <p:nvSpPr>
+          <p:cNvPr id="2" name="標題 1">
+            <a:extLst>
+              <a:ext uri="{FF2B5EF4-FFF2-40B4-BE49-F238E27FC236}">
+                <a16:creationId xmlns:a16="http://schemas.microsoft.com/office/drawing/2014/main" id="{C47DD259-E955-41F4-9442-2C2325DF8067}"/>
+              </a:ext>
+            </a:extLst>
+          </p:cNvPr>
+          <p:cNvSpPr>
+            <a:spLocks noGrp="1"/>
+          </p:cNvSpPr>
+          <p:nvPr>
+            <p:ph type="title"/>
+          </p:nvPr>
+        </p:nvSpPr>
+        <p:spPr/>
+        <p:txBody>
+          <a:bodyPr/>
+          <a:lstStyle/>
+          <a:p>
+            <a:r>
+              <a:rPr lang="zh-TW" altLang="en-US" dirty="0"/>
+              <a:t>監視和管制專案工作：工具和技術</a:t>
+            </a:r>
+          </a:p>
+        </p:txBody>
+      </p:sp>
+      <p:sp>
+        <p:nvSpPr>
+          <p:cNvPr id="7" name="內容版面配置區 6">
+            <a:extLst>
+              <a:ext uri="{FF2B5EF4-FFF2-40B4-BE49-F238E27FC236}">
+                <a16:creationId xmlns:a16="http://schemas.microsoft.com/office/drawing/2014/main" id="{13767BB8-571F-4168-BCED-4E420F03A182}"/>
+              </a:ext>
+            </a:extLst>
+          </p:cNvPr>
+          <p:cNvSpPr>
+            <a:spLocks noGrp="1"/>
+          </p:cNvSpPr>
+          <p:nvPr>
+            <p:ph sz="half" idx="1"/>
+          </p:nvPr>
+        </p:nvSpPr>
+        <p:spPr/>
+        <p:txBody>
+          <a:bodyPr/>
+          <a:lstStyle/>
+          <a:p>
+            <a:r>
+              <a:rPr lang="zh-TW" altLang="zh-TW" dirty="0"/>
+              <a:t>專家判斷</a:t>
+            </a:r>
+          </a:p>
+          <a:p>
+            <a:r>
+              <a:rPr lang="zh-TW" altLang="zh-TW" dirty="0"/>
+              <a:t>資料分析：</a:t>
+            </a:r>
+          </a:p>
+          <a:p>
+            <a:pPr lvl="1"/>
+            <a:r>
+              <a:rPr lang="zh-TW" altLang="zh-TW" dirty="0"/>
+              <a:t>替代方案分析</a:t>
+            </a:r>
+            <a:r>
+              <a:rPr lang="en-US" altLang="zh-TW" dirty="0"/>
+              <a:t> Alternatives analysis</a:t>
+            </a:r>
+            <a:endParaRPr lang="zh-TW" altLang="zh-TW" dirty="0"/>
+          </a:p>
+          <a:p>
+            <a:pPr lvl="1"/>
+            <a:r>
+              <a:rPr lang="zh-TW" altLang="zh-TW" dirty="0"/>
+              <a:t>成本效益分析</a:t>
+            </a:r>
+            <a:r>
+              <a:rPr lang="en-US" altLang="zh-TW" dirty="0"/>
+              <a:t> Cost-benefit analysis</a:t>
+            </a:r>
+            <a:endParaRPr lang="zh-TW" altLang="zh-TW" dirty="0"/>
+          </a:p>
+          <a:p>
+            <a:pPr lvl="1"/>
+            <a:r>
+              <a:rPr lang="zh-TW" altLang="zh-TW" dirty="0"/>
+              <a:t>實獲值分析</a:t>
+            </a:r>
+            <a:r>
+              <a:rPr lang="en-US" altLang="zh-TW" dirty="0"/>
+              <a:t> Earned value analysis</a:t>
+            </a:r>
+          </a:p>
+          <a:p>
+            <a:pPr lvl="1"/>
+            <a:r>
+              <a:rPr lang="zh-TW" altLang="zh-TW" dirty="0"/>
+              <a:t>根本原因分析</a:t>
+            </a:r>
+            <a:r>
+              <a:rPr lang="en-US" altLang="zh-TW" dirty="0"/>
+              <a:t> Root cause analysis</a:t>
+            </a:r>
+            <a:endParaRPr lang="zh-TW" altLang="zh-TW" dirty="0"/>
+          </a:p>
+          <a:p>
+            <a:pPr lvl="1"/>
+            <a:r>
+              <a:rPr lang="zh-TW" altLang="zh-TW" dirty="0"/>
+              <a:t>趨勢分析</a:t>
+            </a:r>
+            <a:r>
+              <a:rPr lang="en-US" altLang="zh-TW" dirty="0"/>
+              <a:t> Trend analysis</a:t>
+            </a:r>
+            <a:endParaRPr lang="zh-TW" altLang="zh-TW" dirty="0"/>
+          </a:p>
+          <a:p>
+            <a:pPr lvl="1"/>
+            <a:r>
+              <a:rPr lang="zh-TW" altLang="zh-TW" dirty="0"/>
+              <a:t>差異分析</a:t>
+            </a:r>
+            <a:r>
+              <a:rPr lang="en-US" altLang="zh-TW" dirty="0"/>
+              <a:t> Variance analysis</a:t>
+            </a:r>
+            <a:endParaRPr lang="zh-TW" altLang="en-US" dirty="0"/>
+          </a:p>
+        </p:txBody>
+      </p:sp>
+      <p:sp>
+        <p:nvSpPr>
+          <p:cNvPr id="14" name="內容版面配置區 13">
+            <a:extLst>
+              <a:ext uri="{FF2B5EF4-FFF2-40B4-BE49-F238E27FC236}">
+                <a16:creationId xmlns:a16="http://schemas.microsoft.com/office/drawing/2014/main" id="{61E30247-D4A2-47AD-8E05-3D46CD8784BF}"/>
+              </a:ext>
+            </a:extLst>
+          </p:cNvPr>
+          <p:cNvSpPr>
+            <a:spLocks noGrp="1"/>
+          </p:cNvSpPr>
+          <p:nvPr>
+            <p:ph sz="half" idx="2"/>
+          </p:nvPr>
+        </p:nvSpPr>
+        <p:spPr/>
+        <p:txBody>
+          <a:bodyPr/>
+          <a:lstStyle/>
+          <a:p>
+            <a:r>
+              <a:rPr lang="zh-TW" altLang="zh-TW" dirty="0"/>
+              <a:t>決策：</a:t>
+            </a:r>
+            <a:endParaRPr lang="en-US" altLang="zh-TW" dirty="0"/>
+          </a:p>
+          <a:p>
+            <a:pPr lvl="1"/>
+            <a:r>
+              <a:rPr lang="zh-TW" altLang="zh-TW" dirty="0"/>
+              <a:t>投票</a:t>
+            </a:r>
+          </a:p>
+          <a:p>
+            <a:r>
+              <a:rPr lang="zh-TW" altLang="zh-TW" dirty="0"/>
+              <a:t>會議：</a:t>
+            </a:r>
+            <a:endParaRPr lang="en-US" altLang="zh-TW" dirty="0"/>
+          </a:p>
+          <a:p>
+            <a:pPr lvl="1"/>
+            <a:r>
+              <a:rPr lang="zh-TW" altLang="zh-TW" dirty="0"/>
+              <a:t>會議可能是面對面的、網路視訊、正式的或非正式的。</a:t>
+            </a:r>
+            <a:endParaRPr lang="zh-TW" altLang="en-US" dirty="0"/>
+          </a:p>
+          <a:p>
+            <a:endParaRPr lang="zh-TW" altLang="en-US" dirty="0"/>
+          </a:p>
+        </p:txBody>
+      </p:sp>
+      <p:sp>
+        <p:nvSpPr>
+          <p:cNvPr id="4" name="投影片編號版面配置區 3">
+            <a:extLst>
+              <a:ext uri="{FF2B5EF4-FFF2-40B4-BE49-F238E27FC236}">
+                <a16:creationId xmlns:a16="http://schemas.microsoft.com/office/drawing/2014/main" id="{FDE6792C-B244-4DBE-870A-42AE1DD66966}"/>
+              </a:ext>
+            </a:extLst>
+          </p:cNvPr>
+          <p:cNvSpPr>
+            <a:spLocks noGrp="1"/>
+          </p:cNvSpPr>
+          <p:nvPr>
+            <p:ph type="sldNum" sz="quarter" idx="12"/>
+          </p:nvPr>
+        </p:nvSpPr>
+        <p:spPr/>
+        <p:txBody>
+          <a:bodyPr/>
+          <a:lstStyle/>
+          <a:p>
+            <a:fld id="{06AFB70A-E524-49E4-8F5C-48BFBE4381EC}" type="slidenum">
+              <a:rPr lang="en-US" altLang="zh-TW" smtClean="0"/>
+              <a:pPr/>
+              <a:t>65</a:t>
+            </a:fld>
+            <a:endParaRPr lang="en-US" altLang="zh-TW"/>
+          </a:p>
+        </p:txBody>
+      </p:sp>
+    </p:spTree>
+    <p:extLst>
+      <p:ext uri="{BB962C8B-B14F-4D97-AF65-F5344CB8AC3E}">
+        <p14:creationId xmlns:p14="http://schemas.microsoft.com/office/powerpoint/2010/main" val="2691216418"/>
+      </p:ext>
+    </p:extLst>
+  </p:cSld>
+  <p:clrMapOvr>
+    <a:masterClrMapping/>
+  </p:clrMapOvr>
+</p:sld>
+</file>
+
+<file path=ppt/slides/slide66.xml><?xml version="1.0" encoding="utf-8"?>
+<p:sld xmlns:a="http://schemas.openxmlformats.org/drawingml/2006/main" xmlns:r="http://schemas.openxmlformats.org/officeDocument/2006/relationships" xmlns:p="http://schemas.openxmlformats.org/presentationml/2006/main">
+  <p:cSld>
+    <p:spTree>
+      <p:nvGrpSpPr>
+        <p:cNvPr id="1" name=""/>
+        <p:cNvGrpSpPr/>
+        <p:nvPr/>
+      </p:nvGrpSpPr>
+      <p:grpSpPr>
+        <a:xfrm>
+          <a:off x="0" y="0"/>
+          <a:ext cx="0" cy="0"/>
+          <a:chOff x="0" y="0"/>
+          <a:chExt cx="0" cy="0"/>
+        </a:xfrm>
+      </p:grpSpPr>
+      <p:sp>
+        <p:nvSpPr>
+          <p:cNvPr id="70658" name="Rectangle 2">
+            <a:extLst>
+              <a:ext uri="{FF2B5EF4-FFF2-40B4-BE49-F238E27FC236}">
+                <a16:creationId xmlns:a16="http://schemas.microsoft.com/office/drawing/2014/main" id="{E418ADAD-0535-4BA0-B7F0-8ACC390F9B46}"/>
+              </a:ext>
+            </a:extLst>
+          </p:cNvPr>
+          <p:cNvSpPr>
+            <a:spLocks noGrp="1" noChangeArrowheads="1"/>
+          </p:cNvSpPr>
+          <p:nvPr>
+            <p:ph type="title"/>
+          </p:nvPr>
+        </p:nvSpPr>
+        <p:spPr/>
+        <p:txBody>
+          <a:bodyPr/>
+          <a:lstStyle/>
+          <a:p>
+            <a:r>
+              <a:rPr lang="zh-TW" altLang="en-US" dirty="0"/>
+              <a:t>管制圖（</a:t>
+            </a:r>
+            <a:r>
+              <a:rPr lang="en-US" altLang="zh-TW" dirty="0"/>
+              <a:t>Control Chart</a:t>
+            </a:r>
+            <a:r>
+              <a:rPr lang="zh-TW" altLang="en-US" dirty="0"/>
+              <a:t>）</a:t>
+            </a:r>
+            <a:endParaRPr lang="en-US" altLang="zh-TW" dirty="0"/>
+          </a:p>
+        </p:txBody>
+      </p:sp>
+      <p:sp>
+        <p:nvSpPr>
+          <p:cNvPr id="30723" name="Rectangle 3">
+            <a:extLst>
+              <a:ext uri="{FF2B5EF4-FFF2-40B4-BE49-F238E27FC236}">
+                <a16:creationId xmlns:a16="http://schemas.microsoft.com/office/drawing/2014/main" id="{6684115C-44B5-4216-81ED-ECA6AFBBECF6}"/>
+              </a:ext>
+            </a:extLst>
+          </p:cNvPr>
+          <p:cNvSpPr>
+            <a:spLocks noGrp="1" noChangeArrowheads="1"/>
+          </p:cNvSpPr>
+          <p:nvPr>
+            <p:ph idx="1"/>
+          </p:nvPr>
+        </p:nvSpPr>
+        <p:spPr/>
+        <p:txBody>
+          <a:bodyPr/>
+          <a:lstStyle/>
+          <a:p>
+            <a:r>
+              <a:rPr lang="zh-TW" altLang="en-US" dirty="0"/>
+              <a:t>管制圖是用來管制專案執行的流程是否失控的一個圖形工具，以中線和上下控制界限所形成的區域，判斷流程是否穩定。</a:t>
+            </a:r>
+          </a:p>
+          <a:p>
+            <a:r>
+              <a:rPr lang="zh-TW" altLang="en-US" dirty="0"/>
+              <a:t>若連續七個樣本點（</a:t>
+            </a:r>
+            <a:r>
+              <a:rPr lang="en-US" altLang="zh-TW" dirty="0"/>
+              <a:t>Rule of Seven</a:t>
+            </a:r>
+            <a:r>
+              <a:rPr lang="zh-TW" altLang="en-US" dirty="0"/>
+              <a:t>）都落在中限的上方或下方，也代表流程出了問題，必須儘速解決 </a:t>
+            </a:r>
+          </a:p>
+        </p:txBody>
+      </p:sp>
+    </p:spTree>
+    <p:extLst>
+      <p:ext uri="{BB962C8B-B14F-4D97-AF65-F5344CB8AC3E}">
+        <p14:creationId xmlns:p14="http://schemas.microsoft.com/office/powerpoint/2010/main" val="2560049065"/>
+      </p:ext>
+    </p:extLst>
+  </p:cSld>
+  <p:clrMapOvr>
+    <a:masterClrMapping/>
+  </p:clrMapOvr>
+</p:sld>
+</file>
+
+<file path=ppt/slides/slide67.xml><?xml version="1.0" encoding="utf-8"?>
+<p:sld xmlns:a="http://schemas.openxmlformats.org/drawingml/2006/main" xmlns:r="http://schemas.openxmlformats.org/officeDocument/2006/relationships" xmlns:p="http://schemas.openxmlformats.org/presentationml/2006/main">
+  <p:cSld>
+    <p:spTree>
+      <p:nvGrpSpPr>
+        <p:cNvPr id="1" name=""/>
+        <p:cNvGrpSpPr/>
+        <p:nvPr/>
+      </p:nvGrpSpPr>
+      <p:grpSpPr>
+        <a:xfrm>
+          <a:off x="0" y="0"/>
+          <a:ext cx="0" cy="0"/>
+          <a:chOff x="0" y="0"/>
+          <a:chExt cx="0" cy="0"/>
+        </a:xfrm>
+      </p:grpSpPr>
+      <p:sp>
+        <p:nvSpPr>
           <p:cNvPr id="4" name="投影片編號版面配置區 3">
             <a:extLst>
               <a:ext uri="{FF2B5EF4-FFF2-40B4-BE49-F238E27FC236}">
@@ -24652,7 +26687,7 @@
             <a:fld id="{06AFB70A-E524-49E4-8F5C-48BFBE4381EC}" type="slidenum">
               <a:rPr lang="en-US" altLang="zh-TW" smtClean="0"/>
               <a:pPr/>
-              <a:t>57</a:t>
+              <a:t>67</a:t>
             </a:fld>
             <a:endParaRPr lang="en-US" altLang="zh-TW"/>
           </a:p>
@@ -24701,7 +26736,7 @@
 </p:sld>
 </file>
 
-<file path=ppt/slides/slide58.xml><?xml version="1.0" encoding="utf-8"?>
+<file path=ppt/slides/slide68.xml><?xml version="1.0" encoding="utf-8"?>
 <p:sld xmlns:a="http://schemas.openxmlformats.org/drawingml/2006/main" xmlns:r="http://schemas.openxmlformats.org/officeDocument/2006/relationships" xmlns:p="http://schemas.openxmlformats.org/presentationml/2006/main">
   <p:cSld>
     <p:spTree>
@@ -24720,10 +26755,10 @@
       </p:grpSpPr>
       <p:sp>
         <p:nvSpPr>
-          <p:cNvPr id="4" name="投影片編號版面配置區 3">
+          <p:cNvPr id="2" name="標題 1">
             <a:extLst>
               <a:ext uri="{FF2B5EF4-FFF2-40B4-BE49-F238E27FC236}">
-                <a16:creationId xmlns:a16="http://schemas.microsoft.com/office/drawing/2014/main" id="{7E1F5F13-EE44-46ED-9D91-8E030D765359}"/>
+                <a16:creationId xmlns:a16="http://schemas.microsoft.com/office/drawing/2014/main" id="{7DAFE59B-EA5B-4B2A-8822-FA2C0DD9AD09}"/>
               </a:ext>
             </a:extLst>
           </p:cNvPr>
@@ -24731,6 +26766,110 @@
             <a:spLocks noGrp="1"/>
           </p:cNvSpPr>
           <p:nvPr>
+            <p:ph type="title"/>
+          </p:nvPr>
+        </p:nvSpPr>
+        <p:spPr/>
+        <p:txBody>
+          <a:bodyPr/>
+          <a:lstStyle/>
+          <a:p>
+            <a:r>
+              <a:rPr lang="zh-TW" altLang="en-US" dirty="0"/>
+              <a:t>監視和管制專案工作：輸出</a:t>
+            </a:r>
+          </a:p>
+        </p:txBody>
+      </p:sp>
+      <p:sp>
+        <p:nvSpPr>
+          <p:cNvPr id="10" name="內容版面配置區 9">
+            <a:extLst>
+              <a:ext uri="{FF2B5EF4-FFF2-40B4-BE49-F238E27FC236}">
+                <a16:creationId xmlns:a16="http://schemas.microsoft.com/office/drawing/2014/main" id="{4FAD35CB-28C2-4224-8AAA-4F838604D93C}"/>
+              </a:ext>
+            </a:extLst>
+          </p:cNvPr>
+          <p:cNvSpPr>
+            <a:spLocks noGrp="1"/>
+          </p:cNvSpPr>
+          <p:nvPr>
+            <p:ph idx="1"/>
+          </p:nvPr>
+        </p:nvSpPr>
+        <p:spPr/>
+        <p:txBody>
+          <a:bodyPr/>
+          <a:lstStyle/>
+          <a:p>
+            <a:r>
+              <a:rPr lang="zh-TW" altLang="en-US" dirty="0"/>
+              <a:t>工作績效報告 </a:t>
+            </a:r>
+            <a:r>
+              <a:rPr lang="en-US" altLang="zh-TW" dirty="0"/>
+              <a:t>Work Performance Reports</a:t>
+            </a:r>
+          </a:p>
+          <a:p>
+            <a:pPr lvl="1"/>
+            <a:r>
+              <a:rPr lang="zh-TW" altLang="en-US" dirty="0"/>
+              <a:t>以實體或電子形式進行組合、記錄、分發，以建立意識和產生決策或行動。</a:t>
+            </a:r>
+          </a:p>
+          <a:p>
+            <a:r>
+              <a:rPr lang="zh-TW" altLang="en-US" dirty="0"/>
+              <a:t>變更請求 </a:t>
+            </a:r>
+            <a:r>
+              <a:rPr lang="en-US" altLang="zh-TW" dirty="0"/>
+              <a:t>Change Requests</a:t>
+            </a:r>
+          </a:p>
+          <a:p>
+            <a:pPr lvl="1"/>
+            <a:r>
+              <a:rPr lang="zh-TW" altLang="en-US" dirty="0"/>
+              <a:t>藉由比較預計和實際結果，可以提出範疇、時程、成本基線之變更請求。</a:t>
+            </a:r>
+          </a:p>
+          <a:p>
+            <a:r>
+              <a:rPr lang="zh-TW" altLang="en-US" dirty="0"/>
+              <a:t>專案管理計畫書和專案文件更新 </a:t>
+            </a:r>
+            <a:r>
+              <a:rPr lang="en-US" altLang="zh-TW" dirty="0"/>
+              <a:t>Project Management Plan Updates</a:t>
+            </a:r>
+          </a:p>
+          <a:p>
+            <a:pPr lvl="1"/>
+            <a:r>
+              <a:rPr lang="zh-TW" altLang="en-US" dirty="0"/>
+              <a:t>當變更請求被核准後，必須立即更新到專案管理計畫書之相關附屬計畫和專案文件中。</a:t>
+            </a:r>
+          </a:p>
+          <a:p>
+            <a:endParaRPr lang="zh-TW" altLang="en-US" dirty="0"/>
+          </a:p>
+        </p:txBody>
+      </p:sp>
+      <p:sp>
+        <p:nvSpPr>
+          <p:cNvPr id="5" name="投影片編號版面配置區 4">
+            <a:extLst>
+              <a:ext uri="{FF2B5EF4-FFF2-40B4-BE49-F238E27FC236}">
+                <a16:creationId xmlns:a16="http://schemas.microsoft.com/office/drawing/2014/main" id="{A77B196A-35F3-4C71-9EF5-1D94BC6D54B2}"/>
+              </a:ext>
+            </a:extLst>
+          </p:cNvPr>
+          <p:cNvSpPr>
+            <a:spLocks noGrp="1"/>
+          </p:cNvSpPr>
+          <p:nvPr>
             <p:ph type="sldNum" sz="quarter" idx="12"/>
           </p:nvPr>
         </p:nvSpPr>
@@ -24742,46 +26881,16 @@
             <a:fld id="{06AFB70A-E524-49E4-8F5C-48BFBE4381EC}" type="slidenum">
               <a:rPr lang="en-US" altLang="zh-TW" smtClean="0"/>
               <a:pPr/>
-              <a:t>58</a:t>
+              <a:t>68</a:t>
             </a:fld>
             <a:endParaRPr lang="en-US" altLang="zh-TW"/>
           </a:p>
         </p:txBody>
       </p:sp>
-      <p:pic>
-        <p:nvPicPr>
-          <p:cNvPr id="5" name="圖片 4">
-            <a:extLst>
-              <a:ext uri="{FF2B5EF4-FFF2-40B4-BE49-F238E27FC236}">
-                <a16:creationId xmlns:a16="http://schemas.microsoft.com/office/drawing/2014/main" id="{9BFAC800-EA01-4C36-83BD-B6737DEF0716}"/>
-              </a:ext>
-            </a:extLst>
-          </p:cNvPr>
-          <p:cNvPicPr>
-            <a:picLocks noChangeAspect="1"/>
-          </p:cNvPicPr>
-          <p:nvPr/>
-        </p:nvPicPr>
-        <p:blipFill>
-          <a:blip r:embed="rId2"/>
-          <a:stretch>
-            <a:fillRect/>
-          </a:stretch>
-        </p:blipFill>
-        <p:spPr>
-          <a:xfrm>
-            <a:off x="0" y="38130"/>
-            <a:ext cx="12192000" cy="6781740"/>
-          </a:xfrm>
-          <a:prstGeom prst="rect">
-            <a:avLst/>
-          </a:prstGeom>
-        </p:spPr>
-      </p:pic>
     </p:spTree>
     <p:extLst>
       <p:ext uri="{BB962C8B-B14F-4D97-AF65-F5344CB8AC3E}">
-        <p14:creationId xmlns:p14="http://schemas.microsoft.com/office/powerpoint/2010/main" val="1114071955"/>
+        <p14:creationId xmlns:p14="http://schemas.microsoft.com/office/powerpoint/2010/main" val="2690976599"/>
       </p:ext>
     </p:extLst>
   </p:cSld>
@@ -24791,7 +26900,7 @@
 </p:sld>
 </file>
 
-<file path=ppt/slides/slide59.xml><?xml version="1.0" encoding="utf-8"?>
+<file path=ppt/slides/slide69.xml><?xml version="1.0" encoding="utf-8"?>
 <p:sld xmlns:a="http://schemas.openxmlformats.org/drawingml/2006/main" xmlns:r="http://schemas.openxmlformats.org/officeDocument/2006/relationships" xmlns:p="http://schemas.openxmlformats.org/presentationml/2006/main">
   <p:cSld>
     <p:spTree>
@@ -24813,7 +26922,7 @@
           <p:cNvPr id="2" name="標題 1">
             <a:extLst>
               <a:ext uri="{FF2B5EF4-FFF2-40B4-BE49-F238E27FC236}">
-                <a16:creationId xmlns:a16="http://schemas.microsoft.com/office/drawing/2014/main" id="{0209386D-E3F4-449B-9F82-353A700D2071}"/>
+                <a16:creationId xmlns:a16="http://schemas.microsoft.com/office/drawing/2014/main" id="{4C7D8095-DB42-4706-8090-190D64928E1F}"/>
               </a:ext>
             </a:extLst>
           </p:cNvPr>
@@ -24831,8 +26940,16 @@
           <a:p>
             <a:r>
               <a:rPr lang="zh-TW" altLang="en-US" dirty="0"/>
-              <a:t>監視和管制專案工作：輸入</a:t>
-            </a:r>
+              <a:t>執行整合變更管制</a:t>
+            </a:r>
+            <a:br>
+              <a:rPr lang="en-US" altLang="zh-TW" dirty="0"/>
+            </a:br>
+            <a:r>
+              <a:rPr lang="en-US" altLang="zh-TW" dirty="0"/>
+              <a:t>Perform Integrated Change Control</a:t>
+            </a:r>
+            <a:endParaRPr lang="zh-TW" altLang="en-US" dirty="0"/>
           </a:p>
         </p:txBody>
       </p:sp>
@@ -24841,7 +26958,7 @@
           <p:cNvPr id="7" name="內容版面配置區 6">
             <a:extLst>
               <a:ext uri="{FF2B5EF4-FFF2-40B4-BE49-F238E27FC236}">
-                <a16:creationId xmlns:a16="http://schemas.microsoft.com/office/drawing/2014/main" id="{8A25A86C-C432-4558-95BD-07DF02ABBEDC}"/>
+                <a16:creationId xmlns:a16="http://schemas.microsoft.com/office/drawing/2014/main" id="{17F95C0A-996B-45FD-B08C-DB66E47D161F}"/>
               </a:ext>
             </a:extLst>
           </p:cNvPr>
@@ -24859,64 +26976,38 @@
           <a:p>
             <a:r>
               <a:rPr lang="zh-TW" altLang="zh-TW" dirty="0"/>
-              <a:t>專案管理計畫書：</a:t>
+              <a:t>審查所有變更需求、核准變更和管理變更到交付標的物、組織流程資產、專案文件、和專案管理計畫書以及溝通決策的過程。</a:t>
             </a:r>
             <a:endParaRPr lang="en-US" altLang="zh-TW" dirty="0"/>
           </a:p>
           <a:p>
-            <a:pPr lvl="1"/>
             <a:r>
               <a:rPr lang="zh-TW" altLang="zh-TW" dirty="0"/>
-              <a:t>專案管理計畫書之所有組成部分都是此過程之輸入。</a:t>
-            </a:r>
+              <a:t>變更需求可能來自於任何內外部的專案利害關係人，雖然剛開始可能以口頭方式敘述，但最後仍須以書面方式敘述並進入變更管理系統。</a:t>
+            </a:r>
+            <a:endParaRPr lang="en-US" altLang="zh-TW" dirty="0"/>
           </a:p>
           <a:p>
             <a:r>
               <a:rPr lang="zh-TW" altLang="zh-TW" dirty="0"/>
-              <a:t>專案文件</a:t>
-            </a:r>
-          </a:p>
-          <a:p>
+              <a:t>所有變更需求均遵循變更管理系統所規定的程序，並須提供變更對於專案時程和成本可能造成衝擊之資訊以供整合變更管制委員會（</a:t>
+            </a:r>
+            <a:r>
+              <a:rPr lang="en-US" altLang="zh-TW" dirty="0"/>
+              <a:t>ICCB</a:t>
+            </a:r>
             <a:r>
               <a:rPr lang="zh-TW" altLang="zh-TW" dirty="0"/>
-              <a:t>工作績效資訊：</a:t>
+              <a:t>）評估，並予以核准或拒絕。</a:t>
             </a:r>
             <a:endParaRPr lang="en-US" altLang="zh-TW" dirty="0"/>
           </a:p>
           <a:p>
-            <a:pPr lvl="1"/>
             <a:r>
               <a:rPr lang="zh-TW" altLang="zh-TW" dirty="0"/>
-              <a:t>工作績效資料在專案執行中蒐集並傳遞給管制過程。</a:t>
+              <a:t>在評估對專案的衝擊時，參考專案範疇、時程、成本三個基線，以及風險變更請求所附加的專案文件如估計基礎、需求追溯矩陣、風險報告。</a:t>
             </a:r>
             <a:endParaRPr lang="en-US" altLang="zh-TW" dirty="0"/>
-          </a:p>
-          <a:p>
-            <a:r>
-              <a:rPr lang="zh-TW" altLang="zh-TW" dirty="0"/>
-              <a:t>採購協議：</a:t>
-            </a:r>
-            <a:endParaRPr lang="en-US" altLang="zh-TW" dirty="0"/>
-          </a:p>
-          <a:p>
-            <a:pPr lvl="1"/>
-            <a:r>
-              <a:rPr lang="zh-TW" altLang="zh-TW" dirty="0"/>
-              <a:t>採購協議包括條款和條件，並可能包含買方（指專案執行組織）指定的有關賣方要執行或提供的其他事項。</a:t>
-            </a:r>
-            <a:endParaRPr lang="en-US" altLang="zh-TW" dirty="0"/>
-          </a:p>
-          <a:p>
-            <a:r>
-              <a:rPr lang="zh-TW" altLang="zh-TW" dirty="0"/>
-              <a:t>企業環境因素</a:t>
-            </a:r>
-          </a:p>
-          <a:p>
-            <a:r>
-              <a:rPr lang="zh-TW" altLang="zh-TW" dirty="0"/>
-              <a:t>組織流程資產</a:t>
-            </a:r>
           </a:p>
           <a:p>
             <a:endParaRPr lang="zh-TW" altLang="en-US" dirty="0"/>
@@ -24928,7 +27019,7 @@
           <p:cNvPr id="4" name="投影片編號版面配置區 3">
             <a:extLst>
               <a:ext uri="{FF2B5EF4-FFF2-40B4-BE49-F238E27FC236}">
-                <a16:creationId xmlns:a16="http://schemas.microsoft.com/office/drawing/2014/main" id="{DC71AC95-5F38-4ADF-88A6-54EE6B4D9E2A}"/>
+                <a16:creationId xmlns:a16="http://schemas.microsoft.com/office/drawing/2014/main" id="{D5EC8CB2-4A04-42FD-82E9-96136D6FE753}"/>
               </a:ext>
             </a:extLst>
           </p:cNvPr>
@@ -24947,7 +27038,7 @@
             <a:fld id="{06AFB70A-E524-49E4-8F5C-48BFBE4381EC}" type="slidenum">
               <a:rPr lang="en-US" altLang="zh-TW" smtClean="0"/>
               <a:pPr/>
-              <a:t>59</a:t>
+              <a:t>69</a:t>
             </a:fld>
             <a:endParaRPr lang="en-US" altLang="zh-TW"/>
           </a:p>
@@ -24956,7 +27047,7 @@
     </p:spTree>
     <p:extLst>
       <p:ext uri="{BB962C8B-B14F-4D97-AF65-F5344CB8AC3E}">
-        <p14:creationId xmlns:p14="http://schemas.microsoft.com/office/powerpoint/2010/main" val="1034180357"/>
+        <p14:creationId xmlns:p14="http://schemas.microsoft.com/office/powerpoint/2010/main" val="3036087294"/>
       </p:ext>
     </p:extLst>
   </p:cSld>
@@ -24966,7 +27057,7 @@
 </p:sld>
 </file>
 
-<file path=ppt/slides/slide6.xml><?xml version="1.0" encoding="utf-8"?>
+<file path=ppt/slides/slide7.xml><?xml version="1.0" encoding="utf-8"?>
 <p:sld xmlns:a="http://schemas.openxmlformats.org/drawingml/2006/main" xmlns:r="http://schemas.openxmlformats.org/officeDocument/2006/relationships" xmlns:p="http://schemas.openxmlformats.org/presentationml/2006/main">
   <p:cSld>
     <p:spTree>
@@ -25008,16 +27099,27 @@
               <a:rPr lang="zh-TW" altLang="en-US" dirty="0"/>
               <a:t>專案整合管理的新興趨勢</a:t>
             </a:r>
-            <a:endParaRPr lang="en-US" altLang="zh-TW" dirty="0"/>
-          </a:p>
-        </p:txBody>
-      </p:sp>
-      <p:sp>
-        <p:nvSpPr>
-          <p:cNvPr id="4" name="內容版面配置區 3">
+            <a:r>
+              <a:rPr lang="en-US" altLang="zh-TW" dirty="0"/>
+              <a:t>(</a:t>
+            </a:r>
+            <a:r>
+              <a:rPr lang="zh-TW" altLang="en-US" dirty="0"/>
+              <a:t>續</a:t>
+            </a:r>
+            <a:r>
+              <a:rPr lang="en-US" altLang="zh-TW" dirty="0"/>
+              <a:t>)</a:t>
+            </a:r>
+          </a:p>
+        </p:txBody>
+      </p:sp>
+      <p:sp>
+        <p:nvSpPr>
+          <p:cNvPr id="7" name="內容版面配置區 6">
             <a:extLst>
               <a:ext uri="{FF2B5EF4-FFF2-40B4-BE49-F238E27FC236}">
-                <a16:creationId xmlns:a16="http://schemas.microsoft.com/office/drawing/2014/main" id="{2B2588AD-06A1-4244-88D7-9B8EFB1E2257}"/>
+                <a16:creationId xmlns:a16="http://schemas.microsoft.com/office/drawing/2014/main" id="{42B3FCAF-5C1E-4491-B56F-24250BD549AC}"/>
               </a:ext>
             </a:extLst>
           </p:cNvPr>
@@ -25037,7 +27139,7 @@
           <a:p>
             <a:r>
               <a:rPr lang="zh-TW" altLang="en-US" dirty="0"/>
-              <a:t>使用自動化工具</a:t>
+              <a:t>擴大的專案經理責任</a:t>
             </a:r>
             <a:endParaRPr lang="en-US" altLang="zh-TW" dirty="0"/>
           </a:p>
@@ -25045,68 +27147,85 @@
             <a:pPr lvl="1"/>
             <a:r>
               <a:rPr lang="zh-TW" altLang="en-US" dirty="0"/>
-              <a:t>專案管理資訊系統 </a:t>
-            </a:r>
-            <a:r>
-              <a:rPr lang="en-US" altLang="zh-TW" dirty="0"/>
-              <a:t>Project management information system (PMIS)</a:t>
+              <a:t>涵蓋管理階層和 </a:t>
+            </a:r>
+            <a:r>
+              <a:rPr lang="en-US" altLang="zh-TW" dirty="0"/>
+              <a:t>PMO</a:t>
             </a:r>
           </a:p>
           <a:p>
             <a:pPr lvl="1"/>
             <a:r>
-              <a:rPr lang="zh-TW" altLang="en-US" dirty="0"/>
-              <a:t>處理大量資料</a:t>
+              <a:rPr lang="en-US" altLang="zh-TW" dirty="0"/>
+              <a:t>Business case development</a:t>
+            </a:r>
+          </a:p>
+          <a:p>
+            <a:pPr lvl="1"/>
+            <a:r>
+              <a:rPr lang="en-US" altLang="zh-TW" dirty="0"/>
+              <a:t>Benefits management</a:t>
+            </a:r>
+          </a:p>
+          <a:p>
+            <a:pPr lvl="1"/>
+            <a:r>
+              <a:rPr lang="en-US" altLang="zh-TW" dirty="0"/>
+              <a:t>Increased stakeholder management</a:t>
+            </a:r>
+            <a:endParaRPr lang="zh-TW" altLang="en-US" dirty="0"/>
+          </a:p>
+          <a:p>
+            <a:r>
+              <a:rPr lang="zh-TW" altLang="en-US" dirty="0"/>
+              <a:t>混合式的方法論：</a:t>
             </a:r>
             <a:endParaRPr lang="en-US" altLang="zh-TW" dirty="0"/>
           </a:p>
           <a:p>
             <a:pPr lvl="1"/>
             <a:r>
-              <a:rPr lang="zh-TW" altLang="en-US" dirty="0"/>
-              <a:t>自動警示</a:t>
-            </a:r>
-            <a:endParaRPr lang="en-US" altLang="zh-TW" dirty="0"/>
-          </a:p>
-          <a:p>
-            <a:r>
-              <a:rPr lang="zh-TW" altLang="en-US" dirty="0"/>
-              <a:t>使用視覺管理工具</a:t>
-            </a:r>
-            <a:endParaRPr lang="en-US" altLang="zh-TW" dirty="0"/>
+              <a:rPr lang="zh-CN" altLang="en-US" dirty="0"/>
+              <a:t>經</a:t>
+            </a:r>
+            <a:r>
+              <a:rPr lang="zh-TW" altLang="en-US" dirty="0"/>
+              <a:t>過</a:t>
+            </a:r>
+            <a:r>
+              <a:rPr lang="zh-CN" altLang="en-US" dirty="0"/>
+              <a:t>實踐檢驗的新做法不斷融入</a:t>
+            </a:r>
+            <a:endParaRPr lang="en-US" altLang="zh-CN" dirty="0"/>
           </a:p>
           <a:p>
             <a:pPr lvl="1"/>
             <a:r>
-              <a:rPr lang="en-US" altLang="zh-TW" dirty="0"/>
-              <a:t>Burn-down chart</a:t>
-            </a:r>
-          </a:p>
-          <a:p>
-            <a:r>
-              <a:rPr lang="zh-TW" altLang="en-US" dirty="0"/>
-              <a:t>專案知識管理</a:t>
-            </a:r>
-            <a:endParaRPr lang="en-US" altLang="zh-TW" dirty="0"/>
+              <a:rPr lang="en-US" altLang="zh-CN" dirty="0"/>
+              <a:t>Adaptive, Agile, Six Sigma</a:t>
+            </a:r>
           </a:p>
           <a:p>
             <a:pPr lvl="1"/>
             <a:r>
-              <a:rPr lang="zh-TW" altLang="en-US" dirty="0"/>
-              <a:t>知識管理系統 </a:t>
-            </a:r>
-            <a:r>
-              <a:rPr lang="en-US" altLang="zh-TW" dirty="0"/>
-              <a:t>Knowledge Management Systems</a:t>
+              <a:rPr lang="en-US" altLang="zh-TW" dirty="0"/>
+              <a:t>Business analysis processes</a:t>
             </a:r>
           </a:p>
           <a:p>
             <a:pPr lvl="1"/>
             <a:r>
-              <a:rPr lang="zh-TW" altLang="en-US" dirty="0"/>
-              <a:t>專案成員共同參與</a:t>
-            </a:r>
-            <a:endParaRPr lang="en-US" altLang="zh-TW" dirty="0"/>
+              <a:rPr lang="en-US" altLang="zh-TW" dirty="0"/>
+              <a:t>Organizational change methods</a:t>
+            </a:r>
+            <a:endParaRPr lang="zh-TW" altLang="en-US" dirty="0"/>
+          </a:p>
+          <a:p>
+            <a:endParaRPr lang="zh-TW" altLang="en-US" dirty="0"/>
+          </a:p>
+          <a:p>
+            <a:endParaRPr lang="zh-TW" altLang="en-US" dirty="0"/>
           </a:p>
         </p:txBody>
       </p:sp>
@@ -25134,7 +27253,7 @@
             <a:fld id="{F5266956-B1F5-4385-B837-32E585D3D944}" type="slidenum">
               <a:rPr lang="en-US" altLang="zh-TW" smtClean="0"/>
               <a:pPr/>
-              <a:t>6</a:t>
+              <a:t>7</a:t>
             </a:fld>
             <a:endParaRPr lang="en-US" altLang="zh-TW"/>
           </a:p>
@@ -25143,7 +27262,7 @@
     </p:spTree>
     <p:extLst>
       <p:ext uri="{BB962C8B-B14F-4D97-AF65-F5344CB8AC3E}">
-        <p14:creationId xmlns:p14="http://schemas.microsoft.com/office/powerpoint/2010/main" val="76173723"/>
+        <p14:creationId xmlns:p14="http://schemas.microsoft.com/office/powerpoint/2010/main" val="2442218880"/>
       </p:ext>
     </p:extLst>
   </p:cSld>
@@ -25153,7 +27272,7 @@
 </p:sld>
 </file>
 
-<file path=ppt/slides/slide60.xml><?xml version="1.0" encoding="utf-8"?>
+<file path=ppt/slides/slide70.xml><?xml version="1.0" encoding="utf-8"?>
 <p:sld xmlns:a="http://schemas.openxmlformats.org/drawingml/2006/main" xmlns:r="http://schemas.openxmlformats.org/officeDocument/2006/relationships" xmlns:p="http://schemas.openxmlformats.org/presentationml/2006/main">
   <p:cSld>
     <p:spTree>
@@ -25172,555 +27291,6 @@
       </p:grpSpPr>
       <p:sp>
         <p:nvSpPr>
-          <p:cNvPr id="2" name="標題 1">
-            <a:extLst>
-              <a:ext uri="{FF2B5EF4-FFF2-40B4-BE49-F238E27FC236}">
-                <a16:creationId xmlns:a16="http://schemas.microsoft.com/office/drawing/2014/main" id="{C47DD259-E955-41F4-9442-2C2325DF8067}"/>
-              </a:ext>
-            </a:extLst>
-          </p:cNvPr>
-          <p:cNvSpPr>
-            <a:spLocks noGrp="1"/>
-          </p:cNvSpPr>
-          <p:nvPr>
-            <p:ph type="title"/>
-          </p:nvPr>
-        </p:nvSpPr>
-        <p:spPr/>
-        <p:txBody>
-          <a:bodyPr/>
-          <a:lstStyle/>
-          <a:p>
-            <a:r>
-              <a:rPr lang="zh-TW" altLang="en-US" dirty="0"/>
-              <a:t>監視和管制專案工作：工具和技術</a:t>
-            </a:r>
-          </a:p>
-        </p:txBody>
-      </p:sp>
-      <p:sp>
-        <p:nvSpPr>
-          <p:cNvPr id="7" name="內容版面配置區 6">
-            <a:extLst>
-              <a:ext uri="{FF2B5EF4-FFF2-40B4-BE49-F238E27FC236}">
-                <a16:creationId xmlns:a16="http://schemas.microsoft.com/office/drawing/2014/main" id="{13767BB8-571F-4168-BCED-4E420F03A182}"/>
-              </a:ext>
-            </a:extLst>
-          </p:cNvPr>
-          <p:cNvSpPr>
-            <a:spLocks noGrp="1"/>
-          </p:cNvSpPr>
-          <p:nvPr>
-            <p:ph sz="half" idx="1"/>
-          </p:nvPr>
-        </p:nvSpPr>
-        <p:spPr/>
-        <p:txBody>
-          <a:bodyPr/>
-          <a:lstStyle/>
-          <a:p>
-            <a:r>
-              <a:rPr lang="zh-TW" altLang="zh-TW" dirty="0"/>
-              <a:t>專家判斷</a:t>
-            </a:r>
-          </a:p>
-          <a:p>
-            <a:r>
-              <a:rPr lang="zh-TW" altLang="zh-TW" dirty="0"/>
-              <a:t>資料分析：</a:t>
-            </a:r>
-          </a:p>
-          <a:p>
-            <a:pPr lvl="1"/>
-            <a:r>
-              <a:rPr lang="zh-TW" altLang="zh-TW" dirty="0"/>
-              <a:t>替代方案分析</a:t>
-            </a:r>
-          </a:p>
-          <a:p>
-            <a:pPr lvl="1"/>
-            <a:r>
-              <a:rPr lang="zh-TW" altLang="zh-TW" dirty="0"/>
-              <a:t>成本效益分析</a:t>
-            </a:r>
-          </a:p>
-          <a:p>
-            <a:pPr lvl="1"/>
-            <a:r>
-              <a:rPr lang="zh-TW" altLang="zh-TW" dirty="0"/>
-              <a:t>實獲值分析</a:t>
-            </a:r>
-            <a:r>
-              <a:rPr lang="en-US" altLang="zh-TW" dirty="0"/>
-              <a:t> Earned value analysis</a:t>
-            </a:r>
-          </a:p>
-          <a:p>
-            <a:pPr lvl="1"/>
-            <a:r>
-              <a:rPr lang="zh-TW" altLang="zh-TW" dirty="0"/>
-              <a:t>根本原因分析</a:t>
-            </a:r>
-            <a:r>
-              <a:rPr lang="en-US" altLang="zh-TW" dirty="0"/>
-              <a:t> Root cause analysis</a:t>
-            </a:r>
-            <a:endParaRPr lang="zh-TW" altLang="zh-TW" dirty="0"/>
-          </a:p>
-          <a:p>
-            <a:pPr lvl="1"/>
-            <a:r>
-              <a:rPr lang="zh-TW" altLang="zh-TW" dirty="0"/>
-              <a:t>趨勢分析</a:t>
-            </a:r>
-          </a:p>
-          <a:p>
-            <a:pPr lvl="1"/>
-            <a:r>
-              <a:rPr lang="zh-TW" altLang="zh-TW" dirty="0"/>
-              <a:t>差異分析</a:t>
-            </a:r>
-            <a:endParaRPr lang="zh-TW" altLang="en-US" dirty="0"/>
-          </a:p>
-        </p:txBody>
-      </p:sp>
-      <p:sp>
-        <p:nvSpPr>
-          <p:cNvPr id="14" name="內容版面配置區 13">
-            <a:extLst>
-              <a:ext uri="{FF2B5EF4-FFF2-40B4-BE49-F238E27FC236}">
-                <a16:creationId xmlns:a16="http://schemas.microsoft.com/office/drawing/2014/main" id="{61E30247-D4A2-47AD-8E05-3D46CD8784BF}"/>
-              </a:ext>
-            </a:extLst>
-          </p:cNvPr>
-          <p:cNvSpPr>
-            <a:spLocks noGrp="1"/>
-          </p:cNvSpPr>
-          <p:nvPr>
-            <p:ph sz="half" idx="2"/>
-          </p:nvPr>
-        </p:nvSpPr>
-        <p:spPr/>
-        <p:txBody>
-          <a:bodyPr/>
-          <a:lstStyle/>
-          <a:p>
-            <a:r>
-              <a:rPr lang="zh-TW" altLang="zh-TW" dirty="0"/>
-              <a:t>決策：</a:t>
-            </a:r>
-            <a:endParaRPr lang="en-US" altLang="zh-TW" dirty="0"/>
-          </a:p>
-          <a:p>
-            <a:pPr lvl="1"/>
-            <a:r>
-              <a:rPr lang="zh-TW" altLang="zh-TW" dirty="0"/>
-              <a:t>投票</a:t>
-            </a:r>
-          </a:p>
-          <a:p>
-            <a:r>
-              <a:rPr lang="zh-TW" altLang="zh-TW" dirty="0"/>
-              <a:t>會議：</a:t>
-            </a:r>
-            <a:endParaRPr lang="en-US" altLang="zh-TW" dirty="0"/>
-          </a:p>
-          <a:p>
-            <a:pPr lvl="1"/>
-            <a:r>
-              <a:rPr lang="zh-TW" altLang="zh-TW" dirty="0"/>
-              <a:t>會議可能是面對面的、網路視訊、正式的或非正式的。</a:t>
-            </a:r>
-            <a:endParaRPr lang="zh-TW" altLang="en-US" dirty="0"/>
-          </a:p>
-          <a:p>
-            <a:endParaRPr lang="zh-TW" altLang="en-US" dirty="0"/>
-          </a:p>
-        </p:txBody>
-      </p:sp>
-      <p:sp>
-        <p:nvSpPr>
-          <p:cNvPr id="4" name="投影片編號版面配置區 3">
-            <a:extLst>
-              <a:ext uri="{FF2B5EF4-FFF2-40B4-BE49-F238E27FC236}">
-                <a16:creationId xmlns:a16="http://schemas.microsoft.com/office/drawing/2014/main" id="{FDE6792C-B244-4DBE-870A-42AE1DD66966}"/>
-              </a:ext>
-            </a:extLst>
-          </p:cNvPr>
-          <p:cNvSpPr>
-            <a:spLocks noGrp="1"/>
-          </p:cNvSpPr>
-          <p:nvPr>
-            <p:ph type="sldNum" sz="quarter" idx="12"/>
-          </p:nvPr>
-        </p:nvSpPr>
-        <p:spPr/>
-        <p:txBody>
-          <a:bodyPr/>
-          <a:lstStyle/>
-          <a:p>
-            <a:fld id="{06AFB70A-E524-49E4-8F5C-48BFBE4381EC}" type="slidenum">
-              <a:rPr lang="en-US" altLang="zh-TW" smtClean="0"/>
-              <a:pPr/>
-              <a:t>60</a:t>
-            </a:fld>
-            <a:endParaRPr lang="en-US" altLang="zh-TW"/>
-          </a:p>
-        </p:txBody>
-      </p:sp>
-    </p:spTree>
-    <p:extLst>
-      <p:ext uri="{BB962C8B-B14F-4D97-AF65-F5344CB8AC3E}">
-        <p14:creationId xmlns:p14="http://schemas.microsoft.com/office/powerpoint/2010/main" val="2691216418"/>
-      </p:ext>
-    </p:extLst>
-  </p:cSld>
-  <p:clrMapOvr>
-    <a:masterClrMapping/>
-  </p:clrMapOvr>
-</p:sld>
-</file>
-
-<file path=ppt/slides/slide61.xml><?xml version="1.0" encoding="utf-8"?>
-<p:sld xmlns:a="http://schemas.openxmlformats.org/drawingml/2006/main" xmlns:r="http://schemas.openxmlformats.org/officeDocument/2006/relationships" xmlns:p="http://schemas.openxmlformats.org/presentationml/2006/main">
-  <p:cSld>
-    <p:spTree>
-      <p:nvGrpSpPr>
-        <p:cNvPr id="1" name=""/>
-        <p:cNvGrpSpPr/>
-        <p:nvPr/>
-      </p:nvGrpSpPr>
-      <p:grpSpPr>
-        <a:xfrm>
-          <a:off x="0" y="0"/>
-          <a:ext cx="0" cy="0"/>
-          <a:chOff x="0" y="0"/>
-          <a:chExt cx="0" cy="0"/>
-        </a:xfrm>
-      </p:grpSpPr>
-      <p:sp>
-        <p:nvSpPr>
-          <p:cNvPr id="2" name="標題 1">
-            <a:extLst>
-              <a:ext uri="{FF2B5EF4-FFF2-40B4-BE49-F238E27FC236}">
-                <a16:creationId xmlns:a16="http://schemas.microsoft.com/office/drawing/2014/main" id="{7DAFE59B-EA5B-4B2A-8822-FA2C0DD9AD09}"/>
-              </a:ext>
-            </a:extLst>
-          </p:cNvPr>
-          <p:cNvSpPr>
-            <a:spLocks noGrp="1"/>
-          </p:cNvSpPr>
-          <p:nvPr>
-            <p:ph type="title"/>
-          </p:nvPr>
-        </p:nvSpPr>
-        <p:spPr/>
-        <p:txBody>
-          <a:bodyPr/>
-          <a:lstStyle/>
-          <a:p>
-            <a:r>
-              <a:rPr lang="zh-TW" altLang="en-US" dirty="0"/>
-              <a:t>監視和管制專案工作：輸出</a:t>
-            </a:r>
-          </a:p>
-        </p:txBody>
-      </p:sp>
-      <p:sp>
-        <p:nvSpPr>
-          <p:cNvPr id="10" name="內容版面配置區 9">
-            <a:extLst>
-              <a:ext uri="{FF2B5EF4-FFF2-40B4-BE49-F238E27FC236}">
-                <a16:creationId xmlns:a16="http://schemas.microsoft.com/office/drawing/2014/main" id="{4FAD35CB-28C2-4224-8AAA-4F838604D93C}"/>
-              </a:ext>
-            </a:extLst>
-          </p:cNvPr>
-          <p:cNvSpPr>
-            <a:spLocks noGrp="1"/>
-          </p:cNvSpPr>
-          <p:nvPr>
-            <p:ph idx="1"/>
-          </p:nvPr>
-        </p:nvSpPr>
-        <p:spPr/>
-        <p:txBody>
-          <a:bodyPr/>
-          <a:lstStyle/>
-          <a:p>
-            <a:r>
-              <a:rPr lang="zh-TW" altLang="en-US" dirty="0"/>
-              <a:t>工作績效報告 </a:t>
-            </a:r>
-            <a:r>
-              <a:rPr lang="en-US" altLang="zh-TW" dirty="0"/>
-              <a:t>Work Performance Reports</a:t>
-            </a:r>
-          </a:p>
-          <a:p>
-            <a:pPr lvl="1"/>
-            <a:r>
-              <a:rPr lang="zh-TW" altLang="en-US" dirty="0"/>
-              <a:t>以實體或電子形式進行組合、記錄、分發，以建立意識和產生決策或行動。</a:t>
-            </a:r>
-          </a:p>
-          <a:p>
-            <a:r>
-              <a:rPr lang="zh-TW" altLang="en-US" dirty="0"/>
-              <a:t>變更請求 </a:t>
-            </a:r>
-            <a:r>
-              <a:rPr lang="en-US" altLang="zh-TW" dirty="0"/>
-              <a:t>Change Requests</a:t>
-            </a:r>
-          </a:p>
-          <a:p>
-            <a:pPr lvl="1"/>
-            <a:r>
-              <a:rPr lang="zh-TW" altLang="en-US" dirty="0"/>
-              <a:t>藉由比較預計和實際結果，可以提出範疇、時程、成本基線之變更請求。</a:t>
-            </a:r>
-          </a:p>
-          <a:p>
-            <a:r>
-              <a:rPr lang="zh-TW" altLang="en-US" dirty="0"/>
-              <a:t>專案管理計畫書和專案文件更新 </a:t>
-            </a:r>
-            <a:r>
-              <a:rPr lang="en-US" altLang="zh-TW" dirty="0"/>
-              <a:t>Project Management Plan Updates</a:t>
-            </a:r>
-          </a:p>
-          <a:p>
-            <a:pPr lvl="1"/>
-            <a:r>
-              <a:rPr lang="zh-TW" altLang="en-US" dirty="0"/>
-              <a:t>當變更請求被核准後，必須立即更新到專案管理計畫書之相關附屬計畫和專案文件中。</a:t>
-            </a:r>
-          </a:p>
-          <a:p>
-            <a:endParaRPr lang="zh-TW" altLang="en-US" dirty="0"/>
-          </a:p>
-        </p:txBody>
-      </p:sp>
-      <p:sp>
-        <p:nvSpPr>
-          <p:cNvPr id="5" name="投影片編號版面配置區 4">
-            <a:extLst>
-              <a:ext uri="{FF2B5EF4-FFF2-40B4-BE49-F238E27FC236}">
-                <a16:creationId xmlns:a16="http://schemas.microsoft.com/office/drawing/2014/main" id="{A77B196A-35F3-4C71-9EF5-1D94BC6D54B2}"/>
-              </a:ext>
-            </a:extLst>
-          </p:cNvPr>
-          <p:cNvSpPr>
-            <a:spLocks noGrp="1"/>
-          </p:cNvSpPr>
-          <p:nvPr>
-            <p:ph type="sldNum" sz="quarter" idx="12"/>
-          </p:nvPr>
-        </p:nvSpPr>
-        <p:spPr/>
-        <p:txBody>
-          <a:bodyPr/>
-          <a:lstStyle/>
-          <a:p>
-            <a:fld id="{06AFB70A-E524-49E4-8F5C-48BFBE4381EC}" type="slidenum">
-              <a:rPr lang="en-US" altLang="zh-TW" smtClean="0"/>
-              <a:pPr/>
-              <a:t>61</a:t>
-            </a:fld>
-            <a:endParaRPr lang="en-US" altLang="zh-TW"/>
-          </a:p>
-        </p:txBody>
-      </p:sp>
-    </p:spTree>
-    <p:extLst>
-      <p:ext uri="{BB962C8B-B14F-4D97-AF65-F5344CB8AC3E}">
-        <p14:creationId xmlns:p14="http://schemas.microsoft.com/office/powerpoint/2010/main" val="2690976599"/>
-      </p:ext>
-    </p:extLst>
-  </p:cSld>
-  <p:clrMapOvr>
-    <a:masterClrMapping/>
-  </p:clrMapOvr>
-</p:sld>
-</file>
-
-<file path=ppt/slides/slide62.xml><?xml version="1.0" encoding="utf-8"?>
-<p:sld xmlns:a="http://schemas.openxmlformats.org/drawingml/2006/main" xmlns:r="http://schemas.openxmlformats.org/officeDocument/2006/relationships" xmlns:p="http://schemas.openxmlformats.org/presentationml/2006/main">
-  <p:cSld>
-    <p:spTree>
-      <p:nvGrpSpPr>
-        <p:cNvPr id="1" name=""/>
-        <p:cNvGrpSpPr/>
-        <p:nvPr/>
-      </p:nvGrpSpPr>
-      <p:grpSpPr>
-        <a:xfrm>
-          <a:off x="0" y="0"/>
-          <a:ext cx="0" cy="0"/>
-          <a:chOff x="0" y="0"/>
-          <a:chExt cx="0" cy="0"/>
-        </a:xfrm>
-      </p:grpSpPr>
-      <p:sp>
-        <p:nvSpPr>
-          <p:cNvPr id="2" name="標題 1">
-            <a:extLst>
-              <a:ext uri="{FF2B5EF4-FFF2-40B4-BE49-F238E27FC236}">
-                <a16:creationId xmlns:a16="http://schemas.microsoft.com/office/drawing/2014/main" id="{4C7D8095-DB42-4706-8090-190D64928E1F}"/>
-              </a:ext>
-            </a:extLst>
-          </p:cNvPr>
-          <p:cNvSpPr>
-            <a:spLocks noGrp="1"/>
-          </p:cNvSpPr>
-          <p:nvPr>
-            <p:ph type="title"/>
-          </p:nvPr>
-        </p:nvSpPr>
-        <p:spPr/>
-        <p:txBody>
-          <a:bodyPr/>
-          <a:lstStyle/>
-          <a:p>
-            <a:r>
-              <a:rPr lang="zh-TW" altLang="en-US" dirty="0"/>
-              <a:t>執行整合變更管制</a:t>
-            </a:r>
-            <a:br>
-              <a:rPr lang="en-US" altLang="zh-TW" dirty="0"/>
-            </a:br>
-            <a:r>
-              <a:rPr lang="en-US" altLang="zh-TW" dirty="0"/>
-              <a:t>Perform Integrated Change Control</a:t>
-            </a:r>
-            <a:endParaRPr lang="zh-TW" altLang="en-US" dirty="0"/>
-          </a:p>
-        </p:txBody>
-      </p:sp>
-      <p:sp>
-        <p:nvSpPr>
-          <p:cNvPr id="7" name="內容版面配置區 6">
-            <a:extLst>
-              <a:ext uri="{FF2B5EF4-FFF2-40B4-BE49-F238E27FC236}">
-                <a16:creationId xmlns:a16="http://schemas.microsoft.com/office/drawing/2014/main" id="{17F95C0A-996B-45FD-B08C-DB66E47D161F}"/>
-              </a:ext>
-            </a:extLst>
-          </p:cNvPr>
-          <p:cNvSpPr>
-            <a:spLocks noGrp="1"/>
-          </p:cNvSpPr>
-          <p:nvPr>
-            <p:ph idx="1"/>
-          </p:nvPr>
-        </p:nvSpPr>
-        <p:spPr/>
-        <p:txBody>
-          <a:bodyPr/>
-          <a:lstStyle/>
-          <a:p>
-            <a:r>
-              <a:rPr lang="zh-TW" altLang="zh-TW" dirty="0"/>
-              <a:t>審查所有變更需求、核准變更和管理變更到交付標的物、組織流程資產、專案文件、和專案管理計畫書以及溝通決策的過程。</a:t>
-            </a:r>
-            <a:endParaRPr lang="en-US" altLang="zh-TW" dirty="0"/>
-          </a:p>
-          <a:p>
-            <a:r>
-              <a:rPr lang="zh-TW" altLang="zh-TW" dirty="0"/>
-              <a:t>變更需求可能來自於任何內外部的專案利害關係人，雖然剛開始可能以口頭方式敘述，但最後仍須以書面方式敘述並進入變更管理系統。</a:t>
-            </a:r>
-            <a:endParaRPr lang="en-US" altLang="zh-TW" dirty="0"/>
-          </a:p>
-          <a:p>
-            <a:r>
-              <a:rPr lang="zh-TW" altLang="zh-TW" dirty="0"/>
-              <a:t>所有變更需求均遵循變更管理系統所規定的程序，並須提供變更對於專案時程和成本可能造成衝擊之資訊以供整合變更管制委員會（</a:t>
-            </a:r>
-            <a:r>
-              <a:rPr lang="en-US" altLang="zh-TW" dirty="0"/>
-              <a:t>ICCB</a:t>
-            </a:r>
-            <a:r>
-              <a:rPr lang="zh-TW" altLang="zh-TW" dirty="0"/>
-              <a:t>）評估，並予以核准或拒絕。</a:t>
-            </a:r>
-            <a:endParaRPr lang="en-US" altLang="zh-TW" dirty="0"/>
-          </a:p>
-          <a:p>
-            <a:r>
-              <a:rPr lang="zh-TW" altLang="zh-TW" dirty="0"/>
-              <a:t>在評估對專案的衝擊時，參考專案範疇、時程、成本三個基線，以及風險變更請求所附加的專案文件如估計基礎、需求追溯矩陣、風險報告。</a:t>
-            </a:r>
-            <a:endParaRPr lang="en-US" altLang="zh-TW" dirty="0"/>
-          </a:p>
-          <a:p>
-            <a:endParaRPr lang="zh-TW" altLang="en-US" dirty="0"/>
-          </a:p>
-        </p:txBody>
-      </p:sp>
-      <p:sp>
-        <p:nvSpPr>
-          <p:cNvPr id="4" name="投影片編號版面配置區 3">
-            <a:extLst>
-              <a:ext uri="{FF2B5EF4-FFF2-40B4-BE49-F238E27FC236}">
-                <a16:creationId xmlns:a16="http://schemas.microsoft.com/office/drawing/2014/main" id="{D5EC8CB2-4A04-42FD-82E9-96136D6FE753}"/>
-              </a:ext>
-            </a:extLst>
-          </p:cNvPr>
-          <p:cNvSpPr>
-            <a:spLocks noGrp="1"/>
-          </p:cNvSpPr>
-          <p:nvPr>
-            <p:ph type="sldNum" sz="quarter" idx="12"/>
-          </p:nvPr>
-        </p:nvSpPr>
-        <p:spPr/>
-        <p:txBody>
-          <a:bodyPr/>
-          <a:lstStyle/>
-          <a:p>
-            <a:fld id="{06AFB70A-E524-49E4-8F5C-48BFBE4381EC}" type="slidenum">
-              <a:rPr lang="en-US" altLang="zh-TW" smtClean="0"/>
-              <a:pPr/>
-              <a:t>62</a:t>
-            </a:fld>
-            <a:endParaRPr lang="en-US" altLang="zh-TW"/>
-          </a:p>
-        </p:txBody>
-      </p:sp>
-    </p:spTree>
-    <p:extLst>
-      <p:ext uri="{BB962C8B-B14F-4D97-AF65-F5344CB8AC3E}">
-        <p14:creationId xmlns:p14="http://schemas.microsoft.com/office/powerpoint/2010/main" val="3036087294"/>
-      </p:ext>
-    </p:extLst>
-  </p:cSld>
-  <p:clrMapOvr>
-    <a:masterClrMapping/>
-  </p:clrMapOvr>
-</p:sld>
-</file>
-
-<file path=ppt/slides/slide63.xml><?xml version="1.0" encoding="utf-8"?>
-<p:sld xmlns:a="http://schemas.openxmlformats.org/drawingml/2006/main" xmlns:r="http://schemas.openxmlformats.org/officeDocument/2006/relationships" xmlns:p="http://schemas.openxmlformats.org/presentationml/2006/main">
-  <p:cSld>
-    <p:spTree>
-      <p:nvGrpSpPr>
-        <p:cNvPr id="1" name=""/>
-        <p:cNvGrpSpPr/>
-        <p:nvPr/>
-      </p:nvGrpSpPr>
-      <p:grpSpPr>
-        <a:xfrm>
-          <a:off x="0" y="0"/>
-          <a:ext cx="0" cy="0"/>
-          <a:chOff x="0" y="0"/>
-          <a:chExt cx="0" cy="0"/>
-        </a:xfrm>
-      </p:grpSpPr>
-      <p:sp>
-        <p:nvSpPr>
           <p:cNvPr id="4" name="投影片編號版面配置區 3">
             <a:extLst>
               <a:ext uri="{FF2B5EF4-FFF2-40B4-BE49-F238E27FC236}">
@@ -25743,7 +27313,7 @@
             <a:fld id="{06AFB70A-E524-49E4-8F5C-48BFBE4381EC}" type="slidenum">
               <a:rPr lang="en-US" altLang="zh-TW" smtClean="0"/>
               <a:pPr/>
-              <a:t>63</a:t>
+              <a:t>70</a:t>
             </a:fld>
             <a:endParaRPr lang="en-US" altLang="zh-TW"/>
           </a:p>
@@ -25792,7 +27362,7 @@
 </p:sld>
 </file>
 
-<file path=ppt/slides/slide64.xml><?xml version="1.0" encoding="utf-8"?>
+<file path=ppt/slides/slide71.xml><?xml version="1.0" encoding="utf-8"?>
 <p:sld xmlns:a="http://schemas.openxmlformats.org/drawingml/2006/main" xmlns:r="http://schemas.openxmlformats.org/officeDocument/2006/relationships" xmlns:p="http://schemas.openxmlformats.org/presentationml/2006/main">
   <p:cSld>
     <p:spTree>
@@ -25897,7 +27467,7 @@
 </p:sld>
 </file>
 
-<file path=ppt/slides/slide65.xml><?xml version="1.0" encoding="utf-8"?>
+<file path=ppt/slides/slide72.xml><?xml version="1.0" encoding="utf-8"?>
 <p:sld xmlns:a="http://schemas.openxmlformats.org/drawingml/2006/main" xmlns:r="http://schemas.openxmlformats.org/officeDocument/2006/relationships" xmlns:p="http://schemas.openxmlformats.org/presentationml/2006/main">
   <p:cSld>
     <p:spTree>
@@ -26025,7 +27595,7 @@
 </p:sld>
 </file>
 
-<file path=ppt/slides/slide66.xml><?xml version="1.0" encoding="utf-8"?>
+<file path=ppt/slides/slide73.xml><?xml version="1.0" encoding="utf-8"?>
 <p:sld xmlns:a="http://schemas.openxmlformats.org/drawingml/2006/main" xmlns:r="http://schemas.openxmlformats.org/officeDocument/2006/relationships" xmlns:p="http://schemas.openxmlformats.org/presentationml/2006/main">
   <p:cSld>
     <p:spTree>
@@ -26160,7 +27730,7 @@
 </p:sld>
 </file>
 
-<file path=ppt/slides/slide67.xml><?xml version="1.0" encoding="utf-8"?>
+<file path=ppt/slides/slide74.xml><?xml version="1.0" encoding="utf-8"?>
 <p:sld xmlns:a="http://schemas.openxmlformats.org/drawingml/2006/main" xmlns:r="http://schemas.openxmlformats.org/officeDocument/2006/relationships" xmlns:p="http://schemas.openxmlformats.org/presentationml/2006/main">
   <p:cSld>
     <p:spTree>
@@ -26342,7 +27912,7 @@
             <a:fld id="{06AFB70A-E524-49E4-8F5C-48BFBE4381EC}" type="slidenum">
               <a:rPr lang="en-US" altLang="zh-TW" smtClean="0"/>
               <a:pPr/>
-              <a:t>67</a:t>
+              <a:t>74</a:t>
             </a:fld>
             <a:endParaRPr lang="en-US" altLang="zh-TW"/>
           </a:p>
@@ -26361,7 +27931,7 @@
 </p:sld>
 </file>
 
-<file path=ppt/slides/slide68.xml><?xml version="1.0" encoding="utf-8"?>
+<file path=ppt/slides/slide75.xml><?xml version="1.0" encoding="utf-8"?>
 <p:sld xmlns:a="http://schemas.openxmlformats.org/drawingml/2006/main" xmlns:r="http://schemas.openxmlformats.org/officeDocument/2006/relationships" xmlns:p="http://schemas.openxmlformats.org/presentationml/2006/main">
   <p:cSld>
     <p:spTree>
@@ -26402,7 +27972,7 @@
             <a:fld id="{06AFB70A-E524-49E4-8F5C-48BFBE4381EC}" type="slidenum">
               <a:rPr lang="en-US" altLang="zh-TW" smtClean="0"/>
               <a:pPr/>
-              <a:t>68</a:t>
+              <a:t>75</a:t>
             </a:fld>
             <a:endParaRPr lang="en-US" altLang="zh-TW"/>
           </a:p>
@@ -26501,7 +28071,7 @@
 </p:sld>
 </file>
 
-<file path=ppt/slides/slide69.xml><?xml version="1.0" encoding="utf-8"?>
+<file path=ppt/slides/slide76.xml><?xml version="1.0" encoding="utf-8"?>
 <p:sld xmlns:a="http://schemas.openxmlformats.org/drawingml/2006/main" xmlns:r="http://schemas.openxmlformats.org/officeDocument/2006/relationships" xmlns:p="http://schemas.openxmlformats.org/presentationml/2006/main">
   <p:cSld>
     <p:spTree>
@@ -26724,7 +28294,7 @@
             <a:fld id="{F5266956-B1F5-4385-B837-32E585D3D944}" type="slidenum">
               <a:rPr lang="en-US" altLang="zh-TW" smtClean="0"/>
               <a:pPr/>
-              <a:t>69</a:t>
+              <a:t>76</a:t>
             </a:fld>
             <a:endParaRPr lang="en-US" altLang="zh-TW"/>
           </a:p>
@@ -26743,7 +28313,7 @@
 </p:sld>
 </file>
 
-<file path=ppt/slides/slide7.xml><?xml version="1.0" encoding="utf-8"?>
+<file path=ppt/slides/slide77.xml><?xml version="1.0" encoding="utf-8"?>
 <p:sld xmlns:a="http://schemas.openxmlformats.org/drawingml/2006/main" xmlns:r="http://schemas.openxmlformats.org/officeDocument/2006/relationships" xmlns:p="http://schemas.openxmlformats.org/presentationml/2006/main">
   <p:cSld>
     <p:spTree>
@@ -26762,10 +28332,10 @@
       </p:grpSpPr>
       <p:sp>
         <p:nvSpPr>
-          <p:cNvPr id="3" name="標題 2">
+          <p:cNvPr id="2" name="標題 1">
             <a:extLst>
               <a:ext uri="{FF2B5EF4-FFF2-40B4-BE49-F238E27FC236}">
-                <a16:creationId xmlns:a16="http://schemas.microsoft.com/office/drawing/2014/main" id="{703E913D-6FA6-4EE9-B5DD-684559D4B3EB}"/>
+                <a16:creationId xmlns:a16="http://schemas.microsoft.com/office/drawing/2014/main" id="{6AB493AB-5537-48A8-A7AE-1E4F7C6CB8B2}"/>
               </a:ext>
             </a:extLst>
           </p:cNvPr>
@@ -26783,29 +28353,17 @@
           <a:p>
             <a:r>
               <a:rPr lang="zh-TW" altLang="en-US" dirty="0"/>
-              <a:t>專案整合管理的新興趨勢</a:t>
-            </a:r>
-            <a:r>
-              <a:rPr lang="en-US" altLang="zh-TW" dirty="0"/>
-              <a:t>(</a:t>
-            </a:r>
-            <a:r>
-              <a:rPr lang="zh-TW" altLang="en-US" dirty="0"/>
-              <a:t>續</a:t>
-            </a:r>
-            <a:r>
-              <a:rPr lang="en-US" altLang="zh-TW" dirty="0"/>
-              <a:t>)</a:t>
-            </a:r>
-          </a:p>
-        </p:txBody>
-      </p:sp>
-      <p:sp>
-        <p:nvSpPr>
-          <p:cNvPr id="7" name="內容版面配置區 6">
+              <a:t>執行整合變更管制過程：工具和技術</a:t>
+            </a:r>
+          </a:p>
+        </p:txBody>
+      </p:sp>
+      <p:sp>
+        <p:nvSpPr>
+          <p:cNvPr id="10" name="內容版面配置區 9">
             <a:extLst>
               <a:ext uri="{FF2B5EF4-FFF2-40B4-BE49-F238E27FC236}">
-                <a16:creationId xmlns:a16="http://schemas.microsoft.com/office/drawing/2014/main" id="{42B3FCAF-5C1E-4491-B56F-24250BD549AC}"/>
+                <a16:creationId xmlns:a16="http://schemas.microsoft.com/office/drawing/2014/main" id="{DD66E03E-964A-4B4F-A056-4C27FB2E456C}"/>
               </a:ext>
             </a:extLst>
           </p:cNvPr>
@@ -26818,14 +28376,18 @@
         </p:nvSpPr>
         <p:spPr/>
         <p:txBody>
-          <a:bodyPr>
-            <a:normAutofit/>
-          </a:bodyPr>
-          <a:lstStyle/>
-          <a:p>
-            <a:r>
-              <a:rPr lang="zh-TW" altLang="en-US" dirty="0"/>
-              <a:t>擴大的專案經理責任</a:t>
+          <a:bodyPr/>
+          <a:lstStyle/>
+          <a:p>
+            <a:r>
+              <a:rPr lang="zh-TW" altLang="en-US" dirty="0"/>
+              <a:t>專家判斷</a:t>
+            </a:r>
+          </a:p>
+          <a:p>
+            <a:r>
+              <a:rPr lang="zh-TW" altLang="en-US" dirty="0"/>
+              <a:t>變更管制工具：</a:t>
             </a:r>
             <a:endParaRPr lang="en-US" altLang="zh-TW" dirty="0"/>
           </a:p>
@@ -26833,94 +28395,75 @@
             <a:pPr lvl="1"/>
             <a:r>
               <a:rPr lang="zh-TW" altLang="en-US" dirty="0"/>
-              <a:t>涵蓋管理階層和 </a:t>
-            </a:r>
-            <a:r>
-              <a:rPr lang="en-US" altLang="zh-TW" dirty="0"/>
-              <a:t>PMO</a:t>
-            </a:r>
+              <a:t>有一些手動或自動工具可以使用構型管理和變更管理。</a:t>
+            </a:r>
+          </a:p>
+          <a:p>
+            <a:r>
+              <a:rPr lang="zh-TW" altLang="en-US" dirty="0"/>
+              <a:t>資料分析：</a:t>
+            </a:r>
+            <a:endParaRPr lang="en-US" altLang="zh-TW" dirty="0"/>
           </a:p>
           <a:p>
             <a:pPr lvl="1"/>
             <a:r>
-              <a:rPr lang="en-US" altLang="zh-TW" dirty="0"/>
-              <a:t>Business case development</a:t>
-            </a:r>
+              <a:rPr lang="zh-TW" altLang="en-US" dirty="0"/>
+              <a:t>包括替代方案分析和成本效益分析。</a:t>
+            </a:r>
+          </a:p>
+          <a:p>
+            <a:r>
+              <a:rPr lang="zh-TW" altLang="en-US" dirty="0"/>
+              <a:t>決策：</a:t>
+            </a:r>
+            <a:endParaRPr lang="en-US" altLang="zh-TW" dirty="0"/>
           </a:p>
           <a:p>
             <a:pPr lvl="1"/>
             <a:r>
-              <a:rPr lang="en-US" altLang="zh-TW" dirty="0"/>
-              <a:t>Benefits management</a:t>
-            </a:r>
+              <a:rPr lang="zh-TW" altLang="en-US" dirty="0"/>
+              <a:t>可能採用的決策技術包括投票、一人決策、多準則決策分析 </a:t>
+            </a:r>
+            <a:r>
+              <a:rPr lang="en-US" altLang="zh-TW" dirty="0"/>
+              <a:t>Multicriteria decision analysis.</a:t>
+            </a:r>
+            <a:endParaRPr lang="zh-TW" altLang="en-US" dirty="0"/>
+          </a:p>
+          <a:p>
+            <a:r>
+              <a:rPr lang="zh-TW" altLang="en-US" dirty="0"/>
+              <a:t>會議：</a:t>
+            </a:r>
+            <a:endParaRPr lang="en-US" altLang="zh-TW" dirty="0"/>
           </a:p>
           <a:p>
             <a:pPr lvl="1"/>
             <a:r>
-              <a:rPr lang="en-US" altLang="zh-TW" dirty="0"/>
-              <a:t>Increased stakeholder management</a:t>
-            </a:r>
+              <a:rPr lang="zh-TW" altLang="en-US" dirty="0"/>
+              <a:t>變更管制會議由</a:t>
+            </a:r>
+            <a:r>
+              <a:rPr lang="en-US" altLang="zh-TW" dirty="0"/>
+              <a:t>CCB</a:t>
+            </a:r>
+            <a:r>
+              <a:rPr lang="zh-TW" altLang="en-US" dirty="0"/>
+              <a:t>負責，審查變更請求、批准、拒絕或延遲變更請求。</a:t>
+            </a:r>
+          </a:p>
+          <a:p>
             <a:endParaRPr lang="zh-TW" altLang="en-US" dirty="0"/>
           </a:p>
-          <a:p>
-            <a:r>
-              <a:rPr lang="zh-TW" altLang="en-US" dirty="0"/>
-              <a:t>混合式的方法論：</a:t>
-            </a:r>
-            <a:endParaRPr lang="en-US" altLang="zh-TW" dirty="0"/>
-          </a:p>
-          <a:p>
-            <a:pPr lvl="1"/>
-            <a:r>
-              <a:rPr lang="zh-CN" altLang="en-US" dirty="0"/>
-              <a:t>經</a:t>
-            </a:r>
-            <a:r>
-              <a:rPr lang="zh-TW" altLang="en-US" dirty="0"/>
-              <a:t>過</a:t>
-            </a:r>
-            <a:r>
-              <a:rPr lang="zh-CN" altLang="en-US" dirty="0"/>
-              <a:t>實踐檢驗的新做法不斷融入</a:t>
-            </a:r>
-            <a:endParaRPr lang="en-US" altLang="zh-CN" dirty="0"/>
-          </a:p>
-          <a:p>
-            <a:pPr lvl="1"/>
-            <a:r>
-              <a:rPr lang="en-US" altLang="zh-CN" dirty="0"/>
-              <a:t>Adaptive, Agile, Six Sigma</a:t>
-            </a:r>
-          </a:p>
-          <a:p>
-            <a:pPr lvl="1"/>
-            <a:r>
-              <a:rPr lang="en-US" altLang="zh-TW" dirty="0"/>
-              <a:t>Business analysis processes</a:t>
-            </a:r>
-          </a:p>
-          <a:p>
-            <a:pPr lvl="1"/>
-            <a:r>
-              <a:rPr lang="en-US" altLang="zh-TW" dirty="0"/>
-              <a:t>Organizational change methods</a:t>
-            </a:r>
-            <a:endParaRPr lang="zh-TW" altLang="en-US" dirty="0"/>
-          </a:p>
-          <a:p>
-            <a:endParaRPr lang="zh-TW" altLang="en-US" dirty="0"/>
-          </a:p>
-          <a:p>
-            <a:endParaRPr lang="zh-TW" altLang="en-US" dirty="0"/>
-          </a:p>
-        </p:txBody>
-      </p:sp>
-      <p:sp>
-        <p:nvSpPr>
-          <p:cNvPr id="2" name="投影片編號版面配置區 1">
+        </p:txBody>
+      </p:sp>
+      <p:sp>
+        <p:nvSpPr>
+          <p:cNvPr id="5" name="投影片編號版面配置區 4">
             <a:extLst>
               <a:ext uri="{FF2B5EF4-FFF2-40B4-BE49-F238E27FC236}">
-                <a16:creationId xmlns:a16="http://schemas.microsoft.com/office/drawing/2014/main" id="{C1F5C00D-BC46-4B38-8069-5CDAF83E55CB}"/>
+                <a16:creationId xmlns:a16="http://schemas.microsoft.com/office/drawing/2014/main" id="{61ED1D39-F7D7-4F2F-9268-B2FF0C474C49}"/>
               </a:ext>
             </a:extLst>
           </p:cNvPr>
@@ -26936,10 +28479,10 @@
           <a:bodyPr/>
           <a:lstStyle/>
           <a:p>
-            <a:fld id="{F5266956-B1F5-4385-B837-32E585D3D944}" type="slidenum">
+            <a:fld id="{06AFB70A-E524-49E4-8F5C-48BFBE4381EC}" type="slidenum">
               <a:rPr lang="en-US" altLang="zh-TW" smtClean="0"/>
               <a:pPr/>
-              <a:t>7</a:t>
+              <a:t>77</a:t>
             </a:fld>
             <a:endParaRPr lang="en-US" altLang="zh-TW"/>
           </a:p>
@@ -26948,7 +28491,7 @@
     </p:spTree>
     <p:extLst>
       <p:ext uri="{BB962C8B-B14F-4D97-AF65-F5344CB8AC3E}">
-        <p14:creationId xmlns:p14="http://schemas.microsoft.com/office/powerpoint/2010/main" val="2442218880"/>
+        <p14:creationId xmlns:p14="http://schemas.microsoft.com/office/powerpoint/2010/main" val="1027571364"/>
       </p:ext>
     </p:extLst>
   </p:cSld>
@@ -26958,7 +28501,7 @@
 </p:sld>
 </file>
 
-<file path=ppt/slides/slide70.xml><?xml version="1.0" encoding="utf-8"?>
+<file path=ppt/slides/slide78.xml><?xml version="1.0" encoding="utf-8"?>
 <p:sld xmlns:a="http://schemas.openxmlformats.org/drawingml/2006/main" xmlns:r="http://schemas.openxmlformats.org/officeDocument/2006/relationships" xmlns:p="http://schemas.openxmlformats.org/presentationml/2006/main">
   <p:cSld>
     <p:spTree>
@@ -26980,7 +28523,7 @@
           <p:cNvPr id="2" name="標題 1">
             <a:extLst>
               <a:ext uri="{FF2B5EF4-FFF2-40B4-BE49-F238E27FC236}">
-                <a16:creationId xmlns:a16="http://schemas.microsoft.com/office/drawing/2014/main" id="{6AB493AB-5537-48A8-A7AE-1E4F7C6CB8B2}"/>
+                <a16:creationId xmlns:a16="http://schemas.microsoft.com/office/drawing/2014/main" id="{20C94DB1-5DE6-4532-B97F-CE3D7E918F34}"/>
               </a:ext>
             </a:extLst>
           </p:cNvPr>
@@ -26998,17 +28541,17 @@
           <a:p>
             <a:r>
               <a:rPr lang="zh-TW" altLang="en-US" dirty="0"/>
-              <a:t>執行整合變更管制過程：工具和技術</a:t>
-            </a:r>
-          </a:p>
-        </p:txBody>
-      </p:sp>
-      <p:sp>
-        <p:nvSpPr>
-          <p:cNvPr id="10" name="內容版面配置區 9">
+              <a:t>執行整合變更管制過程：輸出</a:t>
+            </a:r>
+          </a:p>
+        </p:txBody>
+      </p:sp>
+      <p:sp>
+        <p:nvSpPr>
+          <p:cNvPr id="3" name="內容版面配置區 2">
             <a:extLst>
               <a:ext uri="{FF2B5EF4-FFF2-40B4-BE49-F238E27FC236}">
-                <a16:creationId xmlns:a16="http://schemas.microsoft.com/office/drawing/2014/main" id="{DD66E03E-964A-4B4F-A056-4C27FB2E456C}"/>
+                <a16:creationId xmlns:a16="http://schemas.microsoft.com/office/drawing/2014/main" id="{4C0AB541-282A-458A-89F2-6B4DCC8086BF}"/>
               </a:ext>
             </a:extLst>
           </p:cNvPr>
@@ -27025,90 +28568,50 @@
           <a:lstStyle/>
           <a:p>
             <a:r>
-              <a:rPr lang="zh-TW" altLang="en-US" dirty="0"/>
-              <a:t>專家判斷</a:t>
-            </a:r>
-          </a:p>
-          <a:p>
-            <a:r>
-              <a:rPr lang="zh-TW" altLang="en-US" dirty="0"/>
-              <a:t>變更管制工具：</a:t>
+              <a:rPr lang="zh-TW" altLang="zh-TW" dirty="0"/>
+              <a:t>奉准變更請求：</a:t>
             </a:r>
             <a:endParaRPr lang="en-US" altLang="zh-TW" dirty="0"/>
           </a:p>
           <a:p>
             <a:pPr lvl="1"/>
             <a:r>
-              <a:rPr lang="zh-TW" altLang="en-US" dirty="0"/>
-              <a:t>有一些手動或自動工具可以使用構型管理和變更管理。</a:t>
-            </a:r>
-          </a:p>
-          <a:p>
-            <a:r>
-              <a:rPr lang="zh-TW" altLang="en-US" dirty="0"/>
-              <a:t>資料分析：</a:t>
+              <a:rPr lang="zh-TW" altLang="zh-TW" dirty="0"/>
+              <a:t>批准的變更請求將透過「指導和管理專案執行過程」來執行。</a:t>
+            </a:r>
+          </a:p>
+          <a:p>
+            <a:r>
+              <a:rPr lang="zh-TW" altLang="zh-TW" dirty="0"/>
+              <a:t>專案管理計畫書更新</a:t>
+            </a:r>
+          </a:p>
+          <a:p>
+            <a:r>
+              <a:rPr lang="zh-TW" altLang="zh-TW" dirty="0"/>
+              <a:t>專案文件更新：</a:t>
             </a:r>
             <a:endParaRPr lang="en-US" altLang="zh-TW" dirty="0"/>
           </a:p>
           <a:p>
             <a:pPr lvl="1"/>
             <a:r>
-              <a:rPr lang="zh-TW" altLang="en-US" dirty="0"/>
-              <a:t>包括替代方案分析和成本效益分析。</a:t>
-            </a:r>
-          </a:p>
-          <a:p>
-            <a:r>
-              <a:rPr lang="zh-TW" altLang="en-US" dirty="0"/>
-              <a:t>決策：</a:t>
-            </a:r>
-            <a:endParaRPr lang="en-US" altLang="zh-TW" dirty="0"/>
-          </a:p>
-          <a:p>
-            <a:pPr lvl="1"/>
-            <a:r>
-              <a:rPr lang="zh-TW" altLang="en-US" dirty="0"/>
-              <a:t>可能採用的決策技術包括投票、一人決策、多準則決策分析 </a:t>
-            </a:r>
-            <a:r>
-              <a:rPr lang="en-US" altLang="zh-TW" dirty="0"/>
-              <a:t>Multicriteria decision analysis.</a:t>
+              <a:rPr lang="zh-TW" altLang="zh-TW" dirty="0"/>
+              <a:t>任何正式管制的專案文件都可能由於此過程而變更。</a:t>
             </a:r>
             <a:endParaRPr lang="zh-TW" altLang="en-US" dirty="0"/>
           </a:p>
           <a:p>
-            <a:r>
-              <a:rPr lang="zh-TW" altLang="en-US" dirty="0"/>
-              <a:t>會議：</a:t>
-            </a:r>
-            <a:endParaRPr lang="en-US" altLang="zh-TW" dirty="0"/>
-          </a:p>
-          <a:p>
-            <a:pPr lvl="1"/>
-            <a:r>
-              <a:rPr lang="zh-TW" altLang="en-US" dirty="0"/>
-              <a:t>變更管制會議由</a:t>
-            </a:r>
-            <a:r>
-              <a:rPr lang="en-US" altLang="zh-TW" dirty="0"/>
-              <a:t>CCB</a:t>
-            </a:r>
-            <a:r>
-              <a:rPr lang="zh-TW" altLang="en-US" dirty="0"/>
-              <a:t>負責，審查變更請求、批准、拒絕或延遲變更請求。</a:t>
-            </a:r>
-          </a:p>
-          <a:p>
             <a:endParaRPr lang="zh-TW" altLang="en-US" dirty="0"/>
           </a:p>
         </p:txBody>
       </p:sp>
       <p:sp>
         <p:nvSpPr>
-          <p:cNvPr id="5" name="投影片編號版面配置區 4">
+          <p:cNvPr id="4" name="投影片編號版面配置區 3">
             <a:extLst>
               <a:ext uri="{FF2B5EF4-FFF2-40B4-BE49-F238E27FC236}">
-                <a16:creationId xmlns:a16="http://schemas.microsoft.com/office/drawing/2014/main" id="{61ED1D39-F7D7-4F2F-9268-B2FF0C474C49}"/>
+                <a16:creationId xmlns:a16="http://schemas.microsoft.com/office/drawing/2014/main" id="{F793FA4F-0E5A-4C4F-A736-58CE500D02FE}"/>
               </a:ext>
             </a:extLst>
           </p:cNvPr>
@@ -27127,7 +28630,7 @@
             <a:fld id="{06AFB70A-E524-49E4-8F5C-48BFBE4381EC}" type="slidenum">
               <a:rPr lang="en-US" altLang="zh-TW" smtClean="0"/>
               <a:pPr/>
-              <a:t>70</a:t>
+              <a:t>78</a:t>
             </a:fld>
             <a:endParaRPr lang="en-US" altLang="zh-TW"/>
           </a:p>
@@ -27136,7 +28639,7 @@
     </p:spTree>
     <p:extLst>
       <p:ext uri="{BB962C8B-B14F-4D97-AF65-F5344CB8AC3E}">
-        <p14:creationId xmlns:p14="http://schemas.microsoft.com/office/powerpoint/2010/main" val="1027571364"/>
+        <p14:creationId xmlns:p14="http://schemas.microsoft.com/office/powerpoint/2010/main" val="4276606280"/>
       </p:ext>
     </p:extLst>
   </p:cSld>
@@ -27146,7 +28649,7 @@
 </p:sld>
 </file>
 
-<file path=ppt/slides/slide71.xml><?xml version="1.0" encoding="utf-8"?>
+<file path=ppt/slides/slide79.xml><?xml version="1.0" encoding="utf-8"?>
 <p:sld xmlns:a="http://schemas.openxmlformats.org/drawingml/2006/main" xmlns:r="http://schemas.openxmlformats.org/officeDocument/2006/relationships" xmlns:p="http://schemas.openxmlformats.org/presentationml/2006/main">
   <p:cSld>
     <p:spTree>
@@ -27168,7 +28671,7 @@
           <p:cNvPr id="2" name="標題 1">
             <a:extLst>
               <a:ext uri="{FF2B5EF4-FFF2-40B4-BE49-F238E27FC236}">
-                <a16:creationId xmlns:a16="http://schemas.microsoft.com/office/drawing/2014/main" id="{20C94DB1-5DE6-4532-B97F-CE3D7E918F34}"/>
+                <a16:creationId xmlns:a16="http://schemas.microsoft.com/office/drawing/2014/main" id="{F65B47F2-42A4-48EE-A07C-EBBC7A452394}"/>
               </a:ext>
             </a:extLst>
           </p:cNvPr>
@@ -27186,17 +28689,17 @@
           <a:p>
             <a:r>
               <a:rPr lang="zh-TW" altLang="en-US" dirty="0"/>
-              <a:t>執行整合變更管制過程：輸出</a:t>
-            </a:r>
-          </a:p>
-        </p:txBody>
-      </p:sp>
-      <p:sp>
-        <p:nvSpPr>
-          <p:cNvPr id="3" name="內容版面配置區 2">
+              <a:t>結束專案或階段</a:t>
+            </a:r>
+          </a:p>
+        </p:txBody>
+      </p:sp>
+      <p:sp>
+        <p:nvSpPr>
+          <p:cNvPr id="7" name="內容版面配置區 6">
             <a:extLst>
               <a:ext uri="{FF2B5EF4-FFF2-40B4-BE49-F238E27FC236}">
-                <a16:creationId xmlns:a16="http://schemas.microsoft.com/office/drawing/2014/main" id="{4C0AB541-282A-458A-89F2-6B4DCC8086BF}"/>
+                <a16:creationId xmlns:a16="http://schemas.microsoft.com/office/drawing/2014/main" id="{4FC6A02B-0E63-488E-B7A4-CA0F2333E90D}"/>
               </a:ext>
             </a:extLst>
           </p:cNvPr>
@@ -27214,27 +28717,35 @@
           <a:p>
             <a:r>
               <a:rPr lang="zh-TW" altLang="zh-TW" dirty="0"/>
-              <a:t>奉准變更請求：</a:t>
+              <a:t>結束專案或階段是完成所有專案管理流程之各項活動，以正式終結專案或階段的過程。</a:t>
             </a:r>
             <a:endParaRPr lang="en-US" altLang="zh-TW" dirty="0"/>
           </a:p>
           <a:p>
+            <a:r>
+              <a:rPr lang="zh-TW" altLang="zh-TW" dirty="0"/>
+              <a:t>一般在專案工作全部完成時，尚須完成下列活動才代表專案正式結束：</a:t>
+            </a:r>
+          </a:p>
+          <a:p>
             <a:pPr lvl="1"/>
             <a:r>
               <a:rPr lang="zh-TW" altLang="zh-TW" dirty="0"/>
-              <a:t>批准的變更請求將透過「指導和管理專案執行過程」來執行。</a:t>
-            </a:r>
-          </a:p>
-          <a:p>
+              <a:t>召開結案會議</a:t>
+            </a:r>
+          </a:p>
+          <a:p>
+            <a:pPr lvl="1"/>
             <a:r>
               <a:rPr lang="zh-TW" altLang="zh-TW" dirty="0"/>
-              <a:t>專案管理計畫書更新</a:t>
-            </a:r>
-          </a:p>
-          <a:p>
+              <a:t>宣告成功或失敗</a:t>
+            </a:r>
+          </a:p>
+          <a:p>
+            <a:pPr lvl="1"/>
             <a:r>
               <a:rPr lang="zh-TW" altLang="zh-TW" dirty="0"/>
-              <a:t>專案文件更新：</a:t>
+              <a:t>執行績效評估</a:t>
             </a:r>
             <a:endParaRPr lang="en-US" altLang="zh-TW" dirty="0"/>
           </a:p>
@@ -27242,11 +28753,19 @@
             <a:pPr lvl="1"/>
             <a:r>
               <a:rPr lang="zh-TW" altLang="zh-TW" dirty="0"/>
-              <a:t>任何正式管制的專案文件都可能由於此過程而變更。</a:t>
-            </a:r>
-            <a:endParaRPr lang="zh-TW" altLang="en-US" dirty="0"/>
-          </a:p>
-          <a:p>
+              <a:t>專案成員的再指派</a:t>
+            </a:r>
+            <a:r>
+              <a:rPr lang="en-US" altLang="zh-TW" dirty="0"/>
+              <a:t> Reassigning</a:t>
+            </a:r>
+          </a:p>
+          <a:p>
+            <a:pPr lvl="1"/>
+            <a:r>
+              <a:rPr lang="zh-TW" altLang="zh-TW" dirty="0"/>
+              <a:t>辦理會計決算</a:t>
+            </a:r>
             <a:endParaRPr lang="zh-TW" altLang="en-US" dirty="0"/>
           </a:p>
         </p:txBody>
@@ -27256,7 +28775,7 @@
           <p:cNvPr id="4" name="投影片編號版面配置區 3">
             <a:extLst>
               <a:ext uri="{FF2B5EF4-FFF2-40B4-BE49-F238E27FC236}">
-                <a16:creationId xmlns:a16="http://schemas.microsoft.com/office/drawing/2014/main" id="{F793FA4F-0E5A-4C4F-A736-58CE500D02FE}"/>
+                <a16:creationId xmlns:a16="http://schemas.microsoft.com/office/drawing/2014/main" id="{FB5C7439-51E5-49B7-9CDC-EE67E370330F}"/>
               </a:ext>
             </a:extLst>
           </p:cNvPr>
@@ -27275,7 +28794,7 @@
             <a:fld id="{06AFB70A-E524-49E4-8F5C-48BFBE4381EC}" type="slidenum">
               <a:rPr lang="en-US" altLang="zh-TW" smtClean="0"/>
               <a:pPr/>
-              <a:t>71</a:t>
+              <a:t>79</a:t>
             </a:fld>
             <a:endParaRPr lang="en-US" altLang="zh-TW"/>
           </a:p>
@@ -27284,7 +28803,7 @@
     </p:spTree>
     <p:extLst>
       <p:ext uri="{BB962C8B-B14F-4D97-AF65-F5344CB8AC3E}">
-        <p14:creationId xmlns:p14="http://schemas.microsoft.com/office/powerpoint/2010/main" val="4276606280"/>
+        <p14:creationId xmlns:p14="http://schemas.microsoft.com/office/powerpoint/2010/main" val="4074473878"/>
       </p:ext>
     </p:extLst>
   </p:cSld>
@@ -27294,7 +28813,7 @@
 </p:sld>
 </file>
 
-<file path=ppt/slides/slide72.xml><?xml version="1.0" encoding="utf-8"?>
+<file path=ppt/slides/slide8.xml><?xml version="1.0" encoding="utf-8"?>
 <p:sld xmlns:a="http://schemas.openxmlformats.org/drawingml/2006/main" xmlns:r="http://schemas.openxmlformats.org/officeDocument/2006/relationships" xmlns:p="http://schemas.openxmlformats.org/presentationml/2006/main">
   <p:cSld>
     <p:spTree>
@@ -27316,7 +28835,7 @@
           <p:cNvPr id="2" name="標題 1">
             <a:extLst>
               <a:ext uri="{FF2B5EF4-FFF2-40B4-BE49-F238E27FC236}">
-                <a16:creationId xmlns:a16="http://schemas.microsoft.com/office/drawing/2014/main" id="{F65B47F2-42A4-48EE-A07C-EBBC7A452394}"/>
+                <a16:creationId xmlns:a16="http://schemas.microsoft.com/office/drawing/2014/main" id="{A1E2EC32-FE1D-4DB4-A8FE-4E184FB35249}"/>
               </a:ext>
             </a:extLst>
           </p:cNvPr>
@@ -27334,17 +28853,25 @@
           <a:p>
             <a:r>
               <a:rPr lang="zh-TW" altLang="en-US" dirty="0"/>
-              <a:t>結束專案或階段</a:t>
-            </a:r>
-          </a:p>
-        </p:txBody>
-      </p:sp>
-      <p:sp>
-        <p:nvSpPr>
-          <p:cNvPr id="7" name="內容版面配置區 6">
+              <a:t>專案整合管理過程</a:t>
+            </a:r>
+            <a:br>
+              <a:rPr lang="en-US" altLang="zh-TW" dirty="0"/>
+            </a:br>
+            <a:r>
+              <a:rPr lang="en-US" altLang="zh-TW" dirty="0"/>
+              <a:t>7 Processes</a:t>
+            </a:r>
+            <a:endParaRPr lang="zh-TW" altLang="en-US" dirty="0"/>
+          </a:p>
+        </p:txBody>
+      </p:sp>
+      <p:sp>
+        <p:nvSpPr>
+          <p:cNvPr id="3" name="內容版面配置區 2">
             <a:extLst>
               <a:ext uri="{FF2B5EF4-FFF2-40B4-BE49-F238E27FC236}">
-                <a16:creationId xmlns:a16="http://schemas.microsoft.com/office/drawing/2014/main" id="{4FC6A02B-0E63-488E-B7A4-CA0F2333E90D}"/>
+                <a16:creationId xmlns:a16="http://schemas.microsoft.com/office/drawing/2014/main" id="{A1B69072-15A4-46F2-AE47-5F7B1F3D5A4A}"/>
               </a:ext>
             </a:extLst>
           </p:cNvPr>
@@ -27357,61 +28884,80 @@
         </p:nvSpPr>
         <p:spPr/>
         <p:txBody>
-          <a:bodyPr/>
-          <a:lstStyle/>
-          <a:p>
-            <a:r>
-              <a:rPr lang="zh-TW" altLang="zh-TW" dirty="0"/>
-              <a:t>結束專案或階段是完成所有專案管理流程之各項活動，以正式終結專案或階段的過程。</a:t>
+          <a:bodyPr>
+            <a:normAutofit/>
+          </a:bodyPr>
+          <a:lstStyle/>
+          <a:p>
+            <a:r>
+              <a:rPr lang="zh-TW" altLang="en-US" dirty="0"/>
+              <a:t>發展專案章程 </a:t>
+            </a:r>
+            <a:r>
+              <a:rPr lang="en-US" altLang="zh-TW" dirty="0"/>
+              <a:t>Develop Project Charter</a:t>
+            </a:r>
+          </a:p>
+          <a:p>
+            <a:pPr lvl="1"/>
+            <a:r>
+              <a:rPr lang="zh-TW" altLang="en-US" dirty="0"/>
+              <a:t>擬定一份文件宣布專案成立，正式授權專案經理動用組織資源於專案活動。</a:t>
             </a:r>
             <a:endParaRPr lang="en-US" altLang="zh-TW" dirty="0"/>
           </a:p>
           <a:p>
             <a:r>
-              <a:rPr lang="zh-TW" altLang="zh-TW" dirty="0"/>
-              <a:t>一般在專案工作全部完成時，尚須完成下列活動才代表專案正式結束：</a:t>
+              <a:rPr lang="zh-TW" altLang="en-US" dirty="0"/>
+              <a:t>發展專案管理計畫書 </a:t>
+            </a:r>
+            <a:r>
+              <a:rPr lang="en-US" altLang="zh-TW" dirty="0"/>
+              <a:t>Develop Project Management Plan</a:t>
             </a:r>
           </a:p>
           <a:p>
             <a:pPr lvl="1"/>
             <a:r>
-              <a:rPr lang="zh-TW" altLang="zh-TW" dirty="0"/>
-              <a:t>召開結案會議</a:t>
+              <a:rPr lang="zh-TW" altLang="en-US" dirty="0"/>
+              <a:t>定義、準備、協調計畫所有組成元素，將其合併成一個整合的專案管理計畫書。</a:t>
+            </a:r>
+            <a:endParaRPr lang="en-US" altLang="zh-TW" dirty="0"/>
+          </a:p>
+          <a:p>
+            <a:r>
+              <a:rPr lang="zh-TW" altLang="en-US" dirty="0"/>
+              <a:t>指導和管理專案執行 </a:t>
+            </a:r>
+            <a:r>
+              <a:rPr lang="en-US" altLang="zh-TW" dirty="0"/>
+              <a:t>Direct and Manage Project Work</a:t>
             </a:r>
           </a:p>
           <a:p>
             <a:pPr lvl="1"/>
             <a:r>
-              <a:rPr lang="zh-TW" altLang="zh-TW" dirty="0"/>
-              <a:t>宣告成功或失敗</a:t>
+              <a:rPr lang="zh-TW" altLang="en-US" dirty="0"/>
+              <a:t>帶領和執行專案管理計畫書所定義的工作，執行已核准的專案變更以達成專案目標。</a:t>
+            </a:r>
+            <a:endParaRPr lang="en-US" altLang="zh-TW" dirty="0"/>
+          </a:p>
+          <a:p>
+            <a:r>
+              <a:rPr lang="zh-TW" altLang="en-US" dirty="0"/>
+              <a:t>管理專案知識 </a:t>
+            </a:r>
+            <a:r>
+              <a:rPr lang="en-US" altLang="zh-TW" dirty="0"/>
+              <a:t>Management Project Knowledge</a:t>
             </a:r>
           </a:p>
           <a:p>
             <a:pPr lvl="1"/>
             <a:r>
-              <a:rPr lang="zh-TW" altLang="zh-TW" dirty="0"/>
-              <a:t>執行績效評估</a:t>
-            </a:r>
-            <a:endParaRPr lang="en-US" altLang="zh-TW" dirty="0"/>
-          </a:p>
-          <a:p>
-            <a:pPr lvl="1"/>
-            <a:r>
-              <a:rPr lang="zh-TW" altLang="zh-TW" dirty="0"/>
-              <a:t>專案成員的再指派</a:t>
-            </a:r>
-            <a:r>
-              <a:rPr lang="en-US" altLang="zh-TW" dirty="0"/>
-              <a:t> Reassigning</a:t>
-            </a:r>
-          </a:p>
-          <a:p>
-            <a:pPr lvl="1"/>
-            <a:r>
-              <a:rPr lang="zh-TW" altLang="zh-TW" dirty="0"/>
-              <a:t>辦理會計決算</a:t>
-            </a:r>
-            <a:endParaRPr lang="zh-TW" altLang="en-US" dirty="0"/>
+              <a:rPr lang="zh-TW" altLang="en-US" dirty="0"/>
+              <a:t>使用現有知識、創造新知識，以達成專案目標和貢獻組織學習。</a:t>
+            </a:r>
           </a:p>
         </p:txBody>
       </p:sp>
@@ -27420,7 +28966,7 @@
           <p:cNvPr id="4" name="投影片編號版面配置區 3">
             <a:extLst>
               <a:ext uri="{FF2B5EF4-FFF2-40B4-BE49-F238E27FC236}">
-                <a16:creationId xmlns:a16="http://schemas.microsoft.com/office/drawing/2014/main" id="{FB5C7439-51E5-49B7-9CDC-EE67E370330F}"/>
+                <a16:creationId xmlns:a16="http://schemas.microsoft.com/office/drawing/2014/main" id="{0B4B5B28-5077-449C-8890-695042F144F8}"/>
               </a:ext>
             </a:extLst>
           </p:cNvPr>
@@ -27439,7 +28985,7 @@
             <a:fld id="{06AFB70A-E524-49E4-8F5C-48BFBE4381EC}" type="slidenum">
               <a:rPr lang="en-US" altLang="zh-TW" smtClean="0"/>
               <a:pPr/>
-              <a:t>72</a:t>
+              <a:t>8</a:t>
             </a:fld>
             <a:endParaRPr lang="en-US" altLang="zh-TW"/>
           </a:p>
@@ -27448,7 +28994,7 @@
     </p:spTree>
     <p:extLst>
       <p:ext uri="{BB962C8B-B14F-4D97-AF65-F5344CB8AC3E}">
-        <p14:creationId xmlns:p14="http://schemas.microsoft.com/office/powerpoint/2010/main" val="4074473878"/>
+        <p14:creationId xmlns:p14="http://schemas.microsoft.com/office/powerpoint/2010/main" val="2413329129"/>
       </p:ext>
     </p:extLst>
   </p:cSld>
@@ -27458,7 +29004,7 @@
 </p:sld>
 </file>
 
-<file path=ppt/slides/slide73.xml><?xml version="1.0" encoding="utf-8"?>
+<file path=ppt/slides/slide80.xml><?xml version="1.0" encoding="utf-8"?>
 <p:sld xmlns:a="http://schemas.openxmlformats.org/drawingml/2006/main" xmlns:r="http://schemas.openxmlformats.org/officeDocument/2006/relationships" xmlns:p="http://schemas.openxmlformats.org/presentationml/2006/main">
   <p:cSld>
     <p:spTree>
@@ -27499,7 +29045,7 @@
             <a:fld id="{06AFB70A-E524-49E4-8F5C-48BFBE4381EC}" type="slidenum">
               <a:rPr lang="en-US" altLang="zh-TW" smtClean="0"/>
               <a:pPr/>
-              <a:t>73</a:t>
+              <a:t>80</a:t>
             </a:fld>
             <a:endParaRPr lang="en-US" altLang="zh-TW"/>
           </a:p>
@@ -27548,7 +29094,7 @@
 </p:sld>
 </file>
 
-<file path=ppt/slides/slide74.xml><?xml version="1.0" encoding="utf-8"?>
+<file path=ppt/slides/slide81.xml><?xml version="1.0" encoding="utf-8"?>
 <p:sld xmlns:a="http://schemas.openxmlformats.org/drawingml/2006/main" xmlns:r="http://schemas.openxmlformats.org/officeDocument/2006/relationships" xmlns:p="http://schemas.openxmlformats.org/presentationml/2006/main">
   <p:cSld>
     <p:spTree>
@@ -27684,7 +29230,7 @@
             <a:fld id="{06AFB70A-E524-49E4-8F5C-48BFBE4381EC}" type="slidenum">
               <a:rPr lang="en-US" altLang="zh-TW" smtClean="0"/>
               <a:pPr/>
-              <a:t>74</a:t>
+              <a:t>81</a:t>
             </a:fld>
             <a:endParaRPr lang="en-US" altLang="zh-TW"/>
           </a:p>
@@ -27703,7 +29249,7 @@
 </p:sld>
 </file>
 
-<file path=ppt/slides/slide75.xml><?xml version="1.0" encoding="utf-8"?>
+<file path=ppt/slides/slide82.xml><?xml version="1.0" encoding="utf-8"?>
 <p:sld xmlns:a="http://schemas.openxmlformats.org/drawingml/2006/main" xmlns:r="http://schemas.openxmlformats.org/officeDocument/2006/relationships" xmlns:p="http://schemas.openxmlformats.org/presentationml/2006/main">
   <p:cSld>
     <p:spTree>
@@ -27853,7 +29399,7 @@
             <a:fld id="{06AFB70A-E524-49E4-8F5C-48BFBE4381EC}" type="slidenum">
               <a:rPr lang="en-US" altLang="zh-TW" smtClean="0"/>
               <a:pPr/>
-              <a:t>75</a:t>
+              <a:t>82</a:t>
             </a:fld>
             <a:endParaRPr lang="en-US" altLang="zh-TW"/>
           </a:p>
@@ -27872,7 +29418,7 @@
 </p:sld>
 </file>
 
-<file path=ppt/slides/slide76.xml><?xml version="1.0" encoding="utf-8"?>
+<file path=ppt/slides/slide83.xml><?xml version="1.0" encoding="utf-8"?>
 <p:sld xmlns:a="http://schemas.openxmlformats.org/drawingml/2006/main" xmlns:r="http://schemas.openxmlformats.org/officeDocument/2006/relationships" xmlns:p="http://schemas.openxmlformats.org/presentationml/2006/main">
   <p:cSld>
     <p:spTree>
@@ -27979,7 +29525,7 @@
 </p:sld>
 </file>
 
-<file path=ppt/slides/slide77.xml><?xml version="1.0" encoding="utf-8"?>
+<file path=ppt/slides/slide84.xml><?xml version="1.0" encoding="utf-8"?>
 <p:sld xmlns:a="http://schemas.openxmlformats.org/drawingml/2006/main" xmlns:r="http://schemas.openxmlformats.org/officeDocument/2006/relationships" xmlns:p="http://schemas.openxmlformats.org/presentationml/2006/main">
   <p:cSld>
     <p:spTree>
@@ -28115,7 +29661,7 @@
 </p:sld>
 </file>
 
-<file path=ppt/slides/slide78.xml><?xml version="1.0" encoding="utf-8"?>
+<file path=ppt/slides/slide85.xml><?xml version="1.0" encoding="utf-8"?>
 <p:sld xmlns:a="http://schemas.openxmlformats.org/drawingml/2006/main" xmlns:r="http://schemas.openxmlformats.org/officeDocument/2006/relationships" xmlns:p="http://schemas.openxmlformats.org/presentationml/2006/main">
   <p:cSld>
     <p:spTree>
@@ -28337,7 +29883,7 @@
             <a:fld id="{0BC55746-04A1-42DC-A0BC-1E09A8E18DBD}" type="slidenum">
               <a:rPr lang="en-US" altLang="zh-TW" smtClean="0"/>
               <a:pPr/>
-              <a:t>78</a:t>
+              <a:t>85</a:t>
             </a:fld>
             <a:endParaRPr lang="en-US" altLang="zh-TW"/>
           </a:p>
@@ -28356,7 +29902,7 @@
 </p:sld>
 </file>
 
-<file path=ppt/slides/slide79.xml><?xml version="1.0" encoding="utf-8"?>
+<file path=ppt/slides/slide86.xml><?xml version="1.0" encoding="utf-8"?>
 <p:sld xmlns:a="http://schemas.openxmlformats.org/drawingml/2006/main" xmlns:r="http://schemas.openxmlformats.org/officeDocument/2006/relationships" xmlns:p="http://schemas.openxmlformats.org/presentationml/2006/main">
   <p:cSld>
     <p:spTree>
@@ -28492,7 +30038,7 @@
             <a:fld id="{06AFB70A-E524-49E4-8F5C-48BFBE4381EC}" type="slidenum">
               <a:rPr lang="en-US" altLang="zh-TW" smtClean="0"/>
               <a:pPr/>
-              <a:t>79</a:t>
+              <a:t>86</a:t>
             </a:fld>
             <a:endParaRPr lang="en-US" altLang="zh-TW"/>
           </a:p>
@@ -28511,7 +30057,7 @@
 </p:sld>
 </file>
 
-<file path=ppt/slides/slide8.xml><?xml version="1.0" encoding="utf-8"?>
+<file path=ppt/slides/slide87.xml><?xml version="1.0" encoding="utf-8"?>
 <p:sld xmlns:a="http://schemas.openxmlformats.org/drawingml/2006/main" xmlns:r="http://schemas.openxmlformats.org/officeDocument/2006/relationships" xmlns:p="http://schemas.openxmlformats.org/presentationml/2006/main">
   <p:cSld>
     <p:spTree>
@@ -28533,197 +30079,6 @@
           <p:cNvPr id="2" name="標題 1">
             <a:extLst>
               <a:ext uri="{FF2B5EF4-FFF2-40B4-BE49-F238E27FC236}">
-                <a16:creationId xmlns:a16="http://schemas.microsoft.com/office/drawing/2014/main" id="{A1E2EC32-FE1D-4DB4-A8FE-4E184FB35249}"/>
-              </a:ext>
-            </a:extLst>
-          </p:cNvPr>
-          <p:cNvSpPr>
-            <a:spLocks noGrp="1"/>
-          </p:cNvSpPr>
-          <p:nvPr>
-            <p:ph type="title"/>
-          </p:nvPr>
-        </p:nvSpPr>
-        <p:spPr/>
-        <p:txBody>
-          <a:bodyPr/>
-          <a:lstStyle/>
-          <a:p>
-            <a:r>
-              <a:rPr lang="zh-TW" altLang="en-US" dirty="0"/>
-              <a:t>專案整合管理過程</a:t>
-            </a:r>
-            <a:br>
-              <a:rPr lang="en-US" altLang="zh-TW" dirty="0"/>
-            </a:br>
-            <a:r>
-              <a:rPr lang="en-US" altLang="zh-TW" dirty="0"/>
-              <a:t>7 Processes</a:t>
-            </a:r>
-            <a:endParaRPr lang="zh-TW" altLang="en-US" dirty="0"/>
-          </a:p>
-        </p:txBody>
-      </p:sp>
-      <p:sp>
-        <p:nvSpPr>
-          <p:cNvPr id="3" name="內容版面配置區 2">
-            <a:extLst>
-              <a:ext uri="{FF2B5EF4-FFF2-40B4-BE49-F238E27FC236}">
-                <a16:creationId xmlns:a16="http://schemas.microsoft.com/office/drawing/2014/main" id="{A1B69072-15A4-46F2-AE47-5F7B1F3D5A4A}"/>
-              </a:ext>
-            </a:extLst>
-          </p:cNvPr>
-          <p:cNvSpPr>
-            <a:spLocks noGrp="1"/>
-          </p:cNvSpPr>
-          <p:nvPr>
-            <p:ph idx="1"/>
-          </p:nvPr>
-        </p:nvSpPr>
-        <p:spPr/>
-        <p:txBody>
-          <a:bodyPr>
-            <a:normAutofit/>
-          </a:bodyPr>
-          <a:lstStyle/>
-          <a:p>
-            <a:r>
-              <a:rPr lang="zh-TW" altLang="en-US" dirty="0"/>
-              <a:t>發展專案章程 </a:t>
-            </a:r>
-            <a:r>
-              <a:rPr lang="en-US" altLang="zh-TW" dirty="0"/>
-              <a:t>Develop Project Charter</a:t>
-            </a:r>
-          </a:p>
-          <a:p>
-            <a:pPr lvl="1"/>
-            <a:r>
-              <a:rPr lang="zh-TW" altLang="en-US" dirty="0"/>
-              <a:t>擬定一份文件宣布專案成立，正式授權專案經理動用組織資源於專案活動。</a:t>
-            </a:r>
-            <a:endParaRPr lang="en-US" altLang="zh-TW" dirty="0"/>
-          </a:p>
-          <a:p>
-            <a:r>
-              <a:rPr lang="zh-TW" altLang="en-US" dirty="0"/>
-              <a:t>發展專案管理計畫書 </a:t>
-            </a:r>
-            <a:r>
-              <a:rPr lang="en-US" altLang="zh-TW" dirty="0"/>
-              <a:t>Develop Project Management Plan</a:t>
-            </a:r>
-          </a:p>
-          <a:p>
-            <a:pPr lvl="1"/>
-            <a:r>
-              <a:rPr lang="zh-TW" altLang="en-US" dirty="0"/>
-              <a:t>定義、準備、協調計畫所有組成元素，將其合併成一個整合的專案管理計畫書。</a:t>
-            </a:r>
-            <a:endParaRPr lang="en-US" altLang="zh-TW" dirty="0"/>
-          </a:p>
-          <a:p>
-            <a:r>
-              <a:rPr lang="zh-TW" altLang="en-US" dirty="0"/>
-              <a:t>指導和管理專案執行 </a:t>
-            </a:r>
-            <a:r>
-              <a:rPr lang="en-US" altLang="zh-TW" dirty="0"/>
-              <a:t>Direct and Manage Project Work</a:t>
-            </a:r>
-          </a:p>
-          <a:p>
-            <a:pPr lvl="1"/>
-            <a:r>
-              <a:rPr lang="zh-TW" altLang="en-US" dirty="0"/>
-              <a:t>帶領和執行專案管理計畫書所定義的工作，執行已核准的專案變更以達成專案目標。</a:t>
-            </a:r>
-            <a:endParaRPr lang="en-US" altLang="zh-TW" dirty="0"/>
-          </a:p>
-          <a:p>
-            <a:r>
-              <a:rPr lang="zh-TW" altLang="en-US" dirty="0"/>
-              <a:t>管理專案知識 </a:t>
-            </a:r>
-            <a:r>
-              <a:rPr lang="en-US" altLang="zh-TW" dirty="0"/>
-              <a:t>Management Project Knowledge</a:t>
-            </a:r>
-          </a:p>
-          <a:p>
-            <a:pPr lvl="1"/>
-            <a:r>
-              <a:rPr lang="zh-TW" altLang="en-US" dirty="0"/>
-              <a:t>使用現有知識、創造新知識，以達成專案目標和貢獻組織學習。</a:t>
-            </a:r>
-          </a:p>
-        </p:txBody>
-      </p:sp>
-      <p:sp>
-        <p:nvSpPr>
-          <p:cNvPr id="4" name="投影片編號版面配置區 3">
-            <a:extLst>
-              <a:ext uri="{FF2B5EF4-FFF2-40B4-BE49-F238E27FC236}">
-                <a16:creationId xmlns:a16="http://schemas.microsoft.com/office/drawing/2014/main" id="{0B4B5B28-5077-449C-8890-695042F144F8}"/>
-              </a:ext>
-            </a:extLst>
-          </p:cNvPr>
-          <p:cNvSpPr>
-            <a:spLocks noGrp="1"/>
-          </p:cNvSpPr>
-          <p:nvPr>
-            <p:ph type="sldNum" sz="quarter" idx="12"/>
-          </p:nvPr>
-        </p:nvSpPr>
-        <p:spPr/>
-        <p:txBody>
-          <a:bodyPr/>
-          <a:lstStyle/>
-          <a:p>
-            <a:fld id="{06AFB70A-E524-49E4-8F5C-48BFBE4381EC}" type="slidenum">
-              <a:rPr lang="en-US" altLang="zh-TW" smtClean="0"/>
-              <a:pPr/>
-              <a:t>8</a:t>
-            </a:fld>
-            <a:endParaRPr lang="en-US" altLang="zh-TW"/>
-          </a:p>
-        </p:txBody>
-      </p:sp>
-    </p:spTree>
-    <p:extLst>
-      <p:ext uri="{BB962C8B-B14F-4D97-AF65-F5344CB8AC3E}">
-        <p14:creationId xmlns:p14="http://schemas.microsoft.com/office/powerpoint/2010/main" val="2413329129"/>
-      </p:ext>
-    </p:extLst>
-  </p:cSld>
-  <p:clrMapOvr>
-    <a:masterClrMapping/>
-  </p:clrMapOvr>
-</p:sld>
-</file>
-
-<file path=ppt/slides/slide80.xml><?xml version="1.0" encoding="utf-8"?>
-<p:sld xmlns:a="http://schemas.openxmlformats.org/drawingml/2006/main" xmlns:r="http://schemas.openxmlformats.org/officeDocument/2006/relationships" xmlns:p="http://schemas.openxmlformats.org/presentationml/2006/main">
-  <p:cSld>
-    <p:spTree>
-      <p:nvGrpSpPr>
-        <p:cNvPr id="1" name=""/>
-        <p:cNvGrpSpPr/>
-        <p:nvPr/>
-      </p:nvGrpSpPr>
-      <p:grpSpPr>
-        <a:xfrm>
-          <a:off x="0" y="0"/>
-          <a:ext cx="0" cy="0"/>
-          <a:chOff x="0" y="0"/>
-          <a:chExt cx="0" cy="0"/>
-        </a:xfrm>
-      </p:grpSpPr>
-      <p:sp>
-        <p:nvSpPr>
-          <p:cNvPr id="2" name="標題 1">
-            <a:extLst>
-              <a:ext uri="{FF2B5EF4-FFF2-40B4-BE49-F238E27FC236}">
                 <a16:creationId xmlns:a16="http://schemas.microsoft.com/office/drawing/2014/main" id="{0B480913-B62F-45B1-BA6E-841A92770E1A}"/>
               </a:ext>
             </a:extLst>
@@ -28880,7 +30235,7 @@
             <a:fld id="{06AFB70A-E524-49E4-8F5C-48BFBE4381EC}" type="slidenum">
               <a:rPr lang="en-US" altLang="zh-TW" smtClean="0"/>
               <a:pPr/>
-              <a:t>80</a:t>
+              <a:t>87</a:t>
             </a:fld>
             <a:endParaRPr lang="en-US" altLang="zh-TW"/>
           </a:p>

--- a/src/assets/1091/ProjectManagement/CH05/05.pptx
+++ b/src/assets/1091/ProjectManagement/CH05/05.pptx
@@ -7,7 +7,7 @@
     <p:sldMasterId id="2147483965" r:id="rId3"/>
   </p:sldMasterIdLst>
   <p:notesMasterIdLst>
-    <p:notesMasterId r:id="rId91"/>
+    <p:notesMasterId r:id="rId93"/>
   </p:notesMasterIdLst>
   <p:sldIdLst>
     <p:sldId id="256" r:id="rId4"/>
@@ -89,14 +89,16 @@
     <p:sldId id="510" r:id="rId80"/>
     <p:sldId id="511" r:id="rId81"/>
     <p:sldId id="512" r:id="rId82"/>
-    <p:sldId id="718" r:id="rId83"/>
-    <p:sldId id="513" r:id="rId84"/>
-    <p:sldId id="514" r:id="rId85"/>
-    <p:sldId id="723" r:id="rId86"/>
-    <p:sldId id="724" r:id="rId87"/>
-    <p:sldId id="268" r:id="rId88"/>
-    <p:sldId id="318" r:id="rId89"/>
-    <p:sldId id="725" r:id="rId90"/>
+    <p:sldId id="744" r:id="rId83"/>
+    <p:sldId id="745" r:id="rId84"/>
+    <p:sldId id="718" r:id="rId85"/>
+    <p:sldId id="513" r:id="rId86"/>
+    <p:sldId id="514" r:id="rId87"/>
+    <p:sldId id="723" r:id="rId88"/>
+    <p:sldId id="724" r:id="rId89"/>
+    <p:sldId id="268" r:id="rId90"/>
+    <p:sldId id="318" r:id="rId91"/>
+    <p:sldId id="725" r:id="rId92"/>
   </p:sldIdLst>
   <p:sldSz cx="12192000" cy="6858000"/>
   <p:notesSz cx="6858000" cy="9144000"/>
@@ -307,6 +309,8 @@
         <p14:section name="結束專案或階段" id="{54CD09C4-6523-45AD-937B-697E441AF2B0}">
           <p14:sldIdLst>
             <p14:sldId id="512"/>
+            <p14:sldId id="744"/>
+            <p14:sldId id="745"/>
             <p14:sldId id="718"/>
             <p14:sldId id="513"/>
             <p14:sldId id="514"/>
@@ -28691,6 +28695,14 @@
               <a:rPr lang="zh-TW" altLang="en-US" dirty="0"/>
               <a:t>結束專案或階段</a:t>
             </a:r>
+            <a:br>
+              <a:rPr lang="en-US" altLang="zh-TW" dirty="0"/>
+            </a:br>
+            <a:r>
+              <a:rPr lang="en-US" altLang="zh-TW" dirty="0"/>
+              <a:t>Close Project Phase</a:t>
+            </a:r>
+            <a:endParaRPr lang="zh-TW" altLang="en-US" dirty="0"/>
           </a:p>
         </p:txBody>
       </p:sp>
@@ -28712,12 +28724,14 @@
         </p:nvSpPr>
         <p:spPr/>
         <p:txBody>
-          <a:bodyPr/>
+          <a:bodyPr>
+            <a:normAutofit/>
+          </a:bodyPr>
           <a:lstStyle/>
           <a:p>
             <a:r>
               <a:rPr lang="zh-TW" altLang="zh-TW" dirty="0"/>
-              <a:t>結束專案或階段是完成所有專案管理流程之各項活動，以正式終結專案或階段的過程。</a:t>
+              <a:t>完成所有專案管理流程之各項活動，以正式終結專案或階段</a:t>
             </a:r>
             <a:endParaRPr lang="en-US" altLang="zh-TW" dirty="0"/>
           </a:p>
@@ -28765,6 +28779,20 @@
             <a:r>
               <a:rPr lang="zh-TW" altLang="zh-TW" dirty="0"/>
               <a:t>辦理會計決算</a:t>
+            </a:r>
+            <a:endParaRPr lang="en-US" altLang="zh-TW" dirty="0"/>
+          </a:p>
+          <a:p>
+            <a:r>
+              <a:rPr lang="en-US" altLang="zh-TW" dirty="0"/>
+              <a:t>Applies even if project is terminated prior to completion</a:t>
+            </a:r>
+          </a:p>
+          <a:p>
+            <a:pPr lvl="1"/>
+            <a:r>
+              <a:rPr lang="en-US" altLang="zh-TW" dirty="0"/>
+              <a:t>Documentation should explain why the project was terminated and provide for transfer of all full and partial deliverables to others</a:t>
             </a:r>
             <a:endParaRPr lang="zh-TW" altLang="en-US" dirty="0"/>
           </a:p>
@@ -29023,6 +29051,356 @@
       </p:grpSpPr>
       <p:sp>
         <p:nvSpPr>
+          <p:cNvPr id="2" name="標題 1">
+            <a:extLst>
+              <a:ext uri="{FF2B5EF4-FFF2-40B4-BE49-F238E27FC236}">
+                <a16:creationId xmlns:a16="http://schemas.microsoft.com/office/drawing/2014/main" id="{F65B47F2-42A4-48EE-A07C-EBBC7A452394}"/>
+              </a:ext>
+            </a:extLst>
+          </p:cNvPr>
+          <p:cNvSpPr>
+            <a:spLocks noGrp="1"/>
+          </p:cNvSpPr>
+          <p:nvPr>
+            <p:ph type="title"/>
+          </p:nvPr>
+        </p:nvSpPr>
+        <p:spPr/>
+        <p:txBody>
+          <a:bodyPr/>
+          <a:lstStyle/>
+          <a:p>
+            <a:r>
+              <a:rPr lang="zh-TW" altLang="en-US" dirty="0"/>
+              <a:t>結束專案或階段工作</a:t>
+            </a:r>
+            <a:br>
+              <a:rPr lang="en-US" altLang="zh-TW" dirty="0"/>
+            </a:br>
+            <a:r>
+              <a:rPr lang="en-US" altLang="zh-TW" dirty="0"/>
+              <a:t>Close Project Phase Activities</a:t>
+            </a:r>
+            <a:endParaRPr lang="zh-TW" altLang="en-US" dirty="0"/>
+          </a:p>
+        </p:txBody>
+      </p:sp>
+      <p:sp>
+        <p:nvSpPr>
+          <p:cNvPr id="7" name="內容版面配置區 6">
+            <a:extLst>
+              <a:ext uri="{FF2B5EF4-FFF2-40B4-BE49-F238E27FC236}">
+                <a16:creationId xmlns:a16="http://schemas.microsoft.com/office/drawing/2014/main" id="{4FC6A02B-0E63-488E-B7A4-CA0F2333E90D}"/>
+              </a:ext>
+            </a:extLst>
+          </p:cNvPr>
+          <p:cNvSpPr>
+            <a:spLocks noGrp="1"/>
+          </p:cNvSpPr>
+          <p:nvPr>
+            <p:ph idx="1"/>
+          </p:nvPr>
+        </p:nvSpPr>
+        <p:spPr/>
+        <p:txBody>
+          <a:bodyPr>
+            <a:normAutofit/>
+          </a:bodyPr>
+          <a:lstStyle/>
+          <a:p>
+            <a:r>
+              <a:rPr lang="en-US" altLang="zh-TW" dirty="0"/>
+              <a:t>Satisfy completion </a:t>
+            </a:r>
+            <a:r>
+              <a:rPr lang="en-US" altLang="zh-TW" b="1" dirty="0"/>
+              <a:t>criteria</a:t>
+            </a:r>
+          </a:p>
+          <a:p>
+            <a:r>
+              <a:rPr lang="en-US" altLang="zh-TW" dirty="0"/>
+              <a:t>Transfer the project’s product, service or result to…</a:t>
+            </a:r>
+          </a:p>
+          <a:p>
+            <a:pPr lvl="1"/>
+            <a:r>
+              <a:rPr lang="en-US" altLang="zh-TW" dirty="0"/>
+              <a:t>Next project phase, </a:t>
+            </a:r>
+          </a:p>
+          <a:p>
+            <a:pPr lvl="1"/>
+            <a:r>
+              <a:rPr lang="en-US" altLang="zh-TW" dirty="0"/>
+              <a:t>Production team, </a:t>
+            </a:r>
+          </a:p>
+          <a:p>
+            <a:pPr lvl="1"/>
+            <a:r>
+              <a:rPr lang="en-US" altLang="zh-TW" dirty="0"/>
+              <a:t>Operations team, </a:t>
+            </a:r>
+          </a:p>
+          <a:p>
+            <a:pPr lvl="1"/>
+            <a:r>
+              <a:rPr lang="en-US" altLang="zh-TW" dirty="0"/>
+              <a:t>Client</a:t>
+            </a:r>
+          </a:p>
+          <a:p>
+            <a:r>
+              <a:rPr lang="en-US" altLang="zh-TW" dirty="0"/>
+              <a:t>Collect and compile records </a:t>
+            </a:r>
+            <a:r>
+              <a:rPr lang="zh-TW" altLang="en-US" dirty="0"/>
+              <a:t>資料蒐集整理</a:t>
+            </a:r>
+            <a:endParaRPr lang="en-US" altLang="zh-TW" dirty="0"/>
+          </a:p>
+          <a:p>
+            <a:r>
+              <a:rPr lang="en-US" altLang="zh-TW" dirty="0"/>
+              <a:t>Audit success or failure of project/phase </a:t>
+            </a:r>
+            <a:r>
+              <a:rPr lang="zh-TW" altLang="en-US" dirty="0"/>
+              <a:t>稽核</a:t>
+            </a:r>
+            <a:endParaRPr lang="en-US" altLang="zh-TW" dirty="0"/>
+          </a:p>
+          <a:p>
+            <a:endParaRPr lang="zh-TW" altLang="en-US" dirty="0"/>
+          </a:p>
+        </p:txBody>
+      </p:sp>
+      <p:sp>
+        <p:nvSpPr>
+          <p:cNvPr id="4" name="投影片編號版面配置區 3">
+            <a:extLst>
+              <a:ext uri="{FF2B5EF4-FFF2-40B4-BE49-F238E27FC236}">
+                <a16:creationId xmlns:a16="http://schemas.microsoft.com/office/drawing/2014/main" id="{FB5C7439-51E5-49B7-9CDC-EE67E370330F}"/>
+              </a:ext>
+            </a:extLst>
+          </p:cNvPr>
+          <p:cNvSpPr>
+            <a:spLocks noGrp="1"/>
+          </p:cNvSpPr>
+          <p:nvPr>
+            <p:ph type="sldNum" sz="quarter" idx="12"/>
+          </p:nvPr>
+        </p:nvSpPr>
+        <p:spPr/>
+        <p:txBody>
+          <a:bodyPr/>
+          <a:lstStyle/>
+          <a:p>
+            <a:fld id="{06AFB70A-E524-49E4-8F5C-48BFBE4381EC}" type="slidenum">
+              <a:rPr lang="en-US" altLang="zh-TW" smtClean="0"/>
+              <a:pPr/>
+              <a:t>80</a:t>
+            </a:fld>
+            <a:endParaRPr lang="en-US" altLang="zh-TW"/>
+          </a:p>
+        </p:txBody>
+      </p:sp>
+    </p:spTree>
+    <p:extLst>
+      <p:ext uri="{BB962C8B-B14F-4D97-AF65-F5344CB8AC3E}">
+        <p14:creationId xmlns:p14="http://schemas.microsoft.com/office/powerpoint/2010/main" val="551315198"/>
+      </p:ext>
+    </p:extLst>
+  </p:cSld>
+  <p:clrMapOvr>
+    <a:masterClrMapping/>
+  </p:clrMapOvr>
+</p:sld>
+</file>
+
+<file path=ppt/slides/slide81.xml><?xml version="1.0" encoding="utf-8"?>
+<p:sld xmlns:a="http://schemas.openxmlformats.org/drawingml/2006/main" xmlns:r="http://schemas.openxmlformats.org/officeDocument/2006/relationships" xmlns:p="http://schemas.openxmlformats.org/presentationml/2006/main">
+  <p:cSld>
+    <p:spTree>
+      <p:nvGrpSpPr>
+        <p:cNvPr id="1" name=""/>
+        <p:cNvGrpSpPr/>
+        <p:nvPr/>
+      </p:nvGrpSpPr>
+      <p:grpSpPr>
+        <a:xfrm>
+          <a:off x="0" y="0"/>
+          <a:ext cx="0" cy="0"/>
+          <a:chOff x="0" y="0"/>
+          <a:chExt cx="0" cy="0"/>
+        </a:xfrm>
+      </p:grpSpPr>
+      <p:sp>
+        <p:nvSpPr>
+          <p:cNvPr id="2" name="標題 1">
+            <a:extLst>
+              <a:ext uri="{FF2B5EF4-FFF2-40B4-BE49-F238E27FC236}">
+                <a16:creationId xmlns:a16="http://schemas.microsoft.com/office/drawing/2014/main" id="{F65B47F2-42A4-48EE-A07C-EBBC7A452394}"/>
+              </a:ext>
+            </a:extLst>
+          </p:cNvPr>
+          <p:cNvSpPr>
+            <a:spLocks noGrp="1"/>
+          </p:cNvSpPr>
+          <p:nvPr>
+            <p:ph type="title"/>
+          </p:nvPr>
+        </p:nvSpPr>
+        <p:spPr/>
+        <p:txBody>
+          <a:bodyPr/>
+          <a:lstStyle/>
+          <a:p>
+            <a:r>
+              <a:rPr lang="zh-TW" altLang="en-US" dirty="0"/>
+              <a:t>結束專案或階段工作（續）</a:t>
+            </a:r>
+            <a:br>
+              <a:rPr lang="en-US" altLang="zh-TW" dirty="0"/>
+            </a:br>
+            <a:r>
+              <a:rPr lang="en-US" altLang="zh-TW" dirty="0"/>
+              <a:t>Close Project Phase Activities</a:t>
+            </a:r>
+            <a:endParaRPr lang="zh-TW" altLang="en-US" dirty="0"/>
+          </a:p>
+        </p:txBody>
+      </p:sp>
+      <p:sp>
+        <p:nvSpPr>
+          <p:cNvPr id="7" name="內容版面配置區 6">
+            <a:extLst>
+              <a:ext uri="{FF2B5EF4-FFF2-40B4-BE49-F238E27FC236}">
+                <a16:creationId xmlns:a16="http://schemas.microsoft.com/office/drawing/2014/main" id="{4FC6A02B-0E63-488E-B7A4-CA0F2333E90D}"/>
+              </a:ext>
+            </a:extLst>
+          </p:cNvPr>
+          <p:cNvSpPr>
+            <a:spLocks noGrp="1"/>
+          </p:cNvSpPr>
+          <p:nvPr>
+            <p:ph idx="1"/>
+          </p:nvPr>
+        </p:nvSpPr>
+        <p:spPr/>
+        <p:txBody>
+          <a:bodyPr>
+            <a:normAutofit/>
+          </a:bodyPr>
+          <a:lstStyle/>
+          <a:p>
+            <a:r>
+              <a:rPr lang="en-US" altLang="zh-TW" dirty="0"/>
+              <a:t>Confirm formal acceptance of procurement sources’ work </a:t>
+            </a:r>
+            <a:r>
+              <a:rPr lang="zh-TW" altLang="en-US" dirty="0"/>
+              <a:t>結束採購程序</a:t>
+            </a:r>
+            <a:endParaRPr lang="en-US" altLang="zh-TW" dirty="0"/>
+          </a:p>
+          <a:p>
+            <a:r>
+              <a:rPr lang="en-US" altLang="zh-TW" dirty="0"/>
+              <a:t>Finalize open claims </a:t>
+            </a:r>
+            <a:r>
+              <a:rPr lang="zh-TW" altLang="en-US" dirty="0"/>
+              <a:t>完成未結索賠</a:t>
+            </a:r>
+            <a:endParaRPr lang="en-US" altLang="zh-TW" dirty="0"/>
+          </a:p>
+          <a:p>
+            <a:r>
+              <a:rPr lang="en-US" altLang="zh-TW" dirty="0"/>
+              <a:t>Update and archive procurement records</a:t>
+            </a:r>
+          </a:p>
+          <a:p>
+            <a:r>
+              <a:rPr lang="en-US" altLang="zh-TW" dirty="0"/>
+              <a:t>Generate lessons learned documentation</a:t>
+            </a:r>
+          </a:p>
+          <a:p>
+            <a:r>
+              <a:rPr lang="en-US" altLang="zh-TW" dirty="0"/>
+              <a:t>Archive project information for future use</a:t>
+            </a:r>
+            <a:endParaRPr lang="zh-TW" altLang="en-US" dirty="0"/>
+          </a:p>
+        </p:txBody>
+      </p:sp>
+      <p:sp>
+        <p:nvSpPr>
+          <p:cNvPr id="4" name="投影片編號版面配置區 3">
+            <a:extLst>
+              <a:ext uri="{FF2B5EF4-FFF2-40B4-BE49-F238E27FC236}">
+                <a16:creationId xmlns:a16="http://schemas.microsoft.com/office/drawing/2014/main" id="{FB5C7439-51E5-49B7-9CDC-EE67E370330F}"/>
+              </a:ext>
+            </a:extLst>
+          </p:cNvPr>
+          <p:cNvSpPr>
+            <a:spLocks noGrp="1"/>
+          </p:cNvSpPr>
+          <p:nvPr>
+            <p:ph type="sldNum" sz="quarter" idx="12"/>
+          </p:nvPr>
+        </p:nvSpPr>
+        <p:spPr/>
+        <p:txBody>
+          <a:bodyPr/>
+          <a:lstStyle/>
+          <a:p>
+            <a:fld id="{06AFB70A-E524-49E4-8F5C-48BFBE4381EC}" type="slidenum">
+              <a:rPr lang="en-US" altLang="zh-TW" smtClean="0"/>
+              <a:pPr/>
+              <a:t>81</a:t>
+            </a:fld>
+            <a:endParaRPr lang="en-US" altLang="zh-TW"/>
+          </a:p>
+        </p:txBody>
+      </p:sp>
+    </p:spTree>
+    <p:extLst>
+      <p:ext uri="{BB962C8B-B14F-4D97-AF65-F5344CB8AC3E}">
+        <p14:creationId xmlns:p14="http://schemas.microsoft.com/office/powerpoint/2010/main" val="1979715650"/>
+      </p:ext>
+    </p:extLst>
+  </p:cSld>
+  <p:clrMapOvr>
+    <a:masterClrMapping/>
+  </p:clrMapOvr>
+</p:sld>
+</file>
+
+<file path=ppt/slides/slide82.xml><?xml version="1.0" encoding="utf-8"?>
+<p:sld xmlns:a="http://schemas.openxmlformats.org/drawingml/2006/main" xmlns:r="http://schemas.openxmlformats.org/officeDocument/2006/relationships" xmlns:p="http://schemas.openxmlformats.org/presentationml/2006/main">
+  <p:cSld>
+    <p:spTree>
+      <p:nvGrpSpPr>
+        <p:cNvPr id="1" name=""/>
+        <p:cNvGrpSpPr/>
+        <p:nvPr/>
+      </p:nvGrpSpPr>
+      <p:grpSpPr>
+        <a:xfrm>
+          <a:off x="0" y="0"/>
+          <a:ext cx="0" cy="0"/>
+          <a:chOff x="0" y="0"/>
+          <a:chExt cx="0" cy="0"/>
+        </a:xfrm>
+      </p:grpSpPr>
+      <p:sp>
+        <p:nvSpPr>
           <p:cNvPr id="4" name="投影片編號版面配置區 3">
             <a:extLst>
               <a:ext uri="{FF2B5EF4-FFF2-40B4-BE49-F238E27FC236}">
@@ -29045,7 +29423,7 @@
             <a:fld id="{06AFB70A-E524-49E4-8F5C-48BFBE4381EC}" type="slidenum">
               <a:rPr lang="en-US" altLang="zh-TW" smtClean="0"/>
               <a:pPr/>
-              <a:t>80</a:t>
+              <a:t>82</a:t>
             </a:fld>
             <a:endParaRPr lang="en-US" altLang="zh-TW"/>
           </a:p>
@@ -29094,330 +29472,6 @@
 </p:sld>
 </file>
 
-<file path=ppt/slides/slide81.xml><?xml version="1.0" encoding="utf-8"?>
-<p:sld xmlns:a="http://schemas.openxmlformats.org/drawingml/2006/main" xmlns:r="http://schemas.openxmlformats.org/officeDocument/2006/relationships" xmlns:p="http://schemas.openxmlformats.org/presentationml/2006/main">
-  <p:cSld>
-    <p:spTree>
-      <p:nvGrpSpPr>
-        <p:cNvPr id="1" name=""/>
-        <p:cNvGrpSpPr/>
-        <p:nvPr/>
-      </p:nvGrpSpPr>
-      <p:grpSpPr>
-        <a:xfrm>
-          <a:off x="0" y="0"/>
-          <a:ext cx="0" cy="0"/>
-          <a:chOff x="0" y="0"/>
-          <a:chExt cx="0" cy="0"/>
-        </a:xfrm>
-      </p:grpSpPr>
-      <p:sp>
-        <p:nvSpPr>
-          <p:cNvPr id="2" name="標題 1">
-            <a:extLst>
-              <a:ext uri="{FF2B5EF4-FFF2-40B4-BE49-F238E27FC236}">
-                <a16:creationId xmlns:a16="http://schemas.microsoft.com/office/drawing/2014/main" id="{FA2E126E-EBD4-4C8B-9FB3-9D85E3793CA6}"/>
-              </a:ext>
-            </a:extLst>
-          </p:cNvPr>
-          <p:cNvSpPr>
-            <a:spLocks noGrp="1"/>
-          </p:cNvSpPr>
-          <p:nvPr>
-            <p:ph type="title"/>
-          </p:nvPr>
-        </p:nvSpPr>
-        <p:spPr/>
-        <p:txBody>
-          <a:bodyPr/>
-          <a:lstStyle/>
-          <a:p>
-            <a:r>
-              <a:rPr lang="zh-TW" altLang="en-US" dirty="0"/>
-              <a:t>結束專案或階段：輸入</a:t>
-            </a:r>
-          </a:p>
-        </p:txBody>
-      </p:sp>
-      <p:sp>
-        <p:nvSpPr>
-          <p:cNvPr id="7" name="內容版面配置區 6">
-            <a:extLst>
-              <a:ext uri="{FF2B5EF4-FFF2-40B4-BE49-F238E27FC236}">
-                <a16:creationId xmlns:a16="http://schemas.microsoft.com/office/drawing/2014/main" id="{8ADB8D28-DE74-4828-A699-04D1B8F70F17}"/>
-              </a:ext>
-            </a:extLst>
-          </p:cNvPr>
-          <p:cNvSpPr>
-            <a:spLocks noGrp="1"/>
-          </p:cNvSpPr>
-          <p:nvPr>
-            <p:ph idx="1"/>
-          </p:nvPr>
-        </p:nvSpPr>
-        <p:spPr/>
-        <p:txBody>
-          <a:bodyPr/>
-          <a:lstStyle/>
-          <a:p>
-            <a:r>
-              <a:rPr lang="zh-TW" altLang="en-US" dirty="0"/>
-              <a:t>專案管理計畫書：</a:t>
-            </a:r>
-            <a:endParaRPr lang="en-US" altLang="zh-TW" dirty="0"/>
-          </a:p>
-          <a:p>
-            <a:pPr lvl="1"/>
-            <a:r>
-              <a:rPr lang="zh-TW" altLang="en-US" dirty="0"/>
-              <a:t>可視為專案經理和專案贊助者間之契約，界定構成專案完成之要件有哪些。</a:t>
-            </a:r>
-          </a:p>
-          <a:p>
-            <a:r>
-              <a:rPr lang="zh-TW" altLang="en-US" dirty="0"/>
-              <a:t>被接受的交付標的物：</a:t>
-            </a:r>
-            <a:endParaRPr lang="en-US" altLang="zh-TW" dirty="0"/>
-          </a:p>
-          <a:p>
-            <a:pPr lvl="1"/>
-            <a:r>
-              <a:rPr lang="zh-TW" altLang="en-US" dirty="0"/>
-              <a:t>要辦理專案結案，當然專案所完成的交付標的物要獲得贊助者或顧客的簽字接收，否則是無法結案的。</a:t>
-            </a:r>
-          </a:p>
-          <a:p>
-            <a:r>
-              <a:rPr lang="zh-TW" altLang="en-US" dirty="0"/>
-              <a:t>組織流程資產：</a:t>
-            </a:r>
-            <a:endParaRPr lang="en-US" altLang="zh-TW" dirty="0"/>
-          </a:p>
-          <a:p>
-            <a:pPr lvl="1"/>
-            <a:r>
-              <a:rPr lang="zh-TW" altLang="en-US" dirty="0"/>
-              <a:t>組織過去所建立的結案規定，以及過去專案辦理結案的過程所累積的經驗學習檔案等。</a:t>
-            </a:r>
-          </a:p>
-          <a:p>
-            <a:endParaRPr lang="zh-TW" altLang="en-US" dirty="0"/>
-          </a:p>
-        </p:txBody>
-      </p:sp>
-      <p:sp>
-        <p:nvSpPr>
-          <p:cNvPr id="4" name="投影片編號版面配置區 3">
-            <a:extLst>
-              <a:ext uri="{FF2B5EF4-FFF2-40B4-BE49-F238E27FC236}">
-                <a16:creationId xmlns:a16="http://schemas.microsoft.com/office/drawing/2014/main" id="{E3F46B59-77E4-4F3C-929E-426ADF376F98}"/>
-              </a:ext>
-            </a:extLst>
-          </p:cNvPr>
-          <p:cNvSpPr>
-            <a:spLocks noGrp="1"/>
-          </p:cNvSpPr>
-          <p:nvPr>
-            <p:ph type="sldNum" sz="quarter" idx="12"/>
-          </p:nvPr>
-        </p:nvSpPr>
-        <p:spPr/>
-        <p:txBody>
-          <a:bodyPr/>
-          <a:lstStyle/>
-          <a:p>
-            <a:fld id="{06AFB70A-E524-49E4-8F5C-48BFBE4381EC}" type="slidenum">
-              <a:rPr lang="en-US" altLang="zh-TW" smtClean="0"/>
-              <a:pPr/>
-              <a:t>81</a:t>
-            </a:fld>
-            <a:endParaRPr lang="en-US" altLang="zh-TW"/>
-          </a:p>
-        </p:txBody>
-      </p:sp>
-    </p:spTree>
-    <p:extLst>
-      <p:ext uri="{BB962C8B-B14F-4D97-AF65-F5344CB8AC3E}">
-        <p14:creationId xmlns:p14="http://schemas.microsoft.com/office/powerpoint/2010/main" val="872438699"/>
-      </p:ext>
-    </p:extLst>
-  </p:cSld>
-  <p:clrMapOvr>
-    <a:masterClrMapping/>
-  </p:clrMapOvr>
-</p:sld>
-</file>
-
-<file path=ppt/slides/slide82.xml><?xml version="1.0" encoding="utf-8"?>
-<p:sld xmlns:a="http://schemas.openxmlformats.org/drawingml/2006/main" xmlns:r="http://schemas.openxmlformats.org/officeDocument/2006/relationships" xmlns:p="http://schemas.openxmlformats.org/presentationml/2006/main">
-  <p:cSld>
-    <p:spTree>
-      <p:nvGrpSpPr>
-        <p:cNvPr id="1" name=""/>
-        <p:cNvGrpSpPr/>
-        <p:nvPr/>
-      </p:nvGrpSpPr>
-      <p:grpSpPr>
-        <a:xfrm>
-          <a:off x="0" y="0"/>
-          <a:ext cx="0" cy="0"/>
-          <a:chOff x="0" y="0"/>
-          <a:chExt cx="0" cy="0"/>
-        </a:xfrm>
-      </p:grpSpPr>
-      <p:sp>
-        <p:nvSpPr>
-          <p:cNvPr id="2" name="標題 1">
-            <a:extLst>
-              <a:ext uri="{FF2B5EF4-FFF2-40B4-BE49-F238E27FC236}">
-                <a16:creationId xmlns:a16="http://schemas.microsoft.com/office/drawing/2014/main" id="{29105D50-3EA8-40F0-B3D9-969B1EFC5E70}"/>
-              </a:ext>
-            </a:extLst>
-          </p:cNvPr>
-          <p:cNvSpPr>
-            <a:spLocks noGrp="1"/>
-          </p:cNvSpPr>
-          <p:nvPr>
-            <p:ph type="title"/>
-          </p:nvPr>
-        </p:nvSpPr>
-        <p:spPr/>
-        <p:txBody>
-          <a:bodyPr/>
-          <a:lstStyle/>
-          <a:p>
-            <a:r>
-              <a:rPr lang="zh-TW" altLang="en-US" dirty="0"/>
-              <a:t>結束專案或階段：工具和技術</a:t>
-            </a:r>
-          </a:p>
-        </p:txBody>
-      </p:sp>
-      <p:sp>
-        <p:nvSpPr>
-          <p:cNvPr id="7" name="內容版面配置區 6">
-            <a:extLst>
-              <a:ext uri="{FF2B5EF4-FFF2-40B4-BE49-F238E27FC236}">
-                <a16:creationId xmlns:a16="http://schemas.microsoft.com/office/drawing/2014/main" id="{FCEB41F0-6AED-420F-8A6C-F9E7600E766E}"/>
-              </a:ext>
-            </a:extLst>
-          </p:cNvPr>
-          <p:cNvSpPr>
-            <a:spLocks noGrp="1"/>
-          </p:cNvSpPr>
-          <p:nvPr>
-            <p:ph idx="1"/>
-          </p:nvPr>
-        </p:nvSpPr>
-        <p:spPr/>
-        <p:txBody>
-          <a:bodyPr/>
-          <a:lstStyle/>
-          <a:p>
-            <a:r>
-              <a:rPr lang="zh-TW" altLang="en-US" dirty="0"/>
-              <a:t>專家判斷：</a:t>
-            </a:r>
-            <a:endParaRPr lang="en-US" altLang="zh-TW" dirty="0"/>
-          </a:p>
-          <a:p>
-            <a:pPr lvl="1"/>
-            <a:r>
-              <a:rPr lang="zh-TW" altLang="en-US" dirty="0"/>
-              <a:t>召集相關專家以開放心態共同檢討是否達成專案目標。</a:t>
-            </a:r>
-          </a:p>
-          <a:p>
-            <a:r>
-              <a:rPr lang="zh-TW" altLang="en-US" dirty="0"/>
-              <a:t>資料分析：</a:t>
-            </a:r>
-            <a:endParaRPr lang="en-US" altLang="zh-TW" dirty="0"/>
-          </a:p>
-          <a:p>
-            <a:pPr lvl="1"/>
-            <a:r>
-              <a:rPr lang="zh-TW" altLang="en-US" dirty="0"/>
-              <a:t>依據專案結束時實際執行的時程和成本資料結果，以對照和修正之前在專案執行中監視和管制所採用的資料分析工具，包括差異分析、趨勢分析、失效模式分析（</a:t>
-            </a:r>
-            <a:r>
-              <a:rPr lang="en-US" altLang="zh-TW" dirty="0"/>
-              <a:t>Failure mode and effects analysis, </a:t>
-            </a:r>
-            <a:r>
-              <a:rPr lang="en-US" altLang="zh-TW" dirty="0">
-                <a:hlinkClick r:id="rId2"/>
-              </a:rPr>
-              <a:t>FMEA</a:t>
-            </a:r>
-            <a:r>
-              <a:rPr lang="zh-TW" altLang="en-US" dirty="0"/>
-              <a:t>）等模型所設定的係數。</a:t>
-            </a:r>
-          </a:p>
-          <a:p>
-            <a:r>
-              <a:rPr lang="zh-TW" altLang="en-US" dirty="0"/>
-              <a:t>會議：</a:t>
-            </a:r>
-            <a:endParaRPr lang="en-US" altLang="zh-TW" dirty="0"/>
-          </a:p>
-          <a:p>
-            <a:pPr lvl="1"/>
-            <a:r>
-              <a:rPr lang="zh-TW" altLang="en-US" dirty="0"/>
-              <a:t>專案結束會議類型包括結案、績效審查會議、和經驗學習檢討等。</a:t>
-            </a:r>
-          </a:p>
-          <a:p>
-            <a:endParaRPr lang="zh-TW" altLang="en-US" dirty="0"/>
-          </a:p>
-        </p:txBody>
-      </p:sp>
-      <p:sp>
-        <p:nvSpPr>
-          <p:cNvPr id="4" name="投影片編號版面配置區 3">
-            <a:extLst>
-              <a:ext uri="{FF2B5EF4-FFF2-40B4-BE49-F238E27FC236}">
-                <a16:creationId xmlns:a16="http://schemas.microsoft.com/office/drawing/2014/main" id="{BC5C9118-A56E-4941-B95E-A74CE589803F}"/>
-              </a:ext>
-            </a:extLst>
-          </p:cNvPr>
-          <p:cNvSpPr>
-            <a:spLocks noGrp="1"/>
-          </p:cNvSpPr>
-          <p:nvPr>
-            <p:ph type="sldNum" sz="quarter" idx="12"/>
-          </p:nvPr>
-        </p:nvSpPr>
-        <p:spPr/>
-        <p:txBody>
-          <a:bodyPr/>
-          <a:lstStyle/>
-          <a:p>
-            <a:fld id="{06AFB70A-E524-49E4-8F5C-48BFBE4381EC}" type="slidenum">
-              <a:rPr lang="en-US" altLang="zh-TW" smtClean="0"/>
-              <a:pPr/>
-              <a:t>82</a:t>
-            </a:fld>
-            <a:endParaRPr lang="en-US" altLang="zh-TW"/>
-          </a:p>
-        </p:txBody>
-      </p:sp>
-    </p:spTree>
-    <p:extLst>
-      <p:ext uri="{BB962C8B-B14F-4D97-AF65-F5344CB8AC3E}">
-        <p14:creationId xmlns:p14="http://schemas.microsoft.com/office/powerpoint/2010/main" val="2291273901"/>
-      </p:ext>
-    </p:extLst>
-  </p:cSld>
-  <p:clrMapOvr>
-    <a:masterClrMapping/>
-  </p:clrMapOvr>
-</p:sld>
-</file>
-
 <file path=ppt/slides/slide83.xml><?xml version="1.0" encoding="utf-8"?>
 <p:sld xmlns:a="http://schemas.openxmlformats.org/drawingml/2006/main" xmlns:r="http://schemas.openxmlformats.org/officeDocument/2006/relationships" xmlns:p="http://schemas.openxmlformats.org/presentationml/2006/main">
   <p:cSld>
@@ -29440,7 +29494,7 @@
           <p:cNvPr id="2" name="標題 1">
             <a:extLst>
               <a:ext uri="{FF2B5EF4-FFF2-40B4-BE49-F238E27FC236}">
-                <a16:creationId xmlns:a16="http://schemas.microsoft.com/office/drawing/2014/main" id="{F7C393C9-BC6E-46B1-8AB1-7605E1627DE5}"/>
+                <a16:creationId xmlns:a16="http://schemas.microsoft.com/office/drawing/2014/main" id="{FA2E126E-EBD4-4C8B-9FB3-9D85E3793CA6}"/>
               </a:ext>
             </a:extLst>
           </p:cNvPr>
@@ -29458,17 +29512,17 @@
           <a:p>
             <a:r>
               <a:rPr lang="zh-TW" altLang="en-US" dirty="0"/>
-              <a:t>結束專案或階段：輸出</a:t>
-            </a:r>
-          </a:p>
-        </p:txBody>
-      </p:sp>
-      <p:sp>
-        <p:nvSpPr>
-          <p:cNvPr id="37891" name="內容版面配置區 2">
+              <a:t>結束專案或階段：輸入</a:t>
+            </a:r>
+          </a:p>
+        </p:txBody>
+      </p:sp>
+      <p:sp>
+        <p:nvSpPr>
+          <p:cNvPr id="7" name="內容版面配置區 6">
             <a:extLst>
               <a:ext uri="{FF2B5EF4-FFF2-40B4-BE49-F238E27FC236}">
-                <a16:creationId xmlns:a16="http://schemas.microsoft.com/office/drawing/2014/main" id="{F8645188-9E4C-447C-895F-B2DA15B573E2}"/>
+                <a16:creationId xmlns:a16="http://schemas.microsoft.com/office/drawing/2014/main" id="{8ADB8D28-DE74-4828-A699-04D1B8F70F17}"/>
               </a:ext>
             </a:extLst>
           </p:cNvPr>
@@ -29486,7 +29540,7 @@
           <a:p>
             <a:r>
               <a:rPr lang="zh-TW" altLang="en-US" dirty="0"/>
-              <a:t>移交最終產品、服務、成果：</a:t>
+              <a:t>專案管理計畫書：</a:t>
             </a:r>
             <a:endParaRPr lang="en-US" altLang="zh-TW" dirty="0"/>
           </a:p>
@@ -29494,13 +29548,13 @@
             <a:pPr lvl="1"/>
             <a:r>
               <a:rPr lang="zh-TW" altLang="en-US" dirty="0"/>
-              <a:t>專案所完成的最終產品、服務、或成果在結束專案的過程中移交給贊助者或顧客。</a:t>
-            </a:r>
-          </a:p>
-          <a:p>
-            <a:r>
-              <a:rPr lang="zh-TW" altLang="en-US" dirty="0"/>
-              <a:t>組織流程資產更新：</a:t>
+              <a:t>可視為專案經理和專案贊助者間之契約，界定構成專案完成之要件有哪些。</a:t>
+            </a:r>
+          </a:p>
+          <a:p>
+            <a:r>
+              <a:rPr lang="zh-TW" altLang="en-US" dirty="0"/>
+              <a:t>被接受的交付標的物：</a:t>
             </a:r>
             <a:endParaRPr lang="en-US" altLang="zh-TW" dirty="0"/>
           </a:p>
@@ -29508,20 +29562,68 @@
             <a:pPr lvl="1"/>
             <a:r>
               <a:rPr lang="zh-TW" altLang="en-US" dirty="0"/>
-              <a:t>當專案交付標的物被完成且移交後，接下來就是整理、建立和更新下列相關文件。</a:t>
+              <a:t>要辦理專案結案，當然專案所完成的交付標的物要獲得贊助者或顧客的簽字接收，否則是無法結案的。</a:t>
+            </a:r>
+          </a:p>
+          <a:p>
+            <a:r>
+              <a:rPr lang="zh-TW" altLang="en-US" dirty="0"/>
+              <a:t>組織流程資產：</a:t>
             </a:r>
             <a:endParaRPr lang="en-US" altLang="zh-TW" dirty="0"/>
           </a:p>
+          <a:p>
+            <a:pPr lvl="1"/>
+            <a:r>
+              <a:rPr lang="zh-TW" altLang="en-US" dirty="0"/>
+              <a:t>組織過去所建立的結案規定，以及過去專案辦理結案的過程所累積的經驗學習檔案等。</a:t>
+            </a:r>
+          </a:p>
+          <a:p>
+            <a:endParaRPr lang="zh-TW" altLang="en-US" dirty="0"/>
+          </a:p>
+        </p:txBody>
+      </p:sp>
+      <p:sp>
+        <p:nvSpPr>
+          <p:cNvPr id="4" name="投影片編號版面配置區 3">
+            <a:extLst>
+              <a:ext uri="{FF2B5EF4-FFF2-40B4-BE49-F238E27FC236}">
+                <a16:creationId xmlns:a16="http://schemas.microsoft.com/office/drawing/2014/main" id="{E3F46B59-77E4-4F3C-929E-426ADF376F98}"/>
+              </a:ext>
+            </a:extLst>
+          </p:cNvPr>
+          <p:cNvSpPr>
+            <a:spLocks noGrp="1"/>
+          </p:cNvSpPr>
+          <p:nvPr>
+            <p:ph type="sldNum" sz="quarter" idx="12"/>
+          </p:nvPr>
+        </p:nvSpPr>
+        <p:spPr/>
+        <p:txBody>
+          <a:bodyPr/>
+          <a:lstStyle/>
+          <a:p>
+            <a:fld id="{06AFB70A-E524-49E4-8F5C-48BFBE4381EC}" type="slidenum">
+              <a:rPr lang="en-US" altLang="zh-TW" smtClean="0"/>
+              <a:pPr/>
+              <a:t>83</a:t>
+            </a:fld>
+            <a:endParaRPr lang="en-US" altLang="zh-TW"/>
+          </a:p>
         </p:txBody>
       </p:sp>
     </p:spTree>
+    <p:extLst>
+      <p:ext uri="{BB962C8B-B14F-4D97-AF65-F5344CB8AC3E}">
+        <p14:creationId xmlns:p14="http://schemas.microsoft.com/office/powerpoint/2010/main" val="872438699"/>
+      </p:ext>
+    </p:extLst>
   </p:cSld>
   <p:clrMapOvr>
     <a:masterClrMapping/>
   </p:clrMapOvr>
-  <p:transition spd="slow">
-    <p:fade/>
-  </p:transition>
 </p:sld>
 </file>
 
@@ -29544,15 +29646,15 @@
       </p:grpSpPr>
       <p:sp>
         <p:nvSpPr>
-          <p:cNvPr id="74754" name="Rectangle 2">
+          <p:cNvPr id="2" name="標題 1">
             <a:extLst>
               <a:ext uri="{FF2B5EF4-FFF2-40B4-BE49-F238E27FC236}">
-                <a16:creationId xmlns:a16="http://schemas.microsoft.com/office/drawing/2014/main" id="{669CAEA2-C757-4C09-B6D1-A868144C8CB9}"/>
+                <a16:creationId xmlns:a16="http://schemas.microsoft.com/office/drawing/2014/main" id="{29105D50-3EA8-40F0-B3D9-969B1EFC5E70}"/>
               </a:ext>
             </a:extLst>
           </p:cNvPr>
           <p:cNvSpPr>
-            <a:spLocks noGrp="1" noChangeArrowheads="1"/>
+            <a:spLocks noGrp="1"/>
           </p:cNvSpPr>
           <p:nvPr>
             <p:ph type="title"/>
@@ -29565,30 +29667,22 @@
           <a:p>
             <a:r>
               <a:rPr lang="zh-TW" altLang="en-US" dirty="0"/>
-              <a:t>專案結案 記取教訓 </a:t>
-            </a:r>
-            <a:br>
-              <a:rPr lang="en-US" altLang="zh-TW" dirty="0"/>
-            </a:br>
-            <a:r>
-              <a:rPr lang="en-US" altLang="zh-TW" dirty="0"/>
-              <a:t>Lesson Learned</a:t>
-            </a:r>
-            <a:endParaRPr lang="zh-TW" altLang="en-US" dirty="0"/>
-          </a:p>
-        </p:txBody>
-      </p:sp>
-      <p:sp>
-        <p:nvSpPr>
-          <p:cNvPr id="38915" name="Rectangle 3">
+              <a:t>結束專案或階段：工具和技術</a:t>
+            </a:r>
+          </a:p>
+        </p:txBody>
+      </p:sp>
+      <p:sp>
+        <p:nvSpPr>
+          <p:cNvPr id="7" name="內容版面配置區 6">
             <a:extLst>
               <a:ext uri="{FF2B5EF4-FFF2-40B4-BE49-F238E27FC236}">
-                <a16:creationId xmlns:a16="http://schemas.microsoft.com/office/drawing/2014/main" id="{A0493C6E-4844-4FF2-97AB-AA5918290845}"/>
+                <a16:creationId xmlns:a16="http://schemas.microsoft.com/office/drawing/2014/main" id="{FCEB41F0-6AED-420F-8A6C-F9E7600E766E}"/>
               </a:ext>
             </a:extLst>
           </p:cNvPr>
           <p:cNvSpPr>
-            <a:spLocks noGrp="1" noChangeArrowheads="1"/>
+            <a:spLocks noGrp="1"/>
           </p:cNvSpPr>
           <p:nvPr>
             <p:ph idx="1"/>
@@ -29601,59 +29695,100 @@
           <a:p>
             <a:r>
               <a:rPr lang="zh-TW" altLang="en-US" dirty="0"/>
-              <a:t>由專案經理帶領團隊成員，一起檢視專案執行期間所發現的專案管理相關問題</a:t>
-            </a:r>
-          </a:p>
-          <a:p>
-            <a:r>
-              <a:rPr lang="zh-TW" altLang="en-US" dirty="0"/>
-              <a:t>進行</a:t>
-            </a:r>
-            <a:r>
-              <a:rPr lang="en-US" altLang="zh-TW" dirty="0"/>
-              <a:t>360</a:t>
-            </a:r>
-            <a:r>
-              <a:rPr lang="zh-TW" altLang="en-US" dirty="0"/>
-              <a:t>度的評估，汲取所有利害關係人的意見，藉此拓展專案知識</a:t>
-            </a:r>
-          </a:p>
-          <a:p>
-            <a:r>
-              <a:rPr lang="zh-TW" altLang="en-US" dirty="0"/>
-              <a:t>與人分享本次專案所遭過的問題，以及日後如何避免這類問題的方法</a:t>
-            </a:r>
-          </a:p>
-          <a:p>
-            <a:r>
-              <a:rPr lang="zh-TW" altLang="en-US" dirty="0"/>
-              <a:t>專案經理應該做到下列幾點</a:t>
-            </a:r>
+              <a:t>專家判斷：</a:t>
+            </a:r>
+            <a:endParaRPr lang="en-US" altLang="zh-TW" dirty="0"/>
           </a:p>
           <a:p>
             <a:pPr lvl="1"/>
             <a:r>
               <a:rPr lang="zh-TW" altLang="en-US" dirty="0"/>
-              <a:t>記錄問題與其衝擊</a:t>
-            </a:r>
+              <a:t>召集相關專家以開放心態共同檢討是否達成專案目標。</a:t>
+            </a:r>
+          </a:p>
+          <a:p>
+            <a:r>
+              <a:rPr lang="zh-TW" altLang="en-US" dirty="0"/>
+              <a:t>資料分析：</a:t>
+            </a:r>
+            <a:endParaRPr lang="en-US" altLang="zh-TW" dirty="0"/>
           </a:p>
           <a:p>
             <a:pPr lvl="1"/>
             <a:r>
               <a:rPr lang="zh-TW" altLang="en-US" dirty="0"/>
-              <a:t>探究根本原因</a:t>
-            </a:r>
+              <a:t>依據專案結束時實際執行的時程和成本資料結果，以對照和修正之前在專案執行中監視和管制所採用的資料分析工具，包括差異分析、趨勢分析、失效模式分析（</a:t>
+            </a:r>
+            <a:r>
+              <a:rPr lang="en-US" altLang="zh-TW" dirty="0"/>
+              <a:t>Failure mode and effects analysis, </a:t>
+            </a:r>
+            <a:r>
+              <a:rPr lang="en-US" altLang="zh-TW" dirty="0">
+                <a:hlinkClick r:id="rId2"/>
+              </a:rPr>
+              <a:t>FMEA</a:t>
+            </a:r>
+            <a:r>
+              <a:rPr lang="zh-TW" altLang="en-US" dirty="0"/>
+              <a:t>）等模型所設定的係數。</a:t>
+            </a:r>
+          </a:p>
+          <a:p>
+            <a:r>
+              <a:rPr lang="zh-TW" altLang="en-US" dirty="0"/>
+              <a:t>會議：</a:t>
+            </a:r>
+            <a:endParaRPr lang="en-US" altLang="zh-TW" dirty="0"/>
           </a:p>
           <a:p>
             <a:pPr lvl="1"/>
             <a:r>
               <a:rPr lang="zh-TW" altLang="en-US" dirty="0"/>
-              <a:t>記錄建議改進做法   </a:t>
-            </a:r>
+              <a:t>專案結束會議類型包括結案、績效審查會議、和經驗學習檢討等。</a:t>
+            </a:r>
+          </a:p>
+          <a:p>
+            <a:endParaRPr lang="zh-TW" altLang="en-US" dirty="0"/>
+          </a:p>
+        </p:txBody>
+      </p:sp>
+      <p:sp>
+        <p:nvSpPr>
+          <p:cNvPr id="4" name="投影片編號版面配置區 3">
+            <a:extLst>
+              <a:ext uri="{FF2B5EF4-FFF2-40B4-BE49-F238E27FC236}">
+                <a16:creationId xmlns:a16="http://schemas.microsoft.com/office/drawing/2014/main" id="{BC5C9118-A56E-4941-B95E-A74CE589803F}"/>
+              </a:ext>
+            </a:extLst>
+          </p:cNvPr>
+          <p:cNvSpPr>
+            <a:spLocks noGrp="1"/>
+          </p:cNvSpPr>
+          <p:nvPr>
+            <p:ph type="sldNum" sz="quarter" idx="12"/>
+          </p:nvPr>
+        </p:nvSpPr>
+        <p:spPr/>
+        <p:txBody>
+          <a:bodyPr/>
+          <a:lstStyle/>
+          <a:p>
+            <a:fld id="{06AFB70A-E524-49E4-8F5C-48BFBE4381EC}" type="slidenum">
+              <a:rPr lang="en-US" altLang="zh-TW" smtClean="0"/>
+              <a:pPr/>
+              <a:t>84</a:t>
+            </a:fld>
+            <a:endParaRPr lang="en-US" altLang="zh-TW"/>
           </a:p>
         </p:txBody>
       </p:sp>
     </p:spTree>
+    <p:extLst>
+      <p:ext uri="{BB962C8B-B14F-4D97-AF65-F5344CB8AC3E}">
+        <p14:creationId xmlns:p14="http://schemas.microsoft.com/office/powerpoint/2010/main" val="2291273901"/>
+      </p:ext>
+    </p:extLst>
   </p:cSld>
   <p:clrMapOvr>
     <a:masterClrMapping/>
@@ -29683,7 +29818,7 @@
           <p:cNvPr id="2" name="標題 1">
             <a:extLst>
               <a:ext uri="{FF2B5EF4-FFF2-40B4-BE49-F238E27FC236}">
-                <a16:creationId xmlns:a16="http://schemas.microsoft.com/office/drawing/2014/main" id="{DC9A94CC-18EA-47F7-9519-7EB31B23179F}"/>
+                <a16:creationId xmlns:a16="http://schemas.microsoft.com/office/drawing/2014/main" id="{F7C393C9-BC6E-46B1-8AB1-7605E1627DE5}"/>
               </a:ext>
             </a:extLst>
           </p:cNvPr>
@@ -29700,19 +29835,18 @@
           <a:lstStyle/>
           <a:p>
             <a:r>
-              <a:rPr lang="en-US" altLang="zh-TW" dirty="0"/>
-              <a:t>Wrap Up</a:t>
-            </a:r>
-            <a:endParaRPr lang="zh-TW" altLang="en-US" dirty="0"/>
-          </a:p>
-        </p:txBody>
-      </p:sp>
-      <p:sp>
-        <p:nvSpPr>
-          <p:cNvPr id="4" name="內容版面配置區 3">
+              <a:rPr lang="zh-TW" altLang="en-US" dirty="0"/>
+              <a:t>結束專案或階段：輸出</a:t>
+            </a:r>
+          </a:p>
+        </p:txBody>
+      </p:sp>
+      <p:sp>
+        <p:nvSpPr>
+          <p:cNvPr id="37891" name="內容版面配置區 2">
             <a:extLst>
               <a:ext uri="{FF2B5EF4-FFF2-40B4-BE49-F238E27FC236}">
-                <a16:creationId xmlns:a16="http://schemas.microsoft.com/office/drawing/2014/main" id="{F4455607-487B-4BAA-ADBC-DD732BD1ED7D}"/>
+                <a16:creationId xmlns:a16="http://schemas.microsoft.com/office/drawing/2014/main" id="{F8645188-9E4C-447C-895F-B2DA15B573E2}"/>
               </a:ext>
             </a:extLst>
           </p:cNvPr>
@@ -29720,17 +29854,17 @@
             <a:spLocks noGrp="1"/>
           </p:cNvSpPr>
           <p:nvPr>
-            <p:ph sz="half" idx="1"/>
-          </p:nvPr>
-        </p:nvSpPr>
-        <p:spPr/>
-        <p:txBody>
-          <a:bodyPr/>
-          <a:lstStyle/>
-          <a:p>
-            <a:r>
-              <a:rPr lang="zh-TW" altLang="en-US" dirty="0"/>
-              <a:t>專案整合管理過程貫穿整個專案生命週期</a:t>
+            <p:ph idx="1"/>
+          </p:nvPr>
+        </p:nvSpPr>
+        <p:spPr/>
+        <p:txBody>
+          <a:bodyPr/>
+          <a:lstStyle/>
+          <a:p>
+            <a:r>
+              <a:rPr lang="zh-TW" altLang="en-US" dirty="0"/>
+              <a:t>移交最終產品、服務、成果：</a:t>
             </a:r>
             <a:endParaRPr lang="en-US" altLang="zh-TW" dirty="0"/>
           </a:p>
@@ -29738,7 +29872,13 @@
             <a:pPr lvl="1"/>
             <a:r>
               <a:rPr lang="zh-TW" altLang="en-US" dirty="0"/>
-              <a:t>發展專案章程</a:t>
+              <a:t>專案所完成的最終產品、服務、或成果在結束專案的過程中移交給贊助者或顧客。</a:t>
+            </a:r>
+          </a:p>
+          <a:p>
+            <a:r>
+              <a:rPr lang="zh-TW" altLang="en-US" dirty="0"/>
+              <a:t>組織流程資產更新：</a:t>
             </a:r>
             <a:endParaRPr lang="en-US" altLang="zh-TW" dirty="0"/>
           </a:p>
@@ -29746,159 +29886,20 @@
             <a:pPr lvl="1"/>
             <a:r>
               <a:rPr lang="zh-TW" altLang="en-US" dirty="0"/>
-              <a:t>發展專案管理計畫</a:t>
+              <a:t>當專案交付標的物被完成且移交後，接下來就是整理、建立和更新下列相關文件。</a:t>
             </a:r>
             <a:endParaRPr lang="en-US" altLang="zh-TW" dirty="0"/>
           </a:p>
-          <a:p>
-            <a:pPr lvl="1"/>
-            <a:r>
-              <a:rPr lang="zh-TW" altLang="en-US" dirty="0"/>
-              <a:t>指導和管理專案執行</a:t>
-            </a:r>
-            <a:endParaRPr lang="en-US" altLang="zh-TW" dirty="0"/>
-          </a:p>
-          <a:p>
-            <a:pPr lvl="1"/>
-            <a:r>
-              <a:rPr lang="zh-TW" altLang="en-US" dirty="0"/>
-              <a:t>管理專案知識</a:t>
-            </a:r>
-            <a:endParaRPr lang="en-US" altLang="zh-TW" dirty="0"/>
-          </a:p>
-          <a:p>
-            <a:pPr lvl="1"/>
-            <a:r>
-              <a:rPr lang="zh-TW" altLang="en-US" dirty="0"/>
-              <a:t>監視和管制專案</a:t>
-            </a:r>
-            <a:endParaRPr lang="en-US" altLang="zh-TW" dirty="0"/>
-          </a:p>
-          <a:p>
-            <a:pPr lvl="1"/>
-            <a:r>
-              <a:rPr lang="zh-TW" altLang="en-US" dirty="0"/>
-              <a:t>執行整合變更控制</a:t>
-            </a:r>
-            <a:endParaRPr lang="en-US" altLang="zh-TW" dirty="0"/>
-          </a:p>
-          <a:p>
-            <a:pPr lvl="1"/>
-            <a:r>
-              <a:rPr lang="zh-TW" altLang="en-US" dirty="0"/>
-              <a:t>結案</a:t>
-            </a:r>
-            <a:endParaRPr lang="en-US" altLang="zh-TW" dirty="0"/>
-          </a:p>
-        </p:txBody>
-      </p:sp>
-      <p:sp>
-        <p:nvSpPr>
-          <p:cNvPr id="12" name="內容版面配置區 11">
-            <a:extLst>
-              <a:ext uri="{FF2B5EF4-FFF2-40B4-BE49-F238E27FC236}">
-                <a16:creationId xmlns:a16="http://schemas.microsoft.com/office/drawing/2014/main" id="{2FFB8650-4417-40FD-B4B4-78BED9A890DA}"/>
-              </a:ext>
-            </a:extLst>
-          </p:cNvPr>
-          <p:cNvSpPr>
-            <a:spLocks noGrp="1"/>
-          </p:cNvSpPr>
-          <p:nvPr>
-            <p:ph sz="half" idx="2"/>
-          </p:nvPr>
-        </p:nvSpPr>
-        <p:spPr/>
-        <p:txBody>
-          <a:bodyPr/>
-          <a:lstStyle/>
-          <a:p>
-            <a:r>
-              <a:rPr lang="zh-TW" altLang="zh-TW" dirty="0"/>
-              <a:t>專案三個基線</a:t>
-            </a:r>
-            <a:r>
-              <a:rPr lang="en-US" altLang="zh-TW" dirty="0"/>
-              <a:t> Baseline</a:t>
-            </a:r>
-            <a:endParaRPr lang="zh-TW" altLang="en-US" dirty="0"/>
-          </a:p>
-          <a:p>
-            <a:pPr lvl="1"/>
-            <a:r>
-              <a:rPr lang="zh-TW" altLang="zh-TW" dirty="0"/>
-              <a:t>範疇</a:t>
-            </a:r>
-            <a:r>
-              <a:rPr lang="en-US" altLang="zh-TW" dirty="0"/>
-              <a:t> Scope</a:t>
-            </a:r>
-          </a:p>
-          <a:p>
-            <a:pPr lvl="1"/>
-            <a:r>
-              <a:rPr lang="zh-TW" altLang="zh-TW" dirty="0"/>
-              <a:t>成本</a:t>
-            </a:r>
-            <a:r>
-              <a:rPr lang="en-US" altLang="zh-TW" dirty="0"/>
-              <a:t> Cost</a:t>
-            </a:r>
-          </a:p>
-          <a:p>
-            <a:pPr lvl="1"/>
-            <a:r>
-              <a:rPr lang="zh-TW" altLang="zh-TW" dirty="0"/>
-              <a:t>時程</a:t>
-            </a:r>
-            <a:r>
-              <a:rPr lang="en-US" altLang="zh-TW" dirty="0"/>
-              <a:t> Schedule</a:t>
-            </a:r>
-            <a:endParaRPr lang="zh-TW" altLang="en-US" dirty="0"/>
-          </a:p>
-        </p:txBody>
-      </p:sp>
-      <p:sp>
-        <p:nvSpPr>
-          <p:cNvPr id="3" name="投影片編號版面配置區 2">
-            <a:extLst>
-              <a:ext uri="{FF2B5EF4-FFF2-40B4-BE49-F238E27FC236}">
-                <a16:creationId xmlns:a16="http://schemas.microsoft.com/office/drawing/2014/main" id="{FC68D03B-1775-4682-8063-BF01335DD00C}"/>
-              </a:ext>
-            </a:extLst>
-          </p:cNvPr>
-          <p:cNvSpPr>
-            <a:spLocks noGrp="1"/>
-          </p:cNvSpPr>
-          <p:nvPr>
-            <p:ph type="sldNum" sz="quarter" idx="12"/>
-          </p:nvPr>
-        </p:nvSpPr>
-        <p:spPr/>
-        <p:txBody>
-          <a:bodyPr/>
-          <a:lstStyle/>
-          <a:p>
-            <a:fld id="{0BC55746-04A1-42DC-A0BC-1E09A8E18DBD}" type="slidenum">
-              <a:rPr lang="en-US" altLang="zh-TW" smtClean="0"/>
-              <a:pPr/>
-              <a:t>85</a:t>
-            </a:fld>
-            <a:endParaRPr lang="en-US" altLang="zh-TW"/>
-          </a:p>
         </p:txBody>
       </p:sp>
     </p:spTree>
-    <p:extLst>
-      <p:ext uri="{BB962C8B-B14F-4D97-AF65-F5344CB8AC3E}">
-        <p14:creationId xmlns:p14="http://schemas.microsoft.com/office/powerpoint/2010/main" val="2076011402"/>
-      </p:ext>
-    </p:extLst>
   </p:cSld>
   <p:clrMapOvr>
     <a:masterClrMapping/>
   </p:clrMapOvr>
+  <p:transition spd="slow">
+    <p:fade/>
+  </p:transition>
 </p:sld>
 </file>
 
@@ -29921,15 +29922,15 @@
       </p:grpSpPr>
       <p:sp>
         <p:nvSpPr>
-          <p:cNvPr id="2" name="標題 1">
+          <p:cNvPr id="74754" name="Rectangle 2">
             <a:extLst>
               <a:ext uri="{FF2B5EF4-FFF2-40B4-BE49-F238E27FC236}">
-                <a16:creationId xmlns:a16="http://schemas.microsoft.com/office/drawing/2014/main" id="{A3902E19-FA30-4281-841B-1FA995320EB7}"/>
+                <a16:creationId xmlns:a16="http://schemas.microsoft.com/office/drawing/2014/main" id="{669CAEA2-C757-4C09-B6D1-A868144C8CB9}"/>
               </a:ext>
             </a:extLst>
           </p:cNvPr>
           <p:cNvSpPr>
-            <a:spLocks noGrp="1"/>
+            <a:spLocks noGrp="1" noChangeArrowheads="1"/>
           </p:cNvSpPr>
           <p:nvPr>
             <p:ph type="title"/>
@@ -29941,8 +29942,15 @@
           <a:lstStyle/>
           <a:p>
             <a:r>
-              <a:rPr lang="zh-TW" altLang="zh-TW" dirty="0"/>
-              <a:t>何謂工作說明書，試說明之</a:t>
+              <a:rPr lang="zh-TW" altLang="en-US" dirty="0"/>
+              <a:t>專案結案 記取教訓 </a:t>
+            </a:r>
+            <a:br>
+              <a:rPr lang="en-US" altLang="zh-TW" dirty="0"/>
+            </a:br>
+            <a:r>
+              <a:rPr lang="en-US" altLang="zh-TW" dirty="0"/>
+              <a:t>Lesson Learned</a:t>
             </a:r>
             <a:endParaRPr lang="zh-TW" altLang="en-US" dirty="0"/>
           </a:p>
@@ -29950,15 +29958,15 @@
       </p:sp>
       <p:sp>
         <p:nvSpPr>
-          <p:cNvPr id="3" name="內容版面配置區 2">
+          <p:cNvPr id="38915" name="Rectangle 3">
             <a:extLst>
               <a:ext uri="{FF2B5EF4-FFF2-40B4-BE49-F238E27FC236}">
-                <a16:creationId xmlns:a16="http://schemas.microsoft.com/office/drawing/2014/main" id="{68A07931-1BF5-4A0A-9739-6B920F10E87D}"/>
+                <a16:creationId xmlns:a16="http://schemas.microsoft.com/office/drawing/2014/main" id="{A0493C6E-4844-4FF2-97AB-AA5918290845}"/>
               </a:ext>
             </a:extLst>
           </p:cNvPr>
           <p:cNvSpPr>
-            <a:spLocks noGrp="1"/>
+            <a:spLocks noGrp="1" noChangeArrowheads="1"/>
           </p:cNvSpPr>
           <p:nvPr>
             <p:ph idx="1"/>
@@ -29970,86 +29978,60 @@
           <a:lstStyle/>
           <a:p>
             <a:r>
-              <a:rPr lang="zh-TW" altLang="zh-TW" dirty="0"/>
-              <a:t>工作說明書</a:t>
-            </a:r>
-            <a:r>
-              <a:rPr lang="en-US" altLang="zh-TW" dirty="0"/>
-              <a:t>(statement of work, SOW)</a:t>
-            </a:r>
-            <a:r>
-              <a:rPr lang="zh-TW" altLang="zh-TW" dirty="0"/>
-              <a:t>是專案完成時所產出之產品或服務的書面敘述，它可以是正式的或非正式的文件。</a:t>
-            </a:r>
-            <a:endParaRPr lang="en-US" altLang="zh-TW" dirty="0"/>
-          </a:p>
-          <a:p>
-            <a:r>
-              <a:rPr lang="zh-TW" altLang="zh-TW" dirty="0"/>
-              <a:t>對於組織內部專案，專案贊助者依據商業需要、產品或服務需求提供</a:t>
-            </a:r>
-            <a:r>
-              <a:rPr lang="en-US" altLang="zh-TW" dirty="0"/>
-              <a:t>SOW</a:t>
-            </a:r>
-            <a:r>
-              <a:rPr lang="zh-TW" altLang="zh-TW" dirty="0"/>
-              <a:t>。</a:t>
-            </a:r>
-            <a:endParaRPr lang="en-US" altLang="zh-TW" dirty="0"/>
-          </a:p>
-          <a:p>
-            <a:r>
-              <a:rPr lang="zh-TW" altLang="zh-TW" dirty="0"/>
-              <a:t>對於外部專案，</a:t>
-            </a:r>
-            <a:r>
-              <a:rPr lang="en-US" altLang="zh-TW" dirty="0"/>
-              <a:t>SOW</a:t>
-            </a:r>
-            <a:r>
-              <a:rPr lang="zh-TW" altLang="zh-TW" dirty="0"/>
-              <a:t>內容可以由顧客的招標文件，如提案請求書、資訊取得請求書、標單請求書。</a:t>
-            </a:r>
-          </a:p>
-        </p:txBody>
-      </p:sp>
-      <p:sp>
-        <p:nvSpPr>
-          <p:cNvPr id="4" name="投影片編號版面配置區 3">
-            <a:extLst>
-              <a:ext uri="{FF2B5EF4-FFF2-40B4-BE49-F238E27FC236}">
-                <a16:creationId xmlns:a16="http://schemas.microsoft.com/office/drawing/2014/main" id="{063E97C4-2ABA-4330-9822-647A20080554}"/>
-              </a:ext>
-            </a:extLst>
-          </p:cNvPr>
-          <p:cNvSpPr>
-            <a:spLocks noGrp="1"/>
-          </p:cNvSpPr>
-          <p:nvPr>
-            <p:ph type="sldNum" sz="quarter" idx="12"/>
-          </p:nvPr>
-        </p:nvSpPr>
-        <p:spPr/>
-        <p:txBody>
-          <a:bodyPr/>
-          <a:lstStyle/>
-          <a:p>
-            <a:fld id="{06AFB70A-E524-49E4-8F5C-48BFBE4381EC}" type="slidenum">
-              <a:rPr lang="en-US" altLang="zh-TW" smtClean="0"/>
-              <a:pPr/>
-              <a:t>86</a:t>
-            </a:fld>
-            <a:endParaRPr lang="en-US" altLang="zh-TW"/>
+              <a:rPr lang="zh-TW" altLang="en-US" dirty="0"/>
+              <a:t>由專案經理帶領團隊成員，一起檢視專案執行期間所發現的專案管理相關問題</a:t>
+            </a:r>
+          </a:p>
+          <a:p>
+            <a:r>
+              <a:rPr lang="zh-TW" altLang="en-US" dirty="0"/>
+              <a:t>進行</a:t>
+            </a:r>
+            <a:r>
+              <a:rPr lang="en-US" altLang="zh-TW" dirty="0"/>
+              <a:t>360</a:t>
+            </a:r>
+            <a:r>
+              <a:rPr lang="zh-TW" altLang="en-US" dirty="0"/>
+              <a:t>度的評估，汲取所有利害關係人的意見，藉此拓展專案知識</a:t>
+            </a:r>
+          </a:p>
+          <a:p>
+            <a:r>
+              <a:rPr lang="zh-TW" altLang="en-US" dirty="0"/>
+              <a:t>與人分享本次專案所遭過的問題，以及日後如何避免這類問題的方法</a:t>
+            </a:r>
+          </a:p>
+          <a:p>
+            <a:r>
+              <a:rPr lang="zh-TW" altLang="en-US" dirty="0"/>
+              <a:t>專案經理應該做到下列幾點</a:t>
+            </a:r>
+          </a:p>
+          <a:p>
+            <a:pPr lvl="1"/>
+            <a:r>
+              <a:rPr lang="zh-TW" altLang="en-US" dirty="0"/>
+              <a:t>記錄問題與其衝擊</a:t>
+            </a:r>
+          </a:p>
+          <a:p>
+            <a:pPr lvl="1"/>
+            <a:r>
+              <a:rPr lang="zh-TW" altLang="en-US" dirty="0"/>
+              <a:t>探究根本原因</a:t>
+            </a:r>
+          </a:p>
+          <a:p>
+            <a:pPr lvl="1"/>
+            <a:r>
+              <a:rPr lang="zh-TW" altLang="en-US" dirty="0"/>
+              <a:t>記錄建議改進做法   </a:t>
+            </a:r>
           </a:p>
         </p:txBody>
       </p:sp>
     </p:spTree>
-    <p:extLst>
-      <p:ext uri="{BB962C8B-B14F-4D97-AF65-F5344CB8AC3E}">
-        <p14:creationId xmlns:p14="http://schemas.microsoft.com/office/powerpoint/2010/main" val="4197588948"/>
-      </p:ext>
-    </p:extLst>
   </p:cSld>
   <p:clrMapOvr>
     <a:masterClrMapping/>
@@ -30079,6 +30061,402 @@
           <p:cNvPr id="2" name="標題 1">
             <a:extLst>
               <a:ext uri="{FF2B5EF4-FFF2-40B4-BE49-F238E27FC236}">
+                <a16:creationId xmlns:a16="http://schemas.microsoft.com/office/drawing/2014/main" id="{DC9A94CC-18EA-47F7-9519-7EB31B23179F}"/>
+              </a:ext>
+            </a:extLst>
+          </p:cNvPr>
+          <p:cNvSpPr>
+            <a:spLocks noGrp="1"/>
+          </p:cNvSpPr>
+          <p:nvPr>
+            <p:ph type="title"/>
+          </p:nvPr>
+        </p:nvSpPr>
+        <p:spPr/>
+        <p:txBody>
+          <a:bodyPr/>
+          <a:lstStyle/>
+          <a:p>
+            <a:r>
+              <a:rPr lang="en-US" altLang="zh-TW" dirty="0"/>
+              <a:t>Wrap Up</a:t>
+            </a:r>
+            <a:endParaRPr lang="zh-TW" altLang="en-US" dirty="0"/>
+          </a:p>
+        </p:txBody>
+      </p:sp>
+      <p:sp>
+        <p:nvSpPr>
+          <p:cNvPr id="4" name="內容版面配置區 3">
+            <a:extLst>
+              <a:ext uri="{FF2B5EF4-FFF2-40B4-BE49-F238E27FC236}">
+                <a16:creationId xmlns:a16="http://schemas.microsoft.com/office/drawing/2014/main" id="{F4455607-487B-4BAA-ADBC-DD732BD1ED7D}"/>
+              </a:ext>
+            </a:extLst>
+          </p:cNvPr>
+          <p:cNvSpPr>
+            <a:spLocks noGrp="1"/>
+          </p:cNvSpPr>
+          <p:nvPr>
+            <p:ph sz="half" idx="1"/>
+          </p:nvPr>
+        </p:nvSpPr>
+        <p:spPr/>
+        <p:txBody>
+          <a:bodyPr/>
+          <a:lstStyle/>
+          <a:p>
+            <a:r>
+              <a:rPr lang="zh-TW" altLang="en-US" dirty="0"/>
+              <a:t>專案整合管理過程貫穿整個專案生命週期</a:t>
+            </a:r>
+            <a:endParaRPr lang="en-US" altLang="zh-TW" dirty="0"/>
+          </a:p>
+          <a:p>
+            <a:pPr lvl="1"/>
+            <a:r>
+              <a:rPr lang="zh-TW" altLang="en-US" dirty="0"/>
+              <a:t>發展專案章程</a:t>
+            </a:r>
+            <a:endParaRPr lang="en-US" altLang="zh-TW" dirty="0"/>
+          </a:p>
+          <a:p>
+            <a:pPr lvl="1"/>
+            <a:r>
+              <a:rPr lang="zh-TW" altLang="en-US" dirty="0"/>
+              <a:t>發展專案管理計畫</a:t>
+            </a:r>
+            <a:endParaRPr lang="en-US" altLang="zh-TW" dirty="0"/>
+          </a:p>
+          <a:p>
+            <a:pPr lvl="1"/>
+            <a:r>
+              <a:rPr lang="zh-TW" altLang="en-US" dirty="0"/>
+              <a:t>指導和管理專案執行</a:t>
+            </a:r>
+            <a:endParaRPr lang="en-US" altLang="zh-TW" dirty="0"/>
+          </a:p>
+          <a:p>
+            <a:pPr lvl="1"/>
+            <a:r>
+              <a:rPr lang="zh-TW" altLang="en-US" dirty="0"/>
+              <a:t>管理專案知識</a:t>
+            </a:r>
+            <a:endParaRPr lang="en-US" altLang="zh-TW" dirty="0"/>
+          </a:p>
+          <a:p>
+            <a:pPr lvl="1"/>
+            <a:r>
+              <a:rPr lang="zh-TW" altLang="en-US" dirty="0"/>
+              <a:t>監視和管制專案</a:t>
+            </a:r>
+            <a:endParaRPr lang="en-US" altLang="zh-TW" dirty="0"/>
+          </a:p>
+          <a:p>
+            <a:pPr lvl="1"/>
+            <a:r>
+              <a:rPr lang="zh-TW" altLang="en-US" dirty="0"/>
+              <a:t>執行整合變更控制</a:t>
+            </a:r>
+            <a:endParaRPr lang="en-US" altLang="zh-TW" dirty="0"/>
+          </a:p>
+          <a:p>
+            <a:pPr lvl="1"/>
+            <a:r>
+              <a:rPr lang="zh-TW" altLang="en-US" dirty="0"/>
+              <a:t>結案</a:t>
+            </a:r>
+            <a:endParaRPr lang="en-US" altLang="zh-TW" dirty="0"/>
+          </a:p>
+        </p:txBody>
+      </p:sp>
+      <p:sp>
+        <p:nvSpPr>
+          <p:cNvPr id="12" name="內容版面配置區 11">
+            <a:extLst>
+              <a:ext uri="{FF2B5EF4-FFF2-40B4-BE49-F238E27FC236}">
+                <a16:creationId xmlns:a16="http://schemas.microsoft.com/office/drawing/2014/main" id="{2FFB8650-4417-40FD-B4B4-78BED9A890DA}"/>
+              </a:ext>
+            </a:extLst>
+          </p:cNvPr>
+          <p:cNvSpPr>
+            <a:spLocks noGrp="1"/>
+          </p:cNvSpPr>
+          <p:nvPr>
+            <p:ph sz="half" idx="2"/>
+          </p:nvPr>
+        </p:nvSpPr>
+        <p:spPr/>
+        <p:txBody>
+          <a:bodyPr/>
+          <a:lstStyle/>
+          <a:p>
+            <a:r>
+              <a:rPr lang="zh-TW" altLang="zh-TW" dirty="0"/>
+              <a:t>專案三個基線</a:t>
+            </a:r>
+            <a:r>
+              <a:rPr lang="en-US" altLang="zh-TW" dirty="0"/>
+              <a:t> Baseline</a:t>
+            </a:r>
+            <a:endParaRPr lang="zh-TW" altLang="en-US" dirty="0"/>
+          </a:p>
+          <a:p>
+            <a:pPr lvl="1"/>
+            <a:r>
+              <a:rPr lang="zh-TW" altLang="zh-TW" dirty="0"/>
+              <a:t>範疇</a:t>
+            </a:r>
+            <a:r>
+              <a:rPr lang="en-US" altLang="zh-TW" dirty="0"/>
+              <a:t> Scope</a:t>
+            </a:r>
+          </a:p>
+          <a:p>
+            <a:pPr lvl="1"/>
+            <a:r>
+              <a:rPr lang="zh-TW" altLang="zh-TW" dirty="0"/>
+              <a:t>成本</a:t>
+            </a:r>
+            <a:r>
+              <a:rPr lang="en-US" altLang="zh-TW" dirty="0"/>
+              <a:t> Cost</a:t>
+            </a:r>
+          </a:p>
+          <a:p>
+            <a:pPr lvl="1"/>
+            <a:r>
+              <a:rPr lang="zh-TW" altLang="zh-TW" dirty="0"/>
+              <a:t>時程</a:t>
+            </a:r>
+            <a:r>
+              <a:rPr lang="en-US" altLang="zh-TW" dirty="0"/>
+              <a:t> Schedule</a:t>
+            </a:r>
+            <a:endParaRPr lang="zh-TW" altLang="en-US" dirty="0"/>
+          </a:p>
+        </p:txBody>
+      </p:sp>
+      <p:sp>
+        <p:nvSpPr>
+          <p:cNvPr id="3" name="投影片編號版面配置區 2">
+            <a:extLst>
+              <a:ext uri="{FF2B5EF4-FFF2-40B4-BE49-F238E27FC236}">
+                <a16:creationId xmlns:a16="http://schemas.microsoft.com/office/drawing/2014/main" id="{FC68D03B-1775-4682-8063-BF01335DD00C}"/>
+              </a:ext>
+            </a:extLst>
+          </p:cNvPr>
+          <p:cNvSpPr>
+            <a:spLocks noGrp="1"/>
+          </p:cNvSpPr>
+          <p:nvPr>
+            <p:ph type="sldNum" sz="quarter" idx="12"/>
+          </p:nvPr>
+        </p:nvSpPr>
+        <p:spPr/>
+        <p:txBody>
+          <a:bodyPr/>
+          <a:lstStyle/>
+          <a:p>
+            <a:fld id="{0BC55746-04A1-42DC-A0BC-1E09A8E18DBD}" type="slidenum">
+              <a:rPr lang="en-US" altLang="zh-TW" smtClean="0"/>
+              <a:pPr/>
+              <a:t>87</a:t>
+            </a:fld>
+            <a:endParaRPr lang="en-US" altLang="zh-TW"/>
+          </a:p>
+        </p:txBody>
+      </p:sp>
+    </p:spTree>
+    <p:extLst>
+      <p:ext uri="{BB962C8B-B14F-4D97-AF65-F5344CB8AC3E}">
+        <p14:creationId xmlns:p14="http://schemas.microsoft.com/office/powerpoint/2010/main" val="2076011402"/>
+      </p:ext>
+    </p:extLst>
+  </p:cSld>
+  <p:clrMapOvr>
+    <a:masterClrMapping/>
+  </p:clrMapOvr>
+</p:sld>
+</file>
+
+<file path=ppt/slides/slide88.xml><?xml version="1.0" encoding="utf-8"?>
+<p:sld xmlns:a="http://schemas.openxmlformats.org/drawingml/2006/main" xmlns:r="http://schemas.openxmlformats.org/officeDocument/2006/relationships" xmlns:p="http://schemas.openxmlformats.org/presentationml/2006/main">
+  <p:cSld>
+    <p:spTree>
+      <p:nvGrpSpPr>
+        <p:cNvPr id="1" name=""/>
+        <p:cNvGrpSpPr/>
+        <p:nvPr/>
+      </p:nvGrpSpPr>
+      <p:grpSpPr>
+        <a:xfrm>
+          <a:off x="0" y="0"/>
+          <a:ext cx="0" cy="0"/>
+          <a:chOff x="0" y="0"/>
+          <a:chExt cx="0" cy="0"/>
+        </a:xfrm>
+      </p:grpSpPr>
+      <p:sp>
+        <p:nvSpPr>
+          <p:cNvPr id="2" name="標題 1">
+            <a:extLst>
+              <a:ext uri="{FF2B5EF4-FFF2-40B4-BE49-F238E27FC236}">
+                <a16:creationId xmlns:a16="http://schemas.microsoft.com/office/drawing/2014/main" id="{A3902E19-FA30-4281-841B-1FA995320EB7}"/>
+              </a:ext>
+            </a:extLst>
+          </p:cNvPr>
+          <p:cNvSpPr>
+            <a:spLocks noGrp="1"/>
+          </p:cNvSpPr>
+          <p:nvPr>
+            <p:ph type="title"/>
+          </p:nvPr>
+        </p:nvSpPr>
+        <p:spPr/>
+        <p:txBody>
+          <a:bodyPr/>
+          <a:lstStyle/>
+          <a:p>
+            <a:r>
+              <a:rPr lang="zh-TW" altLang="zh-TW" dirty="0"/>
+              <a:t>何謂工作說明書，試說明之</a:t>
+            </a:r>
+            <a:endParaRPr lang="zh-TW" altLang="en-US" dirty="0"/>
+          </a:p>
+        </p:txBody>
+      </p:sp>
+      <p:sp>
+        <p:nvSpPr>
+          <p:cNvPr id="3" name="內容版面配置區 2">
+            <a:extLst>
+              <a:ext uri="{FF2B5EF4-FFF2-40B4-BE49-F238E27FC236}">
+                <a16:creationId xmlns:a16="http://schemas.microsoft.com/office/drawing/2014/main" id="{68A07931-1BF5-4A0A-9739-6B920F10E87D}"/>
+              </a:ext>
+            </a:extLst>
+          </p:cNvPr>
+          <p:cNvSpPr>
+            <a:spLocks noGrp="1"/>
+          </p:cNvSpPr>
+          <p:nvPr>
+            <p:ph idx="1"/>
+          </p:nvPr>
+        </p:nvSpPr>
+        <p:spPr/>
+        <p:txBody>
+          <a:bodyPr/>
+          <a:lstStyle/>
+          <a:p>
+            <a:r>
+              <a:rPr lang="zh-TW" altLang="zh-TW" dirty="0"/>
+              <a:t>工作說明書</a:t>
+            </a:r>
+            <a:r>
+              <a:rPr lang="en-US" altLang="zh-TW" dirty="0"/>
+              <a:t>(statement of work, SOW)</a:t>
+            </a:r>
+            <a:r>
+              <a:rPr lang="zh-TW" altLang="zh-TW" dirty="0"/>
+              <a:t>是專案完成時所產出之產品或服務的書面敘述，它可以是正式的或非正式的文件。</a:t>
+            </a:r>
+            <a:endParaRPr lang="en-US" altLang="zh-TW" dirty="0"/>
+          </a:p>
+          <a:p>
+            <a:r>
+              <a:rPr lang="zh-TW" altLang="zh-TW" dirty="0"/>
+              <a:t>對於組織內部專案，專案贊助者依據商業需要、產品或服務需求提供</a:t>
+            </a:r>
+            <a:r>
+              <a:rPr lang="en-US" altLang="zh-TW" dirty="0"/>
+              <a:t>SOW</a:t>
+            </a:r>
+            <a:r>
+              <a:rPr lang="zh-TW" altLang="zh-TW" dirty="0"/>
+              <a:t>。</a:t>
+            </a:r>
+            <a:endParaRPr lang="en-US" altLang="zh-TW" dirty="0"/>
+          </a:p>
+          <a:p>
+            <a:r>
+              <a:rPr lang="zh-TW" altLang="zh-TW" dirty="0"/>
+              <a:t>對於外部專案，</a:t>
+            </a:r>
+            <a:r>
+              <a:rPr lang="en-US" altLang="zh-TW" dirty="0"/>
+              <a:t>SOW</a:t>
+            </a:r>
+            <a:r>
+              <a:rPr lang="zh-TW" altLang="zh-TW" dirty="0"/>
+              <a:t>內容可以由顧客的招標文件，如提案請求書、資訊取得請求書、標單請求書。</a:t>
+            </a:r>
+          </a:p>
+        </p:txBody>
+      </p:sp>
+      <p:sp>
+        <p:nvSpPr>
+          <p:cNvPr id="4" name="投影片編號版面配置區 3">
+            <a:extLst>
+              <a:ext uri="{FF2B5EF4-FFF2-40B4-BE49-F238E27FC236}">
+                <a16:creationId xmlns:a16="http://schemas.microsoft.com/office/drawing/2014/main" id="{063E97C4-2ABA-4330-9822-647A20080554}"/>
+              </a:ext>
+            </a:extLst>
+          </p:cNvPr>
+          <p:cNvSpPr>
+            <a:spLocks noGrp="1"/>
+          </p:cNvSpPr>
+          <p:nvPr>
+            <p:ph type="sldNum" sz="quarter" idx="12"/>
+          </p:nvPr>
+        </p:nvSpPr>
+        <p:spPr/>
+        <p:txBody>
+          <a:bodyPr/>
+          <a:lstStyle/>
+          <a:p>
+            <a:fld id="{06AFB70A-E524-49E4-8F5C-48BFBE4381EC}" type="slidenum">
+              <a:rPr lang="en-US" altLang="zh-TW" smtClean="0"/>
+              <a:pPr/>
+              <a:t>88</a:t>
+            </a:fld>
+            <a:endParaRPr lang="en-US" altLang="zh-TW"/>
+          </a:p>
+        </p:txBody>
+      </p:sp>
+    </p:spTree>
+    <p:extLst>
+      <p:ext uri="{BB962C8B-B14F-4D97-AF65-F5344CB8AC3E}">
+        <p14:creationId xmlns:p14="http://schemas.microsoft.com/office/powerpoint/2010/main" val="4197588948"/>
+      </p:ext>
+    </p:extLst>
+  </p:cSld>
+  <p:clrMapOvr>
+    <a:masterClrMapping/>
+  </p:clrMapOvr>
+</p:sld>
+</file>
+
+<file path=ppt/slides/slide89.xml><?xml version="1.0" encoding="utf-8"?>
+<p:sld xmlns:a="http://schemas.openxmlformats.org/drawingml/2006/main" xmlns:r="http://schemas.openxmlformats.org/officeDocument/2006/relationships" xmlns:p="http://schemas.openxmlformats.org/presentationml/2006/main">
+  <p:cSld>
+    <p:spTree>
+      <p:nvGrpSpPr>
+        <p:cNvPr id="1" name=""/>
+        <p:cNvGrpSpPr/>
+        <p:nvPr/>
+      </p:nvGrpSpPr>
+      <p:grpSpPr>
+        <a:xfrm>
+          <a:off x="0" y="0"/>
+          <a:ext cx="0" cy="0"/>
+          <a:chOff x="0" y="0"/>
+          <a:chExt cx="0" cy="0"/>
+        </a:xfrm>
+      </p:grpSpPr>
+      <p:sp>
+        <p:nvSpPr>
+          <p:cNvPr id="2" name="標題 1">
+            <a:extLst>
+              <a:ext uri="{FF2B5EF4-FFF2-40B4-BE49-F238E27FC236}">
                 <a16:creationId xmlns:a16="http://schemas.microsoft.com/office/drawing/2014/main" id="{0B480913-B62F-45B1-BA6E-841A92770E1A}"/>
               </a:ext>
             </a:extLst>
@@ -30235,7 +30613,7 @@
             <a:fld id="{06AFB70A-E524-49E4-8F5C-48BFBE4381EC}" type="slidenum">
               <a:rPr lang="en-US" altLang="zh-TW" smtClean="0"/>
               <a:pPr/>
-              <a:t>87</a:t>
+              <a:t>89</a:t>
             </a:fld>
             <a:endParaRPr lang="en-US" altLang="zh-TW"/>
           </a:p>
